--- a/Regression Project – PTDS 2403.pptx
+++ b/Regression Project – PTDS 2403.pptx
@@ -7,11 +7,24 @@
   <p:sldIdLst>
     <p:sldId id="257" r:id="rId2"/>
     <p:sldId id="262" r:id="rId3"/>
-    <p:sldId id="259" r:id="rId4"/>
-    <p:sldId id="261" r:id="rId5"/>
-    <p:sldId id="263" r:id="rId6"/>
-    <p:sldId id="264" r:id="rId7"/>
-    <p:sldId id="260" r:id="rId8"/>
+    <p:sldId id="270" r:id="rId4"/>
+    <p:sldId id="259" r:id="rId5"/>
+    <p:sldId id="267" r:id="rId6"/>
+    <p:sldId id="261" r:id="rId7"/>
+    <p:sldId id="266" r:id="rId8"/>
+    <p:sldId id="263" r:id="rId9"/>
+    <p:sldId id="268" r:id="rId10"/>
+    <p:sldId id="264" r:id="rId11"/>
+    <p:sldId id="265" r:id="rId12"/>
+    <p:sldId id="269" r:id="rId13"/>
+    <p:sldId id="271" r:id="rId14"/>
+    <p:sldId id="272" r:id="rId15"/>
+    <p:sldId id="273" r:id="rId16"/>
+    <p:sldId id="274" r:id="rId17"/>
+    <p:sldId id="275" r:id="rId18"/>
+    <p:sldId id="276" r:id="rId19"/>
+    <p:sldId id="278" r:id="rId20"/>
+    <p:sldId id="277" r:id="rId21"/>
   </p:sldIdLst>
   <p:sldSz cx="12192000" cy="6858000"/>
   <p:notesSz cx="6858000" cy="9144000"/>
@@ -110,13 +123,18 @@
       </a:defRPr>
     </a:lvl9pPr>
   </p:defaultTextStyle>
+  <p:extLst>
+    <p:ext uri="{EFAFB233-063F-42B5-8137-9DF3F51BA10A}">
+      <p15:sldGuideLst xmlns:p15="http://schemas.microsoft.com/office/powerpoint/2012/main"/>
+    </p:ext>
+  </p:extLst>
 </p:presentation>
 </file>
 
 <file path=ppt/revisionInfo.xml><?xml version="1.0" encoding="utf-8"?>
 <p1510:revInfo xmlns:a="http://schemas.openxmlformats.org/drawingml/2006/main" xmlns:r="http://schemas.openxmlformats.org/officeDocument/2006/relationships" xmlns:p1510="http://schemas.microsoft.com/office/powerpoint/2015/10/main">
   <p1510:revLst>
-    <p1510:client id="{B5FBFEB0-C1FE-48AB-A337-12350F9C07AD}" v="3" dt="2024-10-28T17:34:12.135"/>
+    <p1510:client id="{B5FBFEB0-C1FE-48AB-A337-12350F9C07AD}" v="11" dt="2024-10-30T17:55:02.019"/>
   </p1510:revLst>
 </p1510:revInfo>
 </file>
@@ -125,11 +143,18 @@
 <pc:chgInfo xmlns:a="http://schemas.openxmlformats.org/drawingml/2006/main" xmlns:r="http://schemas.openxmlformats.org/officeDocument/2006/relationships" xmlns:ac="http://schemas.microsoft.com/office/drawing/2013/main/command" xmlns:pc="http://schemas.microsoft.com/office/powerpoint/2013/main/command">
   <pc:docChgLst>
     <pc:chgData name="Harrison, David" userId="4460236b-8b4e-4afe-9cfa-4abcba17e55c" providerId="ADAL" clId="{B5FBFEB0-C1FE-48AB-A337-12350F9C07AD}"/>
-    <pc:docChg chg="undo custSel addSld modSld">
-      <pc:chgData name="Harrison, David" userId="4460236b-8b4e-4afe-9cfa-4abcba17e55c" providerId="ADAL" clId="{B5FBFEB0-C1FE-48AB-A337-12350F9C07AD}" dt="2024-10-28T17:36:02.046" v="715" actId="20577"/>
+    <pc:docChg chg="undo custSel addSld delSld modSld sldOrd">
+      <pc:chgData name="Harrison, David" userId="4460236b-8b4e-4afe-9cfa-4abcba17e55c" providerId="ADAL" clId="{B5FBFEB0-C1FE-48AB-A337-12350F9C07AD}" dt="2024-10-30T18:01:52.961" v="2018" actId="20577"/>
       <pc:docMkLst>
         <pc:docMk/>
       </pc:docMkLst>
+      <pc:sldChg chg="del">
+        <pc:chgData name="Harrison, David" userId="4460236b-8b4e-4afe-9cfa-4abcba17e55c" providerId="ADAL" clId="{B5FBFEB0-C1FE-48AB-A337-12350F9C07AD}" dt="2024-10-30T17:36:24.192" v="732" actId="47"/>
+        <pc:sldMkLst>
+          <pc:docMk/>
+          <pc:sldMk cId="657838062" sldId="260"/>
+        </pc:sldMkLst>
+      </pc:sldChg>
       <pc:sldChg chg="addSp delSp modSp add mod">
         <pc:chgData name="Harrison, David" userId="4460236b-8b4e-4afe-9cfa-4abcba17e55c" providerId="ADAL" clId="{B5FBFEB0-C1FE-48AB-A337-12350F9C07AD}" dt="2024-10-28T17:13:38.991" v="493" actId="1076"/>
         <pc:sldMkLst>
@@ -178,7 +203,7 @@
         </pc:picChg>
       </pc:sldChg>
       <pc:sldChg chg="addSp delSp modSp add mod">
-        <pc:chgData name="Harrison, David" userId="4460236b-8b4e-4afe-9cfa-4abcba17e55c" providerId="ADAL" clId="{B5FBFEB0-C1FE-48AB-A337-12350F9C07AD}" dt="2024-10-28T17:36:02.046" v="715" actId="20577"/>
+        <pc:chgData name="Harrison, David" userId="4460236b-8b4e-4afe-9cfa-4abcba17e55c" providerId="ADAL" clId="{B5FBFEB0-C1FE-48AB-A337-12350F9C07AD}" dt="2024-10-30T17:36:17.245" v="731" actId="20577"/>
         <pc:sldMkLst>
           <pc:docMk/>
           <pc:sldMk cId="2889675519" sldId="264"/>
@@ -192,7 +217,7 @@
           </ac:spMkLst>
         </pc:spChg>
         <pc:spChg chg="mod">
-          <ac:chgData name="Harrison, David" userId="4460236b-8b4e-4afe-9cfa-4abcba17e55c" providerId="ADAL" clId="{B5FBFEB0-C1FE-48AB-A337-12350F9C07AD}" dt="2024-10-28T17:36:02.046" v="715" actId="20577"/>
+          <ac:chgData name="Harrison, David" userId="4460236b-8b4e-4afe-9cfa-4abcba17e55c" providerId="ADAL" clId="{B5FBFEB0-C1FE-48AB-A337-12350F9C07AD}" dt="2024-10-30T17:36:17.245" v="731" actId="20577"/>
           <ac:spMkLst>
             <pc:docMk/>
             <pc:sldMk cId="2889675519" sldId="264"/>
@@ -240,6 +265,360 @@
           </ac:picMkLst>
         </pc:picChg>
       </pc:sldChg>
+      <pc:sldChg chg="addSp delSp modSp add mod">
+        <pc:chgData name="Harrison, David" userId="4460236b-8b4e-4afe-9cfa-4abcba17e55c" providerId="ADAL" clId="{B5FBFEB0-C1FE-48AB-A337-12350F9C07AD}" dt="2024-10-30T17:42:28.458" v="1269" actId="20577"/>
+        <pc:sldMkLst>
+          <pc:docMk/>
+          <pc:sldMk cId="4255357379" sldId="265"/>
+        </pc:sldMkLst>
+        <pc:spChg chg="mod">
+          <ac:chgData name="Harrison, David" userId="4460236b-8b4e-4afe-9cfa-4abcba17e55c" providerId="ADAL" clId="{B5FBFEB0-C1FE-48AB-A337-12350F9C07AD}" dt="2024-10-30T17:37:59.679" v="753" actId="20577"/>
+          <ac:spMkLst>
+            <pc:docMk/>
+            <pc:sldMk cId="4255357379" sldId="265"/>
+            <ac:spMk id="2" creationId="{8FA41FBD-C06F-10A3-554F-969FD5A7AE07}"/>
+          </ac:spMkLst>
+        </pc:spChg>
+        <pc:spChg chg="mod">
+          <ac:chgData name="Harrison, David" userId="4460236b-8b4e-4afe-9cfa-4abcba17e55c" providerId="ADAL" clId="{B5FBFEB0-C1FE-48AB-A337-12350F9C07AD}" dt="2024-10-30T17:42:28.458" v="1269" actId="20577"/>
+          <ac:spMkLst>
+            <pc:docMk/>
+            <pc:sldMk cId="4255357379" sldId="265"/>
+            <ac:spMk id="4" creationId="{D7A34831-34ED-04D6-BE70-1DBCB7806A07}"/>
+          </ac:spMkLst>
+        </pc:spChg>
+        <pc:spChg chg="add del mod">
+          <ac:chgData name="Harrison, David" userId="4460236b-8b4e-4afe-9cfa-4abcba17e55c" providerId="ADAL" clId="{B5FBFEB0-C1FE-48AB-A337-12350F9C07AD}" dt="2024-10-30T17:37:32.294" v="735"/>
+          <ac:spMkLst>
+            <pc:docMk/>
+            <pc:sldMk cId="4255357379" sldId="265"/>
+            <ac:spMk id="5" creationId="{06DA7EE7-ED89-2B53-415C-F6EB8ADBE908}"/>
+          </ac:spMkLst>
+        </pc:spChg>
+        <pc:picChg chg="add mod">
+          <ac:chgData name="Harrison, David" userId="4460236b-8b4e-4afe-9cfa-4abcba17e55c" providerId="ADAL" clId="{B5FBFEB0-C1FE-48AB-A337-12350F9C07AD}" dt="2024-10-30T17:37:32.294" v="735"/>
+          <ac:picMkLst>
+            <pc:docMk/>
+            <pc:sldMk cId="4255357379" sldId="265"/>
+            <ac:picMk id="6" creationId="{D19A6704-C451-771B-3FE4-D1B95610E40D}"/>
+          </ac:picMkLst>
+        </pc:picChg>
+        <pc:picChg chg="del">
+          <ac:chgData name="Harrison, David" userId="4460236b-8b4e-4afe-9cfa-4abcba17e55c" providerId="ADAL" clId="{B5FBFEB0-C1FE-48AB-A337-12350F9C07AD}" dt="2024-10-30T17:37:29.256" v="734" actId="478"/>
+          <ac:picMkLst>
+            <pc:docMk/>
+            <pc:sldMk cId="4255357379" sldId="265"/>
+            <ac:picMk id="10" creationId="{3E6BC50E-A18D-EB41-F702-DA798A30F03D}"/>
+          </ac:picMkLst>
+        </pc:picChg>
+      </pc:sldChg>
+      <pc:sldChg chg="addSp delSp modSp add mod">
+        <pc:chgData name="Harrison, David" userId="4460236b-8b4e-4afe-9cfa-4abcba17e55c" providerId="ADAL" clId="{B5FBFEB0-C1FE-48AB-A337-12350F9C07AD}" dt="2024-10-30T17:54:02.945" v="1635" actId="1076"/>
+        <pc:sldMkLst>
+          <pc:docMk/>
+          <pc:sldMk cId="1915401700" sldId="266"/>
+        </pc:sldMkLst>
+        <pc:spChg chg="mod">
+          <ac:chgData name="Harrison, David" userId="4460236b-8b4e-4afe-9cfa-4abcba17e55c" providerId="ADAL" clId="{B5FBFEB0-C1FE-48AB-A337-12350F9C07AD}" dt="2024-10-30T17:49:21.479" v="1631" actId="20577"/>
+          <ac:spMkLst>
+            <pc:docMk/>
+            <pc:sldMk cId="1915401700" sldId="266"/>
+            <ac:spMk id="4" creationId="{806F9D76-1D40-374B-28AE-3CEF05D398F2}"/>
+          </ac:spMkLst>
+        </pc:spChg>
+        <pc:spChg chg="add del mod">
+          <ac:chgData name="Harrison, David" userId="4460236b-8b4e-4afe-9cfa-4abcba17e55c" providerId="ADAL" clId="{B5FBFEB0-C1FE-48AB-A337-12350F9C07AD}" dt="2024-10-30T17:47:22.048" v="1283"/>
+          <ac:spMkLst>
+            <pc:docMk/>
+            <pc:sldMk cId="1915401700" sldId="266"/>
+            <ac:spMk id="5" creationId="{DA3CC4B2-2EC0-9EEC-642F-C99332858542}"/>
+          </ac:spMkLst>
+        </pc:spChg>
+        <pc:spChg chg="add del mod">
+          <ac:chgData name="Harrison, David" userId="4460236b-8b4e-4afe-9cfa-4abcba17e55c" providerId="ADAL" clId="{B5FBFEB0-C1FE-48AB-A337-12350F9C07AD}" dt="2024-10-30T17:53:55.607" v="1633"/>
+          <ac:spMkLst>
+            <pc:docMk/>
+            <pc:sldMk cId="1915401700" sldId="266"/>
+            <ac:spMk id="11" creationId="{BA6786C3-3453-6AC6-5B57-223D3FE37113}"/>
+          </ac:spMkLst>
+        </pc:spChg>
+        <pc:graphicFrameChg chg="add del mod ord modGraphic">
+          <ac:chgData name="Harrison, David" userId="4460236b-8b4e-4afe-9cfa-4abcba17e55c" providerId="ADAL" clId="{B5FBFEB0-C1FE-48AB-A337-12350F9C07AD}" dt="2024-10-30T17:47:07.572" v="1282" actId="3680"/>
+          <ac:graphicFrameMkLst>
+            <pc:docMk/>
+            <pc:sldMk cId="1915401700" sldId="266"/>
+            <ac:graphicFrameMk id="8" creationId="{DAD22B2A-FECC-513D-D2D4-CE4F54207AB9}"/>
+          </ac:graphicFrameMkLst>
+        </pc:graphicFrameChg>
+        <pc:picChg chg="del">
+          <ac:chgData name="Harrison, David" userId="4460236b-8b4e-4afe-9cfa-4abcba17e55c" providerId="ADAL" clId="{B5FBFEB0-C1FE-48AB-A337-12350F9C07AD}" dt="2024-10-30T17:46:21.856" v="1271" actId="478"/>
+          <ac:picMkLst>
+            <pc:docMk/>
+            <pc:sldMk cId="1915401700" sldId="266"/>
+            <ac:picMk id="6" creationId="{1BC3E425-4087-750B-2066-F3BE7BDD06A2}"/>
+          </ac:picMkLst>
+        </pc:picChg>
+        <pc:picChg chg="add mod">
+          <ac:chgData name="Harrison, David" userId="4460236b-8b4e-4afe-9cfa-4abcba17e55c" providerId="ADAL" clId="{B5FBFEB0-C1FE-48AB-A337-12350F9C07AD}" dt="2024-10-30T17:46:29.094" v="1273"/>
+          <ac:picMkLst>
+            <pc:docMk/>
+            <pc:sldMk cId="1915401700" sldId="266"/>
+            <ac:picMk id="7" creationId="{B841B54C-E87E-FD8B-C00B-2DB4D748EFB0}"/>
+          </ac:picMkLst>
+        </pc:picChg>
+        <pc:picChg chg="add del mod">
+          <ac:chgData name="Harrison, David" userId="4460236b-8b4e-4afe-9cfa-4abcba17e55c" providerId="ADAL" clId="{B5FBFEB0-C1FE-48AB-A337-12350F9C07AD}" dt="2024-10-30T17:53:53.029" v="1632" actId="478"/>
+          <ac:picMkLst>
+            <pc:docMk/>
+            <pc:sldMk cId="1915401700" sldId="266"/>
+            <ac:picMk id="9" creationId="{F087A297-CE6B-54B8-24D1-FCE322643EEF}"/>
+          </ac:picMkLst>
+        </pc:picChg>
+        <pc:picChg chg="add mod">
+          <ac:chgData name="Harrison, David" userId="4460236b-8b4e-4afe-9cfa-4abcba17e55c" providerId="ADAL" clId="{B5FBFEB0-C1FE-48AB-A337-12350F9C07AD}" dt="2024-10-30T17:54:02.945" v="1635" actId="1076"/>
+          <ac:picMkLst>
+            <pc:docMk/>
+            <pc:sldMk cId="1915401700" sldId="266"/>
+            <ac:picMk id="12" creationId="{5D452D45-BA11-53FB-C444-DE6DDB95D1EB}"/>
+          </ac:picMkLst>
+        </pc:picChg>
+      </pc:sldChg>
+      <pc:sldChg chg="addSp delSp modSp add mod ord">
+        <pc:chgData name="Harrison, David" userId="4460236b-8b4e-4afe-9cfa-4abcba17e55c" providerId="ADAL" clId="{B5FBFEB0-C1FE-48AB-A337-12350F9C07AD}" dt="2024-10-30T17:56:06.647" v="1660" actId="313"/>
+        <pc:sldMkLst>
+          <pc:docMk/>
+          <pc:sldMk cId="70439564" sldId="267"/>
+        </pc:sldMkLst>
+        <pc:spChg chg="mod">
+          <ac:chgData name="Harrison, David" userId="4460236b-8b4e-4afe-9cfa-4abcba17e55c" providerId="ADAL" clId="{B5FBFEB0-C1FE-48AB-A337-12350F9C07AD}" dt="2024-10-30T17:56:06.647" v="1660" actId="313"/>
+          <ac:spMkLst>
+            <pc:docMk/>
+            <pc:sldMk cId="70439564" sldId="267"/>
+            <ac:spMk id="2" creationId="{4BB805B4-3F0B-F0F1-7C6D-ED49FBC9B95A}"/>
+          </ac:spMkLst>
+        </pc:spChg>
+        <pc:spChg chg="mod">
+          <ac:chgData name="Harrison, David" userId="4460236b-8b4e-4afe-9cfa-4abcba17e55c" providerId="ADAL" clId="{B5FBFEB0-C1FE-48AB-A337-12350F9C07AD}" dt="2024-10-30T17:55:41.987" v="1659" actId="6549"/>
+          <ac:spMkLst>
+            <pc:docMk/>
+            <pc:sldMk cId="70439564" sldId="267"/>
+            <ac:spMk id="4" creationId="{1774DAAB-5B2A-B3A4-DFEC-7213D295D06D}"/>
+          </ac:spMkLst>
+        </pc:spChg>
+        <pc:spChg chg="add del mod">
+          <ac:chgData name="Harrison, David" userId="4460236b-8b4e-4afe-9cfa-4abcba17e55c" providerId="ADAL" clId="{B5FBFEB0-C1FE-48AB-A337-12350F9C07AD}" dt="2024-10-30T17:55:02.019" v="1642"/>
+          <ac:spMkLst>
+            <pc:docMk/>
+            <pc:sldMk cId="70439564" sldId="267"/>
+            <ac:spMk id="5" creationId="{C8A5E9FC-CCF0-AAB3-3F56-326AC731A2C5}"/>
+          </ac:spMkLst>
+        </pc:spChg>
+        <pc:picChg chg="add mod">
+          <ac:chgData name="Harrison, David" userId="4460236b-8b4e-4afe-9cfa-4abcba17e55c" providerId="ADAL" clId="{B5FBFEB0-C1FE-48AB-A337-12350F9C07AD}" dt="2024-10-30T17:55:02.019" v="1642"/>
+          <ac:picMkLst>
+            <pc:docMk/>
+            <pc:sldMk cId="70439564" sldId="267"/>
+            <ac:picMk id="6" creationId="{07034B90-CB16-BC78-D75A-579F5A01E290}"/>
+          </ac:picMkLst>
+        </pc:picChg>
+        <pc:picChg chg="del">
+          <ac:chgData name="Harrison, David" userId="4460236b-8b4e-4afe-9cfa-4abcba17e55c" providerId="ADAL" clId="{B5FBFEB0-C1FE-48AB-A337-12350F9C07AD}" dt="2024-10-30T17:54:18.651" v="1641" actId="478"/>
+          <ac:picMkLst>
+            <pc:docMk/>
+            <pc:sldMk cId="70439564" sldId="267"/>
+            <ac:picMk id="12" creationId="{AA76439D-C27B-4DB1-A072-3BFAF9F18603}"/>
+          </ac:picMkLst>
+        </pc:picChg>
+      </pc:sldChg>
+      <pc:sldChg chg="addSp delSp modSp add mod">
+        <pc:chgData name="Harrison, David" userId="4460236b-8b4e-4afe-9cfa-4abcba17e55c" providerId="ADAL" clId="{B5FBFEB0-C1FE-48AB-A337-12350F9C07AD}" dt="2024-10-30T17:56:42.004" v="1686" actId="20577"/>
+        <pc:sldMkLst>
+          <pc:docMk/>
+          <pc:sldMk cId="82315988" sldId="268"/>
+        </pc:sldMkLst>
+        <pc:spChg chg="mod">
+          <ac:chgData name="Harrison, David" userId="4460236b-8b4e-4afe-9cfa-4abcba17e55c" providerId="ADAL" clId="{B5FBFEB0-C1FE-48AB-A337-12350F9C07AD}" dt="2024-10-30T17:56:35.526" v="1684" actId="20577"/>
+          <ac:spMkLst>
+            <pc:docMk/>
+            <pc:sldMk cId="82315988" sldId="268"/>
+            <ac:spMk id="2" creationId="{0C4BA710-FD6C-0E3A-29CF-E2E29F861FF7}"/>
+          </ac:spMkLst>
+        </pc:spChg>
+        <pc:spChg chg="mod">
+          <ac:chgData name="Harrison, David" userId="4460236b-8b4e-4afe-9cfa-4abcba17e55c" providerId="ADAL" clId="{B5FBFEB0-C1FE-48AB-A337-12350F9C07AD}" dt="2024-10-30T17:56:42.004" v="1686" actId="20577"/>
+          <ac:spMkLst>
+            <pc:docMk/>
+            <pc:sldMk cId="82315988" sldId="268"/>
+            <ac:spMk id="4" creationId="{7D41A7F7-9F49-5255-9BE7-B35EC02D416B}"/>
+          </ac:spMkLst>
+        </pc:spChg>
+        <pc:spChg chg="add mod">
+          <ac:chgData name="Harrison, David" userId="4460236b-8b4e-4afe-9cfa-4abcba17e55c" providerId="ADAL" clId="{B5FBFEB0-C1FE-48AB-A337-12350F9C07AD}" dt="2024-10-30T17:56:38.316" v="1685" actId="478"/>
+          <ac:spMkLst>
+            <pc:docMk/>
+            <pc:sldMk cId="82315988" sldId="268"/>
+            <ac:spMk id="5" creationId="{9E044B2C-6883-44DE-B6FF-5095DD18918A}"/>
+          </ac:spMkLst>
+        </pc:spChg>
+        <pc:picChg chg="del">
+          <ac:chgData name="Harrison, David" userId="4460236b-8b4e-4afe-9cfa-4abcba17e55c" providerId="ADAL" clId="{B5FBFEB0-C1FE-48AB-A337-12350F9C07AD}" dt="2024-10-30T17:56:38.316" v="1685" actId="478"/>
+          <ac:picMkLst>
+            <pc:docMk/>
+            <pc:sldMk cId="82315988" sldId="268"/>
+            <ac:picMk id="7" creationId="{2E8BCD22-6D54-4517-1245-4F608D7A9BCD}"/>
+          </ac:picMkLst>
+        </pc:picChg>
+      </pc:sldChg>
+      <pc:sldChg chg="modSp new mod">
+        <pc:chgData name="Harrison, David" userId="4460236b-8b4e-4afe-9cfa-4abcba17e55c" providerId="ADAL" clId="{B5FBFEB0-C1FE-48AB-A337-12350F9C07AD}" dt="2024-10-30T17:57:10.887" v="1718" actId="20577"/>
+        <pc:sldMkLst>
+          <pc:docMk/>
+          <pc:sldMk cId="2137583101" sldId="269"/>
+        </pc:sldMkLst>
+        <pc:spChg chg="mod">
+          <ac:chgData name="Harrison, David" userId="4460236b-8b4e-4afe-9cfa-4abcba17e55c" providerId="ADAL" clId="{B5FBFEB0-C1FE-48AB-A337-12350F9C07AD}" dt="2024-10-30T17:57:10.887" v="1718" actId="20577"/>
+          <ac:spMkLst>
+            <pc:docMk/>
+            <pc:sldMk cId="2137583101" sldId="269"/>
+            <ac:spMk id="2" creationId="{89DF008F-1D63-DAFD-85CC-6A476AAA49C9}"/>
+          </ac:spMkLst>
+        </pc:spChg>
+      </pc:sldChg>
+      <pc:sldChg chg="modSp new mod">
+        <pc:chgData name="Harrison, David" userId="4460236b-8b4e-4afe-9cfa-4abcba17e55c" providerId="ADAL" clId="{B5FBFEB0-C1FE-48AB-A337-12350F9C07AD}" dt="2024-10-30T17:58:07.832" v="1832" actId="20577"/>
+        <pc:sldMkLst>
+          <pc:docMk/>
+          <pc:sldMk cId="3690375467" sldId="270"/>
+        </pc:sldMkLst>
+        <pc:spChg chg="mod">
+          <ac:chgData name="Harrison, David" userId="4460236b-8b4e-4afe-9cfa-4abcba17e55c" providerId="ADAL" clId="{B5FBFEB0-C1FE-48AB-A337-12350F9C07AD}" dt="2024-10-30T17:57:37.208" v="1749" actId="20577"/>
+          <ac:spMkLst>
+            <pc:docMk/>
+            <pc:sldMk cId="3690375467" sldId="270"/>
+            <ac:spMk id="2" creationId="{63697D11-DD93-8408-4FE3-12A66A146072}"/>
+          </ac:spMkLst>
+        </pc:spChg>
+        <pc:spChg chg="mod">
+          <ac:chgData name="Harrison, David" userId="4460236b-8b4e-4afe-9cfa-4abcba17e55c" providerId="ADAL" clId="{B5FBFEB0-C1FE-48AB-A337-12350F9C07AD}" dt="2024-10-30T17:58:07.832" v="1832" actId="20577"/>
+          <ac:spMkLst>
+            <pc:docMk/>
+            <pc:sldMk cId="3690375467" sldId="270"/>
+            <ac:spMk id="3" creationId="{3538D5D6-5492-9347-BDAE-D1CE394802B2}"/>
+          </ac:spMkLst>
+        </pc:spChg>
+      </pc:sldChg>
+      <pc:sldChg chg="modSp add mod">
+        <pc:chgData name="Harrison, David" userId="4460236b-8b4e-4afe-9cfa-4abcba17e55c" providerId="ADAL" clId="{B5FBFEB0-C1FE-48AB-A337-12350F9C07AD}" dt="2024-10-30T17:59:10.094" v="1870" actId="20577"/>
+        <pc:sldMkLst>
+          <pc:docMk/>
+          <pc:sldMk cId="3797713729" sldId="271"/>
+        </pc:sldMkLst>
+        <pc:spChg chg="mod">
+          <ac:chgData name="Harrison, David" userId="4460236b-8b4e-4afe-9cfa-4abcba17e55c" providerId="ADAL" clId="{B5FBFEB0-C1FE-48AB-A337-12350F9C07AD}" dt="2024-10-30T17:59:10.094" v="1870" actId="20577"/>
+          <ac:spMkLst>
+            <pc:docMk/>
+            <pc:sldMk cId="3797713729" sldId="271"/>
+            <ac:spMk id="2" creationId="{3A1BDE5E-25D7-70AB-80C5-6DA8FC97464B}"/>
+          </ac:spMkLst>
+        </pc:spChg>
+      </pc:sldChg>
+      <pc:sldChg chg="modSp new mod">
+        <pc:chgData name="Harrison, David" userId="4460236b-8b4e-4afe-9cfa-4abcba17e55c" providerId="ADAL" clId="{B5FBFEB0-C1FE-48AB-A337-12350F9C07AD}" dt="2024-10-30T17:59:38.822" v="1903" actId="120"/>
+        <pc:sldMkLst>
+          <pc:docMk/>
+          <pc:sldMk cId="809299826" sldId="272"/>
+        </pc:sldMkLst>
+        <pc:spChg chg="mod">
+          <ac:chgData name="Harrison, David" userId="4460236b-8b4e-4afe-9cfa-4abcba17e55c" providerId="ADAL" clId="{B5FBFEB0-C1FE-48AB-A337-12350F9C07AD}" dt="2024-10-30T17:59:38.822" v="1903" actId="120"/>
+          <ac:spMkLst>
+            <pc:docMk/>
+            <pc:sldMk cId="809299826" sldId="272"/>
+            <ac:spMk id="2" creationId="{A44986F0-348E-5AEA-A40A-C8022B7A6E7F}"/>
+          </ac:spMkLst>
+        </pc:spChg>
+      </pc:sldChg>
+      <pc:sldChg chg="modSp add mod">
+        <pc:chgData name="Harrison, David" userId="4460236b-8b4e-4afe-9cfa-4abcba17e55c" providerId="ADAL" clId="{B5FBFEB0-C1FE-48AB-A337-12350F9C07AD}" dt="2024-10-30T17:59:48.681" v="1909" actId="20577"/>
+        <pc:sldMkLst>
+          <pc:docMk/>
+          <pc:sldMk cId="3574811568" sldId="273"/>
+        </pc:sldMkLst>
+        <pc:spChg chg="mod">
+          <ac:chgData name="Harrison, David" userId="4460236b-8b4e-4afe-9cfa-4abcba17e55c" providerId="ADAL" clId="{B5FBFEB0-C1FE-48AB-A337-12350F9C07AD}" dt="2024-10-30T17:59:48.681" v="1909" actId="20577"/>
+          <ac:spMkLst>
+            <pc:docMk/>
+            <pc:sldMk cId="3574811568" sldId="273"/>
+            <ac:spMk id="2" creationId="{8074AE7C-E915-6B0A-3150-6D8DDE59C5C5}"/>
+          </ac:spMkLst>
+        </pc:spChg>
+      </pc:sldChg>
+      <pc:sldChg chg="modSp add mod">
+        <pc:chgData name="Harrison, David" userId="4460236b-8b4e-4afe-9cfa-4abcba17e55c" providerId="ADAL" clId="{B5FBFEB0-C1FE-48AB-A337-12350F9C07AD}" dt="2024-10-30T17:59:58.275" v="1924" actId="20577"/>
+        <pc:sldMkLst>
+          <pc:docMk/>
+          <pc:sldMk cId="488845266" sldId="274"/>
+        </pc:sldMkLst>
+        <pc:spChg chg="mod">
+          <ac:chgData name="Harrison, David" userId="4460236b-8b4e-4afe-9cfa-4abcba17e55c" providerId="ADAL" clId="{B5FBFEB0-C1FE-48AB-A337-12350F9C07AD}" dt="2024-10-30T17:59:58.275" v="1924" actId="20577"/>
+          <ac:spMkLst>
+            <pc:docMk/>
+            <pc:sldMk cId="488845266" sldId="274"/>
+            <ac:spMk id="2" creationId="{C1BF3160-ECD0-B013-0C7B-B3BC65324316}"/>
+          </ac:spMkLst>
+        </pc:spChg>
+      </pc:sldChg>
+      <pc:sldChg chg="modSp add mod">
+        <pc:chgData name="Harrison, David" userId="4460236b-8b4e-4afe-9cfa-4abcba17e55c" providerId="ADAL" clId="{B5FBFEB0-C1FE-48AB-A337-12350F9C07AD}" dt="2024-10-30T18:00:07.875" v="1939" actId="20577"/>
+        <pc:sldMkLst>
+          <pc:docMk/>
+          <pc:sldMk cId="2565305964" sldId="275"/>
+        </pc:sldMkLst>
+        <pc:spChg chg="mod">
+          <ac:chgData name="Harrison, David" userId="4460236b-8b4e-4afe-9cfa-4abcba17e55c" providerId="ADAL" clId="{B5FBFEB0-C1FE-48AB-A337-12350F9C07AD}" dt="2024-10-30T18:00:07.875" v="1939" actId="20577"/>
+          <ac:spMkLst>
+            <pc:docMk/>
+            <pc:sldMk cId="2565305964" sldId="275"/>
+            <ac:spMk id="2" creationId="{917D2F8C-1E96-640C-F00D-9D227463DEE4}"/>
+          </ac:spMkLst>
+        </pc:spChg>
+      </pc:sldChg>
+      <pc:sldChg chg="modSp add mod">
+        <pc:chgData name="Harrison, David" userId="4460236b-8b4e-4afe-9cfa-4abcba17e55c" providerId="ADAL" clId="{B5FBFEB0-C1FE-48AB-A337-12350F9C07AD}" dt="2024-10-30T18:01:05.411" v="1965" actId="20577"/>
+        <pc:sldMkLst>
+          <pc:docMk/>
+          <pc:sldMk cId="1990369775" sldId="276"/>
+        </pc:sldMkLst>
+        <pc:spChg chg="mod">
+          <ac:chgData name="Harrison, David" userId="4460236b-8b4e-4afe-9cfa-4abcba17e55c" providerId="ADAL" clId="{B5FBFEB0-C1FE-48AB-A337-12350F9C07AD}" dt="2024-10-30T18:01:05.411" v="1965" actId="20577"/>
+          <ac:spMkLst>
+            <pc:docMk/>
+            <pc:sldMk cId="1990369775" sldId="276"/>
+            <ac:spMk id="2" creationId="{DCC9AE9A-46F1-06E3-EC9F-95579BE04A9B}"/>
+          </ac:spMkLst>
+        </pc:spChg>
+      </pc:sldChg>
+      <pc:sldChg chg="new">
+        <pc:chgData name="Harrison, David" userId="4460236b-8b4e-4afe-9cfa-4abcba17e55c" providerId="ADAL" clId="{B5FBFEB0-C1FE-48AB-A337-12350F9C07AD}" dt="2024-10-30T18:01:24.934" v="1966" actId="680"/>
+        <pc:sldMkLst>
+          <pc:docMk/>
+          <pc:sldMk cId="2347701384" sldId="277"/>
+        </pc:sldMkLst>
+      </pc:sldChg>
+      <pc:sldChg chg="modSp add mod">
+        <pc:chgData name="Harrison, David" userId="4460236b-8b4e-4afe-9cfa-4abcba17e55c" providerId="ADAL" clId="{B5FBFEB0-C1FE-48AB-A337-12350F9C07AD}" dt="2024-10-30T18:01:52.961" v="2018" actId="20577"/>
+        <pc:sldMkLst>
+          <pc:docMk/>
+          <pc:sldMk cId="2939269639" sldId="278"/>
+        </pc:sldMkLst>
+        <pc:spChg chg="mod">
+          <ac:chgData name="Harrison, David" userId="4460236b-8b4e-4afe-9cfa-4abcba17e55c" providerId="ADAL" clId="{B5FBFEB0-C1FE-48AB-A337-12350F9C07AD}" dt="2024-10-30T18:01:52.961" v="2018" actId="20577"/>
+          <ac:spMkLst>
+            <pc:docMk/>
+            <pc:sldMk cId="2939269639" sldId="278"/>
+            <ac:spMk id="2" creationId="{97059094-16DF-5CEB-80E0-64DB27B53659}"/>
+          </ac:spMkLst>
+        </pc:spChg>
+      </pc:sldChg>
     </pc:docChg>
   </pc:docChgLst>
 </pc:chgInfo>
@@ -430,7 +809,7 @@
           <a:p>
             <a:fld id="{8DD54012-401B-4241-A984-A9750575F5E2}" type="datetimeFigureOut">
               <a:rPr lang="en-ZA" smtClean="0"/>
-              <a:t>2024/10/28</a:t>
+              <a:t>2024/10/30</a:t>
             </a:fld>
             <a:endParaRPr lang="en-ZA"/>
           </a:p>
@@ -728,7 +1107,7 @@
           <a:p>
             <a:fld id="{8DD54012-401B-4241-A984-A9750575F5E2}" type="datetimeFigureOut">
               <a:rPr lang="en-ZA" smtClean="0"/>
-              <a:t>2024/10/28</a:t>
+              <a:t>2024/10/30</a:t>
             </a:fld>
             <a:endParaRPr lang="en-ZA"/>
           </a:p>
@@ -920,7 +1299,7 @@
           <a:p>
             <a:fld id="{8DD54012-401B-4241-A984-A9750575F5E2}" type="datetimeFigureOut">
               <a:rPr lang="en-ZA" smtClean="0"/>
-              <a:t>2024/10/28</a:t>
+              <a:t>2024/10/30</a:t>
             </a:fld>
             <a:endParaRPr lang="en-ZA"/>
           </a:p>
@@ -1181,7 +1560,7 @@
           <a:p>
             <a:fld id="{8DD54012-401B-4241-A984-A9750575F5E2}" type="datetimeFigureOut">
               <a:rPr lang="en-ZA" smtClean="0"/>
-              <a:t>2024/10/28</a:t>
+              <a:t>2024/10/30</a:t>
             </a:fld>
             <a:endParaRPr lang="en-ZA"/>
           </a:p>
@@ -1605,7 +1984,7 @@
           <a:p>
             <a:fld id="{8DD54012-401B-4241-A984-A9750575F5E2}" type="datetimeFigureOut">
               <a:rPr lang="en-ZA" smtClean="0"/>
-              <a:t>2024/10/28</a:t>
+              <a:t>2024/10/30</a:t>
             </a:fld>
             <a:endParaRPr lang="en-ZA"/>
           </a:p>
@@ -2142,7 +2521,7 @@
           <a:p>
             <a:fld id="{8DD54012-401B-4241-A984-A9750575F5E2}" type="datetimeFigureOut">
               <a:rPr lang="en-ZA" smtClean="0"/>
-              <a:t>2024/10/28</a:t>
+              <a:t>2024/10/30</a:t>
             </a:fld>
             <a:endParaRPr lang="en-ZA"/>
           </a:p>
@@ -3006,7 +3385,7 @@
           <a:p>
             <a:fld id="{8DD54012-401B-4241-A984-A9750575F5E2}" type="datetimeFigureOut">
               <a:rPr lang="en-ZA" smtClean="0"/>
-              <a:t>2024/10/28</a:t>
+              <a:t>2024/10/30</a:t>
             </a:fld>
             <a:endParaRPr lang="en-ZA"/>
           </a:p>
@@ -3176,7 +3555,7 @@
           <a:p>
             <a:fld id="{8DD54012-401B-4241-A984-A9750575F5E2}" type="datetimeFigureOut">
               <a:rPr lang="en-ZA" smtClean="0"/>
-              <a:t>2024/10/28</a:t>
+              <a:t>2024/10/30</a:t>
             </a:fld>
             <a:endParaRPr lang="en-ZA"/>
           </a:p>
@@ -3360,7 +3739,7 @@
           <a:p>
             <a:fld id="{8DD54012-401B-4241-A984-A9750575F5E2}" type="datetimeFigureOut">
               <a:rPr lang="en-ZA" smtClean="0"/>
-              <a:t>2024/10/28</a:t>
+              <a:t>2024/10/30</a:t>
             </a:fld>
             <a:endParaRPr lang="en-ZA"/>
           </a:p>
@@ -3530,7 +3909,7 @@
           <a:p>
             <a:fld id="{8DD54012-401B-4241-A984-A9750575F5E2}" type="datetimeFigureOut">
               <a:rPr lang="en-ZA" smtClean="0"/>
-              <a:t>2024/10/28</a:t>
+              <a:t>2024/10/30</a:t>
             </a:fld>
             <a:endParaRPr lang="en-ZA"/>
           </a:p>
@@ -3774,7 +4153,7 @@
           <a:p>
             <a:fld id="{8DD54012-401B-4241-A984-A9750575F5E2}" type="datetimeFigureOut">
               <a:rPr lang="en-ZA" smtClean="0"/>
-              <a:t>2024/10/28</a:t>
+              <a:t>2024/10/30</a:t>
             </a:fld>
             <a:endParaRPr lang="en-ZA"/>
           </a:p>
@@ -4010,7 +4389,7 @@
           <a:p>
             <a:fld id="{8DD54012-401B-4241-A984-A9750575F5E2}" type="datetimeFigureOut">
               <a:rPr lang="en-ZA" smtClean="0"/>
-              <a:t>2024/10/28</a:t>
+              <a:t>2024/10/30</a:t>
             </a:fld>
             <a:endParaRPr lang="en-ZA"/>
           </a:p>
@@ -4476,7 +4855,7 @@
           <a:p>
             <a:fld id="{8DD54012-401B-4241-A984-A9750575F5E2}" type="datetimeFigureOut">
               <a:rPr lang="en-ZA" smtClean="0"/>
-              <a:t>2024/10/28</a:t>
+              <a:t>2024/10/30</a:t>
             </a:fld>
             <a:endParaRPr lang="en-ZA"/>
           </a:p>
@@ -4594,7 +4973,7 @@
           <a:p>
             <a:fld id="{8DD54012-401B-4241-A984-A9750575F5E2}" type="datetimeFigureOut">
               <a:rPr lang="en-ZA" smtClean="0"/>
-              <a:t>2024/10/28</a:t>
+              <a:t>2024/10/30</a:t>
             </a:fld>
             <a:endParaRPr lang="en-ZA"/>
           </a:p>
@@ -4689,7 +5068,7 @@
           <a:p>
             <a:fld id="{8DD54012-401B-4241-A984-A9750575F5E2}" type="datetimeFigureOut">
               <a:rPr lang="en-ZA" smtClean="0"/>
-              <a:t>2024/10/28</a:t>
+              <a:t>2024/10/30</a:t>
             </a:fld>
             <a:endParaRPr lang="en-ZA"/>
           </a:p>
@@ -4944,7 +5323,7 @@
           <a:p>
             <a:fld id="{8DD54012-401B-4241-A984-A9750575F5E2}" type="datetimeFigureOut">
               <a:rPr lang="en-ZA" smtClean="0"/>
-              <a:t>2024/10/28</a:t>
+              <a:t>2024/10/30</a:t>
             </a:fld>
             <a:endParaRPr lang="en-ZA"/>
           </a:p>
@@ -5244,7 +5623,7 @@
           <a:p>
             <a:fld id="{8DD54012-401B-4241-A984-A9750575F5E2}" type="datetimeFigureOut">
               <a:rPr lang="en-ZA" smtClean="0"/>
-              <a:t>2024/10/28</a:t>
+              <a:t>2024/10/30</a:t>
             </a:fld>
             <a:endParaRPr lang="en-ZA"/>
           </a:p>
@@ -5478,7 +5857,7 @@
           <a:p>
             <a:fld id="{8DD54012-401B-4241-A984-A9750575F5E2}" type="datetimeFigureOut">
               <a:rPr lang="en-ZA" smtClean="0"/>
-              <a:t>2024/10/28</a:t>
+              <a:t>2024/10/30</a:t>
             </a:fld>
             <a:endParaRPr lang="en-ZA"/>
           </a:p>
@@ -6221,6 +6600,1092 @@
 </p:sld>
 </file>
 
+<file path=ppt/slides/slide10.xml><?xml version="1.0" encoding="utf-8"?>
+<p:sld xmlns:a="http://schemas.openxmlformats.org/drawingml/2006/main" xmlns:r="http://schemas.openxmlformats.org/officeDocument/2006/relationships" xmlns:p="http://schemas.openxmlformats.org/presentationml/2006/main">
+  <p:cSld>
+    <p:spTree>
+      <p:nvGrpSpPr>
+        <p:cNvPr id="1" name="">
+          <a:extLst>
+            <a:ext uri="{FF2B5EF4-FFF2-40B4-BE49-F238E27FC236}">
+              <a16:creationId xmlns:a16="http://schemas.microsoft.com/office/drawing/2014/main" id="{F7BD2933-4FDC-B771-52F2-8AC220D74F20}"/>
+            </a:ext>
+          </a:extLst>
+        </p:cNvPr>
+        <p:cNvGrpSpPr/>
+        <p:nvPr/>
+      </p:nvGrpSpPr>
+      <p:grpSpPr>
+        <a:xfrm>
+          <a:off x="0" y="0"/>
+          <a:ext cx="0" cy="0"/>
+          <a:chOff x="0" y="0"/>
+          <a:chExt cx="0" cy="0"/>
+        </a:xfrm>
+      </p:grpSpPr>
+      <p:sp>
+        <p:nvSpPr>
+          <p:cNvPr id="2" name="Title 1">
+            <a:extLst>
+              <a:ext uri="{FF2B5EF4-FFF2-40B4-BE49-F238E27FC236}">
+                <a16:creationId xmlns:a16="http://schemas.microsoft.com/office/drawing/2014/main" id="{F752C07D-427A-27FD-5E26-FFBE088AE4F0}"/>
+              </a:ext>
+            </a:extLst>
+          </p:cNvPr>
+          <p:cNvSpPr>
+            <a:spLocks noGrp="1"/>
+          </p:cNvSpPr>
+          <p:nvPr>
+            <p:ph type="title"/>
+          </p:nvPr>
+        </p:nvSpPr>
+        <p:spPr>
+          <a:xfrm>
+            <a:off x="913795" y="609600"/>
+            <a:ext cx="3706889" cy="457201"/>
+          </a:xfrm>
+        </p:spPr>
+        <p:txBody>
+          <a:bodyPr/>
+          <a:lstStyle/>
+          <a:p>
+            <a:r>
+              <a:rPr lang="en-ZA" dirty="0"/>
+              <a:t>Emission Sources</a:t>
+            </a:r>
+          </a:p>
+        </p:txBody>
+      </p:sp>
+      <p:sp>
+        <p:nvSpPr>
+          <p:cNvPr id="4" name="Text Placeholder 3">
+            <a:extLst>
+              <a:ext uri="{FF2B5EF4-FFF2-40B4-BE49-F238E27FC236}">
+                <a16:creationId xmlns:a16="http://schemas.microsoft.com/office/drawing/2014/main" id="{AAF5A210-4BBE-81C7-CA08-A9C8F5C35DCA}"/>
+              </a:ext>
+            </a:extLst>
+          </p:cNvPr>
+          <p:cNvSpPr>
+            <a:spLocks noGrp="1"/>
+          </p:cNvSpPr>
+          <p:nvPr>
+            <p:ph type="body" sz="half" idx="2"/>
+          </p:nvPr>
+        </p:nvSpPr>
+        <p:spPr>
+          <a:xfrm>
+            <a:off x="913795" y="1087954"/>
+            <a:ext cx="3706889" cy="4703246"/>
+          </a:xfrm>
+        </p:spPr>
+        <p:txBody>
+          <a:bodyPr/>
+          <a:lstStyle/>
+          <a:p>
+            <a:pPr marL="285750" indent="-285750" algn="l">
+              <a:buFont typeface="Arial" panose="020B0604020202020204" pitchFamily="34" charset="0"/>
+              <a:buChar char="•"/>
+            </a:pPr>
+            <a:r>
+              <a:rPr lang="en-ZA" dirty="0"/>
+              <a:t>The graph represents sources that add to CO2 emissions, therefore excludes Forestland</a:t>
+            </a:r>
+          </a:p>
+          <a:p>
+            <a:pPr marL="285750" indent="-285750" algn="l">
+              <a:buFont typeface="Arial" panose="020B0604020202020204" pitchFamily="34" charset="0"/>
+              <a:buChar char="•"/>
+            </a:pPr>
+            <a:r>
+              <a:rPr lang="en-ZA" dirty="0"/>
+              <a:t>Net forest conversion, IPPU (), and Agrifood Systems Waste Disposal accounts for 50% of the CO2 emissions</a:t>
+            </a:r>
+          </a:p>
+          <a:p>
+            <a:pPr marL="285750" indent="-285750" algn="l">
+              <a:buFont typeface="Arial" panose="020B0604020202020204" pitchFamily="34" charset="0"/>
+              <a:buChar char="•"/>
+            </a:pPr>
+            <a:endParaRPr lang="en-ZA" dirty="0"/>
+          </a:p>
+        </p:txBody>
+      </p:sp>
+      <p:pic>
+        <p:nvPicPr>
+          <p:cNvPr id="10" name="Content Placeholder 9">
+            <a:extLst>
+              <a:ext uri="{FF2B5EF4-FFF2-40B4-BE49-F238E27FC236}">
+                <a16:creationId xmlns:a16="http://schemas.microsoft.com/office/drawing/2014/main" id="{444CDDB0-90F1-1304-04DE-C95272FC5E46}"/>
+              </a:ext>
+            </a:extLst>
+          </p:cNvPr>
+          <p:cNvPicPr>
+            <a:picLocks noGrp="1" noChangeAspect="1"/>
+          </p:cNvPicPr>
+          <p:nvPr>
+            <p:ph idx="1"/>
+          </p:nvPr>
+        </p:nvPicPr>
+        <p:blipFill>
+          <a:blip r:embed="rId2"/>
+          <a:stretch>
+            <a:fillRect/>
+          </a:stretch>
+        </p:blipFill>
+        <p:spPr>
+          <a:xfrm>
+            <a:off x="4856163" y="990852"/>
+            <a:ext cx="6411912" cy="4419096"/>
+          </a:xfrm>
+          <a:prstGeom prst="rect">
+            <a:avLst/>
+          </a:prstGeom>
+        </p:spPr>
+      </p:pic>
+    </p:spTree>
+    <p:extLst>
+      <p:ext uri="{BB962C8B-B14F-4D97-AF65-F5344CB8AC3E}">
+        <p14:creationId xmlns:p14="http://schemas.microsoft.com/office/powerpoint/2010/main" val="2889675519"/>
+      </p:ext>
+    </p:extLst>
+  </p:cSld>
+  <p:clrMapOvr>
+    <a:masterClrMapping/>
+  </p:clrMapOvr>
+</p:sld>
+</file>
+
+<file path=ppt/slides/slide11.xml><?xml version="1.0" encoding="utf-8"?>
+<p:sld xmlns:a="http://schemas.openxmlformats.org/drawingml/2006/main" xmlns:r="http://schemas.openxmlformats.org/officeDocument/2006/relationships" xmlns:p="http://schemas.openxmlformats.org/presentationml/2006/main">
+  <p:cSld>
+    <p:spTree>
+      <p:nvGrpSpPr>
+        <p:cNvPr id="1" name="">
+          <a:extLst>
+            <a:ext uri="{FF2B5EF4-FFF2-40B4-BE49-F238E27FC236}">
+              <a16:creationId xmlns:a16="http://schemas.microsoft.com/office/drawing/2014/main" id="{C3375E91-C8EF-3282-14A9-D527D5DB10B4}"/>
+            </a:ext>
+          </a:extLst>
+        </p:cNvPr>
+        <p:cNvGrpSpPr/>
+        <p:nvPr/>
+      </p:nvGrpSpPr>
+      <p:grpSpPr>
+        <a:xfrm>
+          <a:off x="0" y="0"/>
+          <a:ext cx="0" cy="0"/>
+          <a:chOff x="0" y="0"/>
+          <a:chExt cx="0" cy="0"/>
+        </a:xfrm>
+      </p:grpSpPr>
+      <p:sp>
+        <p:nvSpPr>
+          <p:cNvPr id="2" name="Title 1">
+            <a:extLst>
+              <a:ext uri="{FF2B5EF4-FFF2-40B4-BE49-F238E27FC236}">
+                <a16:creationId xmlns:a16="http://schemas.microsoft.com/office/drawing/2014/main" id="{8FA41FBD-C06F-10A3-554F-969FD5A7AE07}"/>
+              </a:ext>
+            </a:extLst>
+          </p:cNvPr>
+          <p:cNvSpPr>
+            <a:spLocks noGrp="1"/>
+          </p:cNvSpPr>
+          <p:nvPr>
+            <p:ph type="title"/>
+          </p:nvPr>
+        </p:nvSpPr>
+        <p:spPr>
+          <a:xfrm>
+            <a:off x="913795" y="609600"/>
+            <a:ext cx="3706889" cy="457201"/>
+          </a:xfrm>
+        </p:spPr>
+        <p:txBody>
+          <a:bodyPr>
+            <a:normAutofit fontScale="90000"/>
+          </a:bodyPr>
+          <a:lstStyle/>
+          <a:p>
+            <a:r>
+              <a:rPr lang="en-ZA" dirty="0"/>
+              <a:t>Emission Sources (Summarised)</a:t>
+            </a:r>
+          </a:p>
+        </p:txBody>
+      </p:sp>
+      <p:sp>
+        <p:nvSpPr>
+          <p:cNvPr id="4" name="Text Placeholder 3">
+            <a:extLst>
+              <a:ext uri="{FF2B5EF4-FFF2-40B4-BE49-F238E27FC236}">
+                <a16:creationId xmlns:a16="http://schemas.microsoft.com/office/drawing/2014/main" id="{D7A34831-34ED-04D6-BE70-1DBCB7806A07}"/>
+              </a:ext>
+            </a:extLst>
+          </p:cNvPr>
+          <p:cNvSpPr>
+            <a:spLocks noGrp="1"/>
+          </p:cNvSpPr>
+          <p:nvPr>
+            <p:ph type="body" sz="half" idx="2"/>
+          </p:nvPr>
+        </p:nvSpPr>
+        <p:spPr>
+          <a:xfrm>
+            <a:off x="913795" y="1087954"/>
+            <a:ext cx="3706889" cy="4703246"/>
+          </a:xfrm>
+        </p:spPr>
+        <p:txBody>
+          <a:bodyPr/>
+          <a:lstStyle/>
+          <a:p>
+            <a:pPr marL="285750" indent="-285750" algn="l">
+              <a:buFont typeface="Arial" panose="020B0604020202020204" pitchFamily="34" charset="0"/>
+              <a:buChar char="•"/>
+            </a:pPr>
+            <a:r>
+              <a:rPr lang="en-ZA" dirty="0"/>
+              <a:t>We grouped the emission sources into logical groups.</a:t>
+            </a:r>
+          </a:p>
+          <a:p>
+            <a:pPr marL="285750" indent="-285750" algn="l">
+              <a:buFont typeface="Arial" panose="020B0604020202020204" pitchFamily="34" charset="0"/>
+              <a:buChar char="•"/>
+            </a:pPr>
+            <a:r>
+              <a:rPr lang="en-ZA" dirty="0"/>
+              <a:t>On doing this Forests nets off to 3% of total CO2 emissions, because of Forestland providing a net off effect</a:t>
+            </a:r>
+          </a:p>
+          <a:p>
+            <a:pPr marL="285750" indent="-285750" algn="l">
+              <a:buFont typeface="Arial" panose="020B0604020202020204" pitchFamily="34" charset="0"/>
+              <a:buChar char="•"/>
+            </a:pPr>
+            <a:r>
+              <a:rPr lang="en-ZA" dirty="0"/>
+              <a:t>IPPU, Food and Manure contribute to 55% of total CO2 emissions.</a:t>
+            </a:r>
+          </a:p>
+          <a:p>
+            <a:pPr marL="742950" lvl="1" indent="-285750">
+              <a:buFont typeface="Arial" panose="020B0604020202020204" pitchFamily="34" charset="0"/>
+              <a:buChar char="•"/>
+            </a:pPr>
+            <a:r>
+              <a:rPr lang="en-ZA" dirty="0"/>
+              <a:t>It would be interesting to see if the grouped features contributes to better predictions</a:t>
+            </a:r>
+          </a:p>
+          <a:p>
+            <a:pPr marL="285750" indent="-285750" algn="l">
+              <a:buFont typeface="Arial" panose="020B0604020202020204" pitchFamily="34" charset="0"/>
+              <a:buChar char="•"/>
+            </a:pPr>
+            <a:r>
+              <a:rPr lang="en-ZA" dirty="0"/>
+              <a:t>Food includes:</a:t>
+            </a:r>
+          </a:p>
+          <a:p>
+            <a:pPr marL="285750" indent="-285750" algn="l">
+              <a:buFont typeface="Arial" panose="020B0604020202020204" pitchFamily="34" charset="0"/>
+              <a:buChar char="•"/>
+            </a:pPr>
+            <a:r>
+              <a:rPr lang="en-ZA" dirty="0"/>
+              <a:t>Manure includes:</a:t>
+            </a:r>
+          </a:p>
+          <a:p>
+            <a:pPr marL="285750" indent="-285750" algn="l">
+              <a:buFont typeface="Arial" panose="020B0604020202020204" pitchFamily="34" charset="0"/>
+              <a:buChar char="•"/>
+            </a:pPr>
+            <a:r>
+              <a:rPr lang="en-ZA" dirty="0"/>
+              <a:t>Farming Other includes:</a:t>
+            </a:r>
+          </a:p>
+          <a:p>
+            <a:pPr marL="285750" indent="-285750" algn="l">
+              <a:buFont typeface="Arial" panose="020B0604020202020204" pitchFamily="34" charset="0"/>
+              <a:buChar char="•"/>
+            </a:pPr>
+            <a:r>
+              <a:rPr lang="en-ZA" dirty="0"/>
+              <a:t>Fires includes:</a:t>
+            </a:r>
+          </a:p>
+          <a:p>
+            <a:pPr marL="285750" indent="-285750" algn="l">
+              <a:buFont typeface="Arial" panose="020B0604020202020204" pitchFamily="34" charset="0"/>
+              <a:buChar char="•"/>
+            </a:pPr>
+            <a:endParaRPr lang="en-ZA" dirty="0"/>
+          </a:p>
+          <a:p>
+            <a:pPr marL="285750" indent="-285750" algn="l">
+              <a:buFont typeface="Arial" panose="020B0604020202020204" pitchFamily="34" charset="0"/>
+              <a:buChar char="•"/>
+            </a:pPr>
+            <a:endParaRPr lang="en-ZA" dirty="0"/>
+          </a:p>
+        </p:txBody>
+      </p:sp>
+      <p:pic>
+        <p:nvPicPr>
+          <p:cNvPr id="6" name="Content Placeholder 5">
+            <a:extLst>
+              <a:ext uri="{FF2B5EF4-FFF2-40B4-BE49-F238E27FC236}">
+                <a16:creationId xmlns:a16="http://schemas.microsoft.com/office/drawing/2014/main" id="{D19A6704-C451-771B-3FE4-D1B95610E40D}"/>
+              </a:ext>
+            </a:extLst>
+          </p:cNvPr>
+          <p:cNvPicPr>
+            <a:picLocks noGrp="1" noChangeAspect="1"/>
+          </p:cNvPicPr>
+          <p:nvPr>
+            <p:ph idx="1"/>
+          </p:nvPr>
+        </p:nvPicPr>
+        <p:blipFill>
+          <a:blip r:embed="rId2"/>
+          <a:stretch>
+            <a:fillRect/>
+          </a:stretch>
+        </p:blipFill>
+        <p:spPr>
+          <a:xfrm>
+            <a:off x="4856163" y="990852"/>
+            <a:ext cx="6411912" cy="4419096"/>
+          </a:xfrm>
+          <a:prstGeom prst="rect">
+            <a:avLst/>
+          </a:prstGeom>
+        </p:spPr>
+      </p:pic>
+    </p:spTree>
+    <p:extLst>
+      <p:ext uri="{BB962C8B-B14F-4D97-AF65-F5344CB8AC3E}">
+        <p14:creationId xmlns:p14="http://schemas.microsoft.com/office/powerpoint/2010/main" val="4255357379"/>
+      </p:ext>
+    </p:extLst>
+  </p:cSld>
+  <p:clrMapOvr>
+    <a:masterClrMapping/>
+  </p:clrMapOvr>
+</p:sld>
+</file>
+
+<file path=ppt/slides/slide12.xml><?xml version="1.0" encoding="utf-8"?>
+<p:sld xmlns:a="http://schemas.openxmlformats.org/drawingml/2006/main" xmlns:r="http://schemas.openxmlformats.org/officeDocument/2006/relationships" xmlns:p="http://schemas.openxmlformats.org/presentationml/2006/main">
+  <p:cSld>
+    <p:spTree>
+      <p:nvGrpSpPr>
+        <p:cNvPr id="1" name=""/>
+        <p:cNvGrpSpPr/>
+        <p:nvPr/>
+      </p:nvGrpSpPr>
+      <p:grpSpPr>
+        <a:xfrm>
+          <a:off x="0" y="0"/>
+          <a:ext cx="0" cy="0"/>
+          <a:chOff x="0" y="0"/>
+          <a:chExt cx="0" cy="0"/>
+        </a:xfrm>
+      </p:grpSpPr>
+      <p:sp>
+        <p:nvSpPr>
+          <p:cNvPr id="2" name="Title 1">
+            <a:extLst>
+              <a:ext uri="{FF2B5EF4-FFF2-40B4-BE49-F238E27FC236}">
+                <a16:creationId xmlns:a16="http://schemas.microsoft.com/office/drawing/2014/main" id="{89DF008F-1D63-DAFD-85CC-6A476AAA49C9}"/>
+              </a:ext>
+            </a:extLst>
+          </p:cNvPr>
+          <p:cNvSpPr>
+            <a:spLocks noGrp="1"/>
+          </p:cNvSpPr>
+          <p:nvPr>
+            <p:ph type="ctrTitle"/>
+          </p:nvPr>
+        </p:nvSpPr>
+        <p:spPr/>
+        <p:txBody>
+          <a:bodyPr/>
+          <a:lstStyle/>
+          <a:p>
+            <a:r>
+              <a:rPr lang="en-ZA" dirty="0"/>
+              <a:t>Exploratory Data Analysis</a:t>
+            </a:r>
+          </a:p>
+        </p:txBody>
+      </p:sp>
+      <p:sp>
+        <p:nvSpPr>
+          <p:cNvPr id="3" name="Subtitle 2">
+            <a:extLst>
+              <a:ext uri="{FF2B5EF4-FFF2-40B4-BE49-F238E27FC236}">
+                <a16:creationId xmlns:a16="http://schemas.microsoft.com/office/drawing/2014/main" id="{1208C371-D7ED-D0E8-850A-B32AB14DB146}"/>
+              </a:ext>
+            </a:extLst>
+          </p:cNvPr>
+          <p:cNvSpPr>
+            <a:spLocks noGrp="1"/>
+          </p:cNvSpPr>
+          <p:nvPr>
+            <p:ph type="subTitle" idx="1"/>
+          </p:nvPr>
+        </p:nvSpPr>
+        <p:spPr/>
+        <p:txBody>
+          <a:bodyPr/>
+          <a:lstStyle/>
+          <a:p>
+            <a:endParaRPr lang="en-ZA"/>
+          </a:p>
+        </p:txBody>
+      </p:sp>
+    </p:spTree>
+    <p:extLst>
+      <p:ext uri="{BB962C8B-B14F-4D97-AF65-F5344CB8AC3E}">
+        <p14:creationId xmlns:p14="http://schemas.microsoft.com/office/powerpoint/2010/main" val="2137583101"/>
+      </p:ext>
+    </p:extLst>
+  </p:cSld>
+  <p:clrMapOvr>
+    <a:masterClrMapping/>
+  </p:clrMapOvr>
+</p:sld>
+</file>
+
+<file path=ppt/slides/slide13.xml><?xml version="1.0" encoding="utf-8"?>
+<p:sld xmlns:a="http://schemas.openxmlformats.org/drawingml/2006/main" xmlns:r="http://schemas.openxmlformats.org/officeDocument/2006/relationships" xmlns:p="http://schemas.openxmlformats.org/presentationml/2006/main">
+  <p:cSld>
+    <p:spTree>
+      <p:nvGrpSpPr>
+        <p:cNvPr id="1" name="">
+          <a:extLst>
+            <a:ext uri="{FF2B5EF4-FFF2-40B4-BE49-F238E27FC236}">
+              <a16:creationId xmlns:a16="http://schemas.microsoft.com/office/drawing/2014/main" id="{20D14CA1-0C5E-2157-93FB-258E682D87C8}"/>
+            </a:ext>
+          </a:extLst>
+        </p:cNvPr>
+        <p:cNvGrpSpPr/>
+        <p:nvPr/>
+      </p:nvGrpSpPr>
+      <p:grpSpPr>
+        <a:xfrm>
+          <a:off x="0" y="0"/>
+          <a:ext cx="0" cy="0"/>
+          <a:chOff x="0" y="0"/>
+          <a:chExt cx="0" cy="0"/>
+        </a:xfrm>
+      </p:grpSpPr>
+      <p:sp>
+        <p:nvSpPr>
+          <p:cNvPr id="2" name="Title 1">
+            <a:extLst>
+              <a:ext uri="{FF2B5EF4-FFF2-40B4-BE49-F238E27FC236}">
+                <a16:creationId xmlns:a16="http://schemas.microsoft.com/office/drawing/2014/main" id="{3A1BDE5E-25D7-70AB-80C5-6DA8FC97464B}"/>
+              </a:ext>
+            </a:extLst>
+          </p:cNvPr>
+          <p:cNvSpPr>
+            <a:spLocks noGrp="1"/>
+          </p:cNvSpPr>
+          <p:nvPr>
+            <p:ph type="ctrTitle"/>
+          </p:nvPr>
+        </p:nvSpPr>
+        <p:spPr/>
+        <p:txBody>
+          <a:bodyPr/>
+          <a:lstStyle/>
+          <a:p>
+            <a:r>
+              <a:rPr lang="en-ZA" dirty="0"/>
+              <a:t>Regression Models Applied</a:t>
+            </a:r>
+          </a:p>
+        </p:txBody>
+      </p:sp>
+      <p:sp>
+        <p:nvSpPr>
+          <p:cNvPr id="3" name="Subtitle 2">
+            <a:extLst>
+              <a:ext uri="{FF2B5EF4-FFF2-40B4-BE49-F238E27FC236}">
+                <a16:creationId xmlns:a16="http://schemas.microsoft.com/office/drawing/2014/main" id="{15FCCB23-8402-5AE9-E1FE-49574082254C}"/>
+              </a:ext>
+            </a:extLst>
+          </p:cNvPr>
+          <p:cNvSpPr>
+            <a:spLocks noGrp="1"/>
+          </p:cNvSpPr>
+          <p:nvPr>
+            <p:ph type="subTitle" idx="1"/>
+          </p:nvPr>
+        </p:nvSpPr>
+        <p:spPr/>
+        <p:txBody>
+          <a:bodyPr/>
+          <a:lstStyle/>
+          <a:p>
+            <a:endParaRPr lang="en-ZA"/>
+          </a:p>
+        </p:txBody>
+      </p:sp>
+    </p:spTree>
+    <p:extLst>
+      <p:ext uri="{BB962C8B-B14F-4D97-AF65-F5344CB8AC3E}">
+        <p14:creationId xmlns:p14="http://schemas.microsoft.com/office/powerpoint/2010/main" val="3797713729"/>
+      </p:ext>
+    </p:extLst>
+  </p:cSld>
+  <p:clrMapOvr>
+    <a:masterClrMapping/>
+  </p:clrMapOvr>
+</p:sld>
+</file>
+
+<file path=ppt/slides/slide14.xml><?xml version="1.0" encoding="utf-8"?>
+<p:sld xmlns:a="http://schemas.openxmlformats.org/drawingml/2006/main" xmlns:r="http://schemas.openxmlformats.org/officeDocument/2006/relationships" xmlns:p="http://schemas.openxmlformats.org/presentationml/2006/main">
+  <p:cSld>
+    <p:spTree>
+      <p:nvGrpSpPr>
+        <p:cNvPr id="1" name=""/>
+        <p:cNvGrpSpPr/>
+        <p:nvPr/>
+      </p:nvGrpSpPr>
+      <p:grpSpPr>
+        <a:xfrm>
+          <a:off x="0" y="0"/>
+          <a:ext cx="0" cy="0"/>
+          <a:chOff x="0" y="0"/>
+          <a:chExt cx="0" cy="0"/>
+        </a:xfrm>
+      </p:grpSpPr>
+      <p:sp>
+        <p:nvSpPr>
+          <p:cNvPr id="2" name="Title 1">
+            <a:extLst>
+              <a:ext uri="{FF2B5EF4-FFF2-40B4-BE49-F238E27FC236}">
+                <a16:creationId xmlns:a16="http://schemas.microsoft.com/office/drawing/2014/main" id="{A44986F0-348E-5AEA-A40A-C8022B7A6E7F}"/>
+              </a:ext>
+            </a:extLst>
+          </p:cNvPr>
+          <p:cNvSpPr>
+            <a:spLocks noGrp="1"/>
+          </p:cNvSpPr>
+          <p:nvPr>
+            <p:ph type="title"/>
+          </p:nvPr>
+        </p:nvSpPr>
+        <p:spPr/>
+        <p:txBody>
+          <a:bodyPr/>
+          <a:lstStyle/>
+          <a:p>
+            <a:pPr algn="l"/>
+            <a:r>
+              <a:rPr lang="en-ZA" dirty="0"/>
+              <a:t>Multiple Regression</a:t>
+            </a:r>
+          </a:p>
+        </p:txBody>
+      </p:sp>
+      <p:sp>
+        <p:nvSpPr>
+          <p:cNvPr id="3" name="Content Placeholder 2">
+            <a:extLst>
+              <a:ext uri="{FF2B5EF4-FFF2-40B4-BE49-F238E27FC236}">
+                <a16:creationId xmlns:a16="http://schemas.microsoft.com/office/drawing/2014/main" id="{E0CFB6B5-EF86-A301-00CC-A6D004E4FFE8}"/>
+              </a:ext>
+            </a:extLst>
+          </p:cNvPr>
+          <p:cNvSpPr>
+            <a:spLocks noGrp="1"/>
+          </p:cNvSpPr>
+          <p:nvPr>
+            <p:ph idx="1"/>
+          </p:nvPr>
+        </p:nvSpPr>
+        <p:spPr/>
+        <p:txBody>
+          <a:bodyPr/>
+          <a:lstStyle/>
+          <a:p>
+            <a:endParaRPr lang="en-ZA"/>
+          </a:p>
+        </p:txBody>
+      </p:sp>
+    </p:spTree>
+    <p:extLst>
+      <p:ext uri="{BB962C8B-B14F-4D97-AF65-F5344CB8AC3E}">
+        <p14:creationId xmlns:p14="http://schemas.microsoft.com/office/powerpoint/2010/main" val="809299826"/>
+      </p:ext>
+    </p:extLst>
+  </p:cSld>
+  <p:clrMapOvr>
+    <a:masterClrMapping/>
+  </p:clrMapOvr>
+</p:sld>
+</file>
+
+<file path=ppt/slides/slide15.xml><?xml version="1.0" encoding="utf-8"?>
+<p:sld xmlns:a="http://schemas.openxmlformats.org/drawingml/2006/main" xmlns:r="http://schemas.openxmlformats.org/officeDocument/2006/relationships" xmlns:p="http://schemas.openxmlformats.org/presentationml/2006/main">
+  <p:cSld>
+    <p:spTree>
+      <p:nvGrpSpPr>
+        <p:cNvPr id="1" name="">
+          <a:extLst>
+            <a:ext uri="{FF2B5EF4-FFF2-40B4-BE49-F238E27FC236}">
+              <a16:creationId xmlns:a16="http://schemas.microsoft.com/office/drawing/2014/main" id="{C7226CCC-BDFD-EA4E-D01B-4F5E53489C1E}"/>
+            </a:ext>
+          </a:extLst>
+        </p:cNvPr>
+        <p:cNvGrpSpPr/>
+        <p:nvPr/>
+      </p:nvGrpSpPr>
+      <p:grpSpPr>
+        <a:xfrm>
+          <a:off x="0" y="0"/>
+          <a:ext cx="0" cy="0"/>
+          <a:chOff x="0" y="0"/>
+          <a:chExt cx="0" cy="0"/>
+        </a:xfrm>
+      </p:grpSpPr>
+      <p:sp>
+        <p:nvSpPr>
+          <p:cNvPr id="2" name="Title 1">
+            <a:extLst>
+              <a:ext uri="{FF2B5EF4-FFF2-40B4-BE49-F238E27FC236}">
+                <a16:creationId xmlns:a16="http://schemas.microsoft.com/office/drawing/2014/main" id="{8074AE7C-E915-6B0A-3150-6D8DDE59C5C5}"/>
+              </a:ext>
+            </a:extLst>
+          </p:cNvPr>
+          <p:cNvSpPr>
+            <a:spLocks noGrp="1"/>
+          </p:cNvSpPr>
+          <p:nvPr>
+            <p:ph type="title"/>
+          </p:nvPr>
+        </p:nvSpPr>
+        <p:spPr/>
+        <p:txBody>
+          <a:bodyPr/>
+          <a:lstStyle/>
+          <a:p>
+            <a:pPr algn="l"/>
+            <a:r>
+              <a:rPr lang="en-ZA" dirty="0"/>
+              <a:t>Lasso</a:t>
+            </a:r>
+          </a:p>
+        </p:txBody>
+      </p:sp>
+      <p:sp>
+        <p:nvSpPr>
+          <p:cNvPr id="3" name="Content Placeholder 2">
+            <a:extLst>
+              <a:ext uri="{FF2B5EF4-FFF2-40B4-BE49-F238E27FC236}">
+                <a16:creationId xmlns:a16="http://schemas.microsoft.com/office/drawing/2014/main" id="{25C9FD0D-C7C5-95EE-3720-B71B6FD00751}"/>
+              </a:ext>
+            </a:extLst>
+          </p:cNvPr>
+          <p:cNvSpPr>
+            <a:spLocks noGrp="1"/>
+          </p:cNvSpPr>
+          <p:nvPr>
+            <p:ph idx="1"/>
+          </p:nvPr>
+        </p:nvSpPr>
+        <p:spPr/>
+        <p:txBody>
+          <a:bodyPr/>
+          <a:lstStyle/>
+          <a:p>
+            <a:endParaRPr lang="en-ZA"/>
+          </a:p>
+        </p:txBody>
+      </p:sp>
+    </p:spTree>
+    <p:extLst>
+      <p:ext uri="{BB962C8B-B14F-4D97-AF65-F5344CB8AC3E}">
+        <p14:creationId xmlns:p14="http://schemas.microsoft.com/office/powerpoint/2010/main" val="3574811568"/>
+      </p:ext>
+    </p:extLst>
+  </p:cSld>
+  <p:clrMapOvr>
+    <a:masterClrMapping/>
+  </p:clrMapOvr>
+</p:sld>
+</file>
+
+<file path=ppt/slides/slide16.xml><?xml version="1.0" encoding="utf-8"?>
+<p:sld xmlns:a="http://schemas.openxmlformats.org/drawingml/2006/main" xmlns:r="http://schemas.openxmlformats.org/officeDocument/2006/relationships" xmlns:p="http://schemas.openxmlformats.org/presentationml/2006/main">
+  <p:cSld>
+    <p:spTree>
+      <p:nvGrpSpPr>
+        <p:cNvPr id="1" name="">
+          <a:extLst>
+            <a:ext uri="{FF2B5EF4-FFF2-40B4-BE49-F238E27FC236}">
+              <a16:creationId xmlns:a16="http://schemas.microsoft.com/office/drawing/2014/main" id="{E75A8830-5D23-23EF-CA40-61E546B49FA3}"/>
+            </a:ext>
+          </a:extLst>
+        </p:cNvPr>
+        <p:cNvGrpSpPr/>
+        <p:nvPr/>
+      </p:nvGrpSpPr>
+      <p:grpSpPr>
+        <a:xfrm>
+          <a:off x="0" y="0"/>
+          <a:ext cx="0" cy="0"/>
+          <a:chOff x="0" y="0"/>
+          <a:chExt cx="0" cy="0"/>
+        </a:xfrm>
+      </p:grpSpPr>
+      <p:sp>
+        <p:nvSpPr>
+          <p:cNvPr id="2" name="Title 1">
+            <a:extLst>
+              <a:ext uri="{FF2B5EF4-FFF2-40B4-BE49-F238E27FC236}">
+                <a16:creationId xmlns:a16="http://schemas.microsoft.com/office/drawing/2014/main" id="{C1BF3160-ECD0-B013-0C7B-B3BC65324316}"/>
+              </a:ext>
+            </a:extLst>
+          </p:cNvPr>
+          <p:cNvSpPr>
+            <a:spLocks noGrp="1"/>
+          </p:cNvSpPr>
+          <p:nvPr>
+            <p:ph type="title"/>
+          </p:nvPr>
+        </p:nvSpPr>
+        <p:spPr/>
+        <p:txBody>
+          <a:bodyPr/>
+          <a:lstStyle/>
+          <a:p>
+            <a:pPr algn="l"/>
+            <a:r>
+              <a:rPr lang="en-ZA" dirty="0"/>
+              <a:t>Decision Trees</a:t>
+            </a:r>
+          </a:p>
+        </p:txBody>
+      </p:sp>
+      <p:sp>
+        <p:nvSpPr>
+          <p:cNvPr id="3" name="Content Placeholder 2">
+            <a:extLst>
+              <a:ext uri="{FF2B5EF4-FFF2-40B4-BE49-F238E27FC236}">
+                <a16:creationId xmlns:a16="http://schemas.microsoft.com/office/drawing/2014/main" id="{98DC8C81-033D-13C3-4B91-8250D3ACC3F3}"/>
+              </a:ext>
+            </a:extLst>
+          </p:cNvPr>
+          <p:cNvSpPr>
+            <a:spLocks noGrp="1"/>
+          </p:cNvSpPr>
+          <p:nvPr>
+            <p:ph idx="1"/>
+          </p:nvPr>
+        </p:nvSpPr>
+        <p:spPr/>
+        <p:txBody>
+          <a:bodyPr/>
+          <a:lstStyle/>
+          <a:p>
+            <a:endParaRPr lang="en-ZA"/>
+          </a:p>
+        </p:txBody>
+      </p:sp>
+    </p:spTree>
+    <p:extLst>
+      <p:ext uri="{BB962C8B-B14F-4D97-AF65-F5344CB8AC3E}">
+        <p14:creationId xmlns:p14="http://schemas.microsoft.com/office/powerpoint/2010/main" val="488845266"/>
+      </p:ext>
+    </p:extLst>
+  </p:cSld>
+  <p:clrMapOvr>
+    <a:masterClrMapping/>
+  </p:clrMapOvr>
+</p:sld>
+</file>
+
+<file path=ppt/slides/slide17.xml><?xml version="1.0" encoding="utf-8"?>
+<p:sld xmlns:a="http://schemas.openxmlformats.org/drawingml/2006/main" xmlns:r="http://schemas.openxmlformats.org/officeDocument/2006/relationships" xmlns:p="http://schemas.openxmlformats.org/presentationml/2006/main">
+  <p:cSld>
+    <p:spTree>
+      <p:nvGrpSpPr>
+        <p:cNvPr id="1" name="">
+          <a:extLst>
+            <a:ext uri="{FF2B5EF4-FFF2-40B4-BE49-F238E27FC236}">
+              <a16:creationId xmlns:a16="http://schemas.microsoft.com/office/drawing/2014/main" id="{CE8F55FC-C83F-1EC7-4493-DF8040BC34A1}"/>
+            </a:ext>
+          </a:extLst>
+        </p:cNvPr>
+        <p:cNvGrpSpPr/>
+        <p:nvPr/>
+      </p:nvGrpSpPr>
+      <p:grpSpPr>
+        <a:xfrm>
+          <a:off x="0" y="0"/>
+          <a:ext cx="0" cy="0"/>
+          <a:chOff x="0" y="0"/>
+          <a:chExt cx="0" cy="0"/>
+        </a:xfrm>
+      </p:grpSpPr>
+      <p:sp>
+        <p:nvSpPr>
+          <p:cNvPr id="2" name="Title 1">
+            <a:extLst>
+              <a:ext uri="{FF2B5EF4-FFF2-40B4-BE49-F238E27FC236}">
+                <a16:creationId xmlns:a16="http://schemas.microsoft.com/office/drawing/2014/main" id="{917D2F8C-1E96-640C-F00D-9D227463DEE4}"/>
+              </a:ext>
+            </a:extLst>
+          </p:cNvPr>
+          <p:cNvSpPr>
+            <a:spLocks noGrp="1"/>
+          </p:cNvSpPr>
+          <p:nvPr>
+            <p:ph type="title"/>
+          </p:nvPr>
+        </p:nvSpPr>
+        <p:spPr/>
+        <p:txBody>
+          <a:bodyPr/>
+          <a:lstStyle/>
+          <a:p>
+            <a:pPr algn="l"/>
+            <a:r>
+              <a:rPr lang="en-ZA" dirty="0"/>
+              <a:t>Random Forests</a:t>
+            </a:r>
+          </a:p>
+        </p:txBody>
+      </p:sp>
+      <p:sp>
+        <p:nvSpPr>
+          <p:cNvPr id="3" name="Content Placeholder 2">
+            <a:extLst>
+              <a:ext uri="{FF2B5EF4-FFF2-40B4-BE49-F238E27FC236}">
+                <a16:creationId xmlns:a16="http://schemas.microsoft.com/office/drawing/2014/main" id="{03ACF577-8F49-05E9-2180-102D7213E627}"/>
+              </a:ext>
+            </a:extLst>
+          </p:cNvPr>
+          <p:cNvSpPr>
+            <a:spLocks noGrp="1"/>
+          </p:cNvSpPr>
+          <p:nvPr>
+            <p:ph idx="1"/>
+          </p:nvPr>
+        </p:nvSpPr>
+        <p:spPr/>
+        <p:txBody>
+          <a:bodyPr/>
+          <a:lstStyle/>
+          <a:p>
+            <a:endParaRPr lang="en-ZA"/>
+          </a:p>
+        </p:txBody>
+      </p:sp>
+    </p:spTree>
+    <p:extLst>
+      <p:ext uri="{BB962C8B-B14F-4D97-AF65-F5344CB8AC3E}">
+        <p14:creationId xmlns:p14="http://schemas.microsoft.com/office/powerpoint/2010/main" val="2565305964"/>
+      </p:ext>
+    </p:extLst>
+  </p:cSld>
+  <p:clrMapOvr>
+    <a:masterClrMapping/>
+  </p:clrMapOvr>
+</p:sld>
+</file>
+
+<file path=ppt/slides/slide18.xml><?xml version="1.0" encoding="utf-8"?>
+<p:sld xmlns:a="http://schemas.openxmlformats.org/drawingml/2006/main" xmlns:r="http://schemas.openxmlformats.org/officeDocument/2006/relationships" xmlns:p="http://schemas.openxmlformats.org/presentationml/2006/main">
+  <p:cSld>
+    <p:spTree>
+      <p:nvGrpSpPr>
+        <p:cNvPr id="1" name="">
+          <a:extLst>
+            <a:ext uri="{FF2B5EF4-FFF2-40B4-BE49-F238E27FC236}">
+              <a16:creationId xmlns:a16="http://schemas.microsoft.com/office/drawing/2014/main" id="{335EFEAB-2D1D-4600-7A21-65C0AD6AAA4B}"/>
+            </a:ext>
+          </a:extLst>
+        </p:cNvPr>
+        <p:cNvGrpSpPr/>
+        <p:nvPr/>
+      </p:nvGrpSpPr>
+      <p:grpSpPr>
+        <a:xfrm>
+          <a:off x="0" y="0"/>
+          <a:ext cx="0" cy="0"/>
+          <a:chOff x="0" y="0"/>
+          <a:chExt cx="0" cy="0"/>
+        </a:xfrm>
+      </p:grpSpPr>
+      <p:sp>
+        <p:nvSpPr>
+          <p:cNvPr id="2" name="Title 1">
+            <a:extLst>
+              <a:ext uri="{FF2B5EF4-FFF2-40B4-BE49-F238E27FC236}">
+                <a16:creationId xmlns:a16="http://schemas.microsoft.com/office/drawing/2014/main" id="{DCC9AE9A-46F1-06E3-EC9F-95579BE04A9B}"/>
+              </a:ext>
+            </a:extLst>
+          </p:cNvPr>
+          <p:cNvSpPr>
+            <a:spLocks noGrp="1"/>
+          </p:cNvSpPr>
+          <p:nvPr>
+            <p:ph type="title"/>
+          </p:nvPr>
+        </p:nvSpPr>
+        <p:spPr/>
+        <p:txBody>
+          <a:bodyPr/>
+          <a:lstStyle/>
+          <a:p>
+            <a:pPr algn="l"/>
+            <a:r>
+              <a:rPr lang="en-ZA" dirty="0"/>
+              <a:t>Comparisons of the Models</a:t>
+            </a:r>
+          </a:p>
+        </p:txBody>
+      </p:sp>
+      <p:sp>
+        <p:nvSpPr>
+          <p:cNvPr id="3" name="Content Placeholder 2">
+            <a:extLst>
+              <a:ext uri="{FF2B5EF4-FFF2-40B4-BE49-F238E27FC236}">
+                <a16:creationId xmlns:a16="http://schemas.microsoft.com/office/drawing/2014/main" id="{0E1BD014-6E65-1D6A-68AD-C99B4D8085F8}"/>
+              </a:ext>
+            </a:extLst>
+          </p:cNvPr>
+          <p:cNvSpPr>
+            <a:spLocks noGrp="1"/>
+          </p:cNvSpPr>
+          <p:nvPr>
+            <p:ph idx="1"/>
+          </p:nvPr>
+        </p:nvSpPr>
+        <p:spPr/>
+        <p:txBody>
+          <a:bodyPr/>
+          <a:lstStyle/>
+          <a:p>
+            <a:endParaRPr lang="en-ZA"/>
+          </a:p>
+        </p:txBody>
+      </p:sp>
+    </p:spTree>
+    <p:extLst>
+      <p:ext uri="{BB962C8B-B14F-4D97-AF65-F5344CB8AC3E}">
+        <p14:creationId xmlns:p14="http://schemas.microsoft.com/office/powerpoint/2010/main" val="1990369775"/>
+      </p:ext>
+    </p:extLst>
+  </p:cSld>
+  <p:clrMapOvr>
+    <a:masterClrMapping/>
+  </p:clrMapOvr>
+</p:sld>
+</file>
+
+<file path=ppt/slides/slide19.xml><?xml version="1.0" encoding="utf-8"?>
+<p:sld xmlns:a="http://schemas.openxmlformats.org/drawingml/2006/main" xmlns:r="http://schemas.openxmlformats.org/officeDocument/2006/relationships" xmlns:p="http://schemas.openxmlformats.org/presentationml/2006/main">
+  <p:cSld>
+    <p:spTree>
+      <p:nvGrpSpPr>
+        <p:cNvPr id="1" name="">
+          <a:extLst>
+            <a:ext uri="{FF2B5EF4-FFF2-40B4-BE49-F238E27FC236}">
+              <a16:creationId xmlns:a16="http://schemas.microsoft.com/office/drawing/2014/main" id="{43296224-1118-0277-18E5-45344662AE66}"/>
+            </a:ext>
+          </a:extLst>
+        </p:cNvPr>
+        <p:cNvGrpSpPr/>
+        <p:nvPr/>
+      </p:nvGrpSpPr>
+      <p:grpSpPr>
+        <a:xfrm>
+          <a:off x="0" y="0"/>
+          <a:ext cx="0" cy="0"/>
+          <a:chOff x="0" y="0"/>
+          <a:chExt cx="0" cy="0"/>
+        </a:xfrm>
+      </p:grpSpPr>
+      <p:sp>
+        <p:nvSpPr>
+          <p:cNvPr id="2" name="Title 1">
+            <a:extLst>
+              <a:ext uri="{FF2B5EF4-FFF2-40B4-BE49-F238E27FC236}">
+                <a16:creationId xmlns:a16="http://schemas.microsoft.com/office/drawing/2014/main" id="{97059094-16DF-5CEB-80E0-64DB27B53659}"/>
+              </a:ext>
+            </a:extLst>
+          </p:cNvPr>
+          <p:cNvSpPr>
+            <a:spLocks noGrp="1"/>
+          </p:cNvSpPr>
+          <p:nvPr>
+            <p:ph type="title"/>
+          </p:nvPr>
+        </p:nvSpPr>
+        <p:spPr/>
+        <p:txBody>
+          <a:bodyPr/>
+          <a:lstStyle/>
+          <a:p>
+            <a:pPr algn="l"/>
+            <a:r>
+              <a:rPr lang="en-ZA"/>
+              <a:t>Most Appropriate Model to Use</a:t>
+            </a:r>
+            <a:endParaRPr lang="en-ZA" dirty="0"/>
+          </a:p>
+        </p:txBody>
+      </p:sp>
+      <p:sp>
+        <p:nvSpPr>
+          <p:cNvPr id="3" name="Content Placeholder 2">
+            <a:extLst>
+              <a:ext uri="{FF2B5EF4-FFF2-40B4-BE49-F238E27FC236}">
+                <a16:creationId xmlns:a16="http://schemas.microsoft.com/office/drawing/2014/main" id="{DB07A73B-22E5-1502-E29A-F7C312953C7E}"/>
+              </a:ext>
+            </a:extLst>
+          </p:cNvPr>
+          <p:cNvSpPr>
+            <a:spLocks noGrp="1"/>
+          </p:cNvSpPr>
+          <p:nvPr>
+            <p:ph idx="1"/>
+          </p:nvPr>
+        </p:nvSpPr>
+        <p:spPr/>
+        <p:txBody>
+          <a:bodyPr/>
+          <a:lstStyle/>
+          <a:p>
+            <a:endParaRPr lang="en-ZA"/>
+          </a:p>
+        </p:txBody>
+      </p:sp>
+    </p:spTree>
+    <p:extLst>
+      <p:ext uri="{BB962C8B-B14F-4D97-AF65-F5344CB8AC3E}">
+        <p14:creationId xmlns:p14="http://schemas.microsoft.com/office/powerpoint/2010/main" val="2939269639"/>
+      </p:ext>
+    </p:extLst>
+  </p:cSld>
+  <p:clrMapOvr>
+    <a:masterClrMapping/>
+  </p:clrMapOvr>
+</p:sld>
+</file>
+
 <file path=ppt/slides/slide2.xml><?xml version="1.0" encoding="utf-8"?>
 <p:sld xmlns:a="http://schemas.openxmlformats.org/drawingml/2006/main" xmlns:r="http://schemas.openxmlformats.org/officeDocument/2006/relationships" xmlns:p="http://schemas.openxmlformats.org/presentationml/2006/main">
   <p:cSld>
@@ -6369,7 +7834,173 @@
 </p:sld>
 </file>
 
+<file path=ppt/slides/slide20.xml><?xml version="1.0" encoding="utf-8"?>
+<p:sld xmlns:a="http://schemas.openxmlformats.org/drawingml/2006/main" xmlns:r="http://schemas.openxmlformats.org/officeDocument/2006/relationships" xmlns:p="http://schemas.openxmlformats.org/presentationml/2006/main">
+  <p:cSld>
+    <p:spTree>
+      <p:nvGrpSpPr>
+        <p:cNvPr id="1" name=""/>
+        <p:cNvGrpSpPr/>
+        <p:nvPr/>
+      </p:nvGrpSpPr>
+      <p:grpSpPr>
+        <a:xfrm>
+          <a:off x="0" y="0"/>
+          <a:ext cx="0" cy="0"/>
+          <a:chOff x="0" y="0"/>
+          <a:chExt cx="0" cy="0"/>
+        </a:xfrm>
+      </p:grpSpPr>
+      <p:sp>
+        <p:nvSpPr>
+          <p:cNvPr id="2" name="Title 1">
+            <a:extLst>
+              <a:ext uri="{FF2B5EF4-FFF2-40B4-BE49-F238E27FC236}">
+                <a16:creationId xmlns:a16="http://schemas.microsoft.com/office/drawing/2014/main" id="{F37F48A9-122C-8507-B2FC-2B9F3283CB40}"/>
+              </a:ext>
+            </a:extLst>
+          </p:cNvPr>
+          <p:cNvSpPr>
+            <a:spLocks noGrp="1"/>
+          </p:cNvSpPr>
+          <p:nvPr>
+            <p:ph type="ctrTitle"/>
+          </p:nvPr>
+        </p:nvSpPr>
+        <p:spPr/>
+        <p:txBody>
+          <a:bodyPr/>
+          <a:lstStyle/>
+          <a:p>
+            <a:endParaRPr lang="en-ZA"/>
+          </a:p>
+        </p:txBody>
+      </p:sp>
+      <p:sp>
+        <p:nvSpPr>
+          <p:cNvPr id="3" name="Subtitle 2">
+            <a:extLst>
+              <a:ext uri="{FF2B5EF4-FFF2-40B4-BE49-F238E27FC236}">
+                <a16:creationId xmlns:a16="http://schemas.microsoft.com/office/drawing/2014/main" id="{A67293EA-121E-7D3D-DEA4-5320F0625892}"/>
+              </a:ext>
+            </a:extLst>
+          </p:cNvPr>
+          <p:cNvSpPr>
+            <a:spLocks noGrp="1"/>
+          </p:cNvSpPr>
+          <p:nvPr>
+            <p:ph type="subTitle" idx="1"/>
+          </p:nvPr>
+        </p:nvSpPr>
+        <p:spPr/>
+        <p:txBody>
+          <a:bodyPr/>
+          <a:lstStyle/>
+          <a:p>
+            <a:endParaRPr lang="en-ZA"/>
+          </a:p>
+        </p:txBody>
+      </p:sp>
+    </p:spTree>
+    <p:extLst>
+      <p:ext uri="{BB962C8B-B14F-4D97-AF65-F5344CB8AC3E}">
+        <p14:creationId xmlns:p14="http://schemas.microsoft.com/office/powerpoint/2010/main" val="2347701384"/>
+      </p:ext>
+    </p:extLst>
+  </p:cSld>
+  <p:clrMapOvr>
+    <a:masterClrMapping/>
+  </p:clrMapOvr>
+</p:sld>
+</file>
+
 <file path=ppt/slides/slide3.xml><?xml version="1.0" encoding="utf-8"?>
+<p:sld xmlns:a="http://schemas.openxmlformats.org/drawingml/2006/main" xmlns:r="http://schemas.openxmlformats.org/officeDocument/2006/relationships" xmlns:p="http://schemas.openxmlformats.org/presentationml/2006/main">
+  <p:cSld>
+    <p:spTree>
+      <p:nvGrpSpPr>
+        <p:cNvPr id="1" name=""/>
+        <p:cNvGrpSpPr/>
+        <p:nvPr/>
+      </p:nvGrpSpPr>
+      <p:grpSpPr>
+        <a:xfrm>
+          <a:off x="0" y="0"/>
+          <a:ext cx="0" cy="0"/>
+          <a:chOff x="0" y="0"/>
+          <a:chExt cx="0" cy="0"/>
+        </a:xfrm>
+      </p:grpSpPr>
+      <p:sp>
+        <p:nvSpPr>
+          <p:cNvPr id="2" name="Title 1">
+            <a:extLst>
+              <a:ext uri="{FF2B5EF4-FFF2-40B4-BE49-F238E27FC236}">
+                <a16:creationId xmlns:a16="http://schemas.microsoft.com/office/drawing/2014/main" id="{63697D11-DD93-8408-4FE3-12A66A146072}"/>
+              </a:ext>
+            </a:extLst>
+          </p:cNvPr>
+          <p:cNvSpPr>
+            <a:spLocks noGrp="1"/>
+          </p:cNvSpPr>
+          <p:nvPr>
+            <p:ph type="ctrTitle"/>
+          </p:nvPr>
+        </p:nvSpPr>
+        <p:spPr/>
+        <p:txBody>
+          <a:bodyPr/>
+          <a:lstStyle/>
+          <a:p>
+            <a:r>
+              <a:rPr lang="en-ZA" dirty="0"/>
+              <a:t>Initial Analysis of the Data</a:t>
+            </a:r>
+          </a:p>
+        </p:txBody>
+      </p:sp>
+      <p:sp>
+        <p:nvSpPr>
+          <p:cNvPr id="3" name="Subtitle 2">
+            <a:extLst>
+              <a:ext uri="{FF2B5EF4-FFF2-40B4-BE49-F238E27FC236}">
+                <a16:creationId xmlns:a16="http://schemas.microsoft.com/office/drawing/2014/main" id="{3538D5D6-5492-9347-BDAE-D1CE394802B2}"/>
+              </a:ext>
+            </a:extLst>
+          </p:cNvPr>
+          <p:cNvSpPr>
+            <a:spLocks noGrp="1"/>
+          </p:cNvSpPr>
+          <p:nvPr>
+            <p:ph type="subTitle" idx="1"/>
+          </p:nvPr>
+        </p:nvSpPr>
+        <p:spPr/>
+        <p:txBody>
+          <a:bodyPr/>
+          <a:lstStyle/>
+          <a:p>
+            <a:r>
+              <a:rPr lang="en-ZA" dirty="0"/>
+              <a:t>To understand the problem better and the contributing factors</a:t>
+            </a:r>
+          </a:p>
+        </p:txBody>
+      </p:sp>
+    </p:spTree>
+    <p:extLst>
+      <p:ext uri="{BB962C8B-B14F-4D97-AF65-F5344CB8AC3E}">
+        <p14:creationId xmlns:p14="http://schemas.microsoft.com/office/powerpoint/2010/main" val="3690375467"/>
+      </p:ext>
+    </p:extLst>
+  </p:cSld>
+  <p:clrMapOvr>
+    <a:masterClrMapping/>
+  </p:clrMapOvr>
+</p:sld>
+</file>
+
+<file path=ppt/slides/slide4.xml><?xml version="1.0" encoding="utf-8"?>
 <p:sld xmlns:a="http://schemas.openxmlformats.org/drawingml/2006/main" xmlns:r="http://schemas.openxmlformats.org/officeDocument/2006/relationships" xmlns:p="http://schemas.openxmlformats.org/presentationml/2006/main">
   <p:cSld>
     <p:spTree>
@@ -6511,7 +8142,142 @@
 </p:sld>
 </file>
 
-<file path=ppt/slides/slide4.xml><?xml version="1.0" encoding="utf-8"?>
+<file path=ppt/slides/slide5.xml><?xml version="1.0" encoding="utf-8"?>
+<p:sld xmlns:a="http://schemas.openxmlformats.org/drawingml/2006/main" xmlns:r="http://schemas.openxmlformats.org/officeDocument/2006/relationships" xmlns:p="http://schemas.openxmlformats.org/presentationml/2006/main">
+  <p:cSld>
+    <p:spTree>
+      <p:nvGrpSpPr>
+        <p:cNvPr id="1" name="">
+          <a:extLst>
+            <a:ext uri="{FF2B5EF4-FFF2-40B4-BE49-F238E27FC236}">
+              <a16:creationId xmlns:a16="http://schemas.microsoft.com/office/drawing/2014/main" id="{863BC4E3-5966-C89B-7E3A-CE20C23024B3}"/>
+            </a:ext>
+          </a:extLst>
+        </p:cNvPr>
+        <p:cNvGrpSpPr/>
+        <p:nvPr/>
+      </p:nvGrpSpPr>
+      <p:grpSpPr>
+        <a:xfrm>
+          <a:off x="0" y="0"/>
+          <a:ext cx="0" cy="0"/>
+          <a:chOff x="0" y="0"/>
+          <a:chExt cx="0" cy="0"/>
+        </a:xfrm>
+      </p:grpSpPr>
+      <p:sp>
+        <p:nvSpPr>
+          <p:cNvPr id="2" name="Title 1">
+            <a:extLst>
+              <a:ext uri="{FF2B5EF4-FFF2-40B4-BE49-F238E27FC236}">
+                <a16:creationId xmlns:a16="http://schemas.microsoft.com/office/drawing/2014/main" id="{4BB805B4-3F0B-F0F1-7C6D-ED49FBC9B95A}"/>
+              </a:ext>
+            </a:extLst>
+          </p:cNvPr>
+          <p:cNvSpPr>
+            <a:spLocks noGrp="1"/>
+          </p:cNvSpPr>
+          <p:nvPr>
+            <p:ph type="title"/>
+          </p:nvPr>
+        </p:nvSpPr>
+        <p:spPr>
+          <a:xfrm>
+            <a:off x="913795" y="609600"/>
+            <a:ext cx="3706889" cy="457201"/>
+          </a:xfrm>
+        </p:spPr>
+        <p:txBody>
+          <a:bodyPr/>
+          <a:lstStyle/>
+          <a:p>
+            <a:r>
+              <a:rPr lang="en-ZA" dirty="0"/>
+              <a:t>Total Emissions</a:t>
+            </a:r>
+          </a:p>
+        </p:txBody>
+      </p:sp>
+      <p:sp>
+        <p:nvSpPr>
+          <p:cNvPr id="4" name="Text Placeholder 3">
+            <a:extLst>
+              <a:ext uri="{FF2B5EF4-FFF2-40B4-BE49-F238E27FC236}">
+                <a16:creationId xmlns:a16="http://schemas.microsoft.com/office/drawing/2014/main" id="{1774DAAB-5B2A-B3A4-DFEC-7213D295D06D}"/>
+              </a:ext>
+            </a:extLst>
+          </p:cNvPr>
+          <p:cNvSpPr>
+            <a:spLocks noGrp="1"/>
+          </p:cNvSpPr>
+          <p:nvPr>
+            <p:ph type="body" sz="half" idx="2"/>
+          </p:nvPr>
+        </p:nvSpPr>
+        <p:spPr>
+          <a:xfrm>
+            <a:off x="913795" y="1087954"/>
+            <a:ext cx="3706889" cy="4703246"/>
+          </a:xfrm>
+        </p:spPr>
+        <p:txBody>
+          <a:bodyPr/>
+          <a:lstStyle/>
+          <a:p>
+            <a:pPr marL="285750" indent="-285750" algn="l">
+              <a:buFont typeface="Arial" panose="020B0604020202020204" pitchFamily="34" charset="0"/>
+              <a:buChar char="•"/>
+            </a:pPr>
+            <a:endParaRPr lang="en-ZA" dirty="0"/>
+          </a:p>
+        </p:txBody>
+      </p:sp>
+      <p:pic>
+        <p:nvPicPr>
+          <p:cNvPr id="6" name="Content Placeholder 5">
+            <a:extLst>
+              <a:ext uri="{FF2B5EF4-FFF2-40B4-BE49-F238E27FC236}">
+                <a16:creationId xmlns:a16="http://schemas.microsoft.com/office/drawing/2014/main" id="{07034B90-CB16-BC78-D75A-579F5A01E290}"/>
+              </a:ext>
+            </a:extLst>
+          </p:cNvPr>
+          <p:cNvPicPr>
+            <a:picLocks noGrp="1" noChangeAspect="1"/>
+          </p:cNvPicPr>
+          <p:nvPr>
+            <p:ph idx="1"/>
+          </p:nvPr>
+        </p:nvPicPr>
+        <p:blipFill>
+          <a:blip r:embed="rId2"/>
+          <a:stretch>
+            <a:fillRect/>
+          </a:stretch>
+        </p:blipFill>
+        <p:spPr>
+          <a:xfrm>
+            <a:off x="5326539" y="1272540"/>
+            <a:ext cx="5471160" cy="3855720"/>
+          </a:xfrm>
+          <a:prstGeom prst="rect">
+            <a:avLst/>
+          </a:prstGeom>
+        </p:spPr>
+      </p:pic>
+    </p:spTree>
+    <p:extLst>
+      <p:ext uri="{BB962C8B-B14F-4D97-AF65-F5344CB8AC3E}">
+        <p14:creationId xmlns:p14="http://schemas.microsoft.com/office/powerpoint/2010/main" val="70439564"/>
+      </p:ext>
+    </p:extLst>
+  </p:cSld>
+  <p:clrMapOvr>
+    <a:masterClrMapping/>
+  </p:clrMapOvr>
+</p:sld>
+</file>
+
+<file path=ppt/slides/slide6.xml><?xml version="1.0" encoding="utf-8"?>
 <p:sld xmlns:a="http://schemas.openxmlformats.org/drawingml/2006/main" xmlns:r="http://schemas.openxmlformats.org/officeDocument/2006/relationships" xmlns:p="http://schemas.openxmlformats.org/presentationml/2006/main">
   <p:cSld>
     <p:spTree>
@@ -6679,7 +8445,163 @@
 </p:sld>
 </file>
 
-<file path=ppt/slides/slide5.xml><?xml version="1.0" encoding="utf-8"?>
+<file path=ppt/slides/slide7.xml><?xml version="1.0" encoding="utf-8"?>
+<p:sld xmlns:a="http://schemas.openxmlformats.org/drawingml/2006/main" xmlns:r="http://schemas.openxmlformats.org/officeDocument/2006/relationships" xmlns:p="http://schemas.openxmlformats.org/presentationml/2006/main">
+  <p:cSld>
+    <p:spTree>
+      <p:nvGrpSpPr>
+        <p:cNvPr id="1" name="">
+          <a:extLst>
+            <a:ext uri="{FF2B5EF4-FFF2-40B4-BE49-F238E27FC236}">
+              <a16:creationId xmlns:a16="http://schemas.microsoft.com/office/drawing/2014/main" id="{7870C1A8-C5B1-23D6-6B79-AFE8BD1BD943}"/>
+            </a:ext>
+          </a:extLst>
+        </p:cNvPr>
+        <p:cNvGrpSpPr/>
+        <p:nvPr/>
+      </p:nvGrpSpPr>
+      <p:grpSpPr>
+        <a:xfrm>
+          <a:off x="0" y="0"/>
+          <a:ext cx="0" cy="0"/>
+          <a:chOff x="0" y="0"/>
+          <a:chExt cx="0" cy="0"/>
+        </a:xfrm>
+      </p:grpSpPr>
+      <p:sp>
+        <p:nvSpPr>
+          <p:cNvPr id="2" name="Title 1">
+            <a:extLst>
+              <a:ext uri="{FF2B5EF4-FFF2-40B4-BE49-F238E27FC236}">
+                <a16:creationId xmlns:a16="http://schemas.microsoft.com/office/drawing/2014/main" id="{F586FC08-F07B-341C-9269-8A14C23B1B04}"/>
+              </a:ext>
+            </a:extLst>
+          </p:cNvPr>
+          <p:cNvSpPr>
+            <a:spLocks noGrp="1"/>
+          </p:cNvSpPr>
+          <p:nvPr>
+            <p:ph type="title"/>
+          </p:nvPr>
+        </p:nvSpPr>
+        <p:spPr>
+          <a:xfrm>
+            <a:off x="913795" y="609600"/>
+            <a:ext cx="3706889" cy="457201"/>
+          </a:xfrm>
+        </p:spPr>
+        <p:txBody>
+          <a:bodyPr/>
+          <a:lstStyle/>
+          <a:p>
+            <a:r>
+              <a:rPr lang="en-ZA" dirty="0"/>
+              <a:t>Average Temperate Change</a:t>
+            </a:r>
+          </a:p>
+        </p:txBody>
+      </p:sp>
+      <p:sp>
+        <p:nvSpPr>
+          <p:cNvPr id="4" name="Text Placeholder 3">
+            <a:extLst>
+              <a:ext uri="{FF2B5EF4-FFF2-40B4-BE49-F238E27FC236}">
+                <a16:creationId xmlns:a16="http://schemas.microsoft.com/office/drawing/2014/main" id="{806F9D76-1D40-374B-28AE-3CEF05D398F2}"/>
+              </a:ext>
+            </a:extLst>
+          </p:cNvPr>
+          <p:cNvSpPr>
+            <a:spLocks noGrp="1"/>
+          </p:cNvSpPr>
+          <p:nvPr>
+            <p:ph type="body" sz="half" idx="2"/>
+          </p:nvPr>
+        </p:nvSpPr>
+        <p:spPr>
+          <a:xfrm>
+            <a:off x="913795" y="1087954"/>
+            <a:ext cx="3706889" cy="4703246"/>
+          </a:xfrm>
+        </p:spPr>
+        <p:txBody>
+          <a:bodyPr/>
+          <a:lstStyle/>
+          <a:p>
+            <a:pPr marL="285750" indent="-285750" algn="l">
+              <a:buFont typeface="Arial" panose="020B0604020202020204" pitchFamily="34" charset="0"/>
+              <a:buChar char="•"/>
+            </a:pPr>
+            <a:r>
+              <a:rPr lang="en-ZA" dirty="0"/>
+              <a:t>We averaged the change in temp over the period for each area and ranked areas in descending order f </a:t>
+            </a:r>
+            <a:r>
+              <a:rPr lang="en-ZA" dirty="0" err="1"/>
+              <a:t>averarage</a:t>
+            </a:r>
+            <a:r>
+              <a:rPr lang="en-ZA" dirty="0"/>
+              <a:t> temperate change</a:t>
+            </a:r>
+          </a:p>
+          <a:p>
+            <a:pPr marL="285750" indent="-285750" algn="l">
+              <a:buFont typeface="Arial" panose="020B0604020202020204" pitchFamily="34" charset="0"/>
+              <a:buChar char="•"/>
+            </a:pPr>
+            <a:r>
+              <a:rPr lang="en-ZA" dirty="0"/>
+              <a:t>Interesting to note that the majority of the top 20 areas are in Europe</a:t>
+            </a:r>
+          </a:p>
+        </p:txBody>
+      </p:sp>
+      <p:pic>
+        <p:nvPicPr>
+          <p:cNvPr id="12" name="Content Placeholder 11">
+            <a:extLst>
+              <a:ext uri="{FF2B5EF4-FFF2-40B4-BE49-F238E27FC236}">
+                <a16:creationId xmlns:a16="http://schemas.microsoft.com/office/drawing/2014/main" id="{5D452D45-BA11-53FB-C444-DE6DDB95D1EB}"/>
+              </a:ext>
+            </a:extLst>
+          </p:cNvPr>
+          <p:cNvPicPr>
+            <a:picLocks noGrp="1" noChangeAspect="1"/>
+          </p:cNvPicPr>
+          <p:nvPr>
+            <p:ph idx="1"/>
+          </p:nvPr>
+        </p:nvPicPr>
+        <p:blipFill>
+          <a:blip r:embed="rId2"/>
+          <a:stretch>
+            <a:fillRect/>
+          </a:stretch>
+        </p:blipFill>
+        <p:spPr>
+          <a:xfrm>
+            <a:off x="6941575" y="1066801"/>
+            <a:ext cx="2932753" cy="5030417"/>
+          </a:xfrm>
+          <a:prstGeom prst="rect">
+            <a:avLst/>
+          </a:prstGeom>
+        </p:spPr>
+      </p:pic>
+    </p:spTree>
+    <p:extLst>
+      <p:ext uri="{BB962C8B-B14F-4D97-AF65-F5344CB8AC3E}">
+        <p14:creationId xmlns:p14="http://schemas.microsoft.com/office/powerpoint/2010/main" val="1915401700"/>
+      </p:ext>
+    </p:extLst>
+  </p:cSld>
+  <p:clrMapOvr>
+    <a:masterClrMapping/>
+  </p:clrMapOvr>
+</p:sld>
+</file>
+
+<file path=ppt/slides/slide8.xml><?xml version="1.0" encoding="utf-8"?>
 <p:sld xmlns:a="http://schemas.openxmlformats.org/drawingml/2006/main" xmlns:r="http://schemas.openxmlformats.org/officeDocument/2006/relationships" xmlns:p="http://schemas.openxmlformats.org/presentationml/2006/main">
   <p:cSld>
     <p:spTree>
@@ -6854,7 +8776,7 @@
 </p:sld>
 </file>
 
-<file path=ppt/slides/slide6.xml><?xml version="1.0" encoding="utf-8"?>
+<file path=ppt/slides/slide9.xml><?xml version="1.0" encoding="utf-8"?>
 <p:sld xmlns:a="http://schemas.openxmlformats.org/drawingml/2006/main" xmlns:r="http://schemas.openxmlformats.org/officeDocument/2006/relationships" xmlns:p="http://schemas.openxmlformats.org/presentationml/2006/main">
   <p:cSld>
     <p:spTree>
@@ -6862,7 +8784,7 @@
         <p:cNvPr id="1" name="">
           <a:extLst>
             <a:ext uri="{FF2B5EF4-FFF2-40B4-BE49-F238E27FC236}">
-              <a16:creationId xmlns:a16="http://schemas.microsoft.com/office/drawing/2014/main" id="{F7BD2933-4FDC-B771-52F2-8AC220D74F20}"/>
+              <a16:creationId xmlns:a16="http://schemas.microsoft.com/office/drawing/2014/main" id="{A85DBBEB-7809-7035-9A34-5E3CEDA4D692}"/>
             </a:ext>
           </a:extLst>
         </p:cNvPr>
@@ -6882,7 +8804,7 @@
           <p:cNvPr id="2" name="Title 1">
             <a:extLst>
               <a:ext uri="{FF2B5EF4-FFF2-40B4-BE49-F238E27FC236}">
-                <a16:creationId xmlns:a16="http://schemas.microsoft.com/office/drawing/2014/main" id="{F752C07D-427A-27FD-5E26-FFBE088AE4F0}"/>
+                <a16:creationId xmlns:a16="http://schemas.microsoft.com/office/drawing/2014/main" id="{0C4BA710-FD6C-0E3A-29CF-E2E29F861FF7}"/>
               </a:ext>
             </a:extLst>
           </p:cNvPr>
@@ -6905,7 +8827,7 @@
           <a:p>
             <a:r>
               <a:rPr lang="en-ZA" dirty="0"/>
-              <a:t>Emission Sources</a:t>
+              <a:t>Total Population 2020</a:t>
             </a:r>
           </a:p>
         </p:txBody>
@@ -6915,7 +8837,7 @@
           <p:cNvPr id="4" name="Text Placeholder 3">
             <a:extLst>
               <a:ext uri="{FF2B5EF4-FFF2-40B4-BE49-F238E27FC236}">
-                <a16:creationId xmlns:a16="http://schemas.microsoft.com/office/drawing/2014/main" id="{AAF5A210-4BBE-81C7-CA08-A9C8F5C35DCA}"/>
+                <a16:creationId xmlns:a16="http://schemas.microsoft.com/office/drawing/2014/main" id="{7D41A7F7-9F49-5255-9BE7-B35EC02D416B}"/>
               </a:ext>
             </a:extLst>
           </p:cNvPr>
@@ -6940,230 +8862,39 @@
               <a:buFont typeface="Arial" panose="020B0604020202020204" pitchFamily="34" charset="0"/>
               <a:buChar char="•"/>
             </a:pPr>
-            <a:r>
-              <a:rPr lang="en-ZA" dirty="0"/>
-              <a:t>The graph represents sources that add to CO2 emissions, therefore excludes Forestland</a:t>
-            </a:r>
-          </a:p>
-          <a:p>
-            <a:pPr marL="285750" indent="-285750" algn="l">
-              <a:buFont typeface="Arial" panose="020B0604020202020204" pitchFamily="34" charset="0"/>
-              <a:buChar char="•"/>
-            </a:pPr>
-            <a:r>
-              <a:rPr lang="en-ZA" dirty="0"/>
-              <a:t>Net forest conversion, IPPU (), and Agrifood Systems Waste Disposal </a:t>
-            </a:r>
-            <a:r>
-              <a:rPr lang="en-ZA" dirty="0" err="1"/>
-              <a:t>accountsfor</a:t>
-            </a:r>
-            <a:r>
-              <a:rPr lang="en-ZA"/>
-              <a:t> 50% of the </a:t>
-            </a:r>
             <a:endParaRPr lang="en-ZA" dirty="0"/>
           </a:p>
-          <a:p>
-            <a:pPr marL="285750" indent="-285750" algn="l">
-              <a:buFont typeface="Arial" panose="020B0604020202020204" pitchFamily="34" charset="0"/>
-              <a:buChar char="•"/>
-            </a:pPr>
-            <a:endParaRPr lang="en-ZA" dirty="0"/>
-          </a:p>
-        </p:txBody>
-      </p:sp>
-      <p:pic>
-        <p:nvPicPr>
-          <p:cNvPr id="10" name="Content Placeholder 9">
+        </p:txBody>
+      </p:sp>
+      <p:sp>
+        <p:nvSpPr>
+          <p:cNvPr id="5" name="Content Placeholder 4">
             <a:extLst>
               <a:ext uri="{FF2B5EF4-FFF2-40B4-BE49-F238E27FC236}">
-                <a16:creationId xmlns:a16="http://schemas.microsoft.com/office/drawing/2014/main" id="{444CDDB0-90F1-1304-04DE-C95272FC5E46}"/>
+                <a16:creationId xmlns:a16="http://schemas.microsoft.com/office/drawing/2014/main" id="{9E044B2C-6883-44DE-B6FF-5095DD18918A}"/>
               </a:ext>
             </a:extLst>
           </p:cNvPr>
-          <p:cNvPicPr>
-            <a:picLocks noGrp="1" noChangeAspect="1"/>
-          </p:cNvPicPr>
+          <p:cNvSpPr>
+            <a:spLocks noGrp="1"/>
+          </p:cNvSpPr>
           <p:nvPr>
             <p:ph idx="1"/>
           </p:nvPr>
-        </p:nvPicPr>
-        <p:blipFill>
-          <a:blip r:embed="rId2"/>
-          <a:stretch>
-            <a:fillRect/>
-          </a:stretch>
-        </p:blipFill>
-        <p:spPr>
-          <a:xfrm>
-            <a:off x="4856163" y="990852"/>
-            <a:ext cx="6411912" cy="4419096"/>
-          </a:xfrm>
-          <a:prstGeom prst="rect">
-            <a:avLst/>
-          </a:prstGeom>
-        </p:spPr>
-      </p:pic>
+        </p:nvSpPr>
+        <p:spPr/>
+        <p:txBody>
+          <a:bodyPr/>
+          <a:lstStyle/>
+          <a:p>
+            <a:endParaRPr lang="en-ZA"/>
+          </a:p>
+        </p:txBody>
+      </p:sp>
     </p:spTree>
     <p:extLst>
       <p:ext uri="{BB962C8B-B14F-4D97-AF65-F5344CB8AC3E}">
-        <p14:creationId xmlns:p14="http://schemas.microsoft.com/office/powerpoint/2010/main" val="2889675519"/>
-      </p:ext>
-    </p:extLst>
-  </p:cSld>
-  <p:clrMapOvr>
-    <a:masterClrMapping/>
-  </p:clrMapOvr>
-</p:sld>
-</file>
-
-<file path=ppt/slides/slide7.xml><?xml version="1.0" encoding="utf-8"?>
-<p:sld xmlns:a="http://schemas.openxmlformats.org/drawingml/2006/main" xmlns:r="http://schemas.openxmlformats.org/officeDocument/2006/relationships" xmlns:p="http://schemas.openxmlformats.org/presentationml/2006/main">
-  <p:cSld>
-    <p:spTree>
-      <p:nvGrpSpPr>
-        <p:cNvPr id="1" name=""/>
-        <p:cNvGrpSpPr/>
-        <p:nvPr/>
-      </p:nvGrpSpPr>
-      <p:grpSpPr>
-        <a:xfrm>
-          <a:off x="0" y="0"/>
-          <a:ext cx="0" cy="0"/>
-          <a:chOff x="0" y="0"/>
-          <a:chExt cx="0" cy="0"/>
-        </a:xfrm>
-      </p:grpSpPr>
-      <p:sp>
-        <p:nvSpPr>
-          <p:cNvPr id="2" name="Title 1">
-            <a:extLst>
-              <a:ext uri="{FF2B5EF4-FFF2-40B4-BE49-F238E27FC236}">
-                <a16:creationId xmlns:a16="http://schemas.microsoft.com/office/drawing/2014/main" id="{C659B038-334F-675B-E108-40DC2CA37E8E}"/>
-              </a:ext>
-            </a:extLst>
-          </p:cNvPr>
-          <p:cNvSpPr>
-            <a:spLocks noGrp="1"/>
-          </p:cNvSpPr>
-          <p:nvPr>
-            <p:ph type="title"/>
-          </p:nvPr>
-        </p:nvSpPr>
-        <p:spPr/>
-        <p:txBody>
-          <a:bodyPr/>
-          <a:lstStyle/>
-          <a:p>
-            <a:endParaRPr lang="en-ZA"/>
-          </a:p>
-        </p:txBody>
-      </p:sp>
-      <p:sp>
-        <p:nvSpPr>
-          <p:cNvPr id="3" name="Text Placeholder 2">
-            <a:extLst>
-              <a:ext uri="{FF2B5EF4-FFF2-40B4-BE49-F238E27FC236}">
-                <a16:creationId xmlns:a16="http://schemas.microsoft.com/office/drawing/2014/main" id="{83B17CB8-43A5-8FA1-99FC-9195F98BB6B1}"/>
-              </a:ext>
-            </a:extLst>
-          </p:cNvPr>
-          <p:cNvSpPr>
-            <a:spLocks noGrp="1"/>
-          </p:cNvSpPr>
-          <p:nvPr>
-            <p:ph type="body" idx="1"/>
-          </p:nvPr>
-        </p:nvSpPr>
-        <p:spPr/>
-        <p:txBody>
-          <a:bodyPr/>
-          <a:lstStyle/>
-          <a:p>
-            <a:endParaRPr lang="en-ZA"/>
-          </a:p>
-        </p:txBody>
-      </p:sp>
-      <p:sp>
-        <p:nvSpPr>
-          <p:cNvPr id="4" name="Content Placeholder 3">
-            <a:extLst>
-              <a:ext uri="{FF2B5EF4-FFF2-40B4-BE49-F238E27FC236}">
-                <a16:creationId xmlns:a16="http://schemas.microsoft.com/office/drawing/2014/main" id="{19225E3B-A536-674F-FF03-507CB06FFB4A}"/>
-              </a:ext>
-            </a:extLst>
-          </p:cNvPr>
-          <p:cNvSpPr>
-            <a:spLocks noGrp="1"/>
-          </p:cNvSpPr>
-          <p:nvPr>
-            <p:ph sz="half" idx="2"/>
-          </p:nvPr>
-        </p:nvSpPr>
-        <p:spPr/>
-        <p:txBody>
-          <a:bodyPr/>
-          <a:lstStyle/>
-          <a:p>
-            <a:endParaRPr lang="en-ZA"/>
-          </a:p>
-        </p:txBody>
-      </p:sp>
-      <p:sp>
-        <p:nvSpPr>
-          <p:cNvPr id="5" name="Text Placeholder 4">
-            <a:extLst>
-              <a:ext uri="{FF2B5EF4-FFF2-40B4-BE49-F238E27FC236}">
-                <a16:creationId xmlns:a16="http://schemas.microsoft.com/office/drawing/2014/main" id="{C73580C8-7758-0FBA-E0CA-DB6CCEE62DDF}"/>
-              </a:ext>
-            </a:extLst>
-          </p:cNvPr>
-          <p:cNvSpPr>
-            <a:spLocks noGrp="1"/>
-          </p:cNvSpPr>
-          <p:nvPr>
-            <p:ph type="body" sz="quarter" idx="3"/>
-          </p:nvPr>
-        </p:nvSpPr>
-        <p:spPr/>
-        <p:txBody>
-          <a:bodyPr/>
-          <a:lstStyle/>
-          <a:p>
-            <a:endParaRPr lang="en-ZA"/>
-          </a:p>
-        </p:txBody>
-      </p:sp>
-      <p:sp>
-        <p:nvSpPr>
-          <p:cNvPr id="6" name="Content Placeholder 5">
-            <a:extLst>
-              <a:ext uri="{FF2B5EF4-FFF2-40B4-BE49-F238E27FC236}">
-                <a16:creationId xmlns:a16="http://schemas.microsoft.com/office/drawing/2014/main" id="{496167BD-FB5E-0BF3-FCE7-0B9A1DB30FAE}"/>
-              </a:ext>
-            </a:extLst>
-          </p:cNvPr>
-          <p:cNvSpPr>
-            <a:spLocks noGrp="1"/>
-          </p:cNvSpPr>
-          <p:nvPr>
-            <p:ph sz="quarter" idx="4"/>
-          </p:nvPr>
-        </p:nvSpPr>
-        <p:spPr/>
-        <p:txBody>
-          <a:bodyPr/>
-          <a:lstStyle/>
-          <a:p>
-            <a:endParaRPr lang="en-ZA"/>
-          </a:p>
-        </p:txBody>
-      </p:sp>
-    </p:spTree>
-    <p:extLst>
-      <p:ext uri="{BB962C8B-B14F-4D97-AF65-F5344CB8AC3E}">
-        <p14:creationId xmlns:p14="http://schemas.microsoft.com/office/powerpoint/2010/main" val="657838062"/>
+        <p14:creationId xmlns:p14="http://schemas.microsoft.com/office/powerpoint/2010/main" val="82315988"/>
       </p:ext>
     </p:extLst>
   </p:cSld>

--- a/Regression Project – PTDS 2403.pptx
+++ b/Regression Project – PTDS 2403.pptx
@@ -7,24 +7,35 @@
   <p:sldIdLst>
     <p:sldId id="257" r:id="rId2"/>
     <p:sldId id="262" r:id="rId3"/>
-    <p:sldId id="270" r:id="rId4"/>
-    <p:sldId id="259" r:id="rId5"/>
-    <p:sldId id="267" r:id="rId6"/>
-    <p:sldId id="261" r:id="rId7"/>
-    <p:sldId id="266" r:id="rId8"/>
-    <p:sldId id="263" r:id="rId9"/>
-    <p:sldId id="268" r:id="rId10"/>
-    <p:sldId id="264" r:id="rId11"/>
-    <p:sldId id="265" r:id="rId12"/>
-    <p:sldId id="269" r:id="rId13"/>
-    <p:sldId id="271" r:id="rId14"/>
-    <p:sldId id="272" r:id="rId15"/>
-    <p:sldId id="273" r:id="rId16"/>
-    <p:sldId id="274" r:id="rId17"/>
-    <p:sldId id="275" r:id="rId18"/>
-    <p:sldId id="276" r:id="rId19"/>
-    <p:sldId id="278" r:id="rId20"/>
-    <p:sldId id="277" r:id="rId21"/>
+    <p:sldId id="279" r:id="rId4"/>
+    <p:sldId id="270" r:id="rId5"/>
+    <p:sldId id="259" r:id="rId6"/>
+    <p:sldId id="267" r:id="rId7"/>
+    <p:sldId id="261" r:id="rId8"/>
+    <p:sldId id="266" r:id="rId9"/>
+    <p:sldId id="280" r:id="rId10"/>
+    <p:sldId id="263" r:id="rId11"/>
+    <p:sldId id="268" r:id="rId12"/>
+    <p:sldId id="264" r:id="rId13"/>
+    <p:sldId id="265" r:id="rId14"/>
+    <p:sldId id="281" r:id="rId15"/>
+    <p:sldId id="269" r:id="rId16"/>
+    <p:sldId id="282" r:id="rId17"/>
+    <p:sldId id="283" r:id="rId18"/>
+    <p:sldId id="284" r:id="rId19"/>
+    <p:sldId id="285" r:id="rId20"/>
+    <p:sldId id="286" r:id="rId21"/>
+    <p:sldId id="287" r:id="rId22"/>
+    <p:sldId id="288" r:id="rId23"/>
+    <p:sldId id="271" r:id="rId24"/>
+    <p:sldId id="272" r:id="rId25"/>
+    <p:sldId id="273" r:id="rId26"/>
+    <p:sldId id="274" r:id="rId27"/>
+    <p:sldId id="275" r:id="rId28"/>
+    <p:sldId id="289" r:id="rId29"/>
+    <p:sldId id="276" r:id="rId30"/>
+    <p:sldId id="278" r:id="rId31"/>
+    <p:sldId id="277" r:id="rId32"/>
   </p:sldIdLst>
   <p:sldSz cx="12192000" cy="6858000"/>
   <p:notesSz cx="6858000" cy="9144000"/>
@@ -134,7 +145,7 @@
 <file path=ppt/revisionInfo.xml><?xml version="1.0" encoding="utf-8"?>
 <p1510:revInfo xmlns:a="http://schemas.openxmlformats.org/drawingml/2006/main" xmlns:r="http://schemas.openxmlformats.org/officeDocument/2006/relationships" xmlns:p1510="http://schemas.microsoft.com/office/powerpoint/2015/10/main">
   <p1510:revLst>
-    <p1510:client id="{B5FBFEB0-C1FE-48AB-A337-12350F9C07AD}" v="11" dt="2024-10-30T17:55:02.019"/>
+    <p1510:client id="{B5FBFEB0-C1FE-48AB-A337-12350F9C07AD}" v="19" dt="2024-11-09T11:35:47.221"/>
   </p1510:revLst>
 </p1510:revInfo>
 </file>
@@ -144,10 +155,40 @@
   <pc:docChgLst>
     <pc:chgData name="Harrison, David" userId="4460236b-8b4e-4afe-9cfa-4abcba17e55c" providerId="ADAL" clId="{B5FBFEB0-C1FE-48AB-A337-12350F9C07AD}"/>
     <pc:docChg chg="undo custSel addSld delSld modSld sldOrd">
-      <pc:chgData name="Harrison, David" userId="4460236b-8b4e-4afe-9cfa-4abcba17e55c" providerId="ADAL" clId="{B5FBFEB0-C1FE-48AB-A337-12350F9C07AD}" dt="2024-10-30T18:01:52.961" v="2018" actId="20577"/>
+      <pc:chgData name="Harrison, David" userId="4460236b-8b4e-4afe-9cfa-4abcba17e55c" providerId="ADAL" clId="{B5FBFEB0-C1FE-48AB-A337-12350F9C07AD}" dt="2024-11-09T13:51:40.499" v="6630" actId="20577"/>
       <pc:docMkLst>
         <pc:docMk/>
       </pc:docMkLst>
+      <pc:sldChg chg="modSp mod">
+        <pc:chgData name="Harrison, David" userId="4460236b-8b4e-4afe-9cfa-4abcba17e55c" providerId="ADAL" clId="{B5FBFEB0-C1FE-48AB-A337-12350F9C07AD}" dt="2024-11-09T10:27:52.783" v="2072" actId="20577"/>
+        <pc:sldMkLst>
+          <pc:docMk/>
+          <pc:sldMk cId="1374850448" sldId="257"/>
+        </pc:sldMkLst>
+        <pc:spChg chg="mod">
+          <ac:chgData name="Harrison, David" userId="4460236b-8b4e-4afe-9cfa-4abcba17e55c" providerId="ADAL" clId="{B5FBFEB0-C1FE-48AB-A337-12350F9C07AD}" dt="2024-11-09T10:27:52.783" v="2072" actId="20577"/>
+          <ac:spMkLst>
+            <pc:docMk/>
+            <pc:sldMk cId="1374850448" sldId="257"/>
+            <ac:spMk id="2" creationId="{4C932D75-1AF5-1AA3-5B5D-B9A63E4718CE}"/>
+          </ac:spMkLst>
+        </pc:spChg>
+      </pc:sldChg>
+      <pc:sldChg chg="modSp mod">
+        <pc:chgData name="Harrison, David" userId="4460236b-8b4e-4afe-9cfa-4abcba17e55c" providerId="ADAL" clId="{B5FBFEB0-C1FE-48AB-A337-12350F9C07AD}" dt="2024-11-09T10:47:52.330" v="2819" actId="113"/>
+        <pc:sldMkLst>
+          <pc:docMk/>
+          <pc:sldMk cId="1534267087" sldId="259"/>
+        </pc:sldMkLst>
+        <pc:spChg chg="mod">
+          <ac:chgData name="Harrison, David" userId="4460236b-8b4e-4afe-9cfa-4abcba17e55c" providerId="ADAL" clId="{B5FBFEB0-C1FE-48AB-A337-12350F9C07AD}" dt="2024-11-09T10:47:52.330" v="2819" actId="113"/>
+          <ac:spMkLst>
+            <pc:docMk/>
+            <pc:sldMk cId="1534267087" sldId="259"/>
+            <ac:spMk id="2" creationId="{8295909F-52AA-234E-5765-2C8EB5827EFE}"/>
+          </ac:spMkLst>
+        </pc:spChg>
+      </pc:sldChg>
       <pc:sldChg chg="del">
         <pc:chgData name="Harrison, David" userId="4460236b-8b4e-4afe-9cfa-4abcba17e55c" providerId="ADAL" clId="{B5FBFEB0-C1FE-48AB-A337-12350F9C07AD}" dt="2024-10-30T17:36:24.192" v="732" actId="47"/>
         <pc:sldMkLst>
@@ -155,14 +196,52 @@
           <pc:sldMk cId="657838062" sldId="260"/>
         </pc:sldMkLst>
       </pc:sldChg>
+      <pc:sldChg chg="modSp mod">
+        <pc:chgData name="Harrison, David" userId="4460236b-8b4e-4afe-9cfa-4abcba17e55c" providerId="ADAL" clId="{B5FBFEB0-C1FE-48AB-A337-12350F9C07AD}" dt="2024-11-09T10:48:01.388" v="2821" actId="113"/>
+        <pc:sldMkLst>
+          <pc:docMk/>
+          <pc:sldMk cId="3610141936" sldId="261"/>
+        </pc:sldMkLst>
+        <pc:spChg chg="mod">
+          <ac:chgData name="Harrison, David" userId="4460236b-8b4e-4afe-9cfa-4abcba17e55c" providerId="ADAL" clId="{B5FBFEB0-C1FE-48AB-A337-12350F9C07AD}" dt="2024-11-09T10:48:01.388" v="2821" actId="113"/>
+          <ac:spMkLst>
+            <pc:docMk/>
+            <pc:sldMk cId="3610141936" sldId="261"/>
+            <ac:spMk id="2" creationId="{CD9FEF61-7FA4-255B-9D1D-81B1B42B6EE6}"/>
+          </ac:spMkLst>
+        </pc:spChg>
+        <pc:spChg chg="mod">
+          <ac:chgData name="Harrison, David" userId="4460236b-8b4e-4afe-9cfa-4abcba17e55c" providerId="ADAL" clId="{B5FBFEB0-C1FE-48AB-A337-12350F9C07AD}" dt="2024-11-09T10:43:31.372" v="2765" actId="20577"/>
+          <ac:spMkLst>
+            <pc:docMk/>
+            <pc:sldMk cId="3610141936" sldId="261"/>
+            <ac:spMk id="4" creationId="{74B8C711-B261-9F5A-967F-8FA312E2BFBF}"/>
+          </ac:spMkLst>
+        </pc:spChg>
+      </pc:sldChg>
+      <pc:sldChg chg="modSp mod">
+        <pc:chgData name="Harrison, David" userId="4460236b-8b4e-4afe-9cfa-4abcba17e55c" providerId="ADAL" clId="{B5FBFEB0-C1FE-48AB-A337-12350F9C07AD}" dt="2024-11-09T10:33:00.144" v="2499" actId="20577"/>
+        <pc:sldMkLst>
+          <pc:docMk/>
+          <pc:sldMk cId="2907531217" sldId="262"/>
+        </pc:sldMkLst>
+        <pc:spChg chg="mod">
+          <ac:chgData name="Harrison, David" userId="4460236b-8b4e-4afe-9cfa-4abcba17e55c" providerId="ADAL" clId="{B5FBFEB0-C1FE-48AB-A337-12350F9C07AD}" dt="2024-11-09T10:33:00.144" v="2499" actId="20577"/>
+          <ac:spMkLst>
+            <pc:docMk/>
+            <pc:sldMk cId="2907531217" sldId="262"/>
+            <ac:spMk id="3" creationId="{CE19D694-2771-1142-E0D2-919EABF30E24}"/>
+          </ac:spMkLst>
+        </pc:spChg>
+      </pc:sldChg>
       <pc:sldChg chg="addSp delSp modSp add mod">
-        <pc:chgData name="Harrison, David" userId="4460236b-8b4e-4afe-9cfa-4abcba17e55c" providerId="ADAL" clId="{B5FBFEB0-C1FE-48AB-A337-12350F9C07AD}" dt="2024-10-28T17:13:38.991" v="493" actId="1076"/>
+        <pc:chgData name="Harrison, David" userId="4460236b-8b4e-4afe-9cfa-4abcba17e55c" providerId="ADAL" clId="{B5FBFEB0-C1FE-48AB-A337-12350F9C07AD}" dt="2024-11-09T10:48:12.588" v="2823" actId="113"/>
         <pc:sldMkLst>
           <pc:docMk/>
           <pc:sldMk cId="1624515679" sldId="263"/>
         </pc:sldMkLst>
         <pc:spChg chg="mod">
-          <ac:chgData name="Harrison, David" userId="4460236b-8b4e-4afe-9cfa-4abcba17e55c" providerId="ADAL" clId="{B5FBFEB0-C1FE-48AB-A337-12350F9C07AD}" dt="2024-10-28T17:07:52.373" v="20" actId="20577"/>
+          <ac:chgData name="Harrison, David" userId="4460236b-8b4e-4afe-9cfa-4abcba17e55c" providerId="ADAL" clId="{B5FBFEB0-C1FE-48AB-A337-12350F9C07AD}" dt="2024-11-09T10:48:12.588" v="2823" actId="113"/>
           <ac:spMkLst>
             <pc:docMk/>
             <pc:sldMk cId="1624515679" sldId="263"/>
@@ -170,7 +249,7 @@
           </ac:spMkLst>
         </pc:spChg>
         <pc:spChg chg="mod">
-          <ac:chgData name="Harrison, David" userId="4460236b-8b4e-4afe-9cfa-4abcba17e55c" providerId="ADAL" clId="{B5FBFEB0-C1FE-48AB-A337-12350F9C07AD}" dt="2024-10-28T17:13:02.113" v="490" actId="20577"/>
+          <ac:chgData name="Harrison, David" userId="4460236b-8b4e-4afe-9cfa-4abcba17e55c" providerId="ADAL" clId="{B5FBFEB0-C1FE-48AB-A337-12350F9C07AD}" dt="2024-11-09T10:44:24.010" v="2781" actId="20577"/>
           <ac:spMkLst>
             <pc:docMk/>
             <pc:sldMk cId="1624515679" sldId="263"/>
@@ -203,13 +282,13 @@
         </pc:picChg>
       </pc:sldChg>
       <pc:sldChg chg="addSp delSp modSp add mod">
-        <pc:chgData name="Harrison, David" userId="4460236b-8b4e-4afe-9cfa-4abcba17e55c" providerId="ADAL" clId="{B5FBFEB0-C1FE-48AB-A337-12350F9C07AD}" dt="2024-10-30T17:36:17.245" v="731" actId="20577"/>
+        <pc:chgData name="Harrison, David" userId="4460236b-8b4e-4afe-9cfa-4abcba17e55c" providerId="ADAL" clId="{B5FBFEB0-C1FE-48AB-A337-12350F9C07AD}" dt="2024-11-09T10:52:46.946" v="2857" actId="113"/>
         <pc:sldMkLst>
           <pc:docMk/>
           <pc:sldMk cId="2889675519" sldId="264"/>
         </pc:sldMkLst>
         <pc:spChg chg="mod">
-          <ac:chgData name="Harrison, David" userId="4460236b-8b4e-4afe-9cfa-4abcba17e55c" providerId="ADAL" clId="{B5FBFEB0-C1FE-48AB-A337-12350F9C07AD}" dt="2024-10-28T17:33:30.632" v="510" actId="20577"/>
+          <ac:chgData name="Harrison, David" userId="4460236b-8b4e-4afe-9cfa-4abcba17e55c" providerId="ADAL" clId="{B5FBFEB0-C1FE-48AB-A337-12350F9C07AD}" dt="2024-11-09T10:52:46.946" v="2857" actId="113"/>
           <ac:spMkLst>
             <pc:docMk/>
             <pc:sldMk cId="2889675519" sldId="264"/>
@@ -217,7 +296,7 @@
           </ac:spMkLst>
         </pc:spChg>
         <pc:spChg chg="mod">
-          <ac:chgData name="Harrison, David" userId="4460236b-8b4e-4afe-9cfa-4abcba17e55c" providerId="ADAL" clId="{B5FBFEB0-C1FE-48AB-A337-12350F9C07AD}" dt="2024-10-30T17:36:17.245" v="731" actId="20577"/>
+          <ac:chgData name="Harrison, David" userId="4460236b-8b4e-4afe-9cfa-4abcba17e55c" providerId="ADAL" clId="{B5FBFEB0-C1FE-48AB-A337-12350F9C07AD}" dt="2024-11-09T10:45:20.780" v="2817" actId="20577"/>
           <ac:spMkLst>
             <pc:docMk/>
             <pc:sldMk cId="2889675519" sldId="264"/>
@@ -266,13 +345,13 @@
         </pc:picChg>
       </pc:sldChg>
       <pc:sldChg chg="addSp delSp modSp add mod">
-        <pc:chgData name="Harrison, David" userId="4460236b-8b4e-4afe-9cfa-4abcba17e55c" providerId="ADAL" clId="{B5FBFEB0-C1FE-48AB-A337-12350F9C07AD}" dt="2024-10-30T17:42:28.458" v="1269" actId="20577"/>
+        <pc:chgData name="Harrison, David" userId="4460236b-8b4e-4afe-9cfa-4abcba17e55c" providerId="ADAL" clId="{B5FBFEB0-C1FE-48AB-A337-12350F9C07AD}" dt="2024-11-09T10:52:38.354" v="2856" actId="113"/>
         <pc:sldMkLst>
           <pc:docMk/>
           <pc:sldMk cId="4255357379" sldId="265"/>
         </pc:sldMkLst>
         <pc:spChg chg="mod">
-          <ac:chgData name="Harrison, David" userId="4460236b-8b4e-4afe-9cfa-4abcba17e55c" providerId="ADAL" clId="{B5FBFEB0-C1FE-48AB-A337-12350F9C07AD}" dt="2024-10-30T17:37:59.679" v="753" actId="20577"/>
+          <ac:chgData name="Harrison, David" userId="4460236b-8b4e-4afe-9cfa-4abcba17e55c" providerId="ADAL" clId="{B5FBFEB0-C1FE-48AB-A337-12350F9C07AD}" dt="2024-11-09T10:52:38.354" v="2856" actId="113"/>
           <ac:spMkLst>
             <pc:docMk/>
             <pc:sldMk cId="4255357379" sldId="265"/>
@@ -280,7 +359,7 @@
           </ac:spMkLst>
         </pc:spChg>
         <pc:spChg chg="mod">
-          <ac:chgData name="Harrison, David" userId="4460236b-8b4e-4afe-9cfa-4abcba17e55c" providerId="ADAL" clId="{B5FBFEB0-C1FE-48AB-A337-12350F9C07AD}" dt="2024-10-30T17:42:28.458" v="1269" actId="20577"/>
+          <ac:chgData name="Harrison, David" userId="4460236b-8b4e-4afe-9cfa-4abcba17e55c" providerId="ADAL" clId="{B5FBFEB0-C1FE-48AB-A337-12350F9C07AD}" dt="2024-11-09T10:47:39.027" v="2818" actId="20577"/>
           <ac:spMkLst>
             <pc:docMk/>
             <pc:sldMk cId="4255357379" sldId="265"/>
@@ -313,13 +392,21 @@
         </pc:picChg>
       </pc:sldChg>
       <pc:sldChg chg="addSp delSp modSp add mod">
-        <pc:chgData name="Harrison, David" userId="4460236b-8b4e-4afe-9cfa-4abcba17e55c" providerId="ADAL" clId="{B5FBFEB0-C1FE-48AB-A337-12350F9C07AD}" dt="2024-10-30T17:54:02.945" v="1635" actId="1076"/>
+        <pc:chgData name="Harrison, David" userId="4460236b-8b4e-4afe-9cfa-4abcba17e55c" providerId="ADAL" clId="{B5FBFEB0-C1FE-48AB-A337-12350F9C07AD}" dt="2024-11-09T10:48:05.384" v="2822" actId="113"/>
         <pc:sldMkLst>
           <pc:docMk/>
           <pc:sldMk cId="1915401700" sldId="266"/>
         </pc:sldMkLst>
         <pc:spChg chg="mod">
-          <ac:chgData name="Harrison, David" userId="4460236b-8b4e-4afe-9cfa-4abcba17e55c" providerId="ADAL" clId="{B5FBFEB0-C1FE-48AB-A337-12350F9C07AD}" dt="2024-10-30T17:49:21.479" v="1631" actId="20577"/>
+          <ac:chgData name="Harrison, David" userId="4460236b-8b4e-4afe-9cfa-4abcba17e55c" providerId="ADAL" clId="{B5FBFEB0-C1FE-48AB-A337-12350F9C07AD}" dt="2024-11-09T10:48:05.384" v="2822" actId="113"/>
+          <ac:spMkLst>
+            <pc:docMk/>
+            <pc:sldMk cId="1915401700" sldId="266"/>
+            <ac:spMk id="2" creationId="{F586FC08-F07B-341C-9269-8A14C23B1B04}"/>
+          </ac:spMkLst>
+        </pc:spChg>
+        <pc:spChg chg="mod">
+          <ac:chgData name="Harrison, David" userId="4460236b-8b4e-4afe-9cfa-4abcba17e55c" providerId="ADAL" clId="{B5FBFEB0-C1FE-48AB-A337-12350F9C07AD}" dt="2024-11-09T10:43:55.633" v="2767" actId="313"/>
           <ac:spMkLst>
             <pc:docMk/>
             <pc:sldMk cId="1915401700" sldId="266"/>
@@ -384,13 +471,13 @@
         </pc:picChg>
       </pc:sldChg>
       <pc:sldChg chg="addSp delSp modSp add mod ord">
-        <pc:chgData name="Harrison, David" userId="4460236b-8b4e-4afe-9cfa-4abcba17e55c" providerId="ADAL" clId="{B5FBFEB0-C1FE-48AB-A337-12350F9C07AD}" dt="2024-10-30T17:56:06.647" v="1660" actId="313"/>
+        <pc:chgData name="Harrison, David" userId="4460236b-8b4e-4afe-9cfa-4abcba17e55c" providerId="ADAL" clId="{B5FBFEB0-C1FE-48AB-A337-12350F9C07AD}" dt="2024-11-09T10:47:57.056" v="2820" actId="113"/>
         <pc:sldMkLst>
           <pc:docMk/>
           <pc:sldMk cId="70439564" sldId="267"/>
         </pc:sldMkLst>
         <pc:spChg chg="mod">
-          <ac:chgData name="Harrison, David" userId="4460236b-8b4e-4afe-9cfa-4abcba17e55c" providerId="ADAL" clId="{B5FBFEB0-C1FE-48AB-A337-12350F9C07AD}" dt="2024-10-30T17:56:06.647" v="1660" actId="313"/>
+          <ac:chgData name="Harrison, David" userId="4460236b-8b4e-4afe-9cfa-4abcba17e55c" providerId="ADAL" clId="{B5FBFEB0-C1FE-48AB-A337-12350F9C07AD}" dt="2024-11-09T10:47:57.056" v="2820" actId="113"/>
           <ac:spMkLst>
             <pc:docMk/>
             <pc:sldMk cId="70439564" sldId="267"/>
@@ -398,7 +485,7 @@
           </ac:spMkLst>
         </pc:spChg>
         <pc:spChg chg="mod">
-          <ac:chgData name="Harrison, David" userId="4460236b-8b4e-4afe-9cfa-4abcba17e55c" providerId="ADAL" clId="{B5FBFEB0-C1FE-48AB-A337-12350F9C07AD}" dt="2024-10-30T17:55:41.987" v="1659" actId="6549"/>
+          <ac:chgData name="Harrison, David" userId="4460236b-8b4e-4afe-9cfa-4abcba17e55c" providerId="ADAL" clId="{B5FBFEB0-C1FE-48AB-A337-12350F9C07AD}" dt="2024-11-09T10:43:04.757" v="2760" actId="20577"/>
           <ac:spMkLst>
             <pc:docMk/>
             <pc:sldMk cId="70439564" sldId="267"/>
@@ -469,8 +556,8 @@
           </ac:picMkLst>
         </pc:picChg>
       </pc:sldChg>
-      <pc:sldChg chg="modSp new mod">
-        <pc:chgData name="Harrison, David" userId="4460236b-8b4e-4afe-9cfa-4abcba17e55c" providerId="ADAL" clId="{B5FBFEB0-C1FE-48AB-A337-12350F9C07AD}" dt="2024-10-30T17:57:10.887" v="1718" actId="20577"/>
+      <pc:sldChg chg="delSp modSp new mod">
+        <pc:chgData name="Harrison, David" userId="4460236b-8b4e-4afe-9cfa-4abcba17e55c" providerId="ADAL" clId="{B5FBFEB0-C1FE-48AB-A337-12350F9C07AD}" dt="2024-11-09T11:00:25.305" v="3743" actId="478"/>
         <pc:sldMkLst>
           <pc:docMk/>
           <pc:sldMk cId="2137583101" sldId="269"/>
@@ -483,6 +570,14 @@
             <ac:spMk id="2" creationId="{89DF008F-1D63-DAFD-85CC-6A476AAA49C9}"/>
           </ac:spMkLst>
         </pc:spChg>
+        <pc:picChg chg="del">
+          <ac:chgData name="Harrison, David" userId="4460236b-8b4e-4afe-9cfa-4abcba17e55c" providerId="ADAL" clId="{B5FBFEB0-C1FE-48AB-A337-12350F9C07AD}" dt="2024-11-09T11:00:25.305" v="3743" actId="478"/>
+          <ac:picMkLst>
+            <pc:docMk/>
+            <pc:sldMk cId="2137583101" sldId="269"/>
+            <ac:picMk id="4" creationId="{034A5BB6-9F66-EE9F-85C7-641E5CD6BB22}"/>
+          </ac:picMkLst>
+        </pc:picChg>
       </pc:sldChg>
       <pc:sldChg chg="modSp new mod">
         <pc:chgData name="Harrison, David" userId="4460236b-8b4e-4afe-9cfa-4abcba17e55c" providerId="ADAL" clId="{B5FBFEB0-C1FE-48AB-A337-12350F9C07AD}" dt="2024-10-30T17:58:07.832" v="1832" actId="20577"/>
@@ -619,6 +714,411 @@
           </ac:spMkLst>
         </pc:spChg>
       </pc:sldChg>
+      <pc:sldChg chg="modSp add mod">
+        <pc:chgData name="Harrison, David" userId="4460236b-8b4e-4afe-9cfa-4abcba17e55c" providerId="ADAL" clId="{B5FBFEB0-C1FE-48AB-A337-12350F9C07AD}" dt="2024-11-09T10:33:59.180" v="2543" actId="20577"/>
+        <pc:sldMkLst>
+          <pc:docMk/>
+          <pc:sldMk cId="406896249" sldId="279"/>
+        </pc:sldMkLst>
+        <pc:spChg chg="mod">
+          <ac:chgData name="Harrison, David" userId="4460236b-8b4e-4afe-9cfa-4abcba17e55c" providerId="ADAL" clId="{B5FBFEB0-C1FE-48AB-A337-12350F9C07AD}" dt="2024-11-09T10:33:59.180" v="2543" actId="20577"/>
+          <ac:spMkLst>
+            <pc:docMk/>
+            <pc:sldMk cId="406896249" sldId="279"/>
+            <ac:spMk id="3" creationId="{C5EACA8C-DFAD-6CD3-7E71-6B593AD5A738}"/>
+          </ac:spMkLst>
+        </pc:spChg>
+      </pc:sldChg>
+      <pc:sldChg chg="addSp delSp modSp add mod">
+        <pc:chgData name="Harrison, David" userId="4460236b-8b4e-4afe-9cfa-4abcba17e55c" providerId="ADAL" clId="{B5FBFEB0-C1FE-48AB-A337-12350F9C07AD}" dt="2024-11-09T10:56:30.902" v="3235" actId="20577"/>
+        <pc:sldMkLst>
+          <pc:docMk/>
+          <pc:sldMk cId="1045247660" sldId="280"/>
+        </pc:sldMkLst>
+        <pc:spChg chg="mod">
+          <ac:chgData name="Harrison, David" userId="4460236b-8b4e-4afe-9cfa-4abcba17e55c" providerId="ADAL" clId="{B5FBFEB0-C1FE-48AB-A337-12350F9C07AD}" dt="2024-11-09T10:50:32.629" v="2840" actId="1076"/>
+          <ac:spMkLst>
+            <pc:docMk/>
+            <pc:sldMk cId="1045247660" sldId="280"/>
+            <ac:spMk id="2" creationId="{8FFB5595-56DF-26EA-C012-CEC283E7E60F}"/>
+          </ac:spMkLst>
+        </pc:spChg>
+        <pc:spChg chg="mod">
+          <ac:chgData name="Harrison, David" userId="4460236b-8b4e-4afe-9cfa-4abcba17e55c" providerId="ADAL" clId="{B5FBFEB0-C1FE-48AB-A337-12350F9C07AD}" dt="2024-11-09T10:56:30.902" v="3235" actId="20577"/>
+          <ac:spMkLst>
+            <pc:docMk/>
+            <pc:sldMk cId="1045247660" sldId="280"/>
+            <ac:spMk id="4" creationId="{7BE0D448-EFED-7DE5-857E-2AC37667D3A9}"/>
+          </ac:spMkLst>
+        </pc:spChg>
+        <pc:spChg chg="add del mod">
+          <ac:chgData name="Harrison, David" userId="4460236b-8b4e-4afe-9cfa-4abcba17e55c" providerId="ADAL" clId="{B5FBFEB0-C1FE-48AB-A337-12350F9C07AD}" dt="2024-11-09T10:49:25.031" v="2826"/>
+          <ac:spMkLst>
+            <pc:docMk/>
+            <pc:sldMk cId="1045247660" sldId="280"/>
+            <ac:spMk id="5" creationId="{F4416041-4786-49E0-AF57-916E2DC86A97}"/>
+          </ac:spMkLst>
+        </pc:spChg>
+        <pc:spChg chg="add del mod">
+          <ac:chgData name="Harrison, David" userId="4460236b-8b4e-4afe-9cfa-4abcba17e55c" providerId="ADAL" clId="{B5FBFEB0-C1FE-48AB-A337-12350F9C07AD}" dt="2024-11-09T10:50:02.714" v="2828"/>
+          <ac:spMkLst>
+            <pc:docMk/>
+            <pc:sldMk cId="1045247660" sldId="280"/>
+            <ac:spMk id="8" creationId="{512D61C9-8B44-9052-3964-09872CC05403}"/>
+          </ac:spMkLst>
+        </pc:spChg>
+        <pc:picChg chg="add del mod">
+          <ac:chgData name="Harrison, David" userId="4460236b-8b4e-4afe-9cfa-4abcba17e55c" providerId="ADAL" clId="{B5FBFEB0-C1FE-48AB-A337-12350F9C07AD}" dt="2024-11-09T10:50:00.795" v="2827" actId="478"/>
+          <ac:picMkLst>
+            <pc:docMk/>
+            <pc:sldMk cId="1045247660" sldId="280"/>
+            <ac:picMk id="6" creationId="{C9388BAB-C230-4486-0075-06AD6FE04C03}"/>
+          </ac:picMkLst>
+        </pc:picChg>
+        <pc:picChg chg="add mod">
+          <ac:chgData name="Harrison, David" userId="4460236b-8b4e-4afe-9cfa-4abcba17e55c" providerId="ADAL" clId="{B5FBFEB0-C1FE-48AB-A337-12350F9C07AD}" dt="2024-11-09T10:50:02.714" v="2828"/>
+          <ac:picMkLst>
+            <pc:docMk/>
+            <pc:sldMk cId="1045247660" sldId="280"/>
+            <ac:picMk id="9" creationId="{1C1AAF1D-D4AE-FDDC-CCDC-0DD2C637A9B0}"/>
+          </ac:picMkLst>
+        </pc:picChg>
+        <pc:picChg chg="del">
+          <ac:chgData name="Harrison, David" userId="4460236b-8b4e-4afe-9cfa-4abcba17e55c" providerId="ADAL" clId="{B5FBFEB0-C1FE-48AB-A337-12350F9C07AD}" dt="2024-11-09T10:49:22.240" v="2825" actId="478"/>
+          <ac:picMkLst>
+            <pc:docMk/>
+            <pc:sldMk cId="1045247660" sldId="280"/>
+            <ac:picMk id="12" creationId="{8DCDF43F-DBA6-D9EE-2BDD-CA698B1B8E57}"/>
+          </ac:picMkLst>
+        </pc:picChg>
+      </pc:sldChg>
+      <pc:sldChg chg="addSp delSp modSp add mod">
+        <pc:chgData name="Harrison, David" userId="4460236b-8b4e-4afe-9cfa-4abcba17e55c" providerId="ADAL" clId="{B5FBFEB0-C1FE-48AB-A337-12350F9C07AD}" dt="2024-11-09T10:59:52.223" v="3742" actId="20577"/>
+        <pc:sldMkLst>
+          <pc:docMk/>
+          <pc:sldMk cId="167943406" sldId="281"/>
+        </pc:sldMkLst>
+        <pc:spChg chg="mod">
+          <ac:chgData name="Harrison, David" userId="4460236b-8b4e-4afe-9cfa-4abcba17e55c" providerId="ADAL" clId="{B5FBFEB0-C1FE-48AB-A337-12350F9C07AD}" dt="2024-11-09T10:53:01.236" v="2878" actId="20577"/>
+          <ac:spMkLst>
+            <pc:docMk/>
+            <pc:sldMk cId="167943406" sldId="281"/>
+            <ac:spMk id="2" creationId="{6883597D-AE4C-DDD6-20CE-EE09C9C0D7D5}"/>
+          </ac:spMkLst>
+        </pc:spChg>
+        <pc:spChg chg="mod">
+          <ac:chgData name="Harrison, David" userId="4460236b-8b4e-4afe-9cfa-4abcba17e55c" providerId="ADAL" clId="{B5FBFEB0-C1FE-48AB-A337-12350F9C07AD}" dt="2024-11-09T10:53:07.259" v="2879" actId="6549"/>
+          <ac:spMkLst>
+            <pc:docMk/>
+            <pc:sldMk cId="167943406" sldId="281"/>
+            <ac:spMk id="4" creationId="{430FB08C-2D72-B372-A438-DC04B833B62E}"/>
+          </ac:spMkLst>
+        </pc:spChg>
+        <pc:spChg chg="add del mod">
+          <ac:chgData name="Harrison, David" userId="4460236b-8b4e-4afe-9cfa-4abcba17e55c" providerId="ADAL" clId="{B5FBFEB0-C1FE-48AB-A337-12350F9C07AD}" dt="2024-11-09T10:53:13.777" v="2880"/>
+          <ac:spMkLst>
+            <pc:docMk/>
+            <pc:sldMk cId="167943406" sldId="281"/>
+            <ac:spMk id="5" creationId="{9078D155-F2CE-4622-32D4-9D302040AD9D}"/>
+          </ac:spMkLst>
+        </pc:spChg>
+        <pc:spChg chg="add mod">
+          <ac:chgData name="Harrison, David" userId="4460236b-8b4e-4afe-9cfa-4abcba17e55c" providerId="ADAL" clId="{B5FBFEB0-C1FE-48AB-A337-12350F9C07AD}" dt="2024-11-09T10:59:52.223" v="3742" actId="20577"/>
+          <ac:spMkLst>
+            <pc:docMk/>
+            <pc:sldMk cId="167943406" sldId="281"/>
+            <ac:spMk id="8" creationId="{D5C7F903-81F0-1DF0-58DE-26EB37875529}"/>
+          </ac:spMkLst>
+        </pc:spChg>
+        <pc:picChg chg="del">
+          <ac:chgData name="Harrison, David" userId="4460236b-8b4e-4afe-9cfa-4abcba17e55c" providerId="ADAL" clId="{B5FBFEB0-C1FE-48AB-A337-12350F9C07AD}" dt="2024-11-09T10:52:51.206" v="2858" actId="478"/>
+          <ac:picMkLst>
+            <pc:docMk/>
+            <pc:sldMk cId="167943406" sldId="281"/>
+            <ac:picMk id="6" creationId="{F3C6582B-9630-9529-1976-FF6563C2B827}"/>
+          </ac:picMkLst>
+        </pc:picChg>
+        <pc:picChg chg="add mod">
+          <ac:chgData name="Harrison, David" userId="4460236b-8b4e-4afe-9cfa-4abcba17e55c" providerId="ADAL" clId="{B5FBFEB0-C1FE-48AB-A337-12350F9C07AD}" dt="2024-11-09T10:53:13.777" v="2880"/>
+          <ac:picMkLst>
+            <pc:docMk/>
+            <pc:sldMk cId="167943406" sldId="281"/>
+            <ac:picMk id="7" creationId="{23AB4CC5-F9B7-3882-DA1B-A248DE41873F}"/>
+          </ac:picMkLst>
+        </pc:picChg>
+      </pc:sldChg>
+      <pc:sldChg chg="addSp delSp modSp add mod modClrScheme chgLayout">
+        <pc:chgData name="Harrison, David" userId="4460236b-8b4e-4afe-9cfa-4abcba17e55c" providerId="ADAL" clId="{B5FBFEB0-C1FE-48AB-A337-12350F9C07AD}" dt="2024-11-09T11:19:18.964" v="4793" actId="20577"/>
+        <pc:sldMkLst>
+          <pc:docMk/>
+          <pc:sldMk cId="1088338913" sldId="282"/>
+        </pc:sldMkLst>
+        <pc:spChg chg="mod ord">
+          <ac:chgData name="Harrison, David" userId="4460236b-8b4e-4afe-9cfa-4abcba17e55c" providerId="ADAL" clId="{B5FBFEB0-C1FE-48AB-A337-12350F9C07AD}" dt="2024-11-09T11:04:54.579" v="3881" actId="20577"/>
+          <ac:spMkLst>
+            <pc:docMk/>
+            <pc:sldMk cId="1088338913" sldId="282"/>
+            <ac:spMk id="2" creationId="{B284B78E-083B-C64C-0879-0342736E8FA2}"/>
+          </ac:spMkLst>
+        </pc:spChg>
+        <pc:spChg chg="mod ord">
+          <ac:chgData name="Harrison, David" userId="4460236b-8b4e-4afe-9cfa-4abcba17e55c" providerId="ADAL" clId="{B5FBFEB0-C1FE-48AB-A337-12350F9C07AD}" dt="2024-11-09T11:19:18.964" v="4793" actId="20577"/>
+          <ac:spMkLst>
+            <pc:docMk/>
+            <pc:sldMk cId="1088338913" sldId="282"/>
+            <ac:spMk id="4" creationId="{37E038A7-1026-5CC5-AA93-6333BCFE956C}"/>
+          </ac:spMkLst>
+        </pc:spChg>
+        <pc:spChg chg="add del mod ord">
+          <ac:chgData name="Harrison, David" userId="4460236b-8b4e-4afe-9cfa-4abcba17e55c" providerId="ADAL" clId="{B5FBFEB0-C1FE-48AB-A337-12350F9C07AD}" dt="2024-11-09T11:02:30.951" v="3746" actId="700"/>
+          <ac:spMkLst>
+            <pc:docMk/>
+            <pc:sldMk cId="1088338913" sldId="282"/>
+            <ac:spMk id="5" creationId="{85D42AD8-39BA-33EF-DDB2-248F3A90BB03}"/>
+          </ac:spMkLst>
+        </pc:spChg>
+        <pc:picChg chg="del">
+          <ac:chgData name="Harrison, David" userId="4460236b-8b4e-4afe-9cfa-4abcba17e55c" providerId="ADAL" clId="{B5FBFEB0-C1FE-48AB-A337-12350F9C07AD}" dt="2024-11-09T11:02:19.031" v="3745" actId="478"/>
+          <ac:picMkLst>
+            <pc:docMk/>
+            <pc:sldMk cId="1088338913" sldId="282"/>
+            <ac:picMk id="6" creationId="{175B54E0-6F21-6878-DAFB-D102304E3A00}"/>
+          </ac:picMkLst>
+        </pc:picChg>
+      </pc:sldChg>
+      <pc:sldChg chg="modSp add mod">
+        <pc:chgData name="Harrison, David" userId="4460236b-8b4e-4afe-9cfa-4abcba17e55c" providerId="ADAL" clId="{B5FBFEB0-C1FE-48AB-A337-12350F9C07AD}" dt="2024-11-09T11:24:55.011" v="5279" actId="20577"/>
+        <pc:sldMkLst>
+          <pc:docMk/>
+          <pc:sldMk cId="4189284462" sldId="283"/>
+        </pc:sldMkLst>
+        <pc:spChg chg="mod">
+          <ac:chgData name="Harrison, David" userId="4460236b-8b4e-4afe-9cfa-4abcba17e55c" providerId="ADAL" clId="{B5FBFEB0-C1FE-48AB-A337-12350F9C07AD}" dt="2024-11-09T11:18:30.484" v="4668" actId="20577"/>
+          <ac:spMkLst>
+            <pc:docMk/>
+            <pc:sldMk cId="4189284462" sldId="283"/>
+            <ac:spMk id="2" creationId="{A91A6988-4F30-377C-31E7-40A172A54075}"/>
+          </ac:spMkLst>
+        </pc:spChg>
+        <pc:spChg chg="mod">
+          <ac:chgData name="Harrison, David" userId="4460236b-8b4e-4afe-9cfa-4abcba17e55c" providerId="ADAL" clId="{B5FBFEB0-C1FE-48AB-A337-12350F9C07AD}" dt="2024-11-09T11:24:55.011" v="5279" actId="20577"/>
+          <ac:spMkLst>
+            <pc:docMk/>
+            <pc:sldMk cId="4189284462" sldId="283"/>
+            <ac:spMk id="4" creationId="{B05CC96F-32B6-DCFD-BE5A-4490C6A6DB93}"/>
+          </ac:spMkLst>
+        </pc:spChg>
+      </pc:sldChg>
+      <pc:sldChg chg="addSp delSp modSp add mod">
+        <pc:chgData name="Harrison, David" userId="4460236b-8b4e-4afe-9cfa-4abcba17e55c" providerId="ADAL" clId="{B5FBFEB0-C1FE-48AB-A337-12350F9C07AD}" dt="2024-11-09T11:44:59.739" v="6197" actId="20577"/>
+        <pc:sldMkLst>
+          <pc:docMk/>
+          <pc:sldMk cId="4047867599" sldId="284"/>
+        </pc:sldMkLst>
+        <pc:spChg chg="mod">
+          <ac:chgData name="Harrison, David" userId="4460236b-8b4e-4afe-9cfa-4abcba17e55c" providerId="ADAL" clId="{B5FBFEB0-C1FE-48AB-A337-12350F9C07AD}" dt="2024-11-09T11:25:36.474" v="5320" actId="20577"/>
+          <ac:spMkLst>
+            <pc:docMk/>
+            <pc:sldMk cId="4047867599" sldId="284"/>
+            <ac:spMk id="2" creationId="{0C3D7FF3-6F52-41A9-BE92-202D45D497C5}"/>
+          </ac:spMkLst>
+        </pc:spChg>
+        <pc:spChg chg="mod">
+          <ac:chgData name="Harrison, David" userId="4460236b-8b4e-4afe-9cfa-4abcba17e55c" providerId="ADAL" clId="{B5FBFEB0-C1FE-48AB-A337-12350F9C07AD}" dt="2024-11-09T11:44:59.739" v="6197" actId="20577"/>
+          <ac:spMkLst>
+            <pc:docMk/>
+            <pc:sldMk cId="4047867599" sldId="284"/>
+            <ac:spMk id="4" creationId="{D786C9B0-276F-371D-193E-2D11ECF1FC37}"/>
+          </ac:spMkLst>
+        </pc:spChg>
+        <pc:picChg chg="add del mod">
+          <ac:chgData name="Harrison, David" userId="4460236b-8b4e-4afe-9cfa-4abcba17e55c" providerId="ADAL" clId="{B5FBFEB0-C1FE-48AB-A337-12350F9C07AD}" dt="2024-11-09T11:30:08.700" v="5688" actId="478"/>
+          <ac:picMkLst>
+            <pc:docMk/>
+            <pc:sldMk cId="4047867599" sldId="284"/>
+            <ac:picMk id="5" creationId="{7D4268D0-08FF-B60C-7314-9043020463AE}"/>
+          </ac:picMkLst>
+        </pc:picChg>
+      </pc:sldChg>
+      <pc:sldChg chg="addSp delSp modSp add mod">
+        <pc:chgData name="Harrison, David" userId="4460236b-8b4e-4afe-9cfa-4abcba17e55c" providerId="ADAL" clId="{B5FBFEB0-C1FE-48AB-A337-12350F9C07AD}" dt="2024-11-09T11:40:08.820" v="6083" actId="1076"/>
+        <pc:sldMkLst>
+          <pc:docMk/>
+          <pc:sldMk cId="1517987339" sldId="285"/>
+        </pc:sldMkLst>
+        <pc:spChg chg="mod">
+          <ac:chgData name="Harrison, David" userId="4460236b-8b4e-4afe-9cfa-4abcba17e55c" providerId="ADAL" clId="{B5FBFEB0-C1FE-48AB-A337-12350F9C07AD}" dt="2024-11-09T11:40:08.820" v="6083" actId="1076"/>
+          <ac:spMkLst>
+            <pc:docMk/>
+            <pc:sldMk cId="1517987339" sldId="285"/>
+            <ac:spMk id="2" creationId="{8FB58D34-562A-D69C-6044-A531163C5C1B}"/>
+          </ac:spMkLst>
+        </pc:spChg>
+        <pc:spChg chg="del">
+          <ac:chgData name="Harrison, David" userId="4460236b-8b4e-4afe-9cfa-4abcba17e55c" providerId="ADAL" clId="{B5FBFEB0-C1FE-48AB-A337-12350F9C07AD}" dt="2024-11-09T11:34:19.157" v="6037" actId="478"/>
+          <ac:spMkLst>
+            <pc:docMk/>
+            <pc:sldMk cId="1517987339" sldId="285"/>
+            <ac:spMk id="4" creationId="{810A7FF8-B874-75B3-5917-C11B50EE0F2F}"/>
+          </ac:spMkLst>
+        </pc:spChg>
+        <pc:spChg chg="add del mod">
+          <ac:chgData name="Harrison, David" userId="4460236b-8b4e-4afe-9cfa-4abcba17e55c" providerId="ADAL" clId="{B5FBFEB0-C1FE-48AB-A337-12350F9C07AD}" dt="2024-11-09T11:34:23.050" v="6038" actId="478"/>
+          <ac:spMkLst>
+            <pc:docMk/>
+            <pc:sldMk cId="1517987339" sldId="285"/>
+            <ac:spMk id="5" creationId="{9AA6BFD7-6D29-C27B-354C-9DC57EE5862D}"/>
+          </ac:spMkLst>
+        </pc:spChg>
+        <pc:spChg chg="add mod">
+          <ac:chgData name="Harrison, David" userId="4460236b-8b4e-4afe-9cfa-4abcba17e55c" providerId="ADAL" clId="{B5FBFEB0-C1FE-48AB-A337-12350F9C07AD}" dt="2024-11-09T11:35:19.360" v="6056" actId="1076"/>
+          <ac:spMkLst>
+            <pc:docMk/>
+            <pc:sldMk cId="1517987339" sldId="285"/>
+            <ac:spMk id="8" creationId="{761F5F21-E902-E63D-CA6E-1411AF3C2C4F}"/>
+          </ac:spMkLst>
+        </pc:spChg>
+        <pc:spChg chg="add mod">
+          <ac:chgData name="Harrison, David" userId="4460236b-8b4e-4afe-9cfa-4abcba17e55c" providerId="ADAL" clId="{B5FBFEB0-C1FE-48AB-A337-12350F9C07AD}" dt="2024-11-09T11:35:58.677" v="6079" actId="20577"/>
+          <ac:spMkLst>
+            <pc:docMk/>
+            <pc:sldMk cId="1517987339" sldId="285"/>
+            <ac:spMk id="11" creationId="{C0C48573-54F8-DA39-DFB6-CA9A0768C26A}"/>
+          </ac:spMkLst>
+        </pc:spChg>
+        <pc:picChg chg="add mod">
+          <ac:chgData name="Harrison, David" userId="4460236b-8b4e-4afe-9cfa-4abcba17e55c" providerId="ADAL" clId="{B5FBFEB0-C1FE-48AB-A337-12350F9C07AD}" dt="2024-11-09T11:35:22.216" v="6057" actId="1076"/>
+          <ac:picMkLst>
+            <pc:docMk/>
+            <pc:sldMk cId="1517987339" sldId="285"/>
+            <ac:picMk id="7" creationId="{FB3BD2AC-9C5D-689A-A4C9-7FEA6A050190}"/>
+          </ac:picMkLst>
+        </pc:picChg>
+        <pc:picChg chg="add mod">
+          <ac:chgData name="Harrison, David" userId="4460236b-8b4e-4afe-9cfa-4abcba17e55c" providerId="ADAL" clId="{B5FBFEB0-C1FE-48AB-A337-12350F9C07AD}" dt="2024-11-09T11:35:43.958" v="6059" actId="1076"/>
+          <ac:picMkLst>
+            <pc:docMk/>
+            <pc:sldMk cId="1517987339" sldId="285"/>
+            <ac:picMk id="10" creationId="{AF73CCFD-C5F6-3895-9F65-1629936B1156}"/>
+          </ac:picMkLst>
+        </pc:picChg>
+        <pc:picChg chg="add mod">
+          <ac:chgData name="Harrison, David" userId="4460236b-8b4e-4afe-9cfa-4abcba17e55c" providerId="ADAL" clId="{B5FBFEB0-C1FE-48AB-A337-12350F9C07AD}" dt="2024-11-09T11:40:02.022" v="6082" actId="1076"/>
+          <ac:picMkLst>
+            <pc:docMk/>
+            <pc:sldMk cId="1517987339" sldId="285"/>
+            <ac:picMk id="13" creationId="{FAD4DBEE-E1E2-1116-D041-97154F935B86}"/>
+          </ac:picMkLst>
+        </pc:picChg>
+      </pc:sldChg>
+      <pc:sldChg chg="addSp delSp modSp add mod">
+        <pc:chgData name="Harrison, David" userId="4460236b-8b4e-4afe-9cfa-4abcba17e55c" providerId="ADAL" clId="{B5FBFEB0-C1FE-48AB-A337-12350F9C07AD}" dt="2024-11-09T11:43:42.123" v="6117" actId="20577"/>
+        <pc:sldMkLst>
+          <pc:docMk/>
+          <pc:sldMk cId="1779189164" sldId="286"/>
+        </pc:sldMkLst>
+        <pc:spChg chg="mod">
+          <ac:chgData name="Harrison, David" userId="4460236b-8b4e-4afe-9cfa-4abcba17e55c" providerId="ADAL" clId="{B5FBFEB0-C1FE-48AB-A337-12350F9C07AD}" dt="2024-11-09T11:43:42.123" v="6117" actId="20577"/>
+          <ac:spMkLst>
+            <pc:docMk/>
+            <pc:sldMk cId="1779189164" sldId="286"/>
+            <ac:spMk id="8" creationId="{B2F206A2-1ED1-B780-0683-209A6886F027}"/>
+          </ac:spMkLst>
+        </pc:spChg>
+        <pc:spChg chg="mod">
+          <ac:chgData name="Harrison, David" userId="4460236b-8b4e-4afe-9cfa-4abcba17e55c" providerId="ADAL" clId="{B5FBFEB0-C1FE-48AB-A337-12350F9C07AD}" dt="2024-11-09T11:43:36.272" v="6106" actId="1076"/>
+          <ac:spMkLst>
+            <pc:docMk/>
+            <pc:sldMk cId="1779189164" sldId="286"/>
+            <ac:spMk id="11" creationId="{DCAA8494-DC95-8FB0-739E-8F2E62AE0115}"/>
+          </ac:spMkLst>
+        </pc:spChg>
+        <pc:picChg chg="add mod">
+          <ac:chgData name="Harrison, David" userId="4460236b-8b4e-4afe-9cfa-4abcba17e55c" providerId="ADAL" clId="{B5FBFEB0-C1FE-48AB-A337-12350F9C07AD}" dt="2024-11-09T11:43:29.474" v="6105" actId="1076"/>
+          <ac:picMkLst>
+            <pc:docMk/>
+            <pc:sldMk cId="1779189164" sldId="286"/>
+            <ac:picMk id="4" creationId="{37EBFF8D-8BC2-69C9-78D7-E727BEF76AC5}"/>
+          </ac:picMkLst>
+        </pc:picChg>
+        <pc:picChg chg="add mod">
+          <ac:chgData name="Harrison, David" userId="4460236b-8b4e-4afe-9cfa-4abcba17e55c" providerId="ADAL" clId="{B5FBFEB0-C1FE-48AB-A337-12350F9C07AD}" dt="2024-11-09T11:43:27.106" v="6104" actId="1076"/>
+          <ac:picMkLst>
+            <pc:docMk/>
+            <pc:sldMk cId="1779189164" sldId="286"/>
+            <ac:picMk id="6" creationId="{474317D2-1E13-B0F3-74AD-733383BF68E4}"/>
+          </ac:picMkLst>
+        </pc:picChg>
+        <pc:picChg chg="del">
+          <ac:chgData name="Harrison, David" userId="4460236b-8b4e-4afe-9cfa-4abcba17e55c" providerId="ADAL" clId="{B5FBFEB0-C1FE-48AB-A337-12350F9C07AD}" dt="2024-11-09T11:42:31.656" v="6087" actId="478"/>
+          <ac:picMkLst>
+            <pc:docMk/>
+            <pc:sldMk cId="1779189164" sldId="286"/>
+            <ac:picMk id="7" creationId="{3E70C909-1F1C-D17D-33BD-F1C55DBB3BF4}"/>
+          </ac:picMkLst>
+        </pc:picChg>
+        <pc:picChg chg="del">
+          <ac:chgData name="Harrison, David" userId="4460236b-8b4e-4afe-9cfa-4abcba17e55c" providerId="ADAL" clId="{B5FBFEB0-C1FE-48AB-A337-12350F9C07AD}" dt="2024-11-09T11:42:30.962" v="6086" actId="478"/>
+          <ac:picMkLst>
+            <pc:docMk/>
+            <pc:sldMk cId="1779189164" sldId="286"/>
+            <ac:picMk id="10" creationId="{0824A9ED-D862-520F-2AC1-D1074D6EAA92}"/>
+          </ac:picMkLst>
+        </pc:picChg>
+        <pc:picChg chg="del">
+          <ac:chgData name="Harrison, David" userId="4460236b-8b4e-4afe-9cfa-4abcba17e55c" providerId="ADAL" clId="{B5FBFEB0-C1FE-48AB-A337-12350F9C07AD}" dt="2024-11-09T11:42:30.085" v="6085" actId="478"/>
+          <ac:picMkLst>
+            <pc:docMk/>
+            <pc:sldMk cId="1779189164" sldId="286"/>
+            <ac:picMk id="13" creationId="{B2CB367B-2B9B-82DA-D490-D1E699F3711F}"/>
+          </ac:picMkLst>
+        </pc:picChg>
+      </pc:sldChg>
+      <pc:sldChg chg="modSp add mod ord">
+        <pc:chgData name="Harrison, David" userId="4460236b-8b4e-4afe-9cfa-4abcba17e55c" providerId="ADAL" clId="{B5FBFEB0-C1FE-48AB-A337-12350F9C07AD}" dt="2024-11-09T11:50:25.742" v="6602" actId="20577"/>
+        <pc:sldMkLst>
+          <pc:docMk/>
+          <pc:sldMk cId="156004769" sldId="287"/>
+        </pc:sldMkLst>
+        <pc:spChg chg="mod">
+          <ac:chgData name="Harrison, David" userId="4460236b-8b4e-4afe-9cfa-4abcba17e55c" providerId="ADAL" clId="{B5FBFEB0-C1FE-48AB-A337-12350F9C07AD}" dt="2024-11-09T11:44:23.142" v="6153" actId="20577"/>
+          <ac:spMkLst>
+            <pc:docMk/>
+            <pc:sldMk cId="156004769" sldId="287"/>
+            <ac:spMk id="2" creationId="{43DBE0A6-87BD-1C3B-C197-D0CE02EFEB05}"/>
+          </ac:spMkLst>
+        </pc:spChg>
+        <pc:spChg chg="mod">
+          <ac:chgData name="Harrison, David" userId="4460236b-8b4e-4afe-9cfa-4abcba17e55c" providerId="ADAL" clId="{B5FBFEB0-C1FE-48AB-A337-12350F9C07AD}" dt="2024-11-09T11:50:25.742" v="6602" actId="20577"/>
+          <ac:spMkLst>
+            <pc:docMk/>
+            <pc:sldMk cId="156004769" sldId="287"/>
+            <ac:spMk id="4" creationId="{A48697BB-85FD-5C51-7793-F0B3FE24FE3E}"/>
+          </ac:spMkLst>
+        </pc:spChg>
+      </pc:sldChg>
+      <pc:sldChg chg="add">
+        <pc:chgData name="Harrison, David" userId="4460236b-8b4e-4afe-9cfa-4abcba17e55c" providerId="ADAL" clId="{B5FBFEB0-C1FE-48AB-A337-12350F9C07AD}" dt="2024-11-09T11:50:33.214" v="6603" actId="2890"/>
+        <pc:sldMkLst>
+          <pc:docMk/>
+          <pc:sldMk cId="326934782" sldId="288"/>
+        </pc:sldMkLst>
+      </pc:sldChg>
+      <pc:sldChg chg="modSp add mod">
+        <pc:chgData name="Harrison, David" userId="4460236b-8b4e-4afe-9cfa-4abcba17e55c" providerId="ADAL" clId="{B5FBFEB0-C1FE-48AB-A337-12350F9C07AD}" dt="2024-11-09T13:51:40.499" v="6630" actId="20577"/>
+        <pc:sldMkLst>
+          <pc:docMk/>
+          <pc:sldMk cId="2694861017" sldId="289"/>
+        </pc:sldMkLst>
+        <pc:spChg chg="mod">
+          <ac:chgData name="Harrison, David" userId="4460236b-8b4e-4afe-9cfa-4abcba17e55c" providerId="ADAL" clId="{B5FBFEB0-C1FE-48AB-A337-12350F9C07AD}" dt="2024-11-09T13:51:40.499" v="6630" actId="20577"/>
+          <ac:spMkLst>
+            <pc:docMk/>
+            <pc:sldMk cId="2694861017" sldId="289"/>
+            <ac:spMk id="2" creationId="{73723C3E-0E0A-0361-6FE9-42D481D30D95}"/>
+          </ac:spMkLst>
+        </pc:spChg>
+      </pc:sldChg>
     </pc:docChg>
   </pc:docChgLst>
 </pc:chgInfo>
@@ -809,7 +1309,7 @@
           <a:p>
             <a:fld id="{8DD54012-401B-4241-A984-A9750575F5E2}" type="datetimeFigureOut">
               <a:rPr lang="en-ZA" smtClean="0"/>
-              <a:t>2024/10/30</a:t>
+              <a:t>2024/11/09</a:t>
             </a:fld>
             <a:endParaRPr lang="en-ZA"/>
           </a:p>
@@ -1107,7 +1607,7 @@
           <a:p>
             <a:fld id="{8DD54012-401B-4241-A984-A9750575F5E2}" type="datetimeFigureOut">
               <a:rPr lang="en-ZA" smtClean="0"/>
-              <a:t>2024/10/30</a:t>
+              <a:t>2024/11/09</a:t>
             </a:fld>
             <a:endParaRPr lang="en-ZA"/>
           </a:p>
@@ -1299,7 +1799,7 @@
           <a:p>
             <a:fld id="{8DD54012-401B-4241-A984-A9750575F5E2}" type="datetimeFigureOut">
               <a:rPr lang="en-ZA" smtClean="0"/>
-              <a:t>2024/10/30</a:t>
+              <a:t>2024/11/09</a:t>
             </a:fld>
             <a:endParaRPr lang="en-ZA"/>
           </a:p>
@@ -1560,7 +2060,7 @@
           <a:p>
             <a:fld id="{8DD54012-401B-4241-A984-A9750575F5E2}" type="datetimeFigureOut">
               <a:rPr lang="en-ZA" smtClean="0"/>
-              <a:t>2024/10/30</a:t>
+              <a:t>2024/11/09</a:t>
             </a:fld>
             <a:endParaRPr lang="en-ZA"/>
           </a:p>
@@ -1984,7 +2484,7 @@
           <a:p>
             <a:fld id="{8DD54012-401B-4241-A984-A9750575F5E2}" type="datetimeFigureOut">
               <a:rPr lang="en-ZA" smtClean="0"/>
-              <a:t>2024/10/30</a:t>
+              <a:t>2024/11/09</a:t>
             </a:fld>
             <a:endParaRPr lang="en-ZA"/>
           </a:p>
@@ -2521,7 +3021,7 @@
           <a:p>
             <a:fld id="{8DD54012-401B-4241-A984-A9750575F5E2}" type="datetimeFigureOut">
               <a:rPr lang="en-ZA" smtClean="0"/>
-              <a:t>2024/10/30</a:t>
+              <a:t>2024/11/09</a:t>
             </a:fld>
             <a:endParaRPr lang="en-ZA"/>
           </a:p>
@@ -3385,7 +3885,7 @@
           <a:p>
             <a:fld id="{8DD54012-401B-4241-A984-A9750575F5E2}" type="datetimeFigureOut">
               <a:rPr lang="en-ZA" smtClean="0"/>
-              <a:t>2024/10/30</a:t>
+              <a:t>2024/11/09</a:t>
             </a:fld>
             <a:endParaRPr lang="en-ZA"/>
           </a:p>
@@ -3555,7 +4055,7 @@
           <a:p>
             <a:fld id="{8DD54012-401B-4241-A984-A9750575F5E2}" type="datetimeFigureOut">
               <a:rPr lang="en-ZA" smtClean="0"/>
-              <a:t>2024/10/30</a:t>
+              <a:t>2024/11/09</a:t>
             </a:fld>
             <a:endParaRPr lang="en-ZA"/>
           </a:p>
@@ -3739,7 +4239,7 @@
           <a:p>
             <a:fld id="{8DD54012-401B-4241-A984-A9750575F5E2}" type="datetimeFigureOut">
               <a:rPr lang="en-ZA" smtClean="0"/>
-              <a:t>2024/10/30</a:t>
+              <a:t>2024/11/09</a:t>
             </a:fld>
             <a:endParaRPr lang="en-ZA"/>
           </a:p>
@@ -3909,7 +4409,7 @@
           <a:p>
             <a:fld id="{8DD54012-401B-4241-A984-A9750575F5E2}" type="datetimeFigureOut">
               <a:rPr lang="en-ZA" smtClean="0"/>
-              <a:t>2024/10/30</a:t>
+              <a:t>2024/11/09</a:t>
             </a:fld>
             <a:endParaRPr lang="en-ZA"/>
           </a:p>
@@ -4153,7 +4653,7 @@
           <a:p>
             <a:fld id="{8DD54012-401B-4241-A984-A9750575F5E2}" type="datetimeFigureOut">
               <a:rPr lang="en-ZA" smtClean="0"/>
-              <a:t>2024/10/30</a:t>
+              <a:t>2024/11/09</a:t>
             </a:fld>
             <a:endParaRPr lang="en-ZA"/>
           </a:p>
@@ -4389,7 +4889,7 @@
           <a:p>
             <a:fld id="{8DD54012-401B-4241-A984-A9750575F5E2}" type="datetimeFigureOut">
               <a:rPr lang="en-ZA" smtClean="0"/>
-              <a:t>2024/10/30</a:t>
+              <a:t>2024/11/09</a:t>
             </a:fld>
             <a:endParaRPr lang="en-ZA"/>
           </a:p>
@@ -4855,7 +5355,7 @@
           <a:p>
             <a:fld id="{8DD54012-401B-4241-A984-A9750575F5E2}" type="datetimeFigureOut">
               <a:rPr lang="en-ZA" smtClean="0"/>
-              <a:t>2024/10/30</a:t>
+              <a:t>2024/11/09</a:t>
             </a:fld>
             <a:endParaRPr lang="en-ZA"/>
           </a:p>
@@ -4973,7 +5473,7 @@
           <a:p>
             <a:fld id="{8DD54012-401B-4241-A984-A9750575F5E2}" type="datetimeFigureOut">
               <a:rPr lang="en-ZA" smtClean="0"/>
-              <a:t>2024/10/30</a:t>
+              <a:t>2024/11/09</a:t>
             </a:fld>
             <a:endParaRPr lang="en-ZA"/>
           </a:p>
@@ -5068,7 +5568,7 @@
           <a:p>
             <a:fld id="{8DD54012-401B-4241-A984-A9750575F5E2}" type="datetimeFigureOut">
               <a:rPr lang="en-ZA" smtClean="0"/>
-              <a:t>2024/10/30</a:t>
+              <a:t>2024/11/09</a:t>
             </a:fld>
             <a:endParaRPr lang="en-ZA"/>
           </a:p>
@@ -5323,7 +5823,7 @@
           <a:p>
             <a:fld id="{8DD54012-401B-4241-A984-A9750575F5E2}" type="datetimeFigureOut">
               <a:rPr lang="en-ZA" smtClean="0"/>
-              <a:t>2024/10/30</a:t>
+              <a:t>2024/11/09</a:t>
             </a:fld>
             <a:endParaRPr lang="en-ZA"/>
           </a:p>
@@ -5623,7 +6123,7 @@
           <a:p>
             <a:fld id="{8DD54012-401B-4241-A984-A9750575F5E2}" type="datetimeFigureOut">
               <a:rPr lang="en-ZA" smtClean="0"/>
-              <a:t>2024/10/30</a:t>
+              <a:t>2024/11/09</a:t>
             </a:fld>
             <a:endParaRPr lang="en-ZA"/>
           </a:p>
@@ -5857,7 +6357,7 @@
           <a:p>
             <a:fld id="{8DD54012-401B-4241-A984-A9750575F5E2}" type="datetimeFigureOut">
               <a:rPr lang="en-ZA" smtClean="0"/>
-              <a:t>2024/10/30</a:t>
+              <a:t>2024/11/09</a:t>
             </a:fld>
             <a:endParaRPr lang="en-ZA"/>
           </a:p>
@@ -6549,12 +7049,29 @@
         </p:nvSpPr>
         <p:spPr/>
         <p:txBody>
-          <a:bodyPr/>
+          <a:bodyPr>
+            <a:normAutofit fontScale="90000"/>
+          </a:bodyPr>
           <a:lstStyle/>
           <a:p>
             <a:r>
               <a:rPr lang="en-ZA" dirty="0"/>
               <a:t>Regression Project – PTDS 2403</a:t>
+            </a:r>
+            <a:br>
+              <a:rPr lang="en-ZA" dirty="0"/>
+            </a:br>
+            <a:r>
+              <a:rPr lang="en-ZA" dirty="0"/>
+              <a:t>Effect of CO2 </a:t>
+            </a:r>
+            <a:r>
+              <a:rPr lang="en-ZA" dirty="0" err="1"/>
+              <a:t>Emissionson</a:t>
+            </a:r>
+            <a:r>
+              <a:rPr lang="en-ZA" dirty="0"/>
+              <a:t> on Temperature</a:t>
             </a:r>
           </a:p>
         </p:txBody>
@@ -6601,6 +7118,309 @@
 </file>
 
 <file path=ppt/slides/slide10.xml><?xml version="1.0" encoding="utf-8"?>
+<p:sld xmlns:a="http://schemas.openxmlformats.org/drawingml/2006/main" xmlns:r="http://schemas.openxmlformats.org/officeDocument/2006/relationships" xmlns:p="http://schemas.openxmlformats.org/presentationml/2006/main">
+  <p:cSld>
+    <p:spTree>
+      <p:nvGrpSpPr>
+        <p:cNvPr id="1" name="">
+          <a:extLst>
+            <a:ext uri="{FF2B5EF4-FFF2-40B4-BE49-F238E27FC236}">
+              <a16:creationId xmlns:a16="http://schemas.microsoft.com/office/drawing/2014/main" id="{DD421633-5E11-D523-61CB-F8EFEC32F5D4}"/>
+            </a:ext>
+          </a:extLst>
+        </p:cNvPr>
+        <p:cNvGrpSpPr/>
+        <p:nvPr/>
+      </p:nvGrpSpPr>
+      <p:grpSpPr>
+        <a:xfrm>
+          <a:off x="0" y="0"/>
+          <a:ext cx="0" cy="0"/>
+          <a:chOff x="0" y="0"/>
+          <a:chExt cx="0" cy="0"/>
+        </a:xfrm>
+      </p:grpSpPr>
+      <p:sp>
+        <p:nvSpPr>
+          <p:cNvPr id="2" name="Title 1">
+            <a:extLst>
+              <a:ext uri="{FF2B5EF4-FFF2-40B4-BE49-F238E27FC236}">
+                <a16:creationId xmlns:a16="http://schemas.microsoft.com/office/drawing/2014/main" id="{B926C0C9-F66A-A01E-4B07-EC22EB00B38B}"/>
+              </a:ext>
+            </a:extLst>
+          </p:cNvPr>
+          <p:cNvSpPr>
+            <a:spLocks noGrp="1"/>
+          </p:cNvSpPr>
+          <p:nvPr>
+            <p:ph type="title"/>
+          </p:nvPr>
+        </p:nvSpPr>
+        <p:spPr>
+          <a:xfrm>
+            <a:off x="913795" y="609600"/>
+            <a:ext cx="3706889" cy="457201"/>
+          </a:xfrm>
+        </p:spPr>
+        <p:txBody>
+          <a:bodyPr/>
+          <a:lstStyle/>
+          <a:p>
+            <a:r>
+              <a:rPr lang="en-ZA" b="1" dirty="0"/>
+              <a:t>Population Split</a:t>
+            </a:r>
+          </a:p>
+        </p:txBody>
+      </p:sp>
+      <p:sp>
+        <p:nvSpPr>
+          <p:cNvPr id="4" name="Text Placeholder 3">
+            <a:extLst>
+              <a:ext uri="{FF2B5EF4-FFF2-40B4-BE49-F238E27FC236}">
+                <a16:creationId xmlns:a16="http://schemas.microsoft.com/office/drawing/2014/main" id="{4CD5FD15-3E3A-07CE-CE09-19F2882FBBE1}"/>
+              </a:ext>
+            </a:extLst>
+          </p:cNvPr>
+          <p:cNvSpPr>
+            <a:spLocks noGrp="1"/>
+          </p:cNvSpPr>
+          <p:nvPr>
+            <p:ph type="body" sz="half" idx="2"/>
+          </p:nvPr>
+        </p:nvSpPr>
+        <p:spPr>
+          <a:xfrm>
+            <a:off x="913795" y="1087954"/>
+            <a:ext cx="3706889" cy="4703246"/>
+          </a:xfrm>
+        </p:spPr>
+        <p:txBody>
+          <a:bodyPr/>
+          <a:lstStyle/>
+          <a:p>
+            <a:pPr marL="285750" indent="-285750" algn="l">
+              <a:buFont typeface="Arial" panose="020B0604020202020204" pitchFamily="34" charset="0"/>
+              <a:buChar char="•"/>
+            </a:pPr>
+            <a:r>
+              <a:rPr lang="en-ZA" dirty="0"/>
+              <a:t>Total population across the areas has grown from 5.3 billion to 7.7 billion, ( a 46% growth over the period)</a:t>
+            </a:r>
+          </a:p>
+          <a:p>
+            <a:pPr marL="285750" indent="-285750" algn="l">
+              <a:buFont typeface="Arial" panose="020B0604020202020204" pitchFamily="34" charset="0"/>
+              <a:buChar char="•"/>
+            </a:pPr>
+            <a:r>
+              <a:rPr lang="en-ZA" dirty="0"/>
+              <a:t>This is a compound annual growth rate of 1.3%</a:t>
+            </a:r>
+          </a:p>
+          <a:p>
+            <a:pPr marL="285750" indent="-285750" algn="l">
+              <a:buFont typeface="Arial" panose="020B0604020202020204" pitchFamily="34" charset="0"/>
+              <a:buChar char="•"/>
+            </a:pPr>
+            <a:r>
+              <a:rPr lang="en-ZA" dirty="0"/>
+              <a:t>The percentage of people living in urban areas has grown from 43% in 1990, to 56% in 2020</a:t>
+            </a:r>
+          </a:p>
+          <a:p>
+            <a:pPr marL="285750" indent="-285750" algn="l">
+              <a:buFont typeface="Arial" panose="020B0604020202020204" pitchFamily="34" charset="0"/>
+              <a:buChar char="•"/>
+            </a:pPr>
+            <a:r>
+              <a:rPr lang="en-ZA" dirty="0"/>
+              <a:t>Interestingly these growth rates are very similar to total emissions.  As the population grows, so does the need for food production.</a:t>
+            </a:r>
+          </a:p>
+          <a:p>
+            <a:pPr marL="285750" indent="-285750" algn="l">
+              <a:buFont typeface="Arial" panose="020B0604020202020204" pitchFamily="34" charset="0"/>
+              <a:buChar char="•"/>
+            </a:pPr>
+            <a:endParaRPr lang="en-ZA" dirty="0"/>
+          </a:p>
+        </p:txBody>
+      </p:sp>
+      <p:pic>
+        <p:nvPicPr>
+          <p:cNvPr id="7" name="Content Placeholder 6">
+            <a:extLst>
+              <a:ext uri="{FF2B5EF4-FFF2-40B4-BE49-F238E27FC236}">
+                <a16:creationId xmlns:a16="http://schemas.microsoft.com/office/drawing/2014/main" id="{845AAE29-EA05-1131-8A05-5A312C8FBBE0}"/>
+              </a:ext>
+            </a:extLst>
+          </p:cNvPr>
+          <p:cNvPicPr>
+            <a:picLocks noGrp="1" noChangeAspect="1"/>
+          </p:cNvPicPr>
+          <p:nvPr>
+            <p:ph idx="1"/>
+          </p:nvPr>
+        </p:nvPicPr>
+        <p:blipFill>
+          <a:blip r:embed="rId2"/>
+          <a:stretch>
+            <a:fillRect/>
+          </a:stretch>
+        </p:blipFill>
+        <p:spPr>
+          <a:xfrm>
+            <a:off x="4866293" y="1066801"/>
+            <a:ext cx="6411912" cy="4555677"/>
+          </a:xfrm>
+          <a:prstGeom prst="rect">
+            <a:avLst/>
+          </a:prstGeom>
+        </p:spPr>
+      </p:pic>
+    </p:spTree>
+    <p:extLst>
+      <p:ext uri="{BB962C8B-B14F-4D97-AF65-F5344CB8AC3E}">
+        <p14:creationId xmlns:p14="http://schemas.microsoft.com/office/powerpoint/2010/main" val="1624515679"/>
+      </p:ext>
+    </p:extLst>
+  </p:cSld>
+  <p:clrMapOvr>
+    <a:masterClrMapping/>
+  </p:clrMapOvr>
+</p:sld>
+</file>
+
+<file path=ppt/slides/slide11.xml><?xml version="1.0" encoding="utf-8"?>
+<p:sld xmlns:a="http://schemas.openxmlformats.org/drawingml/2006/main" xmlns:r="http://schemas.openxmlformats.org/officeDocument/2006/relationships" xmlns:p="http://schemas.openxmlformats.org/presentationml/2006/main">
+  <p:cSld>
+    <p:spTree>
+      <p:nvGrpSpPr>
+        <p:cNvPr id="1" name="">
+          <a:extLst>
+            <a:ext uri="{FF2B5EF4-FFF2-40B4-BE49-F238E27FC236}">
+              <a16:creationId xmlns:a16="http://schemas.microsoft.com/office/drawing/2014/main" id="{A85DBBEB-7809-7035-9A34-5E3CEDA4D692}"/>
+            </a:ext>
+          </a:extLst>
+        </p:cNvPr>
+        <p:cNvGrpSpPr/>
+        <p:nvPr/>
+      </p:nvGrpSpPr>
+      <p:grpSpPr>
+        <a:xfrm>
+          <a:off x="0" y="0"/>
+          <a:ext cx="0" cy="0"/>
+          <a:chOff x="0" y="0"/>
+          <a:chExt cx="0" cy="0"/>
+        </a:xfrm>
+      </p:grpSpPr>
+      <p:sp>
+        <p:nvSpPr>
+          <p:cNvPr id="2" name="Title 1">
+            <a:extLst>
+              <a:ext uri="{FF2B5EF4-FFF2-40B4-BE49-F238E27FC236}">
+                <a16:creationId xmlns:a16="http://schemas.microsoft.com/office/drawing/2014/main" id="{0C4BA710-FD6C-0E3A-29CF-E2E29F861FF7}"/>
+              </a:ext>
+            </a:extLst>
+          </p:cNvPr>
+          <p:cNvSpPr>
+            <a:spLocks noGrp="1"/>
+          </p:cNvSpPr>
+          <p:nvPr>
+            <p:ph type="title"/>
+          </p:nvPr>
+        </p:nvSpPr>
+        <p:spPr>
+          <a:xfrm>
+            <a:off x="913795" y="609600"/>
+            <a:ext cx="3706889" cy="457201"/>
+          </a:xfrm>
+        </p:spPr>
+        <p:txBody>
+          <a:bodyPr/>
+          <a:lstStyle/>
+          <a:p>
+            <a:r>
+              <a:rPr lang="en-ZA" dirty="0"/>
+              <a:t>Total Population 2020</a:t>
+            </a:r>
+          </a:p>
+        </p:txBody>
+      </p:sp>
+      <p:sp>
+        <p:nvSpPr>
+          <p:cNvPr id="4" name="Text Placeholder 3">
+            <a:extLst>
+              <a:ext uri="{FF2B5EF4-FFF2-40B4-BE49-F238E27FC236}">
+                <a16:creationId xmlns:a16="http://schemas.microsoft.com/office/drawing/2014/main" id="{7D41A7F7-9F49-5255-9BE7-B35EC02D416B}"/>
+              </a:ext>
+            </a:extLst>
+          </p:cNvPr>
+          <p:cNvSpPr>
+            <a:spLocks noGrp="1"/>
+          </p:cNvSpPr>
+          <p:nvPr>
+            <p:ph type="body" sz="half" idx="2"/>
+          </p:nvPr>
+        </p:nvSpPr>
+        <p:spPr>
+          <a:xfrm>
+            <a:off x="913795" y="1087954"/>
+            <a:ext cx="3706889" cy="4703246"/>
+          </a:xfrm>
+        </p:spPr>
+        <p:txBody>
+          <a:bodyPr/>
+          <a:lstStyle/>
+          <a:p>
+            <a:pPr marL="285750" indent="-285750" algn="l">
+              <a:buFont typeface="Arial" panose="020B0604020202020204" pitchFamily="34" charset="0"/>
+              <a:buChar char="•"/>
+            </a:pPr>
+            <a:endParaRPr lang="en-ZA" dirty="0"/>
+          </a:p>
+        </p:txBody>
+      </p:sp>
+      <p:sp>
+        <p:nvSpPr>
+          <p:cNvPr id="5" name="Content Placeholder 4">
+            <a:extLst>
+              <a:ext uri="{FF2B5EF4-FFF2-40B4-BE49-F238E27FC236}">
+                <a16:creationId xmlns:a16="http://schemas.microsoft.com/office/drawing/2014/main" id="{9E044B2C-6883-44DE-B6FF-5095DD18918A}"/>
+              </a:ext>
+            </a:extLst>
+          </p:cNvPr>
+          <p:cNvSpPr>
+            <a:spLocks noGrp="1"/>
+          </p:cNvSpPr>
+          <p:nvPr>
+            <p:ph idx="1"/>
+          </p:nvPr>
+        </p:nvSpPr>
+        <p:spPr/>
+        <p:txBody>
+          <a:bodyPr/>
+          <a:lstStyle/>
+          <a:p>
+            <a:endParaRPr lang="en-ZA"/>
+          </a:p>
+        </p:txBody>
+      </p:sp>
+    </p:spTree>
+    <p:extLst>
+      <p:ext uri="{BB962C8B-B14F-4D97-AF65-F5344CB8AC3E}">
+        <p14:creationId xmlns:p14="http://schemas.microsoft.com/office/powerpoint/2010/main" val="82315988"/>
+      </p:ext>
+    </p:extLst>
+  </p:cSld>
+  <p:clrMapOvr>
+    <a:masterClrMapping/>
+  </p:clrMapOvr>
+</p:sld>
+</file>
+
+<file path=ppt/slides/slide12.xml><?xml version="1.0" encoding="utf-8"?>
 <p:sld xmlns:a="http://schemas.openxmlformats.org/drawingml/2006/main" xmlns:r="http://schemas.openxmlformats.org/officeDocument/2006/relationships" xmlns:p="http://schemas.openxmlformats.org/presentationml/2006/main">
   <p:cSld>
     <p:spTree>
@@ -6650,7 +7470,7 @@
           <a:lstStyle/>
           <a:p>
             <a:r>
-              <a:rPr lang="en-ZA" dirty="0"/>
+              <a:rPr lang="en-ZA" b="1" dirty="0"/>
               <a:t>Emission Sources</a:t>
             </a:r>
           </a:p>
@@ -6698,7 +7518,7 @@
             </a:pPr>
             <a:r>
               <a:rPr lang="en-ZA" dirty="0"/>
-              <a:t>Net forest conversion, IPPU (), and Agrifood Systems Waste Disposal accounts for 50% of the CO2 emissions</a:t>
+              <a:t>Net forest conversion, IPPU (Industrial Processes and Product Use), and Agrifood Systems Waste Disposal accounts for 50% of the CO2 emissions</a:t>
             </a:r>
           </a:p>
           <a:p>
@@ -6755,7 +7575,7 @@
 </p:sld>
 </file>
 
-<file path=ppt/slides/slide11.xml><?xml version="1.0" encoding="utf-8"?>
+<file path=ppt/slides/slide13.xml><?xml version="1.0" encoding="utf-8"?>
 <p:sld xmlns:a="http://schemas.openxmlformats.org/drawingml/2006/main" xmlns:r="http://schemas.openxmlformats.org/officeDocument/2006/relationships" xmlns:p="http://schemas.openxmlformats.org/presentationml/2006/main">
   <p:cSld>
     <p:spTree>
@@ -6807,7 +7627,7 @@
           <a:lstStyle/>
           <a:p>
             <a:r>
-              <a:rPr lang="en-ZA" dirty="0"/>
+              <a:rPr lang="en-ZA" b="1" dirty="0"/>
               <a:t>Emission Sources (Summarised)</a:t>
             </a:r>
           </a:p>
@@ -6876,46 +7696,6 @@
             <a:r>
               <a:rPr lang="en-ZA" dirty="0"/>
               <a:t>It would be interesting to see if the grouped features contributes to better predictions</a:t>
-            </a:r>
-          </a:p>
-          <a:p>
-            <a:pPr marL="285750" indent="-285750" algn="l">
-              <a:buFont typeface="Arial" panose="020B0604020202020204" pitchFamily="34" charset="0"/>
-              <a:buChar char="•"/>
-            </a:pPr>
-            <a:r>
-              <a:rPr lang="en-ZA" dirty="0"/>
-              <a:t>Food includes:</a:t>
-            </a:r>
-          </a:p>
-          <a:p>
-            <a:pPr marL="285750" indent="-285750" algn="l">
-              <a:buFont typeface="Arial" panose="020B0604020202020204" pitchFamily="34" charset="0"/>
-              <a:buChar char="•"/>
-            </a:pPr>
-            <a:r>
-              <a:rPr lang="en-ZA" dirty="0"/>
-              <a:t>Manure includes:</a:t>
-            </a:r>
-          </a:p>
-          <a:p>
-            <a:pPr marL="285750" indent="-285750" algn="l">
-              <a:buFont typeface="Arial" panose="020B0604020202020204" pitchFamily="34" charset="0"/>
-              <a:buChar char="•"/>
-            </a:pPr>
-            <a:r>
-              <a:rPr lang="en-ZA" dirty="0"/>
-              <a:t>Farming Other includes:</a:t>
-            </a:r>
-          </a:p>
-          <a:p>
-            <a:pPr marL="285750" indent="-285750" algn="l">
-              <a:buFont typeface="Arial" panose="020B0604020202020204" pitchFamily="34" charset="0"/>
-              <a:buChar char="•"/>
-            </a:pPr>
-            <a:r>
-              <a:rPr lang="en-ZA" dirty="0"/>
-              <a:t>Fires includes:</a:t>
             </a:r>
           </a:p>
           <a:p>
@@ -6979,7 +7759,583 @@
 </p:sld>
 </file>
 
-<file path=ppt/slides/slide12.xml><?xml version="1.0" encoding="utf-8"?>
+<file path=ppt/slides/slide14.xml><?xml version="1.0" encoding="utf-8"?>
+<p:sld xmlns:a="http://schemas.openxmlformats.org/drawingml/2006/main" xmlns:r="http://schemas.openxmlformats.org/officeDocument/2006/relationships" xmlns:p="http://schemas.openxmlformats.org/presentationml/2006/main">
+  <p:cSld>
+    <p:spTree>
+      <p:nvGrpSpPr>
+        <p:cNvPr id="1" name="">
+          <a:extLst>
+            <a:ext uri="{FF2B5EF4-FFF2-40B4-BE49-F238E27FC236}">
+              <a16:creationId xmlns:a16="http://schemas.microsoft.com/office/drawing/2014/main" id="{C2A499BF-C08D-55E0-94DB-4FB5535CB7C4}"/>
+            </a:ext>
+          </a:extLst>
+        </p:cNvPr>
+        <p:cNvGrpSpPr/>
+        <p:nvPr/>
+      </p:nvGrpSpPr>
+      <p:grpSpPr>
+        <a:xfrm>
+          <a:off x="0" y="0"/>
+          <a:ext cx="0" cy="0"/>
+          <a:chOff x="0" y="0"/>
+          <a:chExt cx="0" cy="0"/>
+        </a:xfrm>
+      </p:grpSpPr>
+      <p:sp>
+        <p:nvSpPr>
+          <p:cNvPr id="2" name="Title 1">
+            <a:extLst>
+              <a:ext uri="{FF2B5EF4-FFF2-40B4-BE49-F238E27FC236}">
+                <a16:creationId xmlns:a16="http://schemas.microsoft.com/office/drawing/2014/main" id="{6883597D-AE4C-DDD6-20CE-EE09C9C0D7D5}"/>
+              </a:ext>
+            </a:extLst>
+          </p:cNvPr>
+          <p:cNvSpPr>
+            <a:spLocks noGrp="1"/>
+          </p:cNvSpPr>
+          <p:nvPr>
+            <p:ph type="title"/>
+          </p:nvPr>
+        </p:nvSpPr>
+        <p:spPr>
+          <a:xfrm>
+            <a:off x="913795" y="609600"/>
+            <a:ext cx="3706889" cy="457201"/>
+          </a:xfrm>
+        </p:spPr>
+        <p:txBody>
+          <a:bodyPr>
+            <a:normAutofit/>
+          </a:bodyPr>
+          <a:lstStyle/>
+          <a:p>
+            <a:r>
+              <a:rPr lang="en-ZA" b="1" dirty="0"/>
+              <a:t>Emissions by Region</a:t>
+            </a:r>
+          </a:p>
+        </p:txBody>
+      </p:sp>
+      <p:sp>
+        <p:nvSpPr>
+          <p:cNvPr id="4" name="Text Placeholder 3">
+            <a:extLst>
+              <a:ext uri="{FF2B5EF4-FFF2-40B4-BE49-F238E27FC236}">
+                <a16:creationId xmlns:a16="http://schemas.microsoft.com/office/drawing/2014/main" id="{430FB08C-2D72-B372-A438-DC04B833B62E}"/>
+              </a:ext>
+            </a:extLst>
+          </p:cNvPr>
+          <p:cNvSpPr>
+            <a:spLocks noGrp="1"/>
+          </p:cNvSpPr>
+          <p:nvPr>
+            <p:ph type="body" sz="half" idx="2"/>
+          </p:nvPr>
+        </p:nvSpPr>
+        <p:spPr>
+          <a:xfrm>
+            <a:off x="913795" y="1087954"/>
+            <a:ext cx="3706889" cy="4703246"/>
+          </a:xfrm>
+        </p:spPr>
+        <p:txBody>
+          <a:bodyPr/>
+          <a:lstStyle/>
+          <a:p>
+            <a:pPr marL="285750" indent="-285750" algn="l">
+              <a:buFont typeface="Arial" panose="020B0604020202020204" pitchFamily="34" charset="0"/>
+              <a:buChar char="•"/>
+            </a:pPr>
+            <a:endParaRPr lang="en-ZA" dirty="0"/>
+          </a:p>
+          <a:p>
+            <a:pPr marL="285750" indent="-285750" algn="l">
+              <a:buFont typeface="Arial" panose="020B0604020202020204" pitchFamily="34" charset="0"/>
+              <a:buChar char="•"/>
+            </a:pPr>
+            <a:endParaRPr lang="en-ZA" dirty="0"/>
+          </a:p>
+        </p:txBody>
+      </p:sp>
+      <p:pic>
+        <p:nvPicPr>
+          <p:cNvPr id="7" name="Content Placeholder 6">
+            <a:extLst>
+              <a:ext uri="{FF2B5EF4-FFF2-40B4-BE49-F238E27FC236}">
+                <a16:creationId xmlns:a16="http://schemas.microsoft.com/office/drawing/2014/main" id="{23AB4CC5-F9B7-3882-DA1B-A248DE41873F}"/>
+              </a:ext>
+            </a:extLst>
+          </p:cNvPr>
+          <p:cNvPicPr>
+            <a:picLocks noGrp="1" noChangeAspect="1"/>
+          </p:cNvPicPr>
+          <p:nvPr>
+            <p:ph idx="1"/>
+          </p:nvPr>
+        </p:nvPicPr>
+        <p:blipFill>
+          <a:blip r:embed="rId2"/>
+          <a:stretch>
+            <a:fillRect/>
+          </a:stretch>
+        </p:blipFill>
+        <p:spPr>
+          <a:xfrm>
+            <a:off x="4856163" y="950094"/>
+            <a:ext cx="6411912" cy="4500612"/>
+          </a:xfrm>
+          <a:prstGeom prst="rect">
+            <a:avLst/>
+          </a:prstGeom>
+        </p:spPr>
+      </p:pic>
+      <p:sp>
+        <p:nvSpPr>
+          <p:cNvPr id="8" name="Text Placeholder 3">
+            <a:extLst>
+              <a:ext uri="{FF2B5EF4-FFF2-40B4-BE49-F238E27FC236}">
+                <a16:creationId xmlns:a16="http://schemas.microsoft.com/office/drawing/2014/main" id="{D5C7F903-81F0-1DF0-58DE-26EB37875529}"/>
+              </a:ext>
+            </a:extLst>
+          </p:cNvPr>
+          <p:cNvSpPr txBox="1">
+            <a:spLocks/>
+          </p:cNvSpPr>
+          <p:nvPr/>
+        </p:nvSpPr>
+        <p:spPr>
+          <a:xfrm>
+            <a:off x="678316" y="1077377"/>
+            <a:ext cx="3706889" cy="4703246"/>
+          </a:xfrm>
+          <a:prstGeom prst="rect">
+            <a:avLst/>
+          </a:prstGeom>
+          <a:effectLst>
+            <a:outerShdw blurRad="25400" dir="17880000">
+              <a:srgbClr val="000000">
+                <a:alpha val="46000"/>
+              </a:srgbClr>
+            </a:outerShdw>
+          </a:effectLst>
+        </p:spPr>
+        <p:txBody>
+          <a:bodyPr vert="horz" lIns="91440" tIns="45720" rIns="91440" bIns="45720" rtlCol="0" anchor="t">
+            <a:normAutofit/>
+          </a:bodyPr>
+          <a:lstStyle>
+            <a:lvl1pPr marL="0" indent="0" algn="ctr" defTabSz="457200" rtl="0" eaLnBrk="1" latinLnBrk="0" hangingPunct="1">
+              <a:spcBef>
+                <a:spcPct val="20000"/>
+              </a:spcBef>
+              <a:spcAft>
+                <a:spcPts val="600"/>
+              </a:spcAft>
+              <a:buClr>
+                <a:schemeClr val="tx2"/>
+              </a:buClr>
+              <a:buSzPct val="70000"/>
+              <a:buFont typeface="Wingdings 2" charset="2"/>
+              <a:buNone/>
+              <a:defRPr sz="1600" kern="1200">
+                <a:ln>
+                  <a:solidFill>
+                    <a:schemeClr val="bg1">
+                      <a:lumMod val="75000"/>
+                      <a:lumOff val="25000"/>
+                      <a:alpha val="10000"/>
+                    </a:schemeClr>
+                  </a:solidFill>
+                </a:ln>
+                <a:solidFill>
+                  <a:schemeClr val="tx2"/>
+                </a:solidFill>
+                <a:effectLst>
+                  <a:outerShdw blurRad="9525" dist="25400" dir="14640000" algn="tl" rotWithShape="0">
+                    <a:schemeClr val="bg1">
+                      <a:alpha val="30000"/>
+                    </a:schemeClr>
+                  </a:outerShdw>
+                </a:effectLst>
+                <a:latin typeface="+mn-lt"/>
+                <a:ea typeface="+mn-ea"/>
+                <a:cs typeface="+mn-cs"/>
+              </a:defRPr>
+            </a:lvl1pPr>
+            <a:lvl2pPr marL="457200" indent="0" algn="l" defTabSz="457200" rtl="0" eaLnBrk="1" latinLnBrk="0" hangingPunct="1">
+              <a:spcBef>
+                <a:spcPct val="20000"/>
+              </a:spcBef>
+              <a:spcAft>
+                <a:spcPts val="600"/>
+              </a:spcAft>
+              <a:buClr>
+                <a:schemeClr val="tx2"/>
+              </a:buClr>
+              <a:buSzPct val="70000"/>
+              <a:buFont typeface="Wingdings 2" charset="2"/>
+              <a:buNone/>
+              <a:defRPr sz="1200" kern="1200">
+                <a:ln>
+                  <a:solidFill>
+                    <a:schemeClr val="bg1">
+                      <a:lumMod val="75000"/>
+                      <a:lumOff val="25000"/>
+                      <a:alpha val="10000"/>
+                    </a:schemeClr>
+                  </a:solidFill>
+                </a:ln>
+                <a:solidFill>
+                  <a:schemeClr val="tx2"/>
+                </a:solidFill>
+                <a:effectLst>
+                  <a:outerShdw blurRad="9525" dist="25400" dir="14640000" algn="tl" rotWithShape="0">
+                    <a:schemeClr val="bg1">
+                      <a:alpha val="30000"/>
+                    </a:schemeClr>
+                  </a:outerShdw>
+                </a:effectLst>
+                <a:latin typeface="+mn-lt"/>
+                <a:ea typeface="+mn-ea"/>
+                <a:cs typeface="+mn-cs"/>
+              </a:defRPr>
+            </a:lvl2pPr>
+            <a:lvl3pPr marL="914400" indent="0" algn="l" defTabSz="457200" rtl="0" eaLnBrk="1" latinLnBrk="0" hangingPunct="1">
+              <a:spcBef>
+                <a:spcPct val="20000"/>
+              </a:spcBef>
+              <a:spcAft>
+                <a:spcPts val="600"/>
+              </a:spcAft>
+              <a:buClr>
+                <a:schemeClr val="tx2"/>
+              </a:buClr>
+              <a:buSzPct val="70000"/>
+              <a:buFont typeface="Wingdings 2" charset="2"/>
+              <a:buNone/>
+              <a:defRPr sz="1000" kern="1200">
+                <a:ln>
+                  <a:solidFill>
+                    <a:schemeClr val="bg1">
+                      <a:lumMod val="75000"/>
+                      <a:lumOff val="25000"/>
+                      <a:alpha val="10000"/>
+                    </a:schemeClr>
+                  </a:solidFill>
+                </a:ln>
+                <a:solidFill>
+                  <a:schemeClr val="tx2"/>
+                </a:solidFill>
+                <a:effectLst>
+                  <a:outerShdw blurRad="9525" dist="25400" dir="14640000" algn="tl" rotWithShape="0">
+                    <a:schemeClr val="bg1">
+                      <a:alpha val="30000"/>
+                    </a:schemeClr>
+                  </a:outerShdw>
+                </a:effectLst>
+                <a:latin typeface="+mn-lt"/>
+                <a:ea typeface="+mn-ea"/>
+                <a:cs typeface="+mn-cs"/>
+              </a:defRPr>
+            </a:lvl3pPr>
+            <a:lvl4pPr marL="1371600" indent="0" algn="l" defTabSz="457200" rtl="0" eaLnBrk="1" latinLnBrk="0" hangingPunct="1">
+              <a:spcBef>
+                <a:spcPct val="20000"/>
+              </a:spcBef>
+              <a:spcAft>
+                <a:spcPts val="600"/>
+              </a:spcAft>
+              <a:buClr>
+                <a:schemeClr val="tx2"/>
+              </a:buClr>
+              <a:buSzPct val="70000"/>
+              <a:buFont typeface="Wingdings 2" charset="2"/>
+              <a:buNone/>
+              <a:defRPr sz="900" kern="1200">
+                <a:ln>
+                  <a:solidFill>
+                    <a:schemeClr val="bg1">
+                      <a:lumMod val="75000"/>
+                      <a:lumOff val="25000"/>
+                      <a:alpha val="10000"/>
+                    </a:schemeClr>
+                  </a:solidFill>
+                </a:ln>
+                <a:solidFill>
+                  <a:schemeClr val="tx2"/>
+                </a:solidFill>
+                <a:effectLst>
+                  <a:outerShdw blurRad="9525" dist="25400" dir="14640000" algn="tl" rotWithShape="0">
+                    <a:schemeClr val="bg1">
+                      <a:alpha val="30000"/>
+                    </a:schemeClr>
+                  </a:outerShdw>
+                </a:effectLst>
+                <a:latin typeface="+mn-lt"/>
+                <a:ea typeface="+mn-ea"/>
+                <a:cs typeface="+mn-cs"/>
+              </a:defRPr>
+            </a:lvl4pPr>
+            <a:lvl5pPr marL="1828800" indent="0" algn="l" defTabSz="457200" rtl="0" eaLnBrk="1" latinLnBrk="0" hangingPunct="1">
+              <a:spcBef>
+                <a:spcPct val="20000"/>
+              </a:spcBef>
+              <a:spcAft>
+                <a:spcPts val="600"/>
+              </a:spcAft>
+              <a:buClr>
+                <a:schemeClr val="tx2"/>
+              </a:buClr>
+              <a:buSzPct val="70000"/>
+              <a:buFont typeface="Wingdings 2" charset="2"/>
+              <a:buNone/>
+              <a:defRPr sz="900" kern="1200">
+                <a:ln>
+                  <a:solidFill>
+                    <a:schemeClr val="bg1">
+                      <a:lumMod val="75000"/>
+                      <a:lumOff val="25000"/>
+                      <a:alpha val="10000"/>
+                    </a:schemeClr>
+                  </a:solidFill>
+                </a:ln>
+                <a:solidFill>
+                  <a:schemeClr val="tx2"/>
+                </a:solidFill>
+                <a:effectLst>
+                  <a:outerShdw blurRad="9525" dist="25400" dir="14640000" algn="tl" rotWithShape="0">
+                    <a:schemeClr val="bg1">
+                      <a:alpha val="30000"/>
+                    </a:schemeClr>
+                  </a:outerShdw>
+                </a:effectLst>
+                <a:latin typeface="+mn-lt"/>
+                <a:ea typeface="+mn-ea"/>
+                <a:cs typeface="+mn-cs"/>
+              </a:defRPr>
+            </a:lvl5pPr>
+            <a:lvl6pPr marL="2286000" indent="0" algn="l" defTabSz="457200" rtl="0" eaLnBrk="1" latinLnBrk="0" hangingPunct="1">
+              <a:spcBef>
+                <a:spcPct val="20000"/>
+              </a:spcBef>
+              <a:spcAft>
+                <a:spcPts val="600"/>
+              </a:spcAft>
+              <a:buClr>
+                <a:schemeClr val="tx2"/>
+              </a:buClr>
+              <a:buSzPct val="70000"/>
+              <a:buFont typeface="Wingdings 2" charset="2"/>
+              <a:buNone/>
+              <a:defRPr sz="900" kern="1200">
+                <a:ln>
+                  <a:solidFill>
+                    <a:schemeClr val="bg1">
+                      <a:lumMod val="75000"/>
+                      <a:lumOff val="25000"/>
+                      <a:alpha val="10000"/>
+                    </a:schemeClr>
+                  </a:solidFill>
+                </a:ln>
+                <a:solidFill>
+                  <a:schemeClr val="tx2"/>
+                </a:solidFill>
+                <a:effectLst>
+                  <a:outerShdw blurRad="9525" dist="25400" dir="14640000" algn="tl" rotWithShape="0">
+                    <a:schemeClr val="bg1">
+                      <a:alpha val="30000"/>
+                    </a:schemeClr>
+                  </a:outerShdw>
+                </a:effectLst>
+                <a:latin typeface="+mn-lt"/>
+                <a:ea typeface="+mn-ea"/>
+                <a:cs typeface="+mn-cs"/>
+              </a:defRPr>
+            </a:lvl6pPr>
+            <a:lvl7pPr marL="2743200" indent="0" algn="l" defTabSz="457200" rtl="0" eaLnBrk="1" latinLnBrk="0" hangingPunct="1">
+              <a:spcBef>
+                <a:spcPct val="20000"/>
+              </a:spcBef>
+              <a:spcAft>
+                <a:spcPts val="600"/>
+              </a:spcAft>
+              <a:buClr>
+                <a:schemeClr val="tx2"/>
+              </a:buClr>
+              <a:buSzPct val="70000"/>
+              <a:buFont typeface="Wingdings 2" charset="2"/>
+              <a:buNone/>
+              <a:defRPr sz="900" kern="1200">
+                <a:ln>
+                  <a:solidFill>
+                    <a:schemeClr val="bg1">
+                      <a:lumMod val="75000"/>
+                      <a:lumOff val="25000"/>
+                      <a:alpha val="10000"/>
+                    </a:schemeClr>
+                  </a:solidFill>
+                </a:ln>
+                <a:solidFill>
+                  <a:schemeClr val="tx2"/>
+                </a:solidFill>
+                <a:effectLst>
+                  <a:outerShdw blurRad="9525" dist="25400" dir="14640000" algn="tl" rotWithShape="0">
+                    <a:schemeClr val="bg1">
+                      <a:alpha val="30000"/>
+                    </a:schemeClr>
+                  </a:outerShdw>
+                </a:effectLst>
+                <a:latin typeface="+mn-lt"/>
+                <a:ea typeface="+mn-ea"/>
+                <a:cs typeface="+mn-cs"/>
+              </a:defRPr>
+            </a:lvl7pPr>
+            <a:lvl8pPr marL="3200400" indent="0" algn="l" defTabSz="457200" rtl="0" eaLnBrk="1" latinLnBrk="0" hangingPunct="1">
+              <a:spcBef>
+                <a:spcPct val="20000"/>
+              </a:spcBef>
+              <a:spcAft>
+                <a:spcPts val="600"/>
+              </a:spcAft>
+              <a:buClr>
+                <a:schemeClr val="tx2"/>
+              </a:buClr>
+              <a:buSzPct val="70000"/>
+              <a:buFont typeface="Wingdings 2" charset="2"/>
+              <a:buNone/>
+              <a:defRPr sz="900" kern="1200">
+                <a:ln>
+                  <a:solidFill>
+                    <a:schemeClr val="bg1">
+                      <a:lumMod val="75000"/>
+                      <a:lumOff val="25000"/>
+                      <a:alpha val="10000"/>
+                    </a:schemeClr>
+                  </a:solidFill>
+                </a:ln>
+                <a:solidFill>
+                  <a:schemeClr val="tx2"/>
+                </a:solidFill>
+                <a:effectLst>
+                  <a:outerShdw blurRad="9525" dist="25400" dir="14640000" algn="tl" rotWithShape="0">
+                    <a:schemeClr val="bg1">
+                      <a:alpha val="30000"/>
+                    </a:schemeClr>
+                  </a:outerShdw>
+                </a:effectLst>
+                <a:latin typeface="+mn-lt"/>
+                <a:ea typeface="+mn-ea"/>
+                <a:cs typeface="+mn-cs"/>
+              </a:defRPr>
+            </a:lvl8pPr>
+            <a:lvl9pPr marL="3657600" indent="0" algn="l" defTabSz="457200" rtl="0" eaLnBrk="1" latinLnBrk="0" hangingPunct="1">
+              <a:spcBef>
+                <a:spcPct val="20000"/>
+              </a:spcBef>
+              <a:spcAft>
+                <a:spcPts val="600"/>
+              </a:spcAft>
+              <a:buClr>
+                <a:schemeClr val="tx2"/>
+              </a:buClr>
+              <a:buSzPct val="70000"/>
+              <a:buFont typeface="Wingdings 2" charset="2"/>
+              <a:buNone/>
+              <a:defRPr sz="900" kern="1200">
+                <a:ln>
+                  <a:solidFill>
+                    <a:schemeClr val="bg1">
+                      <a:lumMod val="75000"/>
+                      <a:lumOff val="25000"/>
+                      <a:alpha val="10000"/>
+                    </a:schemeClr>
+                  </a:solidFill>
+                </a:ln>
+                <a:solidFill>
+                  <a:schemeClr val="tx2"/>
+                </a:solidFill>
+                <a:effectLst>
+                  <a:outerShdw blurRad="9525" dist="25400" dir="14640000" algn="tl" rotWithShape="0">
+                    <a:schemeClr val="bg1">
+                      <a:alpha val="30000"/>
+                    </a:schemeClr>
+                  </a:outerShdw>
+                </a:effectLst>
+                <a:latin typeface="+mn-lt"/>
+                <a:ea typeface="+mn-ea"/>
+                <a:cs typeface="+mn-cs"/>
+              </a:defRPr>
+            </a:lvl9pPr>
+          </a:lstStyle>
+          <a:p>
+            <a:pPr marL="285750" indent="-285750" algn="l">
+              <a:buFont typeface="Arial" panose="020B0604020202020204" pitchFamily="34" charset="0"/>
+              <a:buChar char="•"/>
+            </a:pPr>
+            <a:r>
+              <a:rPr lang="en-ZA" dirty="0"/>
+              <a:t>Using the United Nations </a:t>
+            </a:r>
+            <a:r>
+              <a:rPr lang="en-ZA" dirty="0" err="1"/>
+              <a:t>Geoscheme</a:t>
+            </a:r>
+            <a:r>
+              <a:rPr lang="en-ZA" dirty="0"/>
+              <a:t> mapping of areas to regions:</a:t>
+            </a:r>
+          </a:p>
+          <a:p>
+            <a:pPr marL="285750" indent="-285750" algn="l">
+              <a:buFont typeface="Arial" panose="020B0604020202020204" pitchFamily="34" charset="0"/>
+              <a:buChar char="•"/>
+            </a:pPr>
+            <a:r>
+              <a:rPr lang="en-ZA" dirty="0"/>
+              <a:t>We can see that Asia and the America’s account for the greatest portion of total emissions, however Europe appears to be affected the most.</a:t>
+            </a:r>
+          </a:p>
+          <a:p>
+            <a:pPr marL="285750" indent="-285750" algn="l">
+              <a:buFont typeface="Arial" panose="020B0604020202020204" pitchFamily="34" charset="0"/>
+              <a:buChar char="•"/>
+            </a:pPr>
+            <a:r>
+              <a:rPr lang="en-ZA" dirty="0"/>
+              <a:t>Global co-operation is required to bring about positive climate change going forward, as it appears that the behaviour in some areas are affecting other areas.</a:t>
+            </a:r>
+          </a:p>
+          <a:p>
+            <a:pPr marL="285750" indent="-285750" algn="l">
+              <a:buFont typeface="Arial" panose="020B0604020202020204" pitchFamily="34" charset="0"/>
+              <a:buChar char="•"/>
+            </a:pPr>
+            <a:endParaRPr lang="en-ZA" dirty="0"/>
+          </a:p>
+          <a:p>
+            <a:pPr marL="285750" indent="-285750" algn="l">
+              <a:buFont typeface="Arial" panose="020B0604020202020204" pitchFamily="34" charset="0"/>
+              <a:buChar char="•"/>
+            </a:pPr>
+            <a:endParaRPr lang="en-ZA" dirty="0"/>
+          </a:p>
+        </p:txBody>
+      </p:sp>
+    </p:spTree>
+    <p:extLst>
+      <p:ext uri="{BB962C8B-B14F-4D97-AF65-F5344CB8AC3E}">
+        <p14:creationId xmlns:p14="http://schemas.microsoft.com/office/powerpoint/2010/main" val="167943406"/>
+      </p:ext>
+    </p:extLst>
+  </p:cSld>
+  <p:clrMapOvr>
+    <a:masterClrMapping/>
+  </p:clrMapOvr>
+</p:sld>
+</file>
+
+<file path=ppt/slides/slide15.xml><?xml version="1.0" encoding="utf-8"?>
 <p:sld xmlns:a="http://schemas.openxmlformats.org/drawingml/2006/main" xmlns:r="http://schemas.openxmlformats.org/officeDocument/2006/relationships" xmlns:p="http://schemas.openxmlformats.org/presentationml/2006/main">
   <p:cSld>
     <p:spTree>
@@ -7053,269 +8409,6 @@
     <p:extLst>
       <p:ext uri="{BB962C8B-B14F-4D97-AF65-F5344CB8AC3E}">
         <p14:creationId xmlns:p14="http://schemas.microsoft.com/office/powerpoint/2010/main" val="2137583101"/>
-      </p:ext>
-    </p:extLst>
-  </p:cSld>
-  <p:clrMapOvr>
-    <a:masterClrMapping/>
-  </p:clrMapOvr>
-</p:sld>
-</file>
-
-<file path=ppt/slides/slide13.xml><?xml version="1.0" encoding="utf-8"?>
-<p:sld xmlns:a="http://schemas.openxmlformats.org/drawingml/2006/main" xmlns:r="http://schemas.openxmlformats.org/officeDocument/2006/relationships" xmlns:p="http://schemas.openxmlformats.org/presentationml/2006/main">
-  <p:cSld>
-    <p:spTree>
-      <p:nvGrpSpPr>
-        <p:cNvPr id="1" name="">
-          <a:extLst>
-            <a:ext uri="{FF2B5EF4-FFF2-40B4-BE49-F238E27FC236}">
-              <a16:creationId xmlns:a16="http://schemas.microsoft.com/office/drawing/2014/main" id="{20D14CA1-0C5E-2157-93FB-258E682D87C8}"/>
-            </a:ext>
-          </a:extLst>
-        </p:cNvPr>
-        <p:cNvGrpSpPr/>
-        <p:nvPr/>
-      </p:nvGrpSpPr>
-      <p:grpSpPr>
-        <a:xfrm>
-          <a:off x="0" y="0"/>
-          <a:ext cx="0" cy="0"/>
-          <a:chOff x="0" y="0"/>
-          <a:chExt cx="0" cy="0"/>
-        </a:xfrm>
-      </p:grpSpPr>
-      <p:sp>
-        <p:nvSpPr>
-          <p:cNvPr id="2" name="Title 1">
-            <a:extLst>
-              <a:ext uri="{FF2B5EF4-FFF2-40B4-BE49-F238E27FC236}">
-                <a16:creationId xmlns:a16="http://schemas.microsoft.com/office/drawing/2014/main" id="{3A1BDE5E-25D7-70AB-80C5-6DA8FC97464B}"/>
-              </a:ext>
-            </a:extLst>
-          </p:cNvPr>
-          <p:cNvSpPr>
-            <a:spLocks noGrp="1"/>
-          </p:cNvSpPr>
-          <p:nvPr>
-            <p:ph type="ctrTitle"/>
-          </p:nvPr>
-        </p:nvSpPr>
-        <p:spPr/>
-        <p:txBody>
-          <a:bodyPr/>
-          <a:lstStyle/>
-          <a:p>
-            <a:r>
-              <a:rPr lang="en-ZA" dirty="0"/>
-              <a:t>Regression Models Applied</a:t>
-            </a:r>
-          </a:p>
-        </p:txBody>
-      </p:sp>
-      <p:sp>
-        <p:nvSpPr>
-          <p:cNvPr id="3" name="Subtitle 2">
-            <a:extLst>
-              <a:ext uri="{FF2B5EF4-FFF2-40B4-BE49-F238E27FC236}">
-                <a16:creationId xmlns:a16="http://schemas.microsoft.com/office/drawing/2014/main" id="{15FCCB23-8402-5AE9-E1FE-49574082254C}"/>
-              </a:ext>
-            </a:extLst>
-          </p:cNvPr>
-          <p:cNvSpPr>
-            <a:spLocks noGrp="1"/>
-          </p:cNvSpPr>
-          <p:nvPr>
-            <p:ph type="subTitle" idx="1"/>
-          </p:nvPr>
-        </p:nvSpPr>
-        <p:spPr/>
-        <p:txBody>
-          <a:bodyPr/>
-          <a:lstStyle/>
-          <a:p>
-            <a:endParaRPr lang="en-ZA"/>
-          </a:p>
-        </p:txBody>
-      </p:sp>
-    </p:spTree>
-    <p:extLst>
-      <p:ext uri="{BB962C8B-B14F-4D97-AF65-F5344CB8AC3E}">
-        <p14:creationId xmlns:p14="http://schemas.microsoft.com/office/powerpoint/2010/main" val="3797713729"/>
-      </p:ext>
-    </p:extLst>
-  </p:cSld>
-  <p:clrMapOvr>
-    <a:masterClrMapping/>
-  </p:clrMapOvr>
-</p:sld>
-</file>
-
-<file path=ppt/slides/slide14.xml><?xml version="1.0" encoding="utf-8"?>
-<p:sld xmlns:a="http://schemas.openxmlformats.org/drawingml/2006/main" xmlns:r="http://schemas.openxmlformats.org/officeDocument/2006/relationships" xmlns:p="http://schemas.openxmlformats.org/presentationml/2006/main">
-  <p:cSld>
-    <p:spTree>
-      <p:nvGrpSpPr>
-        <p:cNvPr id="1" name=""/>
-        <p:cNvGrpSpPr/>
-        <p:nvPr/>
-      </p:nvGrpSpPr>
-      <p:grpSpPr>
-        <a:xfrm>
-          <a:off x="0" y="0"/>
-          <a:ext cx="0" cy="0"/>
-          <a:chOff x="0" y="0"/>
-          <a:chExt cx="0" cy="0"/>
-        </a:xfrm>
-      </p:grpSpPr>
-      <p:sp>
-        <p:nvSpPr>
-          <p:cNvPr id="2" name="Title 1">
-            <a:extLst>
-              <a:ext uri="{FF2B5EF4-FFF2-40B4-BE49-F238E27FC236}">
-                <a16:creationId xmlns:a16="http://schemas.microsoft.com/office/drawing/2014/main" id="{A44986F0-348E-5AEA-A40A-C8022B7A6E7F}"/>
-              </a:ext>
-            </a:extLst>
-          </p:cNvPr>
-          <p:cNvSpPr>
-            <a:spLocks noGrp="1"/>
-          </p:cNvSpPr>
-          <p:nvPr>
-            <p:ph type="title"/>
-          </p:nvPr>
-        </p:nvSpPr>
-        <p:spPr/>
-        <p:txBody>
-          <a:bodyPr/>
-          <a:lstStyle/>
-          <a:p>
-            <a:pPr algn="l"/>
-            <a:r>
-              <a:rPr lang="en-ZA" dirty="0"/>
-              <a:t>Multiple Regression</a:t>
-            </a:r>
-          </a:p>
-        </p:txBody>
-      </p:sp>
-      <p:sp>
-        <p:nvSpPr>
-          <p:cNvPr id="3" name="Content Placeholder 2">
-            <a:extLst>
-              <a:ext uri="{FF2B5EF4-FFF2-40B4-BE49-F238E27FC236}">
-                <a16:creationId xmlns:a16="http://schemas.microsoft.com/office/drawing/2014/main" id="{E0CFB6B5-EF86-A301-00CC-A6D004E4FFE8}"/>
-              </a:ext>
-            </a:extLst>
-          </p:cNvPr>
-          <p:cNvSpPr>
-            <a:spLocks noGrp="1"/>
-          </p:cNvSpPr>
-          <p:nvPr>
-            <p:ph idx="1"/>
-          </p:nvPr>
-        </p:nvSpPr>
-        <p:spPr/>
-        <p:txBody>
-          <a:bodyPr/>
-          <a:lstStyle/>
-          <a:p>
-            <a:endParaRPr lang="en-ZA"/>
-          </a:p>
-        </p:txBody>
-      </p:sp>
-    </p:spTree>
-    <p:extLst>
-      <p:ext uri="{BB962C8B-B14F-4D97-AF65-F5344CB8AC3E}">
-        <p14:creationId xmlns:p14="http://schemas.microsoft.com/office/powerpoint/2010/main" val="809299826"/>
-      </p:ext>
-    </p:extLst>
-  </p:cSld>
-  <p:clrMapOvr>
-    <a:masterClrMapping/>
-  </p:clrMapOvr>
-</p:sld>
-</file>
-
-<file path=ppt/slides/slide15.xml><?xml version="1.0" encoding="utf-8"?>
-<p:sld xmlns:a="http://schemas.openxmlformats.org/drawingml/2006/main" xmlns:r="http://schemas.openxmlformats.org/officeDocument/2006/relationships" xmlns:p="http://schemas.openxmlformats.org/presentationml/2006/main">
-  <p:cSld>
-    <p:spTree>
-      <p:nvGrpSpPr>
-        <p:cNvPr id="1" name="">
-          <a:extLst>
-            <a:ext uri="{FF2B5EF4-FFF2-40B4-BE49-F238E27FC236}">
-              <a16:creationId xmlns:a16="http://schemas.microsoft.com/office/drawing/2014/main" id="{C7226CCC-BDFD-EA4E-D01B-4F5E53489C1E}"/>
-            </a:ext>
-          </a:extLst>
-        </p:cNvPr>
-        <p:cNvGrpSpPr/>
-        <p:nvPr/>
-      </p:nvGrpSpPr>
-      <p:grpSpPr>
-        <a:xfrm>
-          <a:off x="0" y="0"/>
-          <a:ext cx="0" cy="0"/>
-          <a:chOff x="0" y="0"/>
-          <a:chExt cx="0" cy="0"/>
-        </a:xfrm>
-      </p:grpSpPr>
-      <p:sp>
-        <p:nvSpPr>
-          <p:cNvPr id="2" name="Title 1">
-            <a:extLst>
-              <a:ext uri="{FF2B5EF4-FFF2-40B4-BE49-F238E27FC236}">
-                <a16:creationId xmlns:a16="http://schemas.microsoft.com/office/drawing/2014/main" id="{8074AE7C-E915-6B0A-3150-6D8DDE59C5C5}"/>
-              </a:ext>
-            </a:extLst>
-          </p:cNvPr>
-          <p:cNvSpPr>
-            <a:spLocks noGrp="1"/>
-          </p:cNvSpPr>
-          <p:nvPr>
-            <p:ph type="title"/>
-          </p:nvPr>
-        </p:nvSpPr>
-        <p:spPr/>
-        <p:txBody>
-          <a:bodyPr/>
-          <a:lstStyle/>
-          <a:p>
-            <a:pPr algn="l"/>
-            <a:r>
-              <a:rPr lang="en-ZA" dirty="0"/>
-              <a:t>Lasso</a:t>
-            </a:r>
-          </a:p>
-        </p:txBody>
-      </p:sp>
-      <p:sp>
-        <p:nvSpPr>
-          <p:cNvPr id="3" name="Content Placeholder 2">
-            <a:extLst>
-              <a:ext uri="{FF2B5EF4-FFF2-40B4-BE49-F238E27FC236}">
-                <a16:creationId xmlns:a16="http://schemas.microsoft.com/office/drawing/2014/main" id="{25C9FD0D-C7C5-95EE-3720-B71B6FD00751}"/>
-              </a:ext>
-            </a:extLst>
-          </p:cNvPr>
-          <p:cNvSpPr>
-            <a:spLocks noGrp="1"/>
-          </p:cNvSpPr>
-          <p:nvPr>
-            <p:ph idx="1"/>
-          </p:nvPr>
-        </p:nvSpPr>
-        <p:spPr/>
-        <p:txBody>
-          <a:bodyPr/>
-          <a:lstStyle/>
-          <a:p>
-            <a:endParaRPr lang="en-ZA"/>
-          </a:p>
-        </p:txBody>
-      </p:sp>
-    </p:spTree>
-    <p:extLst>
-      <p:ext uri="{BB962C8B-B14F-4D97-AF65-F5344CB8AC3E}">
-        <p14:creationId xmlns:p14="http://schemas.microsoft.com/office/powerpoint/2010/main" val="3574811568"/>
       </p:ext>
     </p:extLst>
   </p:cSld>
@@ -7333,7 +8426,7 @@
         <p:cNvPr id="1" name="">
           <a:extLst>
             <a:ext uri="{FF2B5EF4-FFF2-40B4-BE49-F238E27FC236}">
-              <a16:creationId xmlns:a16="http://schemas.microsoft.com/office/drawing/2014/main" id="{E75A8830-5D23-23EF-CA40-61E546B49FA3}"/>
+              <a16:creationId xmlns:a16="http://schemas.microsoft.com/office/drawing/2014/main" id="{26472913-5CFA-5FAF-930C-F9A7BA9465A4}"/>
             </a:ext>
           </a:extLst>
         </p:cNvPr>
@@ -7353,7 +8446,7 @@
           <p:cNvPr id="2" name="Title 1">
             <a:extLst>
               <a:ext uri="{FF2B5EF4-FFF2-40B4-BE49-F238E27FC236}">
-                <a16:creationId xmlns:a16="http://schemas.microsoft.com/office/drawing/2014/main" id="{C1BF3160-ECD0-B013-0C7B-B3BC65324316}"/>
+                <a16:creationId xmlns:a16="http://schemas.microsoft.com/office/drawing/2014/main" id="{B284B78E-083B-C64C-0879-0342736E8FA2}"/>
               </a:ext>
             </a:extLst>
           </p:cNvPr>
@@ -7366,23 +8459,24 @@
         </p:nvSpPr>
         <p:spPr/>
         <p:txBody>
-          <a:bodyPr/>
-          <a:lstStyle/>
-          <a:p>
-            <a:pPr algn="l"/>
-            <a:r>
-              <a:rPr lang="en-ZA" dirty="0"/>
-              <a:t>Decision Trees</a:t>
-            </a:r>
-          </a:p>
-        </p:txBody>
-      </p:sp>
-      <p:sp>
-        <p:nvSpPr>
-          <p:cNvPr id="3" name="Content Placeholder 2">
+          <a:bodyPr>
+            <a:normAutofit/>
+          </a:bodyPr>
+          <a:lstStyle/>
+          <a:p>
+            <a:r>
+              <a:rPr lang="en-ZA" b="1" dirty="0"/>
+              <a:t>Data Cleaning</a:t>
+            </a:r>
+          </a:p>
+        </p:txBody>
+      </p:sp>
+      <p:sp>
+        <p:nvSpPr>
+          <p:cNvPr id="4" name="Text Placeholder 3">
             <a:extLst>
               <a:ext uri="{FF2B5EF4-FFF2-40B4-BE49-F238E27FC236}">
-                <a16:creationId xmlns:a16="http://schemas.microsoft.com/office/drawing/2014/main" id="{98DC8C81-033D-13C3-4B91-8250D3ACC3F3}"/>
+                <a16:creationId xmlns:a16="http://schemas.microsoft.com/office/drawing/2014/main" id="{37E038A7-1026-5CC5-AA93-6333BCFE956C}"/>
               </a:ext>
             </a:extLst>
           </p:cNvPr>
@@ -7395,17 +8489,97 @@
         </p:nvSpPr>
         <p:spPr/>
         <p:txBody>
-          <a:bodyPr/>
-          <a:lstStyle/>
-          <a:p>
-            <a:endParaRPr lang="en-ZA"/>
+          <a:bodyPr>
+            <a:normAutofit/>
+          </a:bodyPr>
+          <a:lstStyle/>
+          <a:p>
+            <a:pPr marL="285750" indent="-285750" algn="l">
+              <a:buFont typeface="Arial" panose="020B0604020202020204" pitchFamily="34" charset="0"/>
+              <a:buChar char="•"/>
+            </a:pPr>
+            <a:r>
+              <a:rPr lang="en-ZA" dirty="0"/>
+              <a:t>The dataset received, contains 6965 rows and 31 columns</a:t>
+            </a:r>
+          </a:p>
+          <a:p>
+            <a:pPr marL="285750" indent="-285750" algn="l">
+              <a:buFont typeface="Arial" panose="020B0604020202020204" pitchFamily="34" charset="0"/>
+              <a:buChar char="•"/>
+            </a:pPr>
+            <a:r>
+              <a:rPr lang="en-ZA" dirty="0"/>
+              <a:t>We discovered that there were many null values, and we therefore replaced these nulls with zeros.  </a:t>
+            </a:r>
+          </a:p>
+          <a:p>
+            <a:pPr marL="662850" lvl="1" indent="-285750">
+              <a:buFont typeface="Arial" panose="020B0604020202020204" pitchFamily="34" charset="0"/>
+              <a:buChar char="•"/>
+            </a:pPr>
+            <a:r>
+              <a:rPr lang="en-ZA" dirty="0"/>
+              <a:t>The individual emission sources added up to the total emissions for each row, so there was no data missing.  </a:t>
+            </a:r>
+          </a:p>
+          <a:p>
+            <a:pPr marL="662850" lvl="1" indent="-285750">
+              <a:buFont typeface="Arial" panose="020B0604020202020204" pitchFamily="34" charset="0"/>
+              <a:buChar char="•"/>
+            </a:pPr>
+            <a:r>
+              <a:rPr lang="en-ZA" dirty="0"/>
+              <a:t>Models like linear regression cannot run with null values.</a:t>
+            </a:r>
+          </a:p>
+          <a:p>
+            <a:pPr marL="285750" indent="-285750" algn="l">
+              <a:buFont typeface="Arial" panose="020B0604020202020204" pitchFamily="34" charset="0"/>
+              <a:buChar char="•"/>
+            </a:pPr>
+            <a:r>
+              <a:rPr lang="en-ZA" dirty="0"/>
+              <a:t>We further discovered that the data for China was duplicated.  One row for the total and 4 rows for the regions within China.  The regional China data was removed from the dataset.</a:t>
+            </a:r>
+          </a:p>
+          <a:p>
+            <a:pPr marL="285750" indent="-285750" algn="l">
+              <a:buFont typeface="Arial" panose="020B0604020202020204" pitchFamily="34" charset="0"/>
+              <a:buChar char="•"/>
+            </a:pPr>
+            <a:r>
+              <a:rPr lang="en-ZA" dirty="0"/>
+              <a:t>Other than the above there were no further duplicate rows.</a:t>
+            </a:r>
+          </a:p>
+          <a:p>
+            <a:pPr marL="285750" indent="-285750" algn="l">
+              <a:buFont typeface="Arial" panose="020B0604020202020204" pitchFamily="34" charset="0"/>
+              <a:buChar char="•"/>
+            </a:pPr>
+            <a:endParaRPr lang="en-ZA" dirty="0"/>
+          </a:p>
+          <a:p>
+            <a:pPr marL="285750" indent="-285750" algn="l">
+              <a:buFont typeface="Arial" panose="020B0604020202020204" pitchFamily="34" charset="0"/>
+              <a:buChar char="•"/>
+            </a:pPr>
+            <a:endParaRPr lang="en-ZA" dirty="0"/>
+          </a:p>
+          <a:p>
+            <a:pPr marL="285750" indent="-285750" algn="l">
+              <a:buFont typeface="Arial" panose="020B0604020202020204" pitchFamily="34" charset="0"/>
+              <a:buChar char="•"/>
+            </a:pPr>
+            <a:endParaRPr lang="en-ZA" dirty="0"/>
           </a:p>
         </p:txBody>
       </p:sp>
     </p:spTree>
     <p:extLst>
       <p:ext uri="{BB962C8B-B14F-4D97-AF65-F5344CB8AC3E}">
-        <p14:creationId xmlns:p14="http://schemas.microsoft.com/office/powerpoint/2010/main" val="488845266"/>
+        <p14:creationId xmlns:p14="http://schemas.microsoft.com/office/powerpoint/2010/main" val="1088338913"/>
       </p:ext>
     </p:extLst>
   </p:cSld>
@@ -7423,7 +8597,7 @@
         <p:cNvPr id="1" name="">
           <a:extLst>
             <a:ext uri="{FF2B5EF4-FFF2-40B4-BE49-F238E27FC236}">
-              <a16:creationId xmlns:a16="http://schemas.microsoft.com/office/drawing/2014/main" id="{CE8F55FC-C83F-1EC7-4493-DF8040BC34A1}"/>
+              <a16:creationId xmlns:a16="http://schemas.microsoft.com/office/drawing/2014/main" id="{598F81A9-A734-9CDC-5D39-D0D6C2EC6394}"/>
             </a:ext>
           </a:extLst>
         </p:cNvPr>
@@ -7443,7 +8617,7 @@
           <p:cNvPr id="2" name="Title 1">
             <a:extLst>
               <a:ext uri="{FF2B5EF4-FFF2-40B4-BE49-F238E27FC236}">
-                <a16:creationId xmlns:a16="http://schemas.microsoft.com/office/drawing/2014/main" id="{917D2F8C-1E96-640C-F00D-9D227463DEE4}"/>
+                <a16:creationId xmlns:a16="http://schemas.microsoft.com/office/drawing/2014/main" id="{A91A6988-4F30-377C-31E7-40A172A54075}"/>
               </a:ext>
             </a:extLst>
           </p:cNvPr>
@@ -7456,23 +8630,24 @@
         </p:nvSpPr>
         <p:spPr/>
         <p:txBody>
-          <a:bodyPr/>
-          <a:lstStyle/>
-          <a:p>
-            <a:pPr algn="l"/>
-            <a:r>
-              <a:rPr lang="en-ZA" dirty="0"/>
-              <a:t>Random Forests</a:t>
-            </a:r>
-          </a:p>
-        </p:txBody>
-      </p:sp>
-      <p:sp>
-        <p:nvSpPr>
-          <p:cNvPr id="3" name="Content Placeholder 2">
+          <a:bodyPr>
+            <a:normAutofit/>
+          </a:bodyPr>
+          <a:lstStyle/>
+          <a:p>
+            <a:r>
+              <a:rPr lang="en-ZA" b="1" dirty="0"/>
+              <a:t>Data Sets Used</a:t>
+            </a:r>
+          </a:p>
+        </p:txBody>
+      </p:sp>
+      <p:sp>
+        <p:nvSpPr>
+          <p:cNvPr id="4" name="Text Placeholder 3">
             <a:extLst>
               <a:ext uri="{FF2B5EF4-FFF2-40B4-BE49-F238E27FC236}">
-                <a16:creationId xmlns:a16="http://schemas.microsoft.com/office/drawing/2014/main" id="{03ACF577-8F49-05E9-2180-102D7213E627}"/>
+                <a16:creationId xmlns:a16="http://schemas.microsoft.com/office/drawing/2014/main" id="{B05CC96F-32B6-DCFD-BE5A-4490C6A6DB93}"/>
               </a:ext>
             </a:extLst>
           </p:cNvPr>
@@ -7485,17 +8660,135 @@
         </p:nvSpPr>
         <p:spPr/>
         <p:txBody>
-          <a:bodyPr/>
-          <a:lstStyle/>
-          <a:p>
-            <a:endParaRPr lang="en-ZA"/>
+          <a:bodyPr>
+            <a:normAutofit fontScale="92500" lnSpcReduction="10000"/>
+          </a:bodyPr>
+          <a:lstStyle/>
+          <a:p>
+            <a:pPr marL="285750" indent="-285750" algn="l">
+              <a:buFont typeface="Arial" panose="020B0604020202020204" pitchFamily="34" charset="0"/>
+              <a:buChar char="•"/>
+            </a:pPr>
+            <a:r>
+              <a:rPr lang="en-ZA" dirty="0"/>
+              <a:t>Below are the data sets used and referred to going forward in this analysis.</a:t>
+            </a:r>
+          </a:p>
+          <a:p>
+            <a:pPr marL="285750" indent="-285750" algn="l">
+              <a:buFont typeface="Arial" panose="020B0604020202020204" pitchFamily="34" charset="0"/>
+              <a:buChar char="•"/>
+            </a:pPr>
+            <a:r>
+              <a:rPr lang="en-ZA" dirty="0"/>
+              <a:t>Filtered Data:  this dataset is the full dataset with the various China regions removed: China (Hong Kong), China (Macau), China (mainland), and China (Taiwan)</a:t>
+            </a:r>
+          </a:p>
+          <a:p>
+            <a:pPr marL="662850" lvl="1" indent="-285750">
+              <a:buFont typeface="Arial" panose="020B0604020202020204" pitchFamily="34" charset="0"/>
+              <a:buChar char="•"/>
+            </a:pPr>
+            <a:r>
+              <a:rPr lang="en-ZA" dirty="0"/>
+              <a:t>6841 rows and 31 columns</a:t>
+            </a:r>
+          </a:p>
+          <a:p>
+            <a:pPr marL="285750" indent="-285750">
+              <a:buFont typeface="Arial" panose="020B0604020202020204" pitchFamily="34" charset="0"/>
+              <a:buChar char="•"/>
+            </a:pPr>
+            <a:r>
+              <a:rPr lang="en-ZA" dirty="0"/>
+              <a:t>Grouped by Region:  using the United Nations </a:t>
+            </a:r>
+            <a:r>
+              <a:rPr lang="en-ZA" dirty="0" err="1"/>
+              <a:t>Geoscheme</a:t>
+            </a:r>
+            <a:r>
+              <a:rPr lang="en-ZA" dirty="0"/>
+              <a:t> mapping, we used the filtered data set and mapped the areas into regions and summarised the data</a:t>
+            </a:r>
+          </a:p>
+          <a:p>
+            <a:pPr marL="662850" lvl="1" indent="-285750">
+              <a:buFont typeface="Arial" panose="020B0604020202020204" pitchFamily="34" charset="0"/>
+              <a:buChar char="•"/>
+            </a:pPr>
+            <a:r>
+              <a:rPr lang="en-ZA" dirty="0"/>
+              <a:t>680 rows and 31 columns</a:t>
+            </a:r>
+          </a:p>
+          <a:p>
+            <a:pPr marL="285750" indent="-285750">
+              <a:buFont typeface="Arial" panose="020B0604020202020204" pitchFamily="34" charset="0"/>
+              <a:buChar char="•"/>
+            </a:pPr>
+            <a:r>
+              <a:rPr lang="en-ZA" dirty="0"/>
+              <a:t>Group by Year:  using the filtered data set, we summarised the data by year</a:t>
+            </a:r>
+          </a:p>
+          <a:p>
+            <a:pPr marL="662850" lvl="1" indent="-285750">
+              <a:buFont typeface="Arial" panose="020B0604020202020204" pitchFamily="34" charset="0"/>
+              <a:buChar char="•"/>
+            </a:pPr>
+            <a:r>
+              <a:rPr lang="en-ZA" dirty="0"/>
+              <a:t>31 rows and 30 columns</a:t>
+            </a:r>
+          </a:p>
+          <a:p>
+            <a:pPr marL="285750" indent="-285750">
+              <a:buFont typeface="Arial" panose="020B0604020202020204" pitchFamily="34" charset="0"/>
+              <a:buChar char="•"/>
+            </a:pPr>
+            <a:r>
+              <a:rPr lang="en-ZA" dirty="0"/>
+              <a:t>Aggregated:  aggregated like emission sources, to summarise by emission source</a:t>
+            </a:r>
+          </a:p>
+          <a:p>
+            <a:pPr marL="662850" lvl="1" indent="-285750">
+              <a:buFont typeface="Arial" panose="020B0604020202020204" pitchFamily="34" charset="0"/>
+              <a:buChar char="•"/>
+            </a:pPr>
+            <a:r>
+              <a:rPr lang="en-ZA" dirty="0"/>
+              <a:t>6841 rows and 15 columns</a:t>
+            </a:r>
+          </a:p>
+          <a:p>
+            <a:pPr marL="285750" indent="-285750" algn="l">
+              <a:buFont typeface="Arial" panose="020B0604020202020204" pitchFamily="34" charset="0"/>
+              <a:buChar char="•"/>
+            </a:pPr>
+            <a:endParaRPr lang="en-ZA" dirty="0"/>
+          </a:p>
+          <a:p>
+            <a:pPr marL="285750" indent="-285750" algn="l">
+              <a:buFont typeface="Arial" panose="020B0604020202020204" pitchFamily="34" charset="0"/>
+              <a:buChar char="•"/>
+            </a:pPr>
+            <a:endParaRPr lang="en-ZA" dirty="0"/>
+          </a:p>
+          <a:p>
+            <a:pPr marL="285750" indent="-285750" algn="l">
+              <a:buFont typeface="Arial" panose="020B0604020202020204" pitchFamily="34" charset="0"/>
+              <a:buChar char="•"/>
+            </a:pPr>
+            <a:endParaRPr lang="en-ZA" dirty="0"/>
           </a:p>
         </p:txBody>
       </p:sp>
     </p:spTree>
     <p:extLst>
       <p:ext uri="{BB962C8B-B14F-4D97-AF65-F5344CB8AC3E}">
-        <p14:creationId xmlns:p14="http://schemas.microsoft.com/office/powerpoint/2010/main" val="2565305964"/>
+        <p14:creationId xmlns:p14="http://schemas.microsoft.com/office/powerpoint/2010/main" val="4189284462"/>
       </p:ext>
     </p:extLst>
   </p:cSld>
@@ -7513,7 +8806,7 @@
         <p:cNvPr id="1" name="">
           <a:extLst>
             <a:ext uri="{FF2B5EF4-FFF2-40B4-BE49-F238E27FC236}">
-              <a16:creationId xmlns:a16="http://schemas.microsoft.com/office/drawing/2014/main" id="{335EFEAB-2D1D-4600-7A21-65C0AD6AAA4B}"/>
+              <a16:creationId xmlns:a16="http://schemas.microsoft.com/office/drawing/2014/main" id="{DF2DE76F-0B5B-2350-A77C-EC9BD01A62B4}"/>
             </a:ext>
           </a:extLst>
         </p:cNvPr>
@@ -7533,7 +8826,7 @@
           <p:cNvPr id="2" name="Title 1">
             <a:extLst>
               <a:ext uri="{FF2B5EF4-FFF2-40B4-BE49-F238E27FC236}">
-                <a16:creationId xmlns:a16="http://schemas.microsoft.com/office/drawing/2014/main" id="{DCC9AE9A-46F1-06E3-EC9F-95579BE04A9B}"/>
+                <a16:creationId xmlns:a16="http://schemas.microsoft.com/office/drawing/2014/main" id="{0C3D7FF3-6F52-41A9-BE92-202D45D497C5}"/>
               </a:ext>
             </a:extLst>
           </p:cNvPr>
@@ -7546,23 +8839,24 @@
         </p:nvSpPr>
         <p:spPr/>
         <p:txBody>
-          <a:bodyPr/>
-          <a:lstStyle/>
-          <a:p>
-            <a:pPr algn="l"/>
-            <a:r>
-              <a:rPr lang="en-ZA" dirty="0"/>
-              <a:t>Comparisons of the Models</a:t>
-            </a:r>
-          </a:p>
-        </p:txBody>
-      </p:sp>
-      <p:sp>
-        <p:nvSpPr>
-          <p:cNvPr id="3" name="Content Placeholder 2">
+          <a:bodyPr>
+            <a:normAutofit/>
+          </a:bodyPr>
+          <a:lstStyle/>
+          <a:p>
+            <a:r>
+              <a:rPr lang="en-ZA" b="1" dirty="0"/>
+              <a:t>Filtered Data (analysis)</a:t>
+            </a:r>
+          </a:p>
+        </p:txBody>
+      </p:sp>
+      <p:sp>
+        <p:nvSpPr>
+          <p:cNvPr id="4" name="Text Placeholder 3">
             <a:extLst>
               <a:ext uri="{FF2B5EF4-FFF2-40B4-BE49-F238E27FC236}">
-                <a16:creationId xmlns:a16="http://schemas.microsoft.com/office/drawing/2014/main" id="{0E1BD014-6E65-1D6A-68AD-C99B4D8085F8}"/>
+                <a16:creationId xmlns:a16="http://schemas.microsoft.com/office/drawing/2014/main" id="{D786C9B0-276F-371D-193E-2D11ECF1FC37}"/>
               </a:ext>
             </a:extLst>
           </p:cNvPr>
@@ -7575,17 +8869,97 @@
         </p:nvSpPr>
         <p:spPr/>
         <p:txBody>
-          <a:bodyPr/>
-          <a:lstStyle/>
-          <a:p>
-            <a:endParaRPr lang="en-ZA"/>
+          <a:bodyPr>
+            <a:normAutofit/>
+          </a:bodyPr>
+          <a:lstStyle/>
+          <a:p>
+            <a:pPr marL="285750" indent="-285750" algn="l">
+              <a:buFont typeface="Arial" panose="020B0604020202020204" pitchFamily="34" charset="0"/>
+              <a:buChar char="•"/>
+            </a:pPr>
+            <a:r>
+              <a:rPr lang="en-ZA" dirty="0"/>
+              <a:t>Rows and columns</a:t>
+            </a:r>
+          </a:p>
+          <a:p>
+            <a:pPr marL="285750" indent="-285750" algn="l">
+              <a:buFont typeface="Arial" panose="020B0604020202020204" pitchFamily="34" charset="0"/>
+              <a:buChar char="•"/>
+            </a:pPr>
+            <a:r>
+              <a:rPr lang="en-ZA" dirty="0"/>
+              <a:t>On looking at the basic statistical measures using the describe function in python, it was discovered the mean of many features fell in the 75% to 100% quartile</a:t>
+            </a:r>
+          </a:p>
+          <a:p>
+            <a:pPr marL="285750" indent="-285750" algn="l">
+              <a:buFont typeface="Arial" panose="020B0604020202020204" pitchFamily="34" charset="0"/>
+              <a:buChar char="•"/>
+            </a:pPr>
+            <a:r>
+              <a:rPr lang="en-ZA" dirty="0"/>
+              <a:t>The data is highly positively skewed, with kurtosis values greater than 3, indicating many outliers.</a:t>
+            </a:r>
+          </a:p>
+          <a:p>
+            <a:pPr marL="285750" indent="-285750" algn="l">
+              <a:buFont typeface="Arial" panose="020B0604020202020204" pitchFamily="34" charset="0"/>
+              <a:buChar char="•"/>
+            </a:pPr>
+            <a:r>
+              <a:rPr lang="en-ZA" dirty="0"/>
+              <a:t>Density subplots confirmed this visually</a:t>
+            </a:r>
+          </a:p>
+          <a:p>
+            <a:pPr marL="285750" indent="-285750" algn="l">
+              <a:buFont typeface="Arial" panose="020B0604020202020204" pitchFamily="34" charset="0"/>
+              <a:buChar char="•"/>
+            </a:pPr>
+            <a:r>
+              <a:rPr lang="en-ZA" dirty="0"/>
+              <a:t>Correlation analysis between the various features and the target variable, Ave Temperature Change, is very weak other than for Year.  (Which we saw in the initial analysis.)</a:t>
+            </a:r>
+          </a:p>
+          <a:p>
+            <a:pPr marL="285750" indent="-285750" algn="l">
+              <a:buFont typeface="Arial" panose="020B0604020202020204" pitchFamily="34" charset="0"/>
+              <a:buChar char="•"/>
+            </a:pPr>
+            <a:r>
+              <a:rPr lang="en-ZA" dirty="0"/>
+              <a:t>A heatmap of the correlation matrix produced in python showed much multi-collinearity between the features.</a:t>
+            </a:r>
+          </a:p>
+          <a:p>
+            <a:pPr marL="285750" indent="-285750" algn="l">
+              <a:buFont typeface="Arial" panose="020B0604020202020204" pitchFamily="34" charset="0"/>
+              <a:buChar char="•"/>
+            </a:pPr>
+            <a:endParaRPr lang="en-ZA" dirty="0"/>
+          </a:p>
+          <a:p>
+            <a:pPr marL="285750" indent="-285750" algn="l">
+              <a:buFont typeface="Arial" panose="020B0604020202020204" pitchFamily="34" charset="0"/>
+              <a:buChar char="•"/>
+            </a:pPr>
+            <a:endParaRPr lang="en-ZA" dirty="0"/>
+          </a:p>
+          <a:p>
+            <a:pPr marL="285750" indent="-285750" algn="l">
+              <a:buFont typeface="Arial" panose="020B0604020202020204" pitchFamily="34" charset="0"/>
+              <a:buChar char="•"/>
+            </a:pPr>
+            <a:endParaRPr lang="en-ZA" dirty="0"/>
           </a:p>
         </p:txBody>
       </p:sp>
     </p:spTree>
     <p:extLst>
       <p:ext uri="{BB962C8B-B14F-4D97-AF65-F5344CB8AC3E}">
-        <p14:creationId xmlns:p14="http://schemas.microsoft.com/office/powerpoint/2010/main" val="1990369775"/>
+        <p14:creationId xmlns:p14="http://schemas.microsoft.com/office/powerpoint/2010/main" val="4047867599"/>
       </p:ext>
     </p:extLst>
   </p:cSld>
@@ -7603,7 +8977,7 @@
         <p:cNvPr id="1" name="">
           <a:extLst>
             <a:ext uri="{FF2B5EF4-FFF2-40B4-BE49-F238E27FC236}">
-              <a16:creationId xmlns:a16="http://schemas.microsoft.com/office/drawing/2014/main" id="{43296224-1118-0277-18E5-45344662AE66}"/>
+              <a16:creationId xmlns:a16="http://schemas.microsoft.com/office/drawing/2014/main" id="{A7338030-6238-AC7A-978F-FA53DC4A70A8}"/>
             </a:ext>
           </a:extLst>
         </p:cNvPr>
@@ -7623,7 +8997,7 @@
           <p:cNvPr id="2" name="Title 1">
             <a:extLst>
               <a:ext uri="{FF2B5EF4-FFF2-40B4-BE49-F238E27FC236}">
-                <a16:creationId xmlns:a16="http://schemas.microsoft.com/office/drawing/2014/main" id="{97059094-16DF-5CEB-80E0-64DB27B53659}"/>
+                <a16:creationId xmlns:a16="http://schemas.microsoft.com/office/drawing/2014/main" id="{8FB58D34-562A-D69C-6044-A531163C5C1B}"/>
               </a:ext>
             </a:extLst>
           </p:cNvPr>
@@ -7634,49 +9008,189 @@
             <p:ph type="title"/>
           </p:nvPr>
         </p:nvSpPr>
-        <p:spPr/>
-        <p:txBody>
-          <a:bodyPr/>
-          <a:lstStyle/>
-          <a:p>
-            <a:pPr algn="l"/>
-            <a:r>
-              <a:rPr lang="en-ZA"/>
-              <a:t>Most Appropriate Model to Use</a:t>
-            </a:r>
-            <a:endParaRPr lang="en-ZA" dirty="0"/>
-          </a:p>
-        </p:txBody>
-      </p:sp>
-      <p:sp>
-        <p:nvSpPr>
-          <p:cNvPr id="3" name="Content Placeholder 2">
+        <p:spPr>
+          <a:xfrm>
+            <a:off x="913795" y="140978"/>
+            <a:ext cx="10353762" cy="970450"/>
+          </a:xfrm>
+        </p:spPr>
+        <p:txBody>
+          <a:bodyPr>
+            <a:normAutofit/>
+          </a:bodyPr>
+          <a:lstStyle/>
+          <a:p>
+            <a:r>
+              <a:rPr lang="en-ZA" b="1" dirty="0"/>
+              <a:t>Filtered Data (analysis)</a:t>
+            </a:r>
+          </a:p>
+        </p:txBody>
+      </p:sp>
+      <p:pic>
+        <p:nvPicPr>
+          <p:cNvPr id="7" name="Picture 6">
             <a:extLst>
               <a:ext uri="{FF2B5EF4-FFF2-40B4-BE49-F238E27FC236}">
-                <a16:creationId xmlns:a16="http://schemas.microsoft.com/office/drawing/2014/main" id="{DB07A73B-22E5-1502-E29A-F7C312953C7E}"/>
+                <a16:creationId xmlns:a16="http://schemas.microsoft.com/office/drawing/2014/main" id="{FB3BD2AC-9C5D-689A-A4C9-7FEA6A050190}"/>
               </a:ext>
             </a:extLst>
           </p:cNvPr>
-          <p:cNvSpPr>
-            <a:spLocks noGrp="1"/>
-          </p:cNvSpPr>
-          <p:nvPr>
-            <p:ph idx="1"/>
-          </p:nvPr>
-        </p:nvSpPr>
-        <p:spPr/>
-        <p:txBody>
-          <a:bodyPr/>
-          <a:lstStyle/>
-          <a:p>
-            <a:endParaRPr lang="en-ZA"/>
-          </a:p>
-        </p:txBody>
-      </p:sp>
+          <p:cNvPicPr>
+            <a:picLocks noChangeAspect="1"/>
+          </p:cNvPicPr>
+          <p:nvPr/>
+        </p:nvPicPr>
+        <p:blipFill>
+          <a:blip r:embed="rId2"/>
+          <a:stretch>
+            <a:fillRect/>
+          </a:stretch>
+        </p:blipFill>
+        <p:spPr>
+          <a:xfrm>
+            <a:off x="265470" y="1364920"/>
+            <a:ext cx="2339543" cy="3833192"/>
+          </a:xfrm>
+          <a:prstGeom prst="rect">
+            <a:avLst/>
+          </a:prstGeom>
+        </p:spPr>
+      </p:pic>
+      <p:sp>
+        <p:nvSpPr>
+          <p:cNvPr id="8" name="TextBox 7">
+            <a:extLst>
+              <a:ext uri="{FF2B5EF4-FFF2-40B4-BE49-F238E27FC236}">
+                <a16:creationId xmlns:a16="http://schemas.microsoft.com/office/drawing/2014/main" id="{761F5F21-E902-E63D-CA6E-1411AF3C2C4F}"/>
+              </a:ext>
+            </a:extLst>
+          </p:cNvPr>
+          <p:cNvSpPr txBox="1"/>
+          <p:nvPr/>
+        </p:nvSpPr>
+        <p:spPr>
+          <a:xfrm>
+            <a:off x="265470" y="926762"/>
+            <a:ext cx="2281084" cy="369332"/>
+          </a:xfrm>
+          <a:prstGeom prst="rect">
+            <a:avLst/>
+          </a:prstGeom>
+          <a:noFill/>
+        </p:spPr>
+        <p:txBody>
+          <a:bodyPr wrap="square" rtlCol="0">
+            <a:spAutoFit/>
+          </a:bodyPr>
+          <a:lstStyle/>
+          <a:p>
+            <a:r>
+              <a:rPr lang="en-ZA" dirty="0"/>
+              <a:t>Skewness:</a:t>
+            </a:r>
+          </a:p>
+        </p:txBody>
+      </p:sp>
+      <p:pic>
+        <p:nvPicPr>
+          <p:cNvPr id="10" name="Picture 9">
+            <a:extLst>
+              <a:ext uri="{FF2B5EF4-FFF2-40B4-BE49-F238E27FC236}">
+                <a16:creationId xmlns:a16="http://schemas.microsoft.com/office/drawing/2014/main" id="{AF73CCFD-C5F6-3895-9F65-1629936B1156}"/>
+              </a:ext>
+            </a:extLst>
+          </p:cNvPr>
+          <p:cNvPicPr>
+            <a:picLocks noChangeAspect="1"/>
+          </p:cNvPicPr>
+          <p:nvPr/>
+        </p:nvPicPr>
+        <p:blipFill>
+          <a:blip r:embed="rId3"/>
+          <a:stretch>
+            <a:fillRect/>
+          </a:stretch>
+        </p:blipFill>
+        <p:spPr>
+          <a:xfrm>
+            <a:off x="3720651" y="1364920"/>
+            <a:ext cx="2370025" cy="3856054"/>
+          </a:xfrm>
+          <a:prstGeom prst="rect">
+            <a:avLst/>
+          </a:prstGeom>
+        </p:spPr>
+      </p:pic>
+      <p:sp>
+        <p:nvSpPr>
+          <p:cNvPr id="11" name="TextBox 10">
+            <a:extLst>
+              <a:ext uri="{FF2B5EF4-FFF2-40B4-BE49-F238E27FC236}">
+                <a16:creationId xmlns:a16="http://schemas.microsoft.com/office/drawing/2014/main" id="{C0C48573-54F8-DA39-DFB6-CA9A0768C26A}"/>
+              </a:ext>
+            </a:extLst>
+          </p:cNvPr>
+          <p:cNvSpPr txBox="1"/>
+          <p:nvPr/>
+        </p:nvSpPr>
+        <p:spPr>
+          <a:xfrm>
+            <a:off x="3662192" y="995588"/>
+            <a:ext cx="2281084" cy="369332"/>
+          </a:xfrm>
+          <a:prstGeom prst="rect">
+            <a:avLst/>
+          </a:prstGeom>
+          <a:noFill/>
+        </p:spPr>
+        <p:txBody>
+          <a:bodyPr wrap="square" rtlCol="0">
+            <a:spAutoFit/>
+          </a:bodyPr>
+          <a:lstStyle/>
+          <a:p>
+            <a:r>
+              <a:rPr lang="en-ZA" dirty="0"/>
+              <a:t>Kurtosis:</a:t>
+            </a:r>
+          </a:p>
+        </p:txBody>
+      </p:sp>
+      <p:pic>
+        <p:nvPicPr>
+          <p:cNvPr id="13" name="Picture 12">
+            <a:extLst>
+              <a:ext uri="{FF2B5EF4-FFF2-40B4-BE49-F238E27FC236}">
+                <a16:creationId xmlns:a16="http://schemas.microsoft.com/office/drawing/2014/main" id="{FAD4DBEE-E1E2-1116-D041-97154F935B86}"/>
+              </a:ext>
+            </a:extLst>
+          </p:cNvPr>
+          <p:cNvPicPr>
+            <a:picLocks noChangeAspect="1"/>
+          </p:cNvPicPr>
+          <p:nvPr/>
+        </p:nvPicPr>
+        <p:blipFill>
+          <a:blip r:embed="rId4"/>
+          <a:stretch>
+            <a:fillRect/>
+          </a:stretch>
+        </p:blipFill>
+        <p:spPr>
+          <a:xfrm>
+            <a:off x="6391211" y="1364920"/>
+            <a:ext cx="5535319" cy="5137355"/>
+          </a:xfrm>
+          <a:prstGeom prst="rect">
+            <a:avLst/>
+          </a:prstGeom>
+        </p:spPr>
+      </p:pic>
     </p:spTree>
     <p:extLst>
       <p:ext uri="{BB962C8B-B14F-4D97-AF65-F5344CB8AC3E}">
-        <p14:creationId xmlns:p14="http://schemas.microsoft.com/office/powerpoint/2010/main" val="2939269639"/>
+        <p14:creationId xmlns:p14="http://schemas.microsoft.com/office/powerpoint/2010/main" val="1517987339"/>
       </p:ext>
     </p:extLst>
   </p:cSld>
@@ -7746,8 +9260,8 @@
         </p:nvSpPr>
         <p:spPr>
           <a:xfrm>
-            <a:off x="914400" y="1769806"/>
-            <a:ext cx="10382865" cy="2862322"/>
+            <a:off x="884692" y="1669837"/>
+            <a:ext cx="10382865" cy="3970318"/>
           </a:xfrm>
           <a:prstGeom prst="rect">
             <a:avLst/>
@@ -7760,64 +9274,31 @@
           </a:bodyPr>
           <a:lstStyle/>
           <a:p>
-            <a:pPr marL="285750" indent="-285750">
-              <a:buFont typeface="Arial" panose="020B0604020202020204" pitchFamily="34" charset="0"/>
-              <a:buChar char="•"/>
-            </a:pPr>
             <a:r>
               <a:rPr lang="en-ZA" dirty="0"/>
-              <a:t>The data provided for the project represents emissions from the agri-food sector for the period 1990 to 2020, across 236 areas.  </a:t>
-            </a:r>
-          </a:p>
-          <a:p>
-            <a:pPr marL="285750" indent="-285750">
-              <a:buFont typeface="Arial" panose="020B0604020202020204" pitchFamily="34" charset="0"/>
-              <a:buChar char="•"/>
-            </a:pPr>
+              <a:t>Our team of consultants have been tasked by a coalition of agricultural stakeholders to analyse and predict the effect of CO2 on climate change from emissions from the agri-food sector.  We have been provided with emission data, as well as population data, compiled by the Food and Agriculture Organisation and the Intergovernmental Panel on Climate Change.  This data spans the period 1990 to 2020 and covers nearly all areas across the world, providing emission data from 23 sources.</a:t>
+            </a:r>
+          </a:p>
+          <a:p>
+            <a:endParaRPr lang="en-ZA" dirty="0"/>
+          </a:p>
+          <a:p>
             <a:r>
               <a:rPr lang="en-ZA" dirty="0"/>
-              <a:t>The data includes 23 sources of carbon dioxide emissions across these areas and the period above.</a:t>
-            </a:r>
-          </a:p>
-          <a:p>
-            <a:pPr marL="285750" indent="-285750">
-              <a:buFont typeface="Arial" panose="020B0604020202020204" pitchFamily="34" charset="0"/>
-              <a:buChar char="•"/>
-            </a:pPr>
-            <a:r>
+              <a:t>Climate change represented by shifts in temperature can have catastrophic impacts on our environment and future existence.  Natural disasters, as can be seen in just the last few months appear to be on the increase.  Certain crops require particular environments to thrive, and if these are threatened our food supply could be threatened.</a:t>
+            </a:r>
+          </a:p>
+          <a:p>
+            <a:br>
               <a:rPr lang="en-ZA" dirty="0"/>
-              <a:t>A population split between urban and rural and male and female is also provided.</a:t>
-            </a:r>
-          </a:p>
-          <a:p>
-            <a:pPr marL="285750" indent="-285750">
-              <a:buFont typeface="Arial" panose="020B0604020202020204" pitchFamily="34" charset="0"/>
-              <a:buChar char="•"/>
-            </a:pPr>
+            </a:br>
             <a:r>
               <a:rPr lang="en-ZA" dirty="0"/>
-              <a:t>The purpose of the project is to predict the annual change in temperate given specific data inputs.</a:t>
-            </a:r>
-          </a:p>
-          <a:p>
-            <a:pPr marL="285750" indent="-285750">
-              <a:buFont typeface="Arial" panose="020B0604020202020204" pitchFamily="34" charset="0"/>
-              <a:buChar char="•"/>
-            </a:pPr>
-            <a:r>
-              <a:rPr lang="en-ZA" dirty="0"/>
-              <a:t>We will attempt to review the various sources of emissions and population levels to understand what drives the change in temperature.</a:t>
-            </a:r>
-          </a:p>
-          <a:p>
-            <a:pPr marL="285750" indent="-285750">
-              <a:buFont typeface="Arial" panose="020B0604020202020204" pitchFamily="34" charset="0"/>
-              <a:buChar char="•"/>
-            </a:pPr>
-            <a:r>
-              <a:rPr lang="en-ZA" dirty="0"/>
-              <a:t>On closer inspection of the data we found that the figures for China have been duplicated into sub areas.  Therefore we have removed the figures for:  China (Hong Kong), China (Macau), China (mainland), and China (Taiwan);  leaving the total represented by the entries for China</a:t>
-            </a:r>
+              <a:t>Our aim through this project is to understand trends and through regression analysis identify the emission sources that are most likely leading to changes in the Average Temperature.</a:t>
+            </a:r>
+          </a:p>
+          <a:p>
+            <a:endParaRPr lang="en-ZA" dirty="0"/>
           </a:p>
         </p:txBody>
       </p:sp>
@@ -7839,7 +9320,13 @@
   <p:cSld>
     <p:spTree>
       <p:nvGrpSpPr>
-        <p:cNvPr id="1" name=""/>
+        <p:cNvPr id="1" name="">
+          <a:extLst>
+            <a:ext uri="{FF2B5EF4-FFF2-40B4-BE49-F238E27FC236}">
+              <a16:creationId xmlns:a16="http://schemas.microsoft.com/office/drawing/2014/main" id="{6F2ECCDC-E68E-83FE-0D02-08E6A8DDCA8A}"/>
+            </a:ext>
+          </a:extLst>
+        </p:cNvPr>
         <p:cNvGrpSpPr/>
         <p:nvPr/>
       </p:nvGrpSpPr>
@@ -7856,7 +9343,7 @@
           <p:cNvPr id="2" name="Title 1">
             <a:extLst>
               <a:ext uri="{FF2B5EF4-FFF2-40B4-BE49-F238E27FC236}">
-                <a16:creationId xmlns:a16="http://schemas.microsoft.com/office/drawing/2014/main" id="{F37F48A9-122C-8507-B2FC-2B9F3283CB40}"/>
+                <a16:creationId xmlns:a16="http://schemas.microsoft.com/office/drawing/2014/main" id="{D20DBF7D-F966-D9BE-4AEF-DD81877B3414}"/>
               </a:ext>
             </a:extLst>
           </p:cNvPr>
@@ -7864,47 +9351,162 @@
             <a:spLocks noGrp="1"/>
           </p:cNvSpPr>
           <p:nvPr>
-            <p:ph type="ctrTitle"/>
-          </p:nvPr>
-        </p:nvSpPr>
-        <p:spPr/>
-        <p:txBody>
-          <a:bodyPr/>
-          <a:lstStyle/>
-          <a:p>
-            <a:endParaRPr lang="en-ZA"/>
-          </a:p>
-        </p:txBody>
-      </p:sp>
-      <p:sp>
-        <p:nvSpPr>
-          <p:cNvPr id="3" name="Subtitle 2">
+            <p:ph type="title"/>
+          </p:nvPr>
+        </p:nvSpPr>
+        <p:spPr>
+          <a:xfrm>
+            <a:off x="913795" y="140978"/>
+            <a:ext cx="10353762" cy="970450"/>
+          </a:xfrm>
+        </p:spPr>
+        <p:txBody>
+          <a:bodyPr>
+            <a:normAutofit/>
+          </a:bodyPr>
+          <a:lstStyle/>
+          <a:p>
+            <a:r>
+              <a:rPr lang="en-ZA" b="1" dirty="0"/>
+              <a:t>Filtered Data (analysis)</a:t>
+            </a:r>
+          </a:p>
+        </p:txBody>
+      </p:sp>
+      <p:sp>
+        <p:nvSpPr>
+          <p:cNvPr id="8" name="TextBox 7">
             <a:extLst>
               <a:ext uri="{FF2B5EF4-FFF2-40B4-BE49-F238E27FC236}">
-                <a16:creationId xmlns:a16="http://schemas.microsoft.com/office/drawing/2014/main" id="{A67293EA-121E-7D3D-DEA4-5320F0625892}"/>
+                <a16:creationId xmlns:a16="http://schemas.microsoft.com/office/drawing/2014/main" id="{B2F206A2-1ED1-B780-0683-209A6886F027}"/>
               </a:ext>
             </a:extLst>
           </p:cNvPr>
-          <p:cNvSpPr>
-            <a:spLocks noGrp="1"/>
-          </p:cNvSpPr>
-          <p:nvPr>
-            <p:ph type="subTitle" idx="1"/>
-          </p:nvPr>
-        </p:nvSpPr>
-        <p:spPr/>
-        <p:txBody>
-          <a:bodyPr/>
-          <a:lstStyle/>
-          <a:p>
-            <a:endParaRPr lang="en-ZA"/>
-          </a:p>
-        </p:txBody>
-      </p:sp>
+          <p:cNvSpPr txBox="1"/>
+          <p:nvPr/>
+        </p:nvSpPr>
+        <p:spPr>
+          <a:xfrm>
+            <a:off x="265470" y="926762"/>
+            <a:ext cx="2281084" cy="369332"/>
+          </a:xfrm>
+          <a:prstGeom prst="rect">
+            <a:avLst/>
+          </a:prstGeom>
+          <a:noFill/>
+        </p:spPr>
+        <p:txBody>
+          <a:bodyPr wrap="square" rtlCol="0">
+            <a:spAutoFit/>
+          </a:bodyPr>
+          <a:lstStyle/>
+          <a:p>
+            <a:r>
+              <a:rPr lang="en-ZA" dirty="0"/>
+              <a:t>Correlation:</a:t>
+            </a:r>
+          </a:p>
+        </p:txBody>
+      </p:sp>
+      <p:sp>
+        <p:nvSpPr>
+          <p:cNvPr id="11" name="TextBox 10">
+            <a:extLst>
+              <a:ext uri="{FF2B5EF4-FFF2-40B4-BE49-F238E27FC236}">
+                <a16:creationId xmlns:a16="http://schemas.microsoft.com/office/drawing/2014/main" id="{DCAA8494-DC95-8FB0-739E-8F2E62AE0115}"/>
+              </a:ext>
+            </a:extLst>
+          </p:cNvPr>
+          <p:cNvSpPr txBox="1"/>
+          <p:nvPr/>
+        </p:nvSpPr>
+        <p:spPr>
+          <a:xfrm>
+            <a:off x="4733908" y="944663"/>
+            <a:ext cx="2281084" cy="369332"/>
+          </a:xfrm>
+          <a:prstGeom prst="rect">
+            <a:avLst/>
+          </a:prstGeom>
+          <a:noFill/>
+        </p:spPr>
+        <p:txBody>
+          <a:bodyPr wrap="square" rtlCol="0">
+            <a:spAutoFit/>
+          </a:bodyPr>
+          <a:lstStyle/>
+          <a:p>
+            <a:r>
+              <a:rPr lang="en-ZA" dirty="0"/>
+              <a:t>Heatmap:</a:t>
+            </a:r>
+          </a:p>
+        </p:txBody>
+      </p:sp>
+      <p:pic>
+        <p:nvPicPr>
+          <p:cNvPr id="4" name="Picture 3">
+            <a:extLst>
+              <a:ext uri="{FF2B5EF4-FFF2-40B4-BE49-F238E27FC236}">
+                <a16:creationId xmlns:a16="http://schemas.microsoft.com/office/drawing/2014/main" id="{37EBFF8D-8BC2-69C9-78D7-E727BEF76AC5}"/>
+              </a:ext>
+            </a:extLst>
+          </p:cNvPr>
+          <p:cNvPicPr>
+            <a:picLocks noChangeAspect="1"/>
+          </p:cNvPicPr>
+          <p:nvPr/>
+        </p:nvPicPr>
+        <p:blipFill>
+          <a:blip r:embed="rId2"/>
+          <a:stretch>
+            <a:fillRect/>
+          </a:stretch>
+        </p:blipFill>
+        <p:spPr>
+          <a:xfrm>
+            <a:off x="4802734" y="1364920"/>
+            <a:ext cx="6551333" cy="5324168"/>
+          </a:xfrm>
+          <a:prstGeom prst="rect">
+            <a:avLst/>
+          </a:prstGeom>
+        </p:spPr>
+      </p:pic>
+      <p:pic>
+        <p:nvPicPr>
+          <p:cNvPr id="6" name="Picture 5">
+            <a:extLst>
+              <a:ext uri="{FF2B5EF4-FFF2-40B4-BE49-F238E27FC236}">
+                <a16:creationId xmlns:a16="http://schemas.microsoft.com/office/drawing/2014/main" id="{474317D2-1E13-B0F3-74AD-733383BF68E4}"/>
+              </a:ext>
+            </a:extLst>
+          </p:cNvPr>
+          <p:cNvPicPr>
+            <a:picLocks noChangeAspect="1"/>
+          </p:cNvPicPr>
+          <p:nvPr/>
+        </p:nvPicPr>
+        <p:blipFill>
+          <a:blip r:embed="rId3"/>
+          <a:stretch>
+            <a:fillRect/>
+          </a:stretch>
+        </p:blipFill>
+        <p:spPr>
+          <a:xfrm>
+            <a:off x="265470" y="1364920"/>
+            <a:ext cx="3551228" cy="3825572"/>
+          </a:xfrm>
+          <a:prstGeom prst="rect">
+            <a:avLst/>
+          </a:prstGeom>
+        </p:spPr>
+      </p:pic>
     </p:spTree>
     <p:extLst>
       <p:ext uri="{BB962C8B-B14F-4D97-AF65-F5344CB8AC3E}">
-        <p14:creationId xmlns:p14="http://schemas.microsoft.com/office/powerpoint/2010/main" val="2347701384"/>
+        <p14:creationId xmlns:p14="http://schemas.microsoft.com/office/powerpoint/2010/main" val="1779189164"/>
       </p:ext>
     </p:extLst>
   </p:cSld>
@@ -7914,7 +9516,418 @@
 </p:sld>
 </file>
 
-<file path=ppt/slides/slide3.xml><?xml version="1.0" encoding="utf-8"?>
+<file path=ppt/slides/slide21.xml><?xml version="1.0" encoding="utf-8"?>
+<p:sld xmlns:a="http://schemas.openxmlformats.org/drawingml/2006/main" xmlns:r="http://schemas.openxmlformats.org/officeDocument/2006/relationships" xmlns:p="http://schemas.openxmlformats.org/presentationml/2006/main">
+  <p:cSld>
+    <p:spTree>
+      <p:nvGrpSpPr>
+        <p:cNvPr id="1" name="">
+          <a:extLst>
+            <a:ext uri="{FF2B5EF4-FFF2-40B4-BE49-F238E27FC236}">
+              <a16:creationId xmlns:a16="http://schemas.microsoft.com/office/drawing/2014/main" id="{F5584B24-48E8-A930-317C-6FF60AA51700}"/>
+            </a:ext>
+          </a:extLst>
+        </p:cNvPr>
+        <p:cNvGrpSpPr/>
+        <p:nvPr/>
+      </p:nvGrpSpPr>
+      <p:grpSpPr>
+        <a:xfrm>
+          <a:off x="0" y="0"/>
+          <a:ext cx="0" cy="0"/>
+          <a:chOff x="0" y="0"/>
+          <a:chExt cx="0" cy="0"/>
+        </a:xfrm>
+      </p:grpSpPr>
+      <p:sp>
+        <p:nvSpPr>
+          <p:cNvPr id="2" name="Title 1">
+            <a:extLst>
+              <a:ext uri="{FF2B5EF4-FFF2-40B4-BE49-F238E27FC236}">
+                <a16:creationId xmlns:a16="http://schemas.microsoft.com/office/drawing/2014/main" id="{43DBE0A6-87BD-1C3B-C197-D0CE02EFEB05}"/>
+              </a:ext>
+            </a:extLst>
+          </p:cNvPr>
+          <p:cNvSpPr>
+            <a:spLocks noGrp="1"/>
+          </p:cNvSpPr>
+          <p:nvPr>
+            <p:ph type="title"/>
+          </p:nvPr>
+        </p:nvSpPr>
+        <p:spPr/>
+        <p:txBody>
+          <a:bodyPr>
+            <a:normAutofit/>
+          </a:bodyPr>
+          <a:lstStyle/>
+          <a:p>
+            <a:r>
+              <a:rPr lang="en-ZA" b="1" dirty="0"/>
+              <a:t>Grouped by Region Data (analysis)</a:t>
+            </a:r>
+          </a:p>
+        </p:txBody>
+      </p:sp>
+      <p:sp>
+        <p:nvSpPr>
+          <p:cNvPr id="4" name="Text Placeholder 3">
+            <a:extLst>
+              <a:ext uri="{FF2B5EF4-FFF2-40B4-BE49-F238E27FC236}">
+                <a16:creationId xmlns:a16="http://schemas.microsoft.com/office/drawing/2014/main" id="{A48697BB-85FD-5C51-7793-F0B3FE24FE3E}"/>
+              </a:ext>
+            </a:extLst>
+          </p:cNvPr>
+          <p:cNvSpPr>
+            <a:spLocks noGrp="1"/>
+          </p:cNvSpPr>
+          <p:nvPr>
+            <p:ph idx="1"/>
+          </p:nvPr>
+        </p:nvSpPr>
+        <p:spPr/>
+        <p:txBody>
+          <a:bodyPr>
+            <a:normAutofit/>
+          </a:bodyPr>
+          <a:lstStyle/>
+          <a:p>
+            <a:pPr marL="285750" indent="-285750" algn="l">
+              <a:buFont typeface="Arial" panose="020B0604020202020204" pitchFamily="34" charset="0"/>
+              <a:buChar char="•"/>
+            </a:pPr>
+            <a:r>
+              <a:rPr lang="en-ZA" dirty="0"/>
+              <a:t>680 rows and 31 columns</a:t>
+            </a:r>
+          </a:p>
+          <a:p>
+            <a:pPr marL="285750" indent="-285750" algn="l">
+              <a:buFont typeface="Arial" panose="020B0604020202020204" pitchFamily="34" charset="0"/>
+              <a:buChar char="•"/>
+            </a:pPr>
+            <a:r>
+              <a:rPr lang="en-ZA" dirty="0"/>
+              <a:t>The data is distributed better than before grouping by region</a:t>
+            </a:r>
+          </a:p>
+          <a:p>
+            <a:pPr marL="285750" indent="-285750" algn="l">
+              <a:buFont typeface="Arial" panose="020B0604020202020204" pitchFamily="34" charset="0"/>
+              <a:buChar char="•"/>
+            </a:pPr>
+            <a:r>
+              <a:rPr lang="en-ZA" dirty="0"/>
+              <a:t>The data is still positively skewed, but the values are lower.  Density subplots confirm slightly better distribution.</a:t>
+            </a:r>
+          </a:p>
+          <a:p>
+            <a:pPr marL="285750" indent="-285750" algn="l">
+              <a:buFont typeface="Arial" panose="020B0604020202020204" pitchFamily="34" charset="0"/>
+              <a:buChar char="•"/>
+            </a:pPr>
+            <a:r>
+              <a:rPr lang="en-ZA" dirty="0"/>
+              <a:t>Correlation analysis between the various features and the target variable, Ave Temperature Change, is higher than for the ungrouped data. Other than year the highest correlation is with Food Retail, but at 27% is still quite weak.</a:t>
+            </a:r>
+          </a:p>
+          <a:p>
+            <a:pPr marL="285750" indent="-285750" algn="l">
+              <a:buFont typeface="Arial" panose="020B0604020202020204" pitchFamily="34" charset="0"/>
+              <a:buChar char="•"/>
+            </a:pPr>
+            <a:r>
+              <a:rPr lang="en-ZA" dirty="0"/>
+              <a:t>A heatmap of the correlation matrix produced in python still showed much multi-collinearity between the features.</a:t>
+            </a:r>
+          </a:p>
+          <a:p>
+            <a:pPr marL="285750" indent="-285750" algn="l">
+              <a:buFont typeface="Arial" panose="020B0604020202020204" pitchFamily="34" charset="0"/>
+              <a:buChar char="•"/>
+            </a:pPr>
+            <a:endParaRPr lang="en-ZA" dirty="0"/>
+          </a:p>
+          <a:p>
+            <a:pPr marL="285750" indent="-285750" algn="l">
+              <a:buFont typeface="Arial" panose="020B0604020202020204" pitchFamily="34" charset="0"/>
+              <a:buChar char="•"/>
+            </a:pPr>
+            <a:endParaRPr lang="en-ZA" dirty="0"/>
+          </a:p>
+          <a:p>
+            <a:pPr marL="285750" indent="-285750" algn="l">
+              <a:buFont typeface="Arial" panose="020B0604020202020204" pitchFamily="34" charset="0"/>
+              <a:buChar char="•"/>
+            </a:pPr>
+            <a:endParaRPr lang="en-ZA" dirty="0"/>
+          </a:p>
+        </p:txBody>
+      </p:sp>
+    </p:spTree>
+    <p:extLst>
+      <p:ext uri="{BB962C8B-B14F-4D97-AF65-F5344CB8AC3E}">
+        <p14:creationId xmlns:p14="http://schemas.microsoft.com/office/powerpoint/2010/main" val="156004769"/>
+      </p:ext>
+    </p:extLst>
+  </p:cSld>
+  <p:clrMapOvr>
+    <a:masterClrMapping/>
+  </p:clrMapOvr>
+</p:sld>
+</file>
+
+<file path=ppt/slides/slide22.xml><?xml version="1.0" encoding="utf-8"?>
+<p:sld xmlns:a="http://schemas.openxmlformats.org/drawingml/2006/main" xmlns:r="http://schemas.openxmlformats.org/officeDocument/2006/relationships" xmlns:p="http://schemas.openxmlformats.org/presentationml/2006/main">
+  <p:cSld>
+    <p:spTree>
+      <p:nvGrpSpPr>
+        <p:cNvPr id="1" name="">
+          <a:extLst>
+            <a:ext uri="{FF2B5EF4-FFF2-40B4-BE49-F238E27FC236}">
+              <a16:creationId xmlns:a16="http://schemas.microsoft.com/office/drawing/2014/main" id="{F14E2BC7-A5C9-D6F9-5C32-EED73FD3CC83}"/>
+            </a:ext>
+          </a:extLst>
+        </p:cNvPr>
+        <p:cNvGrpSpPr/>
+        <p:nvPr/>
+      </p:nvGrpSpPr>
+      <p:grpSpPr>
+        <a:xfrm>
+          <a:off x="0" y="0"/>
+          <a:ext cx="0" cy="0"/>
+          <a:chOff x="0" y="0"/>
+          <a:chExt cx="0" cy="0"/>
+        </a:xfrm>
+      </p:grpSpPr>
+      <p:sp>
+        <p:nvSpPr>
+          <p:cNvPr id="2" name="Title 1">
+            <a:extLst>
+              <a:ext uri="{FF2B5EF4-FFF2-40B4-BE49-F238E27FC236}">
+                <a16:creationId xmlns:a16="http://schemas.microsoft.com/office/drawing/2014/main" id="{29B2C195-E463-36CD-06E7-2A46DAD5F2BC}"/>
+              </a:ext>
+            </a:extLst>
+          </p:cNvPr>
+          <p:cNvSpPr>
+            <a:spLocks noGrp="1"/>
+          </p:cNvSpPr>
+          <p:nvPr>
+            <p:ph type="title"/>
+          </p:nvPr>
+        </p:nvSpPr>
+        <p:spPr/>
+        <p:txBody>
+          <a:bodyPr>
+            <a:normAutofit/>
+          </a:bodyPr>
+          <a:lstStyle/>
+          <a:p>
+            <a:r>
+              <a:rPr lang="en-ZA" b="1" dirty="0"/>
+              <a:t>Grouped by Region Data (analysis)</a:t>
+            </a:r>
+          </a:p>
+        </p:txBody>
+      </p:sp>
+      <p:sp>
+        <p:nvSpPr>
+          <p:cNvPr id="4" name="Text Placeholder 3">
+            <a:extLst>
+              <a:ext uri="{FF2B5EF4-FFF2-40B4-BE49-F238E27FC236}">
+                <a16:creationId xmlns:a16="http://schemas.microsoft.com/office/drawing/2014/main" id="{00254B46-9703-E422-6A74-BE77CDD12337}"/>
+              </a:ext>
+            </a:extLst>
+          </p:cNvPr>
+          <p:cNvSpPr>
+            <a:spLocks noGrp="1"/>
+          </p:cNvSpPr>
+          <p:nvPr>
+            <p:ph idx="1"/>
+          </p:nvPr>
+        </p:nvSpPr>
+        <p:spPr/>
+        <p:txBody>
+          <a:bodyPr>
+            <a:normAutofit/>
+          </a:bodyPr>
+          <a:lstStyle/>
+          <a:p>
+            <a:pPr marL="285750" indent="-285750" algn="l">
+              <a:buFont typeface="Arial" panose="020B0604020202020204" pitchFamily="34" charset="0"/>
+              <a:buChar char="•"/>
+            </a:pPr>
+            <a:r>
+              <a:rPr lang="en-ZA" dirty="0"/>
+              <a:t>680 rows and 31 columns</a:t>
+            </a:r>
+          </a:p>
+          <a:p>
+            <a:pPr marL="285750" indent="-285750" algn="l">
+              <a:buFont typeface="Arial" panose="020B0604020202020204" pitchFamily="34" charset="0"/>
+              <a:buChar char="•"/>
+            </a:pPr>
+            <a:r>
+              <a:rPr lang="en-ZA" dirty="0"/>
+              <a:t>The data is distributed better than before grouping by region</a:t>
+            </a:r>
+          </a:p>
+          <a:p>
+            <a:pPr marL="285750" indent="-285750" algn="l">
+              <a:buFont typeface="Arial" panose="020B0604020202020204" pitchFamily="34" charset="0"/>
+              <a:buChar char="•"/>
+            </a:pPr>
+            <a:r>
+              <a:rPr lang="en-ZA" dirty="0"/>
+              <a:t>The data is still positively skewed, but the values are lower.  Density subplots confirm slightly better distribution.</a:t>
+            </a:r>
+          </a:p>
+          <a:p>
+            <a:pPr marL="285750" indent="-285750" algn="l">
+              <a:buFont typeface="Arial" panose="020B0604020202020204" pitchFamily="34" charset="0"/>
+              <a:buChar char="•"/>
+            </a:pPr>
+            <a:r>
+              <a:rPr lang="en-ZA" dirty="0"/>
+              <a:t>Correlation analysis between the various features and the target variable, Ave Temperature Change, is higher than for the ungrouped data. Other than year the highest correlation is with Food Retail, but at 27% is still quite weak.</a:t>
+            </a:r>
+          </a:p>
+          <a:p>
+            <a:pPr marL="285750" indent="-285750" algn="l">
+              <a:buFont typeface="Arial" panose="020B0604020202020204" pitchFamily="34" charset="0"/>
+              <a:buChar char="•"/>
+            </a:pPr>
+            <a:r>
+              <a:rPr lang="en-ZA" dirty="0"/>
+              <a:t>A heatmap of the correlation matrix produced in python still showed much multi-collinearity between the features.</a:t>
+            </a:r>
+          </a:p>
+          <a:p>
+            <a:pPr marL="285750" indent="-285750" algn="l">
+              <a:buFont typeface="Arial" panose="020B0604020202020204" pitchFamily="34" charset="0"/>
+              <a:buChar char="•"/>
+            </a:pPr>
+            <a:endParaRPr lang="en-ZA" dirty="0"/>
+          </a:p>
+          <a:p>
+            <a:pPr marL="285750" indent="-285750" algn="l">
+              <a:buFont typeface="Arial" panose="020B0604020202020204" pitchFamily="34" charset="0"/>
+              <a:buChar char="•"/>
+            </a:pPr>
+            <a:endParaRPr lang="en-ZA" dirty="0"/>
+          </a:p>
+          <a:p>
+            <a:pPr marL="285750" indent="-285750" algn="l">
+              <a:buFont typeface="Arial" panose="020B0604020202020204" pitchFamily="34" charset="0"/>
+              <a:buChar char="•"/>
+            </a:pPr>
+            <a:endParaRPr lang="en-ZA" dirty="0"/>
+          </a:p>
+        </p:txBody>
+      </p:sp>
+    </p:spTree>
+    <p:extLst>
+      <p:ext uri="{BB962C8B-B14F-4D97-AF65-F5344CB8AC3E}">
+        <p14:creationId xmlns:p14="http://schemas.microsoft.com/office/powerpoint/2010/main" val="326934782"/>
+      </p:ext>
+    </p:extLst>
+  </p:cSld>
+  <p:clrMapOvr>
+    <a:masterClrMapping/>
+  </p:clrMapOvr>
+</p:sld>
+</file>
+
+<file path=ppt/slides/slide23.xml><?xml version="1.0" encoding="utf-8"?>
+<p:sld xmlns:a="http://schemas.openxmlformats.org/drawingml/2006/main" xmlns:r="http://schemas.openxmlformats.org/officeDocument/2006/relationships" xmlns:p="http://schemas.openxmlformats.org/presentationml/2006/main">
+  <p:cSld>
+    <p:spTree>
+      <p:nvGrpSpPr>
+        <p:cNvPr id="1" name="">
+          <a:extLst>
+            <a:ext uri="{FF2B5EF4-FFF2-40B4-BE49-F238E27FC236}">
+              <a16:creationId xmlns:a16="http://schemas.microsoft.com/office/drawing/2014/main" id="{20D14CA1-0C5E-2157-93FB-258E682D87C8}"/>
+            </a:ext>
+          </a:extLst>
+        </p:cNvPr>
+        <p:cNvGrpSpPr/>
+        <p:nvPr/>
+      </p:nvGrpSpPr>
+      <p:grpSpPr>
+        <a:xfrm>
+          <a:off x="0" y="0"/>
+          <a:ext cx="0" cy="0"/>
+          <a:chOff x="0" y="0"/>
+          <a:chExt cx="0" cy="0"/>
+        </a:xfrm>
+      </p:grpSpPr>
+      <p:sp>
+        <p:nvSpPr>
+          <p:cNvPr id="2" name="Title 1">
+            <a:extLst>
+              <a:ext uri="{FF2B5EF4-FFF2-40B4-BE49-F238E27FC236}">
+                <a16:creationId xmlns:a16="http://schemas.microsoft.com/office/drawing/2014/main" id="{3A1BDE5E-25D7-70AB-80C5-6DA8FC97464B}"/>
+              </a:ext>
+            </a:extLst>
+          </p:cNvPr>
+          <p:cNvSpPr>
+            <a:spLocks noGrp="1"/>
+          </p:cNvSpPr>
+          <p:nvPr>
+            <p:ph type="ctrTitle"/>
+          </p:nvPr>
+        </p:nvSpPr>
+        <p:spPr/>
+        <p:txBody>
+          <a:bodyPr/>
+          <a:lstStyle/>
+          <a:p>
+            <a:r>
+              <a:rPr lang="en-ZA" dirty="0"/>
+              <a:t>Regression Models Applied</a:t>
+            </a:r>
+          </a:p>
+        </p:txBody>
+      </p:sp>
+      <p:sp>
+        <p:nvSpPr>
+          <p:cNvPr id="3" name="Subtitle 2">
+            <a:extLst>
+              <a:ext uri="{FF2B5EF4-FFF2-40B4-BE49-F238E27FC236}">
+                <a16:creationId xmlns:a16="http://schemas.microsoft.com/office/drawing/2014/main" id="{15FCCB23-8402-5AE9-E1FE-49574082254C}"/>
+              </a:ext>
+            </a:extLst>
+          </p:cNvPr>
+          <p:cNvSpPr>
+            <a:spLocks noGrp="1"/>
+          </p:cNvSpPr>
+          <p:nvPr>
+            <p:ph type="subTitle" idx="1"/>
+          </p:nvPr>
+        </p:nvSpPr>
+        <p:spPr/>
+        <p:txBody>
+          <a:bodyPr/>
+          <a:lstStyle/>
+          <a:p>
+            <a:endParaRPr lang="en-ZA"/>
+          </a:p>
+        </p:txBody>
+      </p:sp>
+    </p:spTree>
+    <p:extLst>
+      <p:ext uri="{BB962C8B-B14F-4D97-AF65-F5344CB8AC3E}">
+        <p14:creationId xmlns:p14="http://schemas.microsoft.com/office/powerpoint/2010/main" val="3797713729"/>
+      </p:ext>
+    </p:extLst>
+  </p:cSld>
+  <p:clrMapOvr>
+    <a:masterClrMapping/>
+  </p:clrMapOvr>
+</p:sld>
+</file>
+
+<file path=ppt/slides/slide24.xml><?xml version="1.0" encoding="utf-8"?>
 <p:sld xmlns:a="http://schemas.openxmlformats.org/drawingml/2006/main" xmlns:r="http://schemas.openxmlformats.org/officeDocument/2006/relationships" xmlns:p="http://schemas.openxmlformats.org/presentationml/2006/main">
   <p:cSld>
     <p:spTree>
@@ -7936,7 +9949,7 @@
           <p:cNvPr id="2" name="Title 1">
             <a:extLst>
               <a:ext uri="{FF2B5EF4-FFF2-40B4-BE49-F238E27FC236}">
-                <a16:creationId xmlns:a16="http://schemas.microsoft.com/office/drawing/2014/main" id="{63697D11-DD93-8408-4FE3-12A66A146072}"/>
+                <a16:creationId xmlns:a16="http://schemas.microsoft.com/office/drawing/2014/main" id="{A44986F0-348E-5AEA-A40A-C8022B7A6E7F}"/>
               </a:ext>
             </a:extLst>
           </p:cNvPr>
@@ -7944,6 +9957,792 @@
             <a:spLocks noGrp="1"/>
           </p:cNvSpPr>
           <p:nvPr>
+            <p:ph type="title"/>
+          </p:nvPr>
+        </p:nvSpPr>
+        <p:spPr/>
+        <p:txBody>
+          <a:bodyPr/>
+          <a:lstStyle/>
+          <a:p>
+            <a:pPr algn="l"/>
+            <a:r>
+              <a:rPr lang="en-ZA" dirty="0"/>
+              <a:t>Multiple Regression</a:t>
+            </a:r>
+          </a:p>
+        </p:txBody>
+      </p:sp>
+      <p:sp>
+        <p:nvSpPr>
+          <p:cNvPr id="3" name="Content Placeholder 2">
+            <a:extLst>
+              <a:ext uri="{FF2B5EF4-FFF2-40B4-BE49-F238E27FC236}">
+                <a16:creationId xmlns:a16="http://schemas.microsoft.com/office/drawing/2014/main" id="{E0CFB6B5-EF86-A301-00CC-A6D004E4FFE8}"/>
+              </a:ext>
+            </a:extLst>
+          </p:cNvPr>
+          <p:cNvSpPr>
+            <a:spLocks noGrp="1"/>
+          </p:cNvSpPr>
+          <p:nvPr>
+            <p:ph idx="1"/>
+          </p:nvPr>
+        </p:nvSpPr>
+        <p:spPr/>
+        <p:txBody>
+          <a:bodyPr/>
+          <a:lstStyle/>
+          <a:p>
+            <a:endParaRPr lang="en-ZA"/>
+          </a:p>
+        </p:txBody>
+      </p:sp>
+    </p:spTree>
+    <p:extLst>
+      <p:ext uri="{BB962C8B-B14F-4D97-AF65-F5344CB8AC3E}">
+        <p14:creationId xmlns:p14="http://schemas.microsoft.com/office/powerpoint/2010/main" val="809299826"/>
+      </p:ext>
+    </p:extLst>
+  </p:cSld>
+  <p:clrMapOvr>
+    <a:masterClrMapping/>
+  </p:clrMapOvr>
+</p:sld>
+</file>
+
+<file path=ppt/slides/slide25.xml><?xml version="1.0" encoding="utf-8"?>
+<p:sld xmlns:a="http://schemas.openxmlformats.org/drawingml/2006/main" xmlns:r="http://schemas.openxmlformats.org/officeDocument/2006/relationships" xmlns:p="http://schemas.openxmlformats.org/presentationml/2006/main">
+  <p:cSld>
+    <p:spTree>
+      <p:nvGrpSpPr>
+        <p:cNvPr id="1" name="">
+          <a:extLst>
+            <a:ext uri="{FF2B5EF4-FFF2-40B4-BE49-F238E27FC236}">
+              <a16:creationId xmlns:a16="http://schemas.microsoft.com/office/drawing/2014/main" id="{C7226CCC-BDFD-EA4E-D01B-4F5E53489C1E}"/>
+            </a:ext>
+          </a:extLst>
+        </p:cNvPr>
+        <p:cNvGrpSpPr/>
+        <p:nvPr/>
+      </p:nvGrpSpPr>
+      <p:grpSpPr>
+        <a:xfrm>
+          <a:off x="0" y="0"/>
+          <a:ext cx="0" cy="0"/>
+          <a:chOff x="0" y="0"/>
+          <a:chExt cx="0" cy="0"/>
+        </a:xfrm>
+      </p:grpSpPr>
+      <p:sp>
+        <p:nvSpPr>
+          <p:cNvPr id="2" name="Title 1">
+            <a:extLst>
+              <a:ext uri="{FF2B5EF4-FFF2-40B4-BE49-F238E27FC236}">
+                <a16:creationId xmlns:a16="http://schemas.microsoft.com/office/drawing/2014/main" id="{8074AE7C-E915-6B0A-3150-6D8DDE59C5C5}"/>
+              </a:ext>
+            </a:extLst>
+          </p:cNvPr>
+          <p:cNvSpPr>
+            <a:spLocks noGrp="1"/>
+          </p:cNvSpPr>
+          <p:nvPr>
+            <p:ph type="title"/>
+          </p:nvPr>
+        </p:nvSpPr>
+        <p:spPr/>
+        <p:txBody>
+          <a:bodyPr/>
+          <a:lstStyle/>
+          <a:p>
+            <a:pPr algn="l"/>
+            <a:r>
+              <a:rPr lang="en-ZA" dirty="0"/>
+              <a:t>Lasso</a:t>
+            </a:r>
+          </a:p>
+        </p:txBody>
+      </p:sp>
+      <p:sp>
+        <p:nvSpPr>
+          <p:cNvPr id="3" name="Content Placeholder 2">
+            <a:extLst>
+              <a:ext uri="{FF2B5EF4-FFF2-40B4-BE49-F238E27FC236}">
+                <a16:creationId xmlns:a16="http://schemas.microsoft.com/office/drawing/2014/main" id="{25C9FD0D-C7C5-95EE-3720-B71B6FD00751}"/>
+              </a:ext>
+            </a:extLst>
+          </p:cNvPr>
+          <p:cNvSpPr>
+            <a:spLocks noGrp="1"/>
+          </p:cNvSpPr>
+          <p:nvPr>
+            <p:ph idx="1"/>
+          </p:nvPr>
+        </p:nvSpPr>
+        <p:spPr/>
+        <p:txBody>
+          <a:bodyPr/>
+          <a:lstStyle/>
+          <a:p>
+            <a:endParaRPr lang="en-ZA"/>
+          </a:p>
+        </p:txBody>
+      </p:sp>
+    </p:spTree>
+    <p:extLst>
+      <p:ext uri="{BB962C8B-B14F-4D97-AF65-F5344CB8AC3E}">
+        <p14:creationId xmlns:p14="http://schemas.microsoft.com/office/powerpoint/2010/main" val="3574811568"/>
+      </p:ext>
+    </p:extLst>
+  </p:cSld>
+  <p:clrMapOvr>
+    <a:masterClrMapping/>
+  </p:clrMapOvr>
+</p:sld>
+</file>
+
+<file path=ppt/slides/slide26.xml><?xml version="1.0" encoding="utf-8"?>
+<p:sld xmlns:a="http://schemas.openxmlformats.org/drawingml/2006/main" xmlns:r="http://schemas.openxmlformats.org/officeDocument/2006/relationships" xmlns:p="http://schemas.openxmlformats.org/presentationml/2006/main">
+  <p:cSld>
+    <p:spTree>
+      <p:nvGrpSpPr>
+        <p:cNvPr id="1" name="">
+          <a:extLst>
+            <a:ext uri="{FF2B5EF4-FFF2-40B4-BE49-F238E27FC236}">
+              <a16:creationId xmlns:a16="http://schemas.microsoft.com/office/drawing/2014/main" id="{E75A8830-5D23-23EF-CA40-61E546B49FA3}"/>
+            </a:ext>
+          </a:extLst>
+        </p:cNvPr>
+        <p:cNvGrpSpPr/>
+        <p:nvPr/>
+      </p:nvGrpSpPr>
+      <p:grpSpPr>
+        <a:xfrm>
+          <a:off x="0" y="0"/>
+          <a:ext cx="0" cy="0"/>
+          <a:chOff x="0" y="0"/>
+          <a:chExt cx="0" cy="0"/>
+        </a:xfrm>
+      </p:grpSpPr>
+      <p:sp>
+        <p:nvSpPr>
+          <p:cNvPr id="2" name="Title 1">
+            <a:extLst>
+              <a:ext uri="{FF2B5EF4-FFF2-40B4-BE49-F238E27FC236}">
+                <a16:creationId xmlns:a16="http://schemas.microsoft.com/office/drawing/2014/main" id="{C1BF3160-ECD0-B013-0C7B-B3BC65324316}"/>
+              </a:ext>
+            </a:extLst>
+          </p:cNvPr>
+          <p:cNvSpPr>
+            <a:spLocks noGrp="1"/>
+          </p:cNvSpPr>
+          <p:nvPr>
+            <p:ph type="title"/>
+          </p:nvPr>
+        </p:nvSpPr>
+        <p:spPr/>
+        <p:txBody>
+          <a:bodyPr/>
+          <a:lstStyle/>
+          <a:p>
+            <a:pPr algn="l"/>
+            <a:r>
+              <a:rPr lang="en-ZA" dirty="0"/>
+              <a:t>Decision Trees</a:t>
+            </a:r>
+          </a:p>
+        </p:txBody>
+      </p:sp>
+      <p:sp>
+        <p:nvSpPr>
+          <p:cNvPr id="3" name="Content Placeholder 2">
+            <a:extLst>
+              <a:ext uri="{FF2B5EF4-FFF2-40B4-BE49-F238E27FC236}">
+                <a16:creationId xmlns:a16="http://schemas.microsoft.com/office/drawing/2014/main" id="{98DC8C81-033D-13C3-4B91-8250D3ACC3F3}"/>
+              </a:ext>
+            </a:extLst>
+          </p:cNvPr>
+          <p:cNvSpPr>
+            <a:spLocks noGrp="1"/>
+          </p:cNvSpPr>
+          <p:nvPr>
+            <p:ph idx="1"/>
+          </p:nvPr>
+        </p:nvSpPr>
+        <p:spPr/>
+        <p:txBody>
+          <a:bodyPr/>
+          <a:lstStyle/>
+          <a:p>
+            <a:endParaRPr lang="en-ZA"/>
+          </a:p>
+        </p:txBody>
+      </p:sp>
+    </p:spTree>
+    <p:extLst>
+      <p:ext uri="{BB962C8B-B14F-4D97-AF65-F5344CB8AC3E}">
+        <p14:creationId xmlns:p14="http://schemas.microsoft.com/office/powerpoint/2010/main" val="488845266"/>
+      </p:ext>
+    </p:extLst>
+  </p:cSld>
+  <p:clrMapOvr>
+    <a:masterClrMapping/>
+  </p:clrMapOvr>
+</p:sld>
+</file>
+
+<file path=ppt/slides/slide27.xml><?xml version="1.0" encoding="utf-8"?>
+<p:sld xmlns:a="http://schemas.openxmlformats.org/drawingml/2006/main" xmlns:r="http://schemas.openxmlformats.org/officeDocument/2006/relationships" xmlns:p="http://schemas.openxmlformats.org/presentationml/2006/main">
+  <p:cSld>
+    <p:spTree>
+      <p:nvGrpSpPr>
+        <p:cNvPr id="1" name="">
+          <a:extLst>
+            <a:ext uri="{FF2B5EF4-FFF2-40B4-BE49-F238E27FC236}">
+              <a16:creationId xmlns:a16="http://schemas.microsoft.com/office/drawing/2014/main" id="{CE8F55FC-C83F-1EC7-4493-DF8040BC34A1}"/>
+            </a:ext>
+          </a:extLst>
+        </p:cNvPr>
+        <p:cNvGrpSpPr/>
+        <p:nvPr/>
+      </p:nvGrpSpPr>
+      <p:grpSpPr>
+        <a:xfrm>
+          <a:off x="0" y="0"/>
+          <a:ext cx="0" cy="0"/>
+          <a:chOff x="0" y="0"/>
+          <a:chExt cx="0" cy="0"/>
+        </a:xfrm>
+      </p:grpSpPr>
+      <p:sp>
+        <p:nvSpPr>
+          <p:cNvPr id="2" name="Title 1">
+            <a:extLst>
+              <a:ext uri="{FF2B5EF4-FFF2-40B4-BE49-F238E27FC236}">
+                <a16:creationId xmlns:a16="http://schemas.microsoft.com/office/drawing/2014/main" id="{917D2F8C-1E96-640C-F00D-9D227463DEE4}"/>
+              </a:ext>
+            </a:extLst>
+          </p:cNvPr>
+          <p:cNvSpPr>
+            <a:spLocks noGrp="1"/>
+          </p:cNvSpPr>
+          <p:nvPr>
+            <p:ph type="title"/>
+          </p:nvPr>
+        </p:nvSpPr>
+        <p:spPr/>
+        <p:txBody>
+          <a:bodyPr/>
+          <a:lstStyle/>
+          <a:p>
+            <a:pPr algn="l"/>
+            <a:r>
+              <a:rPr lang="en-ZA" dirty="0"/>
+              <a:t>Random Forests</a:t>
+            </a:r>
+          </a:p>
+        </p:txBody>
+      </p:sp>
+      <p:sp>
+        <p:nvSpPr>
+          <p:cNvPr id="3" name="Content Placeholder 2">
+            <a:extLst>
+              <a:ext uri="{FF2B5EF4-FFF2-40B4-BE49-F238E27FC236}">
+                <a16:creationId xmlns:a16="http://schemas.microsoft.com/office/drawing/2014/main" id="{03ACF577-8F49-05E9-2180-102D7213E627}"/>
+              </a:ext>
+            </a:extLst>
+          </p:cNvPr>
+          <p:cNvSpPr>
+            <a:spLocks noGrp="1"/>
+          </p:cNvSpPr>
+          <p:nvPr>
+            <p:ph idx="1"/>
+          </p:nvPr>
+        </p:nvSpPr>
+        <p:spPr/>
+        <p:txBody>
+          <a:bodyPr/>
+          <a:lstStyle/>
+          <a:p>
+            <a:endParaRPr lang="en-ZA"/>
+          </a:p>
+        </p:txBody>
+      </p:sp>
+    </p:spTree>
+    <p:extLst>
+      <p:ext uri="{BB962C8B-B14F-4D97-AF65-F5344CB8AC3E}">
+        <p14:creationId xmlns:p14="http://schemas.microsoft.com/office/powerpoint/2010/main" val="2565305964"/>
+      </p:ext>
+    </p:extLst>
+  </p:cSld>
+  <p:clrMapOvr>
+    <a:masterClrMapping/>
+  </p:clrMapOvr>
+</p:sld>
+</file>
+
+<file path=ppt/slides/slide28.xml><?xml version="1.0" encoding="utf-8"?>
+<p:sld xmlns:a="http://schemas.openxmlformats.org/drawingml/2006/main" xmlns:r="http://schemas.openxmlformats.org/officeDocument/2006/relationships" xmlns:p="http://schemas.openxmlformats.org/presentationml/2006/main">
+  <p:cSld>
+    <p:spTree>
+      <p:nvGrpSpPr>
+        <p:cNvPr id="1" name="">
+          <a:extLst>
+            <a:ext uri="{FF2B5EF4-FFF2-40B4-BE49-F238E27FC236}">
+              <a16:creationId xmlns:a16="http://schemas.microsoft.com/office/drawing/2014/main" id="{52588B23-000B-A248-5344-19E6BB4F2B2D}"/>
+            </a:ext>
+          </a:extLst>
+        </p:cNvPr>
+        <p:cNvGrpSpPr/>
+        <p:nvPr/>
+      </p:nvGrpSpPr>
+      <p:grpSpPr>
+        <a:xfrm>
+          <a:off x="0" y="0"/>
+          <a:ext cx="0" cy="0"/>
+          <a:chOff x="0" y="0"/>
+          <a:chExt cx="0" cy="0"/>
+        </a:xfrm>
+      </p:grpSpPr>
+      <p:sp>
+        <p:nvSpPr>
+          <p:cNvPr id="2" name="Title 1">
+            <a:extLst>
+              <a:ext uri="{FF2B5EF4-FFF2-40B4-BE49-F238E27FC236}">
+                <a16:creationId xmlns:a16="http://schemas.microsoft.com/office/drawing/2014/main" id="{73723C3E-0E0A-0361-6FE9-42D481D30D95}"/>
+              </a:ext>
+            </a:extLst>
+          </p:cNvPr>
+          <p:cNvSpPr>
+            <a:spLocks noGrp="1"/>
+          </p:cNvSpPr>
+          <p:nvPr>
+            <p:ph type="title"/>
+          </p:nvPr>
+        </p:nvSpPr>
+        <p:spPr/>
+        <p:txBody>
+          <a:bodyPr/>
+          <a:lstStyle/>
+          <a:p>
+            <a:pPr algn="l"/>
+            <a:r>
+              <a:rPr lang="en-ZA" dirty="0"/>
+              <a:t>Model Performance compared</a:t>
+            </a:r>
+          </a:p>
+        </p:txBody>
+      </p:sp>
+      <p:sp>
+        <p:nvSpPr>
+          <p:cNvPr id="3" name="Content Placeholder 2">
+            <a:extLst>
+              <a:ext uri="{FF2B5EF4-FFF2-40B4-BE49-F238E27FC236}">
+                <a16:creationId xmlns:a16="http://schemas.microsoft.com/office/drawing/2014/main" id="{58114DA2-6E6D-36FF-4724-582E74DE75D2}"/>
+              </a:ext>
+            </a:extLst>
+          </p:cNvPr>
+          <p:cNvSpPr>
+            <a:spLocks noGrp="1"/>
+          </p:cNvSpPr>
+          <p:nvPr>
+            <p:ph idx="1"/>
+          </p:nvPr>
+        </p:nvSpPr>
+        <p:spPr/>
+        <p:txBody>
+          <a:bodyPr/>
+          <a:lstStyle/>
+          <a:p>
+            <a:endParaRPr lang="en-ZA"/>
+          </a:p>
+        </p:txBody>
+      </p:sp>
+    </p:spTree>
+    <p:extLst>
+      <p:ext uri="{BB962C8B-B14F-4D97-AF65-F5344CB8AC3E}">
+        <p14:creationId xmlns:p14="http://schemas.microsoft.com/office/powerpoint/2010/main" val="2694861017"/>
+      </p:ext>
+    </p:extLst>
+  </p:cSld>
+  <p:clrMapOvr>
+    <a:masterClrMapping/>
+  </p:clrMapOvr>
+</p:sld>
+</file>
+
+<file path=ppt/slides/slide29.xml><?xml version="1.0" encoding="utf-8"?>
+<p:sld xmlns:a="http://schemas.openxmlformats.org/drawingml/2006/main" xmlns:r="http://schemas.openxmlformats.org/officeDocument/2006/relationships" xmlns:p="http://schemas.openxmlformats.org/presentationml/2006/main">
+  <p:cSld>
+    <p:spTree>
+      <p:nvGrpSpPr>
+        <p:cNvPr id="1" name="">
+          <a:extLst>
+            <a:ext uri="{FF2B5EF4-FFF2-40B4-BE49-F238E27FC236}">
+              <a16:creationId xmlns:a16="http://schemas.microsoft.com/office/drawing/2014/main" id="{335EFEAB-2D1D-4600-7A21-65C0AD6AAA4B}"/>
+            </a:ext>
+          </a:extLst>
+        </p:cNvPr>
+        <p:cNvGrpSpPr/>
+        <p:nvPr/>
+      </p:nvGrpSpPr>
+      <p:grpSpPr>
+        <a:xfrm>
+          <a:off x="0" y="0"/>
+          <a:ext cx="0" cy="0"/>
+          <a:chOff x="0" y="0"/>
+          <a:chExt cx="0" cy="0"/>
+        </a:xfrm>
+      </p:grpSpPr>
+      <p:sp>
+        <p:nvSpPr>
+          <p:cNvPr id="2" name="Title 1">
+            <a:extLst>
+              <a:ext uri="{FF2B5EF4-FFF2-40B4-BE49-F238E27FC236}">
+                <a16:creationId xmlns:a16="http://schemas.microsoft.com/office/drawing/2014/main" id="{DCC9AE9A-46F1-06E3-EC9F-95579BE04A9B}"/>
+              </a:ext>
+            </a:extLst>
+          </p:cNvPr>
+          <p:cNvSpPr>
+            <a:spLocks noGrp="1"/>
+          </p:cNvSpPr>
+          <p:nvPr>
+            <p:ph type="title"/>
+          </p:nvPr>
+        </p:nvSpPr>
+        <p:spPr/>
+        <p:txBody>
+          <a:bodyPr/>
+          <a:lstStyle/>
+          <a:p>
+            <a:pPr algn="l"/>
+            <a:r>
+              <a:rPr lang="en-ZA" dirty="0"/>
+              <a:t>Comparisons of the Models</a:t>
+            </a:r>
+          </a:p>
+        </p:txBody>
+      </p:sp>
+      <p:sp>
+        <p:nvSpPr>
+          <p:cNvPr id="3" name="Content Placeholder 2">
+            <a:extLst>
+              <a:ext uri="{FF2B5EF4-FFF2-40B4-BE49-F238E27FC236}">
+                <a16:creationId xmlns:a16="http://schemas.microsoft.com/office/drawing/2014/main" id="{0E1BD014-6E65-1D6A-68AD-C99B4D8085F8}"/>
+              </a:ext>
+            </a:extLst>
+          </p:cNvPr>
+          <p:cNvSpPr>
+            <a:spLocks noGrp="1"/>
+          </p:cNvSpPr>
+          <p:nvPr>
+            <p:ph idx="1"/>
+          </p:nvPr>
+        </p:nvSpPr>
+        <p:spPr/>
+        <p:txBody>
+          <a:bodyPr/>
+          <a:lstStyle/>
+          <a:p>
+            <a:endParaRPr lang="en-ZA"/>
+          </a:p>
+        </p:txBody>
+      </p:sp>
+    </p:spTree>
+    <p:extLst>
+      <p:ext uri="{BB962C8B-B14F-4D97-AF65-F5344CB8AC3E}">
+        <p14:creationId xmlns:p14="http://schemas.microsoft.com/office/powerpoint/2010/main" val="1990369775"/>
+      </p:ext>
+    </p:extLst>
+  </p:cSld>
+  <p:clrMapOvr>
+    <a:masterClrMapping/>
+  </p:clrMapOvr>
+</p:sld>
+</file>
+
+<file path=ppt/slides/slide3.xml><?xml version="1.0" encoding="utf-8"?>
+<p:sld xmlns:a="http://schemas.openxmlformats.org/drawingml/2006/main" xmlns:r="http://schemas.openxmlformats.org/officeDocument/2006/relationships" xmlns:p="http://schemas.openxmlformats.org/presentationml/2006/main">
+  <p:cSld>
+    <p:spTree>
+      <p:nvGrpSpPr>
+        <p:cNvPr id="1" name="">
+          <a:extLst>
+            <a:ext uri="{FF2B5EF4-FFF2-40B4-BE49-F238E27FC236}">
+              <a16:creationId xmlns:a16="http://schemas.microsoft.com/office/drawing/2014/main" id="{65848DB9-432A-3BF0-F27B-530EBB23DF25}"/>
+            </a:ext>
+          </a:extLst>
+        </p:cNvPr>
+        <p:cNvGrpSpPr/>
+        <p:nvPr/>
+      </p:nvGrpSpPr>
+      <p:grpSpPr>
+        <a:xfrm>
+          <a:off x="0" y="0"/>
+          <a:ext cx="0" cy="0"/>
+          <a:chOff x="0" y="0"/>
+          <a:chExt cx="0" cy="0"/>
+        </a:xfrm>
+      </p:grpSpPr>
+      <p:sp>
+        <p:nvSpPr>
+          <p:cNvPr id="2" name="Title 1">
+            <a:extLst>
+              <a:ext uri="{FF2B5EF4-FFF2-40B4-BE49-F238E27FC236}">
+                <a16:creationId xmlns:a16="http://schemas.microsoft.com/office/drawing/2014/main" id="{4F9FCAD1-5CD3-F96A-1828-7801B8357E27}"/>
+              </a:ext>
+            </a:extLst>
+          </p:cNvPr>
+          <p:cNvSpPr>
+            <a:spLocks noGrp="1"/>
+          </p:cNvSpPr>
+          <p:nvPr>
+            <p:ph type="title"/>
+          </p:nvPr>
+        </p:nvSpPr>
+        <p:spPr/>
+        <p:txBody>
+          <a:bodyPr/>
+          <a:lstStyle/>
+          <a:p>
+            <a:pPr algn="l"/>
+            <a:r>
+              <a:rPr lang="en-ZA" dirty="0"/>
+              <a:t>Overview</a:t>
+            </a:r>
+          </a:p>
+        </p:txBody>
+      </p:sp>
+      <p:sp>
+        <p:nvSpPr>
+          <p:cNvPr id="3" name="TextBox 2">
+            <a:extLst>
+              <a:ext uri="{FF2B5EF4-FFF2-40B4-BE49-F238E27FC236}">
+                <a16:creationId xmlns:a16="http://schemas.microsoft.com/office/drawing/2014/main" id="{C5EACA8C-DFAD-6CD3-7E71-6B593AD5A738}"/>
+              </a:ext>
+            </a:extLst>
+          </p:cNvPr>
+          <p:cNvSpPr txBox="1"/>
+          <p:nvPr/>
+        </p:nvSpPr>
+        <p:spPr>
+          <a:xfrm>
+            <a:off x="884692" y="1689501"/>
+            <a:ext cx="10382865" cy="3139321"/>
+          </a:xfrm>
+          <a:prstGeom prst="rect">
+            <a:avLst/>
+          </a:prstGeom>
+          <a:noFill/>
+        </p:spPr>
+        <p:txBody>
+          <a:bodyPr wrap="square" rtlCol="0">
+            <a:spAutoFit/>
+          </a:bodyPr>
+          <a:lstStyle/>
+          <a:p>
+            <a:pPr marL="285750" indent="-285750">
+              <a:buFont typeface="Arial" panose="020B0604020202020204" pitchFamily="34" charset="0"/>
+              <a:buChar char="•"/>
+            </a:pPr>
+            <a:r>
+              <a:rPr lang="en-ZA" dirty="0"/>
+              <a:t>The data provided for the project represents emissions from the agri-food sector for the period 1990 to 2020, across 236 areas.  </a:t>
+            </a:r>
+          </a:p>
+          <a:p>
+            <a:pPr marL="285750" indent="-285750">
+              <a:buFont typeface="Arial" panose="020B0604020202020204" pitchFamily="34" charset="0"/>
+              <a:buChar char="•"/>
+            </a:pPr>
+            <a:r>
+              <a:rPr lang="en-ZA" dirty="0"/>
+              <a:t>The data includes 23 sources of carbon dioxide emissions across these areas and the period above.</a:t>
+            </a:r>
+          </a:p>
+          <a:p>
+            <a:pPr marL="285750" indent="-285750">
+              <a:buFont typeface="Arial" panose="020B0604020202020204" pitchFamily="34" charset="0"/>
+              <a:buChar char="•"/>
+            </a:pPr>
+            <a:r>
+              <a:rPr lang="en-ZA" dirty="0"/>
+              <a:t>A population split between urban and rural and male and female is also provided.</a:t>
+            </a:r>
+          </a:p>
+          <a:p>
+            <a:pPr marL="285750" indent="-285750">
+              <a:buFont typeface="Arial" panose="020B0604020202020204" pitchFamily="34" charset="0"/>
+              <a:buChar char="•"/>
+            </a:pPr>
+            <a:r>
+              <a:rPr lang="en-ZA" dirty="0"/>
+              <a:t>The purpose of the project is to predict the annual change in temperate given specific data inputs.</a:t>
+            </a:r>
+          </a:p>
+          <a:p>
+            <a:pPr marL="285750" indent="-285750">
+              <a:buFont typeface="Arial" panose="020B0604020202020204" pitchFamily="34" charset="0"/>
+              <a:buChar char="•"/>
+            </a:pPr>
+            <a:r>
+              <a:rPr lang="en-ZA" dirty="0"/>
+              <a:t>We will attempt to review the various sources of emissions and population levels to understand what drives the change in temperature.</a:t>
+            </a:r>
+          </a:p>
+          <a:p>
+            <a:pPr marL="285750" indent="-285750">
+              <a:buFont typeface="Arial" panose="020B0604020202020204" pitchFamily="34" charset="0"/>
+              <a:buChar char="•"/>
+            </a:pPr>
+            <a:endParaRPr lang="en-ZA" dirty="0"/>
+          </a:p>
+          <a:p>
+            <a:pPr marL="285750" indent="-285750">
+              <a:buFont typeface="Arial" panose="020B0604020202020204" pitchFamily="34" charset="0"/>
+              <a:buChar char="•"/>
+            </a:pPr>
+            <a:r>
+              <a:rPr lang="en-ZA" dirty="0"/>
+              <a:t>On closer inspection of the data we found that the figures for China have been duplicated into sub areas.  Therefore we have removed the following data from the dataset:  China (Hong Kong), China (Macau), China (mainland), and China (Taiwan);  leaving the total represented by the entries for China</a:t>
+            </a:r>
+          </a:p>
+        </p:txBody>
+      </p:sp>
+    </p:spTree>
+    <p:extLst>
+      <p:ext uri="{BB962C8B-B14F-4D97-AF65-F5344CB8AC3E}">
+        <p14:creationId xmlns:p14="http://schemas.microsoft.com/office/powerpoint/2010/main" val="406896249"/>
+      </p:ext>
+    </p:extLst>
+  </p:cSld>
+  <p:clrMapOvr>
+    <a:masterClrMapping/>
+  </p:clrMapOvr>
+</p:sld>
+</file>
+
+<file path=ppt/slides/slide30.xml><?xml version="1.0" encoding="utf-8"?>
+<p:sld xmlns:a="http://schemas.openxmlformats.org/drawingml/2006/main" xmlns:r="http://schemas.openxmlformats.org/officeDocument/2006/relationships" xmlns:p="http://schemas.openxmlformats.org/presentationml/2006/main">
+  <p:cSld>
+    <p:spTree>
+      <p:nvGrpSpPr>
+        <p:cNvPr id="1" name="">
+          <a:extLst>
+            <a:ext uri="{FF2B5EF4-FFF2-40B4-BE49-F238E27FC236}">
+              <a16:creationId xmlns:a16="http://schemas.microsoft.com/office/drawing/2014/main" id="{43296224-1118-0277-18E5-45344662AE66}"/>
+            </a:ext>
+          </a:extLst>
+        </p:cNvPr>
+        <p:cNvGrpSpPr/>
+        <p:nvPr/>
+      </p:nvGrpSpPr>
+      <p:grpSpPr>
+        <a:xfrm>
+          <a:off x="0" y="0"/>
+          <a:ext cx="0" cy="0"/>
+          <a:chOff x="0" y="0"/>
+          <a:chExt cx="0" cy="0"/>
+        </a:xfrm>
+      </p:grpSpPr>
+      <p:sp>
+        <p:nvSpPr>
+          <p:cNvPr id="2" name="Title 1">
+            <a:extLst>
+              <a:ext uri="{FF2B5EF4-FFF2-40B4-BE49-F238E27FC236}">
+                <a16:creationId xmlns:a16="http://schemas.microsoft.com/office/drawing/2014/main" id="{97059094-16DF-5CEB-80E0-64DB27B53659}"/>
+              </a:ext>
+            </a:extLst>
+          </p:cNvPr>
+          <p:cNvSpPr>
+            <a:spLocks noGrp="1"/>
+          </p:cNvSpPr>
+          <p:nvPr>
+            <p:ph type="title"/>
+          </p:nvPr>
+        </p:nvSpPr>
+        <p:spPr/>
+        <p:txBody>
+          <a:bodyPr/>
+          <a:lstStyle/>
+          <a:p>
+            <a:pPr algn="l"/>
+            <a:r>
+              <a:rPr lang="en-ZA"/>
+              <a:t>Most Appropriate Model to Use</a:t>
+            </a:r>
+            <a:endParaRPr lang="en-ZA" dirty="0"/>
+          </a:p>
+        </p:txBody>
+      </p:sp>
+      <p:sp>
+        <p:nvSpPr>
+          <p:cNvPr id="3" name="Content Placeholder 2">
+            <a:extLst>
+              <a:ext uri="{FF2B5EF4-FFF2-40B4-BE49-F238E27FC236}">
+                <a16:creationId xmlns:a16="http://schemas.microsoft.com/office/drawing/2014/main" id="{DB07A73B-22E5-1502-E29A-F7C312953C7E}"/>
+              </a:ext>
+            </a:extLst>
+          </p:cNvPr>
+          <p:cNvSpPr>
+            <a:spLocks noGrp="1"/>
+          </p:cNvSpPr>
+          <p:nvPr>
+            <p:ph idx="1"/>
+          </p:nvPr>
+        </p:nvSpPr>
+        <p:spPr/>
+        <p:txBody>
+          <a:bodyPr/>
+          <a:lstStyle/>
+          <a:p>
+            <a:endParaRPr lang="en-ZA"/>
+          </a:p>
+        </p:txBody>
+      </p:sp>
+    </p:spTree>
+    <p:extLst>
+      <p:ext uri="{BB962C8B-B14F-4D97-AF65-F5344CB8AC3E}">
+        <p14:creationId xmlns:p14="http://schemas.microsoft.com/office/powerpoint/2010/main" val="2939269639"/>
+      </p:ext>
+    </p:extLst>
+  </p:cSld>
+  <p:clrMapOvr>
+    <a:masterClrMapping/>
+  </p:clrMapOvr>
+</p:sld>
+</file>
+
+<file path=ppt/slides/slide31.xml><?xml version="1.0" encoding="utf-8"?>
+<p:sld xmlns:a="http://schemas.openxmlformats.org/drawingml/2006/main" xmlns:r="http://schemas.openxmlformats.org/officeDocument/2006/relationships" xmlns:p="http://schemas.openxmlformats.org/presentationml/2006/main">
+  <p:cSld>
+    <p:spTree>
+      <p:nvGrpSpPr>
+        <p:cNvPr id="1" name=""/>
+        <p:cNvGrpSpPr/>
+        <p:nvPr/>
+      </p:nvGrpSpPr>
+      <p:grpSpPr>
+        <a:xfrm>
+          <a:off x="0" y="0"/>
+          <a:ext cx="0" cy="0"/>
+          <a:chOff x="0" y="0"/>
+          <a:chExt cx="0" cy="0"/>
+        </a:xfrm>
+      </p:grpSpPr>
+      <p:sp>
+        <p:nvSpPr>
+          <p:cNvPr id="2" name="Title 1">
+            <a:extLst>
+              <a:ext uri="{FF2B5EF4-FFF2-40B4-BE49-F238E27FC236}">
+                <a16:creationId xmlns:a16="http://schemas.microsoft.com/office/drawing/2014/main" id="{F37F48A9-122C-8507-B2FC-2B9F3283CB40}"/>
+              </a:ext>
+            </a:extLst>
+          </p:cNvPr>
+          <p:cNvSpPr>
+            <a:spLocks noGrp="1"/>
+          </p:cNvSpPr>
+          <p:nvPr>
             <p:ph type="ctrTitle"/>
           </p:nvPr>
         </p:nvSpPr>
@@ -7952,10 +10751,7 @@
           <a:bodyPr/>
           <a:lstStyle/>
           <a:p>
-            <a:r>
-              <a:rPr lang="en-ZA" dirty="0"/>
-              <a:t>Initial Analysis of the Data</a:t>
-            </a:r>
+            <a:endParaRPr lang="en-ZA"/>
           </a:p>
         </p:txBody>
       </p:sp>
@@ -7964,7 +10760,7 @@
           <p:cNvPr id="3" name="Subtitle 2">
             <a:extLst>
               <a:ext uri="{FF2B5EF4-FFF2-40B4-BE49-F238E27FC236}">
-                <a16:creationId xmlns:a16="http://schemas.microsoft.com/office/drawing/2014/main" id="{3538D5D6-5492-9347-BDAE-D1CE394802B2}"/>
+                <a16:creationId xmlns:a16="http://schemas.microsoft.com/office/drawing/2014/main" id="{A67293EA-121E-7D3D-DEA4-5320F0625892}"/>
               </a:ext>
             </a:extLst>
           </p:cNvPr>
@@ -7980,17 +10776,14 @@
           <a:bodyPr/>
           <a:lstStyle/>
           <a:p>
-            <a:r>
-              <a:rPr lang="en-ZA" dirty="0"/>
-              <a:t>To understand the problem better and the contributing factors</a:t>
-            </a:r>
+            <a:endParaRPr lang="en-ZA"/>
           </a:p>
         </p:txBody>
       </p:sp>
     </p:spTree>
     <p:extLst>
       <p:ext uri="{BB962C8B-B14F-4D97-AF65-F5344CB8AC3E}">
-        <p14:creationId xmlns:p14="http://schemas.microsoft.com/office/powerpoint/2010/main" val="3690375467"/>
+        <p14:creationId xmlns:p14="http://schemas.microsoft.com/office/powerpoint/2010/main" val="2347701384"/>
       </p:ext>
     </p:extLst>
   </p:cSld>
@@ -8022,6 +10815,92 @@
           <p:cNvPr id="2" name="Title 1">
             <a:extLst>
               <a:ext uri="{FF2B5EF4-FFF2-40B4-BE49-F238E27FC236}">
+                <a16:creationId xmlns:a16="http://schemas.microsoft.com/office/drawing/2014/main" id="{63697D11-DD93-8408-4FE3-12A66A146072}"/>
+              </a:ext>
+            </a:extLst>
+          </p:cNvPr>
+          <p:cNvSpPr>
+            <a:spLocks noGrp="1"/>
+          </p:cNvSpPr>
+          <p:nvPr>
+            <p:ph type="ctrTitle"/>
+          </p:nvPr>
+        </p:nvSpPr>
+        <p:spPr/>
+        <p:txBody>
+          <a:bodyPr/>
+          <a:lstStyle/>
+          <a:p>
+            <a:r>
+              <a:rPr lang="en-ZA" dirty="0"/>
+              <a:t>Initial Analysis of the Data</a:t>
+            </a:r>
+          </a:p>
+        </p:txBody>
+      </p:sp>
+      <p:sp>
+        <p:nvSpPr>
+          <p:cNvPr id="3" name="Subtitle 2">
+            <a:extLst>
+              <a:ext uri="{FF2B5EF4-FFF2-40B4-BE49-F238E27FC236}">
+                <a16:creationId xmlns:a16="http://schemas.microsoft.com/office/drawing/2014/main" id="{3538D5D6-5492-9347-BDAE-D1CE394802B2}"/>
+              </a:ext>
+            </a:extLst>
+          </p:cNvPr>
+          <p:cNvSpPr>
+            <a:spLocks noGrp="1"/>
+          </p:cNvSpPr>
+          <p:nvPr>
+            <p:ph type="subTitle" idx="1"/>
+          </p:nvPr>
+        </p:nvSpPr>
+        <p:spPr/>
+        <p:txBody>
+          <a:bodyPr/>
+          <a:lstStyle/>
+          <a:p>
+            <a:r>
+              <a:rPr lang="en-ZA" dirty="0"/>
+              <a:t>To understand the problem better and the contributing factors</a:t>
+            </a:r>
+          </a:p>
+        </p:txBody>
+      </p:sp>
+    </p:spTree>
+    <p:extLst>
+      <p:ext uri="{BB962C8B-B14F-4D97-AF65-F5344CB8AC3E}">
+        <p14:creationId xmlns:p14="http://schemas.microsoft.com/office/powerpoint/2010/main" val="3690375467"/>
+      </p:ext>
+    </p:extLst>
+  </p:cSld>
+  <p:clrMapOvr>
+    <a:masterClrMapping/>
+  </p:clrMapOvr>
+</p:sld>
+</file>
+
+<file path=ppt/slides/slide5.xml><?xml version="1.0" encoding="utf-8"?>
+<p:sld xmlns:a="http://schemas.openxmlformats.org/drawingml/2006/main" xmlns:r="http://schemas.openxmlformats.org/officeDocument/2006/relationships" xmlns:p="http://schemas.openxmlformats.org/presentationml/2006/main">
+  <p:cSld>
+    <p:spTree>
+      <p:nvGrpSpPr>
+        <p:cNvPr id="1" name=""/>
+        <p:cNvGrpSpPr/>
+        <p:nvPr/>
+      </p:nvGrpSpPr>
+      <p:grpSpPr>
+        <a:xfrm>
+          <a:off x="0" y="0"/>
+          <a:ext cx="0" cy="0"/>
+          <a:chOff x="0" y="0"/>
+          <a:chExt cx="0" cy="0"/>
+        </a:xfrm>
+      </p:grpSpPr>
+      <p:sp>
+        <p:nvSpPr>
+          <p:cNvPr id="2" name="Title 1">
+            <a:extLst>
+              <a:ext uri="{FF2B5EF4-FFF2-40B4-BE49-F238E27FC236}">
                 <a16:creationId xmlns:a16="http://schemas.microsoft.com/office/drawing/2014/main" id="{8295909F-52AA-234E-5765-2C8EB5827EFE}"/>
               </a:ext>
             </a:extLst>
@@ -8044,7 +10923,7 @@
           <a:lstStyle/>
           <a:p>
             <a:r>
-              <a:rPr lang="en-ZA" dirty="0"/>
+              <a:rPr lang="en-ZA" b="1" dirty="0"/>
               <a:t>Total Emissions Trend</a:t>
             </a:r>
           </a:p>
@@ -8142,7 +11021,7 @@
 </p:sld>
 </file>
 
-<file path=ppt/slides/slide5.xml><?xml version="1.0" encoding="utf-8"?>
+<file path=ppt/slides/slide6.xml><?xml version="1.0" encoding="utf-8"?>
 <p:sld xmlns:a="http://schemas.openxmlformats.org/drawingml/2006/main" xmlns:r="http://schemas.openxmlformats.org/officeDocument/2006/relationships" xmlns:p="http://schemas.openxmlformats.org/presentationml/2006/main">
   <p:cSld>
     <p:spTree>
@@ -8192,7 +11071,7 @@
           <a:lstStyle/>
           <a:p>
             <a:r>
-              <a:rPr lang="en-ZA" dirty="0"/>
+              <a:rPr lang="en-ZA" b="1" dirty="0"/>
               <a:t>Total Emissions</a:t>
             </a:r>
           </a:p>
@@ -8223,6 +11102,36 @@
         <p:txBody>
           <a:bodyPr/>
           <a:lstStyle/>
+          <a:p>
+            <a:pPr marL="285750" indent="-285750" algn="l">
+              <a:buFont typeface="Arial" panose="020B0604020202020204" pitchFamily="34" charset="0"/>
+              <a:buChar char="•"/>
+            </a:pPr>
+            <a:r>
+              <a:rPr lang="en-ZA" dirty="0"/>
+              <a:t>China contributes 15% of the total annual average emissions.</a:t>
+            </a:r>
+          </a:p>
+          <a:p>
+            <a:pPr marL="285750" indent="-285750" algn="l">
+              <a:buFont typeface="Arial" panose="020B0604020202020204" pitchFamily="34" charset="0"/>
+              <a:buChar char="•"/>
+            </a:pPr>
+            <a:r>
+              <a:rPr lang="en-ZA" dirty="0"/>
+              <a:t>They are followed by Brazil (9%), Indonesia (7%) and USA (6%)</a:t>
+            </a:r>
+          </a:p>
+          <a:p>
+            <a:pPr marL="285750" indent="-285750" algn="l">
+              <a:buFont typeface="Arial" panose="020B0604020202020204" pitchFamily="34" charset="0"/>
+              <a:buChar char="•"/>
+            </a:pPr>
+            <a:r>
+              <a:rPr lang="en-ZA" dirty="0"/>
+              <a:t>These 4 countries alone account for 37% of emissions.</a:t>
+            </a:r>
+          </a:p>
           <a:p>
             <a:pPr marL="285750" indent="-285750" algn="l">
               <a:buFont typeface="Arial" panose="020B0604020202020204" pitchFamily="34" charset="0"/>
@@ -8277,7 +11186,7 @@
 </p:sld>
 </file>
 
-<file path=ppt/slides/slide6.xml><?xml version="1.0" encoding="utf-8"?>
+<file path=ppt/slides/slide7.xml><?xml version="1.0" encoding="utf-8"?>
 <p:sld xmlns:a="http://schemas.openxmlformats.org/drawingml/2006/main" xmlns:r="http://schemas.openxmlformats.org/officeDocument/2006/relationships" xmlns:p="http://schemas.openxmlformats.org/presentationml/2006/main">
   <p:cSld>
     <p:spTree>
@@ -8327,7 +11236,7 @@
           <a:lstStyle/>
           <a:p>
             <a:r>
-              <a:rPr lang="en-ZA" dirty="0"/>
+              <a:rPr lang="en-ZA" b="1" dirty="0"/>
               <a:t>Average Temperate Change</a:t>
             </a:r>
           </a:p>
@@ -8365,7 +11274,7 @@
             </a:pPr>
             <a:r>
               <a:rPr lang="en-ZA" dirty="0"/>
-              <a:t>Average annual temperate change over time follows the same trend as total emissions over time, both showing a similar trend.</a:t>
+              <a:t>Average annual temperate change over time follows the same trend as total emissions over time</a:t>
             </a:r>
           </a:p>
           <a:p>
@@ -8445,7 +11354,7 @@
 </p:sld>
 </file>
 
-<file path=ppt/slides/slide7.xml><?xml version="1.0" encoding="utf-8"?>
+<file path=ppt/slides/slide8.xml><?xml version="1.0" encoding="utf-8"?>
 <p:sld xmlns:a="http://schemas.openxmlformats.org/drawingml/2006/main" xmlns:r="http://schemas.openxmlformats.org/officeDocument/2006/relationships" xmlns:p="http://schemas.openxmlformats.org/presentationml/2006/main">
   <p:cSld>
     <p:spTree>
@@ -8495,7 +11404,7 @@
           <a:lstStyle/>
           <a:p>
             <a:r>
-              <a:rPr lang="en-ZA" dirty="0"/>
+              <a:rPr lang="en-ZA" b="1" dirty="0"/>
               <a:t>Average Temperate Change</a:t>
             </a:r>
           </a:p>
@@ -8533,15 +11442,7 @@
             </a:pPr>
             <a:r>
               <a:rPr lang="en-ZA" dirty="0"/>
-              <a:t>We averaged the change in temp over the period for each area and ranked areas in descending order f </a:t>
-            </a:r>
-            <a:r>
-              <a:rPr lang="en-ZA" dirty="0" err="1"/>
-              <a:t>averarage</a:t>
-            </a:r>
-            <a:r>
-              <a:rPr lang="en-ZA" dirty="0"/>
-              <a:t> temperate change</a:t>
+              <a:t>We averaged the change in temp over the period for each area and ranked areas in descending order of average temperate change</a:t>
             </a:r>
           </a:p>
           <a:p>
@@ -8601,7 +11502,7 @@
 </p:sld>
 </file>
 
-<file path=ppt/slides/slide8.xml><?xml version="1.0" encoding="utf-8"?>
+<file path=ppt/slides/slide9.xml><?xml version="1.0" encoding="utf-8"?>
 <p:sld xmlns:a="http://schemas.openxmlformats.org/drawingml/2006/main" xmlns:r="http://schemas.openxmlformats.org/officeDocument/2006/relationships" xmlns:p="http://schemas.openxmlformats.org/presentationml/2006/main">
   <p:cSld>
     <p:spTree>
@@ -8609,7 +11510,7 @@
         <p:cNvPr id="1" name="">
           <a:extLst>
             <a:ext uri="{FF2B5EF4-FFF2-40B4-BE49-F238E27FC236}">
-              <a16:creationId xmlns:a16="http://schemas.microsoft.com/office/drawing/2014/main" id="{DD421633-5E11-D523-61CB-F8EFEC32F5D4}"/>
+              <a16:creationId xmlns:a16="http://schemas.microsoft.com/office/drawing/2014/main" id="{CFFDA692-713C-FE93-5436-80288CDB049B}"/>
             </a:ext>
           </a:extLst>
         </p:cNvPr>
@@ -8629,7 +11530,7 @@
           <p:cNvPr id="2" name="Title 1">
             <a:extLst>
               <a:ext uri="{FF2B5EF4-FFF2-40B4-BE49-F238E27FC236}">
-                <a16:creationId xmlns:a16="http://schemas.microsoft.com/office/drawing/2014/main" id="{B926C0C9-F66A-A01E-4B07-EC22EB00B38B}"/>
+                <a16:creationId xmlns:a16="http://schemas.microsoft.com/office/drawing/2014/main" id="{8FFB5595-56DF-26EA-C012-CEC283E7E60F}"/>
               </a:ext>
             </a:extLst>
           </p:cNvPr>
@@ -8642,17 +11543,26 @@
         </p:nvSpPr>
         <p:spPr>
           <a:xfrm>
-            <a:off x="913795" y="609600"/>
+            <a:off x="913794" y="1167285"/>
             <a:ext cx="3706889" cy="457201"/>
           </a:xfrm>
         </p:spPr>
         <p:txBody>
-          <a:bodyPr/>
-          <a:lstStyle/>
-          <a:p>
-            <a:r>
-              <a:rPr lang="en-ZA" dirty="0"/>
-              <a:t>Population Split</a:t>
+          <a:bodyPr>
+            <a:normAutofit fontScale="90000"/>
+          </a:bodyPr>
+          <a:lstStyle/>
+          <a:p>
+            <a:r>
+              <a:rPr lang="en-ZA" b="1" dirty="0"/>
+              <a:t>Average Temperate Change</a:t>
+            </a:r>
+            <a:br>
+              <a:rPr lang="en-ZA" b="1" dirty="0"/>
+            </a:br>
+            <a:r>
+              <a:rPr lang="en-ZA" b="1" dirty="0"/>
+              <a:t>Regions</a:t>
             </a:r>
           </a:p>
         </p:txBody>
@@ -8662,7 +11572,7 @@
           <p:cNvPr id="4" name="Text Placeholder 3">
             <a:extLst>
               <a:ext uri="{FF2B5EF4-FFF2-40B4-BE49-F238E27FC236}">
-                <a16:creationId xmlns:a16="http://schemas.microsoft.com/office/drawing/2014/main" id="{4CD5FD15-3E3A-07CE-CE09-19F2882FBBE1}"/>
+                <a16:creationId xmlns:a16="http://schemas.microsoft.com/office/drawing/2014/main" id="{7BE0D448-EFED-7DE5-857E-2AC37667D3A9}"/>
               </a:ext>
             </a:extLst>
           </p:cNvPr>
@@ -8675,7 +11585,7 @@
         </p:nvSpPr>
         <p:spPr>
           <a:xfrm>
-            <a:off x="913795" y="1087954"/>
+            <a:off x="913794" y="1923696"/>
             <a:ext cx="3706889" cy="4703246"/>
           </a:xfrm>
         </p:spPr>
@@ -8689,7 +11599,15 @@
             </a:pPr>
             <a:r>
               <a:rPr lang="en-ZA" dirty="0"/>
-              <a:t>Total population across the areas has grown from 5.3 billion to 7.7 billion, ( a 46% growth over the period)</a:t>
+              <a:t>We used the United Nations </a:t>
+            </a:r>
+            <a:r>
+              <a:rPr lang="en-ZA" dirty="0" err="1"/>
+              <a:t>Geoscheme</a:t>
+            </a:r>
+            <a:r>
+              <a:rPr lang="en-ZA" dirty="0"/>
+              <a:t> mapping to map areas to regions.</a:t>
             </a:r>
           </a:p>
           <a:p>
@@ -8699,7 +11617,7 @@
             </a:pPr>
             <a:r>
               <a:rPr lang="en-ZA" dirty="0"/>
-              <a:t>This is a compound annual growth rate of 1.3%</a:t>
+              <a:t>Europe has seen the highest average temperature change (increase) over the period.</a:t>
             </a:r>
           </a:p>
           <a:p>
@@ -8709,17 +11627,7 @@
             </a:pPr>
             <a:r>
               <a:rPr lang="en-ZA" dirty="0"/>
-              <a:t>The percentage of people living in urban areas has grown from 43% in 1990, to 56% in 2020</a:t>
-            </a:r>
-          </a:p>
-          <a:p>
-            <a:pPr marL="285750" indent="-285750" algn="l">
-              <a:buFont typeface="Arial" panose="020B0604020202020204" pitchFamily="34" charset="0"/>
-              <a:buChar char="•"/>
-            </a:pPr>
-            <a:r>
-              <a:rPr lang="en-ZA" dirty="0"/>
-              <a:t>Interestingly these growth rates are very similar to total emissions in the sector.  As the population grows, so does the need for food production.</a:t>
+              <a:t> Europe however is not responsible for the highest emissions, as can be seen from analysis further down this pack</a:t>
             </a:r>
           </a:p>
           <a:p>
@@ -8733,10 +11641,10 @@
       </p:sp>
       <p:pic>
         <p:nvPicPr>
-          <p:cNvPr id="7" name="Content Placeholder 6">
+          <p:cNvPr id="9" name="Content Placeholder 8">
             <a:extLst>
               <a:ext uri="{FF2B5EF4-FFF2-40B4-BE49-F238E27FC236}">
-                <a16:creationId xmlns:a16="http://schemas.microsoft.com/office/drawing/2014/main" id="{845AAE29-EA05-1131-8A05-5A312C8FBBE0}"/>
+                <a16:creationId xmlns:a16="http://schemas.microsoft.com/office/drawing/2014/main" id="{1C1AAF1D-D4AE-FDDC-CCDC-0DD2C637A9B0}"/>
               </a:ext>
             </a:extLst>
           </p:cNvPr>
@@ -8755,8 +11663,8 @@
         </p:blipFill>
         <p:spPr>
           <a:xfrm>
-            <a:off x="4866293" y="1066801"/>
-            <a:ext cx="6411912" cy="4555677"/>
+            <a:off x="4856163" y="1167285"/>
+            <a:ext cx="6411912" cy="4066230"/>
           </a:xfrm>
           <a:prstGeom prst="rect">
             <a:avLst/>
@@ -8766,135 +11674,7 @@
     </p:spTree>
     <p:extLst>
       <p:ext uri="{BB962C8B-B14F-4D97-AF65-F5344CB8AC3E}">
-        <p14:creationId xmlns:p14="http://schemas.microsoft.com/office/powerpoint/2010/main" val="1624515679"/>
-      </p:ext>
-    </p:extLst>
-  </p:cSld>
-  <p:clrMapOvr>
-    <a:masterClrMapping/>
-  </p:clrMapOvr>
-</p:sld>
-</file>
-
-<file path=ppt/slides/slide9.xml><?xml version="1.0" encoding="utf-8"?>
-<p:sld xmlns:a="http://schemas.openxmlformats.org/drawingml/2006/main" xmlns:r="http://schemas.openxmlformats.org/officeDocument/2006/relationships" xmlns:p="http://schemas.openxmlformats.org/presentationml/2006/main">
-  <p:cSld>
-    <p:spTree>
-      <p:nvGrpSpPr>
-        <p:cNvPr id="1" name="">
-          <a:extLst>
-            <a:ext uri="{FF2B5EF4-FFF2-40B4-BE49-F238E27FC236}">
-              <a16:creationId xmlns:a16="http://schemas.microsoft.com/office/drawing/2014/main" id="{A85DBBEB-7809-7035-9A34-5E3CEDA4D692}"/>
-            </a:ext>
-          </a:extLst>
-        </p:cNvPr>
-        <p:cNvGrpSpPr/>
-        <p:nvPr/>
-      </p:nvGrpSpPr>
-      <p:grpSpPr>
-        <a:xfrm>
-          <a:off x="0" y="0"/>
-          <a:ext cx="0" cy="0"/>
-          <a:chOff x="0" y="0"/>
-          <a:chExt cx="0" cy="0"/>
-        </a:xfrm>
-      </p:grpSpPr>
-      <p:sp>
-        <p:nvSpPr>
-          <p:cNvPr id="2" name="Title 1">
-            <a:extLst>
-              <a:ext uri="{FF2B5EF4-FFF2-40B4-BE49-F238E27FC236}">
-                <a16:creationId xmlns:a16="http://schemas.microsoft.com/office/drawing/2014/main" id="{0C4BA710-FD6C-0E3A-29CF-E2E29F861FF7}"/>
-              </a:ext>
-            </a:extLst>
-          </p:cNvPr>
-          <p:cNvSpPr>
-            <a:spLocks noGrp="1"/>
-          </p:cNvSpPr>
-          <p:nvPr>
-            <p:ph type="title"/>
-          </p:nvPr>
-        </p:nvSpPr>
-        <p:spPr>
-          <a:xfrm>
-            <a:off x="913795" y="609600"/>
-            <a:ext cx="3706889" cy="457201"/>
-          </a:xfrm>
-        </p:spPr>
-        <p:txBody>
-          <a:bodyPr/>
-          <a:lstStyle/>
-          <a:p>
-            <a:r>
-              <a:rPr lang="en-ZA" dirty="0"/>
-              <a:t>Total Population 2020</a:t>
-            </a:r>
-          </a:p>
-        </p:txBody>
-      </p:sp>
-      <p:sp>
-        <p:nvSpPr>
-          <p:cNvPr id="4" name="Text Placeholder 3">
-            <a:extLst>
-              <a:ext uri="{FF2B5EF4-FFF2-40B4-BE49-F238E27FC236}">
-                <a16:creationId xmlns:a16="http://schemas.microsoft.com/office/drawing/2014/main" id="{7D41A7F7-9F49-5255-9BE7-B35EC02D416B}"/>
-              </a:ext>
-            </a:extLst>
-          </p:cNvPr>
-          <p:cNvSpPr>
-            <a:spLocks noGrp="1"/>
-          </p:cNvSpPr>
-          <p:nvPr>
-            <p:ph type="body" sz="half" idx="2"/>
-          </p:nvPr>
-        </p:nvSpPr>
-        <p:spPr>
-          <a:xfrm>
-            <a:off x="913795" y="1087954"/>
-            <a:ext cx="3706889" cy="4703246"/>
-          </a:xfrm>
-        </p:spPr>
-        <p:txBody>
-          <a:bodyPr/>
-          <a:lstStyle/>
-          <a:p>
-            <a:pPr marL="285750" indent="-285750" algn="l">
-              <a:buFont typeface="Arial" panose="020B0604020202020204" pitchFamily="34" charset="0"/>
-              <a:buChar char="•"/>
-            </a:pPr>
-            <a:endParaRPr lang="en-ZA" dirty="0"/>
-          </a:p>
-        </p:txBody>
-      </p:sp>
-      <p:sp>
-        <p:nvSpPr>
-          <p:cNvPr id="5" name="Content Placeholder 4">
-            <a:extLst>
-              <a:ext uri="{FF2B5EF4-FFF2-40B4-BE49-F238E27FC236}">
-                <a16:creationId xmlns:a16="http://schemas.microsoft.com/office/drawing/2014/main" id="{9E044B2C-6883-44DE-B6FF-5095DD18918A}"/>
-              </a:ext>
-            </a:extLst>
-          </p:cNvPr>
-          <p:cNvSpPr>
-            <a:spLocks noGrp="1"/>
-          </p:cNvSpPr>
-          <p:nvPr>
-            <p:ph idx="1"/>
-          </p:nvPr>
-        </p:nvSpPr>
-        <p:spPr/>
-        <p:txBody>
-          <a:bodyPr/>
-          <a:lstStyle/>
-          <a:p>
-            <a:endParaRPr lang="en-ZA"/>
-          </a:p>
-        </p:txBody>
-      </p:sp>
-    </p:spTree>
-    <p:extLst>
-      <p:ext uri="{BB962C8B-B14F-4D97-AF65-F5344CB8AC3E}">
-        <p14:creationId xmlns:p14="http://schemas.microsoft.com/office/powerpoint/2010/main" val="82315988"/>
+        <p14:creationId xmlns:p14="http://schemas.microsoft.com/office/powerpoint/2010/main" val="1045247660"/>
       </p:ext>
     </p:extLst>
   </p:cSld>

--- a/Regression Project – PTDS 2403.pptx
+++ b/Regression Project – PTDS 2403.pptx
@@ -15,27 +15,32 @@
     <p:sldId id="266" r:id="rId9"/>
     <p:sldId id="280" r:id="rId10"/>
     <p:sldId id="263" r:id="rId11"/>
-    <p:sldId id="268" r:id="rId12"/>
-    <p:sldId id="264" r:id="rId13"/>
-    <p:sldId id="265" r:id="rId14"/>
-    <p:sldId id="281" r:id="rId15"/>
-    <p:sldId id="269" r:id="rId16"/>
-    <p:sldId id="282" r:id="rId17"/>
-    <p:sldId id="283" r:id="rId18"/>
-    <p:sldId id="284" r:id="rId19"/>
-    <p:sldId id="285" r:id="rId20"/>
-    <p:sldId id="286" r:id="rId21"/>
-    <p:sldId id="287" r:id="rId22"/>
-    <p:sldId id="288" r:id="rId23"/>
+    <p:sldId id="264" r:id="rId12"/>
+    <p:sldId id="265" r:id="rId13"/>
+    <p:sldId id="281" r:id="rId14"/>
+    <p:sldId id="269" r:id="rId15"/>
+    <p:sldId id="282" r:id="rId16"/>
+    <p:sldId id="283" r:id="rId17"/>
+    <p:sldId id="284" r:id="rId18"/>
+    <p:sldId id="285" r:id="rId19"/>
+    <p:sldId id="286" r:id="rId20"/>
+    <p:sldId id="287" r:id="rId21"/>
+    <p:sldId id="290" r:id="rId22"/>
+    <p:sldId id="291" r:id="rId23"/>
     <p:sldId id="271" r:id="rId24"/>
     <p:sldId id="272" r:id="rId25"/>
-    <p:sldId id="273" r:id="rId26"/>
-    <p:sldId id="274" r:id="rId27"/>
-    <p:sldId id="275" r:id="rId28"/>
-    <p:sldId id="289" r:id="rId29"/>
-    <p:sldId id="276" r:id="rId30"/>
-    <p:sldId id="278" r:id="rId31"/>
-    <p:sldId id="277" r:id="rId32"/>
+    <p:sldId id="292" r:id="rId26"/>
+    <p:sldId id="293" r:id="rId27"/>
+    <p:sldId id="273" r:id="rId28"/>
+    <p:sldId id="274" r:id="rId29"/>
+    <p:sldId id="294" r:id="rId30"/>
+    <p:sldId id="275" r:id="rId31"/>
+    <p:sldId id="289" r:id="rId32"/>
+    <p:sldId id="278" r:id="rId33"/>
+    <p:sldId id="295" r:id="rId34"/>
+    <p:sldId id="296" r:id="rId35"/>
+    <p:sldId id="297" r:id="rId36"/>
+    <p:sldId id="277" r:id="rId37"/>
   </p:sldIdLst>
   <p:sldSz cx="12192000" cy="6858000"/>
   <p:notesSz cx="6858000" cy="9144000"/>
@@ -145,7 +150,7 @@
 <file path=ppt/revisionInfo.xml><?xml version="1.0" encoding="utf-8"?>
 <p1510:revInfo xmlns:a="http://schemas.openxmlformats.org/drawingml/2006/main" xmlns:r="http://schemas.openxmlformats.org/officeDocument/2006/relationships" xmlns:p1510="http://schemas.microsoft.com/office/powerpoint/2015/10/main">
   <p1510:revLst>
-    <p1510:client id="{B5FBFEB0-C1FE-48AB-A337-12350F9C07AD}" v="19" dt="2024-11-09T11:35:47.221"/>
+    <p1510:client id="{B5FBFEB0-C1FE-48AB-A337-12350F9C07AD}" v="27" dt="2024-11-09T19:30:37.867"/>
   </p1510:revLst>
 </p1510:revInfo>
 </file>
@@ -155,18 +160,18 @@
   <pc:docChgLst>
     <pc:chgData name="Harrison, David" userId="4460236b-8b4e-4afe-9cfa-4abcba17e55c" providerId="ADAL" clId="{B5FBFEB0-C1FE-48AB-A337-12350F9C07AD}"/>
     <pc:docChg chg="undo custSel addSld delSld modSld sldOrd">
-      <pc:chgData name="Harrison, David" userId="4460236b-8b4e-4afe-9cfa-4abcba17e55c" providerId="ADAL" clId="{B5FBFEB0-C1FE-48AB-A337-12350F9C07AD}" dt="2024-11-09T13:51:40.499" v="6630" actId="20577"/>
+      <pc:chgData name="Harrison, David" userId="4460236b-8b4e-4afe-9cfa-4abcba17e55c" providerId="ADAL" clId="{B5FBFEB0-C1FE-48AB-A337-12350F9C07AD}" dt="2024-11-09T20:00:48.470" v="11219" actId="20577"/>
       <pc:docMkLst>
         <pc:docMk/>
       </pc:docMkLst>
       <pc:sldChg chg="modSp mod">
-        <pc:chgData name="Harrison, David" userId="4460236b-8b4e-4afe-9cfa-4abcba17e55c" providerId="ADAL" clId="{B5FBFEB0-C1FE-48AB-A337-12350F9C07AD}" dt="2024-11-09T10:27:52.783" v="2072" actId="20577"/>
+        <pc:chgData name="Harrison, David" userId="4460236b-8b4e-4afe-9cfa-4abcba17e55c" providerId="ADAL" clId="{B5FBFEB0-C1FE-48AB-A337-12350F9C07AD}" dt="2024-11-09T18:22:31.748" v="6631" actId="20577"/>
         <pc:sldMkLst>
           <pc:docMk/>
           <pc:sldMk cId="1374850448" sldId="257"/>
         </pc:sldMkLst>
         <pc:spChg chg="mod">
-          <ac:chgData name="Harrison, David" userId="4460236b-8b4e-4afe-9cfa-4abcba17e55c" providerId="ADAL" clId="{B5FBFEB0-C1FE-48AB-A337-12350F9C07AD}" dt="2024-11-09T10:27:52.783" v="2072" actId="20577"/>
+          <ac:chgData name="Harrison, David" userId="4460236b-8b4e-4afe-9cfa-4abcba17e55c" providerId="ADAL" clId="{B5FBFEB0-C1FE-48AB-A337-12350F9C07AD}" dt="2024-11-09T18:22:31.748" v="6631" actId="20577"/>
           <ac:spMkLst>
             <pc:docMk/>
             <pc:sldMk cId="1374850448" sldId="257"/>
@@ -517,8 +522,8 @@
           </ac:picMkLst>
         </pc:picChg>
       </pc:sldChg>
-      <pc:sldChg chg="addSp delSp modSp add mod">
-        <pc:chgData name="Harrison, David" userId="4460236b-8b4e-4afe-9cfa-4abcba17e55c" providerId="ADAL" clId="{B5FBFEB0-C1FE-48AB-A337-12350F9C07AD}" dt="2024-10-30T17:56:42.004" v="1686" actId="20577"/>
+      <pc:sldChg chg="addSp delSp modSp add del mod">
+        <pc:chgData name="Harrison, David" userId="4460236b-8b4e-4afe-9cfa-4abcba17e55c" providerId="ADAL" clId="{B5FBFEB0-C1FE-48AB-A337-12350F9C07AD}" dt="2024-11-09T18:22:51.996" v="6632" actId="47"/>
         <pc:sldMkLst>
           <pc:docMk/>
           <pc:sldMk cId="82315988" sldId="268"/>
@@ -603,7 +608,7 @@
         </pc:spChg>
       </pc:sldChg>
       <pc:sldChg chg="modSp add mod">
-        <pc:chgData name="Harrison, David" userId="4460236b-8b4e-4afe-9cfa-4abcba17e55c" providerId="ADAL" clId="{B5FBFEB0-C1FE-48AB-A337-12350F9C07AD}" dt="2024-10-30T17:59:10.094" v="1870" actId="20577"/>
+        <pc:chgData name="Harrison, David" userId="4460236b-8b4e-4afe-9cfa-4abcba17e55c" providerId="ADAL" clId="{B5FBFEB0-C1FE-48AB-A337-12350F9C07AD}" dt="2024-11-09T18:31:03.411" v="6827" actId="1076"/>
         <pc:sldMkLst>
           <pc:docMk/>
           <pc:sldMk cId="3797713729" sldId="271"/>
@@ -616,9 +621,17 @@
             <ac:spMk id="2" creationId="{3A1BDE5E-25D7-70AB-80C5-6DA8FC97464B}"/>
           </ac:spMkLst>
         </pc:spChg>
+        <pc:spChg chg="mod">
+          <ac:chgData name="Harrison, David" userId="4460236b-8b4e-4afe-9cfa-4abcba17e55c" providerId="ADAL" clId="{B5FBFEB0-C1FE-48AB-A337-12350F9C07AD}" dt="2024-11-09T18:31:03.411" v="6827" actId="1076"/>
+          <ac:spMkLst>
+            <pc:docMk/>
+            <pc:sldMk cId="3797713729" sldId="271"/>
+            <ac:spMk id="3" creationId="{15FCCB23-8402-5AE9-E1FE-49574082254C}"/>
+          </ac:spMkLst>
+        </pc:spChg>
       </pc:sldChg>
       <pc:sldChg chg="modSp new mod">
-        <pc:chgData name="Harrison, David" userId="4460236b-8b4e-4afe-9cfa-4abcba17e55c" providerId="ADAL" clId="{B5FBFEB0-C1FE-48AB-A337-12350F9C07AD}" dt="2024-10-30T17:59:38.822" v="1903" actId="120"/>
+        <pc:chgData name="Harrison, David" userId="4460236b-8b4e-4afe-9cfa-4abcba17e55c" providerId="ADAL" clId="{B5FBFEB0-C1FE-48AB-A337-12350F9C07AD}" dt="2024-11-09T18:36:07.639" v="7098" actId="20577"/>
         <pc:sldMkLst>
           <pc:docMk/>
           <pc:sldMk cId="809299826" sldId="272"/>
@@ -631,9 +644,17 @@
             <ac:spMk id="2" creationId="{A44986F0-348E-5AEA-A40A-C8022B7A6E7F}"/>
           </ac:spMkLst>
         </pc:spChg>
+        <pc:spChg chg="mod">
+          <ac:chgData name="Harrison, David" userId="4460236b-8b4e-4afe-9cfa-4abcba17e55c" providerId="ADAL" clId="{B5FBFEB0-C1FE-48AB-A337-12350F9C07AD}" dt="2024-11-09T18:36:07.639" v="7098" actId="20577"/>
+          <ac:spMkLst>
+            <pc:docMk/>
+            <pc:sldMk cId="809299826" sldId="272"/>
+            <ac:spMk id="3" creationId="{E0CFB6B5-EF86-A301-00CC-A6D004E4FFE8}"/>
+          </ac:spMkLst>
+        </pc:spChg>
       </pc:sldChg>
-      <pc:sldChg chg="modSp add mod">
-        <pc:chgData name="Harrison, David" userId="4460236b-8b4e-4afe-9cfa-4abcba17e55c" providerId="ADAL" clId="{B5FBFEB0-C1FE-48AB-A337-12350F9C07AD}" dt="2024-10-30T17:59:48.681" v="1909" actId="20577"/>
+      <pc:sldChg chg="modSp add mod ord">
+        <pc:chgData name="Harrison, David" userId="4460236b-8b4e-4afe-9cfa-4abcba17e55c" providerId="ADAL" clId="{B5FBFEB0-C1FE-48AB-A337-12350F9C07AD}" dt="2024-11-09T18:46:03.290" v="8219" actId="20577"/>
         <pc:sldMkLst>
           <pc:docMk/>
           <pc:sldMk cId="3574811568" sldId="273"/>
@@ -646,9 +667,17 @@
             <ac:spMk id="2" creationId="{8074AE7C-E915-6B0A-3150-6D8DDE59C5C5}"/>
           </ac:spMkLst>
         </pc:spChg>
+        <pc:spChg chg="mod">
+          <ac:chgData name="Harrison, David" userId="4460236b-8b4e-4afe-9cfa-4abcba17e55c" providerId="ADAL" clId="{B5FBFEB0-C1FE-48AB-A337-12350F9C07AD}" dt="2024-11-09T18:46:03.290" v="8219" actId="20577"/>
+          <ac:spMkLst>
+            <pc:docMk/>
+            <pc:sldMk cId="3574811568" sldId="273"/>
+            <ac:spMk id="3" creationId="{25C9FD0D-C7C5-95EE-3720-B71B6FD00751}"/>
+          </ac:spMkLst>
+        </pc:spChg>
       </pc:sldChg>
-      <pc:sldChg chg="modSp add mod">
-        <pc:chgData name="Harrison, David" userId="4460236b-8b4e-4afe-9cfa-4abcba17e55c" providerId="ADAL" clId="{B5FBFEB0-C1FE-48AB-A337-12350F9C07AD}" dt="2024-10-30T17:59:58.275" v="1924" actId="20577"/>
+      <pc:sldChg chg="addSp modSp add mod">
+        <pc:chgData name="Harrison, David" userId="4460236b-8b4e-4afe-9cfa-4abcba17e55c" providerId="ADAL" clId="{B5FBFEB0-C1FE-48AB-A337-12350F9C07AD}" dt="2024-11-09T18:53:30.314" v="8610" actId="14100"/>
         <pc:sldMkLst>
           <pc:docMk/>
           <pc:sldMk cId="488845266" sldId="274"/>
@@ -661,9 +690,33 @@
             <ac:spMk id="2" creationId="{C1BF3160-ECD0-B013-0C7B-B3BC65324316}"/>
           </ac:spMkLst>
         </pc:spChg>
+        <pc:spChg chg="mod">
+          <ac:chgData name="Harrison, David" userId="4460236b-8b4e-4afe-9cfa-4abcba17e55c" providerId="ADAL" clId="{B5FBFEB0-C1FE-48AB-A337-12350F9C07AD}" dt="2024-11-09T18:52:33.643" v="8603" actId="20577"/>
+          <ac:spMkLst>
+            <pc:docMk/>
+            <pc:sldMk cId="488845266" sldId="274"/>
+            <ac:spMk id="3" creationId="{98DC8C81-033D-13C3-4B91-8250D3ACC3F3}"/>
+          </ac:spMkLst>
+        </pc:spChg>
+        <pc:picChg chg="add mod">
+          <ac:chgData name="Harrison, David" userId="4460236b-8b4e-4afe-9cfa-4abcba17e55c" providerId="ADAL" clId="{B5FBFEB0-C1FE-48AB-A337-12350F9C07AD}" dt="2024-11-09T18:53:30.314" v="8610" actId="14100"/>
+          <ac:picMkLst>
+            <pc:docMk/>
+            <pc:sldMk cId="488845266" sldId="274"/>
+            <ac:picMk id="5" creationId="{3BE0098D-C6C8-2349-2DC4-9E22FDC4086E}"/>
+          </ac:picMkLst>
+        </pc:picChg>
+        <pc:picChg chg="add mod">
+          <ac:chgData name="Harrison, David" userId="4460236b-8b4e-4afe-9cfa-4abcba17e55c" providerId="ADAL" clId="{B5FBFEB0-C1FE-48AB-A337-12350F9C07AD}" dt="2024-11-09T18:53:21.918" v="8607" actId="1076"/>
+          <ac:picMkLst>
+            <pc:docMk/>
+            <pc:sldMk cId="488845266" sldId="274"/>
+            <ac:picMk id="7" creationId="{B275159F-A98B-7D4B-4143-6FBFB56D8A85}"/>
+          </ac:picMkLst>
+        </pc:picChg>
       </pc:sldChg>
-      <pc:sldChg chg="modSp add mod">
-        <pc:chgData name="Harrison, David" userId="4460236b-8b4e-4afe-9cfa-4abcba17e55c" providerId="ADAL" clId="{B5FBFEB0-C1FE-48AB-A337-12350F9C07AD}" dt="2024-10-30T18:00:07.875" v="1939" actId="20577"/>
+      <pc:sldChg chg="addSp delSp modSp add mod">
+        <pc:chgData name="Harrison, David" userId="4460236b-8b4e-4afe-9cfa-4abcba17e55c" providerId="ADAL" clId="{B5FBFEB0-C1FE-48AB-A337-12350F9C07AD}" dt="2024-11-09T19:03:36.512" v="9720" actId="20577"/>
         <pc:sldMkLst>
           <pc:docMk/>
           <pc:sldMk cId="2565305964" sldId="275"/>
@@ -676,9 +729,25 @@
             <ac:spMk id="2" creationId="{917D2F8C-1E96-640C-F00D-9D227463DEE4}"/>
           </ac:spMkLst>
         </pc:spChg>
+        <pc:spChg chg="del">
+          <ac:chgData name="Harrison, David" userId="4460236b-8b4e-4afe-9cfa-4abcba17e55c" providerId="ADAL" clId="{B5FBFEB0-C1FE-48AB-A337-12350F9C07AD}" dt="2024-11-09T19:01:50.704" v="9637" actId="478"/>
+          <ac:spMkLst>
+            <pc:docMk/>
+            <pc:sldMk cId="2565305964" sldId="275"/>
+            <ac:spMk id="3" creationId="{03ACF577-8F49-05E9-2180-102D7213E627}"/>
+          </ac:spMkLst>
+        </pc:spChg>
+        <pc:spChg chg="add mod">
+          <ac:chgData name="Harrison, David" userId="4460236b-8b4e-4afe-9cfa-4abcba17e55c" providerId="ADAL" clId="{B5FBFEB0-C1FE-48AB-A337-12350F9C07AD}" dt="2024-11-09T19:03:36.512" v="9720" actId="20577"/>
+          <ac:spMkLst>
+            <pc:docMk/>
+            <pc:sldMk cId="2565305964" sldId="275"/>
+            <ac:spMk id="4" creationId="{259355B9-24D8-74D4-C72F-DC9C41E8D072}"/>
+          </ac:spMkLst>
+        </pc:spChg>
       </pc:sldChg>
-      <pc:sldChg chg="modSp add mod">
-        <pc:chgData name="Harrison, David" userId="4460236b-8b4e-4afe-9cfa-4abcba17e55c" providerId="ADAL" clId="{B5FBFEB0-C1FE-48AB-A337-12350F9C07AD}" dt="2024-10-30T18:01:05.411" v="1965" actId="20577"/>
+      <pc:sldChg chg="modSp add del mod">
+        <pc:chgData name="Harrison, David" userId="4460236b-8b4e-4afe-9cfa-4abcba17e55c" providerId="ADAL" clId="{B5FBFEB0-C1FE-48AB-A337-12350F9C07AD}" dt="2024-11-09T19:25:47.748" v="10048" actId="47"/>
         <pc:sldMkLst>
           <pc:docMk/>
           <pc:sldMk cId="1990369775" sldId="276"/>
@@ -692,27 +761,67 @@
           </ac:spMkLst>
         </pc:spChg>
       </pc:sldChg>
-      <pc:sldChg chg="new">
-        <pc:chgData name="Harrison, David" userId="4460236b-8b4e-4afe-9cfa-4abcba17e55c" providerId="ADAL" clId="{B5FBFEB0-C1FE-48AB-A337-12350F9C07AD}" dt="2024-10-30T18:01:24.934" v="1966" actId="680"/>
+      <pc:sldChg chg="modSp new mod">
+        <pc:chgData name="Harrison, David" userId="4460236b-8b4e-4afe-9cfa-4abcba17e55c" providerId="ADAL" clId="{B5FBFEB0-C1FE-48AB-A337-12350F9C07AD}" dt="2024-11-09T20:00:48.470" v="11219" actId="20577"/>
         <pc:sldMkLst>
           <pc:docMk/>
           <pc:sldMk cId="2347701384" sldId="277"/>
         </pc:sldMkLst>
+        <pc:spChg chg="mod">
+          <ac:chgData name="Harrison, David" userId="4460236b-8b4e-4afe-9cfa-4abcba17e55c" providerId="ADAL" clId="{B5FBFEB0-C1FE-48AB-A337-12350F9C07AD}" dt="2024-11-09T20:00:48.470" v="11219" actId="20577"/>
+          <ac:spMkLst>
+            <pc:docMk/>
+            <pc:sldMk cId="2347701384" sldId="277"/>
+            <ac:spMk id="2" creationId="{F37F48A9-122C-8507-B2FC-2B9F3283CB40}"/>
+          </ac:spMkLst>
+        </pc:spChg>
       </pc:sldChg>
-      <pc:sldChg chg="modSp add mod">
-        <pc:chgData name="Harrison, David" userId="4460236b-8b4e-4afe-9cfa-4abcba17e55c" providerId="ADAL" clId="{B5FBFEB0-C1FE-48AB-A337-12350F9C07AD}" dt="2024-10-30T18:01:52.961" v="2018" actId="20577"/>
+      <pc:sldChg chg="addSp modSp add mod">
+        <pc:chgData name="Harrison, David" userId="4460236b-8b4e-4afe-9cfa-4abcba17e55c" providerId="ADAL" clId="{B5FBFEB0-C1FE-48AB-A337-12350F9C07AD}" dt="2024-11-09T19:31:09.760" v="10360" actId="1076"/>
         <pc:sldMkLst>
           <pc:docMk/>
           <pc:sldMk cId="2939269639" sldId="278"/>
         </pc:sldMkLst>
         <pc:spChg chg="mod">
-          <ac:chgData name="Harrison, David" userId="4460236b-8b4e-4afe-9cfa-4abcba17e55c" providerId="ADAL" clId="{B5FBFEB0-C1FE-48AB-A337-12350F9C07AD}" dt="2024-10-30T18:01:52.961" v="2018" actId="20577"/>
+          <ac:chgData name="Harrison, David" userId="4460236b-8b4e-4afe-9cfa-4abcba17e55c" providerId="ADAL" clId="{B5FBFEB0-C1FE-48AB-A337-12350F9C07AD}" dt="2024-11-09T19:31:09.760" v="10360" actId="1076"/>
           <ac:spMkLst>
             <pc:docMk/>
             <pc:sldMk cId="2939269639" sldId="278"/>
             <ac:spMk id="2" creationId="{97059094-16DF-5CEB-80E0-64DB27B53659}"/>
           </ac:spMkLst>
         </pc:spChg>
+        <pc:spChg chg="mod">
+          <ac:chgData name="Harrison, David" userId="4460236b-8b4e-4afe-9cfa-4abcba17e55c" providerId="ADAL" clId="{B5FBFEB0-C1FE-48AB-A337-12350F9C07AD}" dt="2024-11-09T19:30:16.584" v="10326" actId="15"/>
+          <ac:spMkLst>
+            <pc:docMk/>
+            <pc:sldMk cId="2939269639" sldId="278"/>
+            <ac:spMk id="3" creationId="{DB07A73B-22E5-1502-E29A-F7C312953C7E}"/>
+          </ac:spMkLst>
+        </pc:spChg>
+        <pc:spChg chg="add mod">
+          <ac:chgData name="Harrison, David" userId="4460236b-8b4e-4afe-9cfa-4abcba17e55c" providerId="ADAL" clId="{B5FBFEB0-C1FE-48AB-A337-12350F9C07AD}" dt="2024-11-09T19:30:53.318" v="10357" actId="1076"/>
+          <ac:spMkLst>
+            <pc:docMk/>
+            <pc:sldMk cId="2939269639" sldId="278"/>
+            <ac:spMk id="8" creationId="{B6D5F4AE-344A-5350-D6CD-63BD8007DD03}"/>
+          </ac:spMkLst>
+        </pc:spChg>
+        <pc:picChg chg="add mod">
+          <ac:chgData name="Harrison, David" userId="4460236b-8b4e-4afe-9cfa-4abcba17e55c" providerId="ADAL" clId="{B5FBFEB0-C1FE-48AB-A337-12350F9C07AD}" dt="2024-11-09T19:30:56.327" v="10358" actId="1076"/>
+          <ac:picMkLst>
+            <pc:docMk/>
+            <pc:sldMk cId="2939269639" sldId="278"/>
+            <ac:picMk id="5" creationId="{B477FB43-A21F-1409-677E-4B8A8E7B2A48}"/>
+          </ac:picMkLst>
+        </pc:picChg>
+        <pc:picChg chg="add mod">
+          <ac:chgData name="Harrison, David" userId="4460236b-8b4e-4afe-9cfa-4abcba17e55c" providerId="ADAL" clId="{B5FBFEB0-C1FE-48AB-A337-12350F9C07AD}" dt="2024-11-09T19:30:23.980" v="10327" actId="1076"/>
+          <ac:picMkLst>
+            <pc:docMk/>
+            <pc:sldMk cId="2939269639" sldId="278"/>
+            <ac:picMk id="7" creationId="{757B629E-6816-02AE-8937-01B29459FF79}"/>
+          </ac:picMkLst>
+        </pc:picChg>
       </pc:sldChg>
       <pc:sldChg chg="modSp add mod">
         <pc:chgData name="Harrison, David" userId="4460236b-8b4e-4afe-9cfa-4abcba17e55c" providerId="ADAL" clId="{B5FBFEB0-C1FE-48AB-A337-12350F9C07AD}" dt="2024-11-09T10:33:59.180" v="2543" actId="20577"/>
@@ -941,7 +1050,7 @@
         </pc:picChg>
       </pc:sldChg>
       <pc:sldChg chg="addSp delSp modSp add mod">
-        <pc:chgData name="Harrison, David" userId="4460236b-8b4e-4afe-9cfa-4abcba17e55c" providerId="ADAL" clId="{B5FBFEB0-C1FE-48AB-A337-12350F9C07AD}" dt="2024-11-09T11:40:08.820" v="6083" actId="1076"/>
+        <pc:chgData name="Harrison, David" userId="4460236b-8b4e-4afe-9cfa-4abcba17e55c" providerId="ADAL" clId="{B5FBFEB0-C1FE-48AB-A337-12350F9C07AD}" dt="2024-11-09T18:25:00.683" v="6668" actId="20577"/>
         <pc:sldMkLst>
           <pc:docMk/>
           <pc:sldMk cId="1517987339" sldId="285"/>
@@ -979,23 +1088,47 @@
           </ac:spMkLst>
         </pc:spChg>
         <pc:spChg chg="add mod">
-          <ac:chgData name="Harrison, David" userId="4460236b-8b4e-4afe-9cfa-4abcba17e55c" providerId="ADAL" clId="{B5FBFEB0-C1FE-48AB-A337-12350F9C07AD}" dt="2024-11-09T11:35:58.677" v="6079" actId="20577"/>
+          <ac:chgData name="Harrison, David" userId="4460236b-8b4e-4afe-9cfa-4abcba17e55c" providerId="ADAL" clId="{B5FBFEB0-C1FE-48AB-A337-12350F9C07AD}" dt="2024-11-09T18:24:17.428" v="6640" actId="1076"/>
           <ac:spMkLst>
             <pc:docMk/>
             <pc:sldMk cId="1517987339" sldId="285"/>
             <ac:spMk id="11" creationId="{C0C48573-54F8-DA39-DFB6-CA9A0768C26A}"/>
           </ac:spMkLst>
         </pc:spChg>
+        <pc:spChg chg="add mod">
+          <ac:chgData name="Harrison, David" userId="4460236b-8b4e-4afe-9cfa-4abcba17e55c" providerId="ADAL" clId="{B5FBFEB0-C1FE-48AB-A337-12350F9C07AD}" dt="2024-11-09T18:25:00.683" v="6668" actId="20577"/>
+          <ac:spMkLst>
+            <pc:docMk/>
+            <pc:sldMk cId="1517987339" sldId="285"/>
+            <ac:spMk id="14" creationId="{01E930CD-2752-B4C7-DA7C-5F63C1496779}"/>
+          </ac:spMkLst>
+        </pc:spChg>
         <pc:picChg chg="add mod">
-          <ac:chgData name="Harrison, David" userId="4460236b-8b4e-4afe-9cfa-4abcba17e55c" providerId="ADAL" clId="{B5FBFEB0-C1FE-48AB-A337-12350F9C07AD}" dt="2024-11-09T11:35:22.216" v="6057" actId="1076"/>
+          <ac:chgData name="Harrison, David" userId="4460236b-8b4e-4afe-9cfa-4abcba17e55c" providerId="ADAL" clId="{B5FBFEB0-C1FE-48AB-A337-12350F9C07AD}" dt="2024-11-09T18:23:44.330" v="6636" actId="1076"/>
+          <ac:picMkLst>
+            <pc:docMk/>
+            <pc:sldMk cId="1517987339" sldId="285"/>
+            <ac:picMk id="4" creationId="{99DBD4EE-A8D3-DA75-E0AA-37E11A93B3F5}"/>
+          </ac:picMkLst>
+        </pc:picChg>
+        <pc:picChg chg="add mod">
+          <ac:chgData name="Harrison, David" userId="4460236b-8b4e-4afe-9cfa-4abcba17e55c" providerId="ADAL" clId="{B5FBFEB0-C1FE-48AB-A337-12350F9C07AD}" dt="2024-11-09T18:24:25.440" v="6641" actId="1076"/>
+          <ac:picMkLst>
+            <pc:docMk/>
+            <pc:sldMk cId="1517987339" sldId="285"/>
+            <ac:picMk id="6" creationId="{19F59C53-5506-2F0F-F9D3-05FDF2F4FAE2}"/>
+          </ac:picMkLst>
+        </pc:picChg>
+        <pc:picChg chg="add del mod">
+          <ac:chgData name="Harrison, David" userId="4460236b-8b4e-4afe-9cfa-4abcba17e55c" providerId="ADAL" clId="{B5FBFEB0-C1FE-48AB-A337-12350F9C07AD}" dt="2024-11-09T18:23:13.196" v="6633" actId="478"/>
           <ac:picMkLst>
             <pc:docMk/>
             <pc:sldMk cId="1517987339" sldId="285"/>
             <ac:picMk id="7" creationId="{FB3BD2AC-9C5D-689A-A4C9-7FEA6A050190}"/>
           </ac:picMkLst>
         </pc:picChg>
-        <pc:picChg chg="add mod">
-          <ac:chgData name="Harrison, David" userId="4460236b-8b4e-4afe-9cfa-4abcba17e55c" providerId="ADAL" clId="{B5FBFEB0-C1FE-48AB-A337-12350F9C07AD}" dt="2024-11-09T11:35:43.958" v="6059" actId="1076"/>
+        <pc:picChg chg="add del mod">
+          <ac:chgData name="Harrison, David" userId="4460236b-8b4e-4afe-9cfa-4abcba17e55c" providerId="ADAL" clId="{B5FBFEB0-C1FE-48AB-A337-12350F9C07AD}" dt="2024-11-09T18:23:14.441" v="6634" actId="478"/>
           <ac:picMkLst>
             <pc:docMk/>
             <pc:sldMk cId="1517987339" sldId="285"/>
@@ -1003,7 +1136,15 @@
           </ac:picMkLst>
         </pc:picChg>
         <pc:picChg chg="add mod">
-          <ac:chgData name="Harrison, David" userId="4460236b-8b4e-4afe-9cfa-4abcba17e55c" providerId="ADAL" clId="{B5FBFEB0-C1FE-48AB-A337-12350F9C07AD}" dt="2024-11-09T11:40:02.022" v="6082" actId="1076"/>
+          <ac:chgData name="Harrison, David" userId="4460236b-8b4e-4afe-9cfa-4abcba17e55c" providerId="ADAL" clId="{B5FBFEB0-C1FE-48AB-A337-12350F9C07AD}" dt="2024-11-09T18:24:43.693" v="6645" actId="1076"/>
+          <ac:picMkLst>
+            <pc:docMk/>
+            <pc:sldMk cId="1517987339" sldId="285"/>
+            <ac:picMk id="12" creationId="{CB178B15-0563-171F-ABEB-9340BA48E2C0}"/>
+          </ac:picMkLst>
+        </pc:picChg>
+        <pc:picChg chg="add del mod">
+          <ac:chgData name="Harrison, David" userId="4460236b-8b4e-4afe-9cfa-4abcba17e55c" providerId="ADAL" clId="{B5FBFEB0-C1FE-48AB-A337-12350F9C07AD}" dt="2024-11-09T18:24:27.442" v="6642" actId="478"/>
           <ac:picMkLst>
             <pc:docMk/>
             <pc:sldMk cId="1517987339" sldId="285"/>
@@ -1012,7 +1153,7 @@
         </pc:picChg>
       </pc:sldChg>
       <pc:sldChg chg="addSp delSp modSp add mod">
-        <pc:chgData name="Harrison, David" userId="4460236b-8b4e-4afe-9cfa-4abcba17e55c" providerId="ADAL" clId="{B5FBFEB0-C1FE-48AB-A337-12350F9C07AD}" dt="2024-11-09T11:43:42.123" v="6117" actId="20577"/>
+        <pc:chgData name="Harrison, David" userId="4460236b-8b4e-4afe-9cfa-4abcba17e55c" providerId="ADAL" clId="{B5FBFEB0-C1FE-48AB-A337-12350F9C07AD}" dt="2024-11-09T18:25:55.194" v="6677" actId="14100"/>
         <pc:sldMkLst>
           <pc:docMk/>
           <pc:sldMk cId="1779189164" sldId="286"/>
@@ -1033,8 +1174,8 @@
             <ac:spMk id="11" creationId="{DCAA8494-DC95-8FB0-739E-8F2E62AE0115}"/>
           </ac:spMkLst>
         </pc:spChg>
-        <pc:picChg chg="add mod">
-          <ac:chgData name="Harrison, David" userId="4460236b-8b4e-4afe-9cfa-4abcba17e55c" providerId="ADAL" clId="{B5FBFEB0-C1FE-48AB-A337-12350F9C07AD}" dt="2024-11-09T11:43:29.474" v="6105" actId="1076"/>
+        <pc:picChg chg="add del mod">
+          <ac:chgData name="Harrison, David" userId="4460236b-8b4e-4afe-9cfa-4abcba17e55c" providerId="ADAL" clId="{B5FBFEB0-C1FE-48AB-A337-12350F9C07AD}" dt="2024-11-09T18:25:33.365" v="6672" actId="478"/>
           <ac:picMkLst>
             <pc:docMk/>
             <pc:sldMk cId="1779189164" sldId="286"/>
@@ -1042,7 +1183,15 @@
           </ac:picMkLst>
         </pc:picChg>
         <pc:picChg chg="add mod">
-          <ac:chgData name="Harrison, David" userId="4460236b-8b4e-4afe-9cfa-4abcba17e55c" providerId="ADAL" clId="{B5FBFEB0-C1FE-48AB-A337-12350F9C07AD}" dt="2024-11-09T11:43:27.106" v="6104" actId="1076"/>
+          <ac:chgData name="Harrison, David" userId="4460236b-8b4e-4afe-9cfa-4abcba17e55c" providerId="ADAL" clId="{B5FBFEB0-C1FE-48AB-A337-12350F9C07AD}" dt="2024-11-09T18:25:31.206" v="6671" actId="1076"/>
+          <ac:picMkLst>
+            <pc:docMk/>
+            <pc:sldMk cId="1779189164" sldId="286"/>
+            <ac:picMk id="5" creationId="{602ADB27-406D-195B-E5A1-464D17A415F9}"/>
+          </ac:picMkLst>
+        </pc:picChg>
+        <pc:picChg chg="add del mod">
+          <ac:chgData name="Harrison, David" userId="4460236b-8b4e-4afe-9cfa-4abcba17e55c" providerId="ADAL" clId="{B5FBFEB0-C1FE-48AB-A337-12350F9C07AD}" dt="2024-11-09T18:25:25.258" v="6669" actId="478"/>
           <ac:picMkLst>
             <pc:docMk/>
             <pc:sldMk cId="1779189164" sldId="286"/>
@@ -1057,6 +1206,14 @@
             <ac:picMk id="7" creationId="{3E70C909-1F1C-D17D-33BD-F1C55DBB3BF4}"/>
           </ac:picMkLst>
         </pc:picChg>
+        <pc:picChg chg="add mod">
+          <ac:chgData name="Harrison, David" userId="4460236b-8b4e-4afe-9cfa-4abcba17e55c" providerId="ADAL" clId="{B5FBFEB0-C1FE-48AB-A337-12350F9C07AD}" dt="2024-11-09T18:25:55.194" v="6677" actId="14100"/>
+          <ac:picMkLst>
+            <pc:docMk/>
+            <pc:sldMk cId="1779189164" sldId="286"/>
+            <ac:picMk id="9" creationId="{1075C109-05E3-98B6-F120-CD05E7DB090A}"/>
+          </ac:picMkLst>
+        </pc:picChg>
         <pc:picChg chg="del">
           <ac:chgData name="Harrison, David" userId="4460236b-8b4e-4afe-9cfa-4abcba17e55c" providerId="ADAL" clId="{B5FBFEB0-C1FE-48AB-A337-12350F9C07AD}" dt="2024-11-09T11:42:30.962" v="6086" actId="478"/>
           <ac:picMkLst>
@@ -1074,8 +1231,8 @@
           </ac:picMkLst>
         </pc:picChg>
       </pc:sldChg>
-      <pc:sldChg chg="modSp add mod ord">
-        <pc:chgData name="Harrison, David" userId="4460236b-8b4e-4afe-9cfa-4abcba17e55c" providerId="ADAL" clId="{B5FBFEB0-C1FE-48AB-A337-12350F9C07AD}" dt="2024-11-09T11:50:25.742" v="6602" actId="20577"/>
+      <pc:sldChg chg="modSp add del mod ord">
+        <pc:chgData name="Harrison, David" userId="4460236b-8b4e-4afe-9cfa-4abcba17e55c" providerId="ADAL" clId="{B5FBFEB0-C1FE-48AB-A337-12350F9C07AD}" dt="2024-11-09T18:26:23.432" v="6681" actId="47"/>
         <pc:sldMkLst>
           <pc:docMk/>
           <pc:sldMk cId="156004769" sldId="287"/>
@@ -1097,15 +1254,15 @@
           </ac:spMkLst>
         </pc:spChg>
       </pc:sldChg>
-      <pc:sldChg chg="add">
-        <pc:chgData name="Harrison, David" userId="4460236b-8b4e-4afe-9cfa-4abcba17e55c" providerId="ADAL" clId="{B5FBFEB0-C1FE-48AB-A337-12350F9C07AD}" dt="2024-11-09T11:50:33.214" v="6603" actId="2890"/>
+      <pc:sldChg chg="add del">
+        <pc:chgData name="Harrison, David" userId="4460236b-8b4e-4afe-9cfa-4abcba17e55c" providerId="ADAL" clId="{B5FBFEB0-C1FE-48AB-A337-12350F9C07AD}" dt="2024-11-09T18:26:35.038" v="6682" actId="47"/>
         <pc:sldMkLst>
           <pc:docMk/>
           <pc:sldMk cId="326934782" sldId="288"/>
         </pc:sldMkLst>
       </pc:sldChg>
-      <pc:sldChg chg="modSp add mod">
-        <pc:chgData name="Harrison, David" userId="4460236b-8b4e-4afe-9cfa-4abcba17e55c" providerId="ADAL" clId="{B5FBFEB0-C1FE-48AB-A337-12350F9C07AD}" dt="2024-11-09T13:51:40.499" v="6630" actId="20577"/>
+      <pc:sldChg chg="addSp delSp modSp add mod">
+        <pc:chgData name="Harrison, David" userId="4460236b-8b4e-4afe-9cfa-4abcba17e55c" providerId="ADAL" clId="{B5FBFEB0-C1FE-48AB-A337-12350F9C07AD}" dt="2024-11-09T19:25:34.732" v="10047" actId="12"/>
         <pc:sldMkLst>
           <pc:docMk/>
           <pc:sldMk cId="2694861017" sldId="289"/>
@@ -1118,6 +1275,350 @@
             <ac:spMk id="2" creationId="{73723C3E-0E0A-0361-6FE9-42D481D30D95}"/>
           </ac:spMkLst>
         </pc:spChg>
+        <pc:spChg chg="del">
+          <ac:chgData name="Harrison, David" userId="4460236b-8b4e-4afe-9cfa-4abcba17e55c" providerId="ADAL" clId="{B5FBFEB0-C1FE-48AB-A337-12350F9C07AD}" dt="2024-11-09T19:21:55.895" v="9721"/>
+          <ac:spMkLst>
+            <pc:docMk/>
+            <pc:sldMk cId="2694861017" sldId="289"/>
+            <ac:spMk id="3" creationId="{58114DA2-6E6D-36FF-4724-582E74DE75D2}"/>
+          </ac:spMkLst>
+        </pc:spChg>
+        <pc:spChg chg="add del mod">
+          <ac:chgData name="Harrison, David" userId="4460236b-8b4e-4afe-9cfa-4abcba17e55c" providerId="ADAL" clId="{B5FBFEB0-C1FE-48AB-A337-12350F9C07AD}" dt="2024-11-09T19:22:33.309" v="9723"/>
+          <ac:spMkLst>
+            <pc:docMk/>
+            <pc:sldMk cId="2694861017" sldId="289"/>
+            <ac:spMk id="6" creationId="{F61CCB2C-3C4F-8158-3D1E-C511F4D46E53}"/>
+          </ac:spMkLst>
+        </pc:spChg>
+        <pc:spChg chg="add del mod">
+          <ac:chgData name="Harrison, David" userId="4460236b-8b4e-4afe-9cfa-4abcba17e55c" providerId="ADAL" clId="{B5FBFEB0-C1FE-48AB-A337-12350F9C07AD}" dt="2024-11-09T19:22:52.397" v="9726"/>
+          <ac:spMkLst>
+            <pc:docMk/>
+            <pc:sldMk cId="2694861017" sldId="289"/>
+            <ac:spMk id="9" creationId="{CFBE15BE-712E-2E32-7CE1-0D8CD7D45C9F}"/>
+          </ac:spMkLst>
+        </pc:spChg>
+        <pc:spChg chg="add mod">
+          <ac:chgData name="Harrison, David" userId="4460236b-8b4e-4afe-9cfa-4abcba17e55c" providerId="ADAL" clId="{B5FBFEB0-C1FE-48AB-A337-12350F9C07AD}" dt="2024-11-09T19:25:34.732" v="10047" actId="12"/>
+          <ac:spMkLst>
+            <pc:docMk/>
+            <pc:sldMk cId="2694861017" sldId="289"/>
+            <ac:spMk id="11" creationId="{81D92F7E-E5A4-044A-072D-DC017149B889}"/>
+          </ac:spMkLst>
+        </pc:spChg>
+        <pc:picChg chg="add del mod">
+          <ac:chgData name="Harrison, David" userId="4460236b-8b4e-4afe-9cfa-4abcba17e55c" providerId="ADAL" clId="{B5FBFEB0-C1FE-48AB-A337-12350F9C07AD}" dt="2024-11-09T19:22:04.757" v="9722" actId="478"/>
+          <ac:picMkLst>
+            <pc:docMk/>
+            <pc:sldMk cId="2694861017" sldId="289"/>
+            <ac:picMk id="4" creationId="{2FF8E7DE-2FE5-02BC-5204-3B4BD54FE475}"/>
+          </ac:picMkLst>
+        </pc:picChg>
+        <pc:picChg chg="add del mod">
+          <ac:chgData name="Harrison, David" userId="4460236b-8b4e-4afe-9cfa-4abcba17e55c" providerId="ADAL" clId="{B5FBFEB0-C1FE-48AB-A337-12350F9C07AD}" dt="2024-11-09T19:22:50.568" v="9725" actId="478"/>
+          <ac:picMkLst>
+            <pc:docMk/>
+            <pc:sldMk cId="2694861017" sldId="289"/>
+            <ac:picMk id="7" creationId="{B778952C-2DF0-12D5-169A-606E2707452B}"/>
+          </ac:picMkLst>
+        </pc:picChg>
+        <pc:picChg chg="add mod">
+          <ac:chgData name="Harrison, David" userId="4460236b-8b4e-4afe-9cfa-4abcba17e55c" providerId="ADAL" clId="{B5FBFEB0-C1FE-48AB-A337-12350F9C07AD}" dt="2024-11-09T19:22:58.104" v="9727" actId="1076"/>
+          <ac:picMkLst>
+            <pc:docMk/>
+            <pc:sldMk cId="2694861017" sldId="289"/>
+            <ac:picMk id="10" creationId="{29BBE373-26F3-7170-061F-531685F11D08}"/>
+          </ac:picMkLst>
+        </pc:picChg>
+      </pc:sldChg>
+      <pc:sldChg chg="addSp delSp modSp add mod">
+        <pc:chgData name="Harrison, David" userId="4460236b-8b4e-4afe-9cfa-4abcba17e55c" providerId="ADAL" clId="{B5FBFEB0-C1FE-48AB-A337-12350F9C07AD}" dt="2024-11-09T18:28:20.075" v="6741" actId="1076"/>
+        <pc:sldMkLst>
+          <pc:docMk/>
+          <pc:sldMk cId="810006115" sldId="290"/>
+        </pc:sldMkLst>
+        <pc:spChg chg="mod">
+          <ac:chgData name="Harrison, David" userId="4460236b-8b4e-4afe-9cfa-4abcba17e55c" providerId="ADAL" clId="{B5FBFEB0-C1FE-48AB-A337-12350F9C07AD}" dt="2024-11-09T18:26:55.610" v="6708" actId="20577"/>
+          <ac:spMkLst>
+            <pc:docMk/>
+            <pc:sldMk cId="810006115" sldId="290"/>
+            <ac:spMk id="2" creationId="{CE32DA92-05E9-64DA-DA0F-2E7DAE3677F4}"/>
+          </ac:spMkLst>
+        </pc:spChg>
+        <pc:spChg chg="mod">
+          <ac:chgData name="Harrison, David" userId="4460236b-8b4e-4afe-9cfa-4abcba17e55c" providerId="ADAL" clId="{B5FBFEB0-C1FE-48AB-A337-12350F9C07AD}" dt="2024-11-09T18:28:20.075" v="6741" actId="1076"/>
+          <ac:spMkLst>
+            <pc:docMk/>
+            <pc:sldMk cId="810006115" sldId="290"/>
+            <ac:spMk id="8" creationId="{3190B3E4-5859-1ACD-807B-B9C7174206D1}"/>
+          </ac:spMkLst>
+        </pc:spChg>
+        <pc:spChg chg="del">
+          <ac:chgData name="Harrison, David" userId="4460236b-8b4e-4afe-9cfa-4abcba17e55c" providerId="ADAL" clId="{B5FBFEB0-C1FE-48AB-A337-12350F9C07AD}" dt="2024-11-09T18:28:05.863" v="6739" actId="478"/>
+          <ac:spMkLst>
+            <pc:docMk/>
+            <pc:sldMk cId="810006115" sldId="290"/>
+            <ac:spMk id="11" creationId="{D66C5E68-7BFC-C420-8C24-46905679627B}"/>
+          </ac:spMkLst>
+        </pc:spChg>
+        <pc:spChg chg="mod">
+          <ac:chgData name="Harrison, David" userId="4460236b-8b4e-4afe-9cfa-4abcba17e55c" providerId="ADAL" clId="{B5FBFEB0-C1FE-48AB-A337-12350F9C07AD}" dt="2024-11-09T18:28:14.282" v="6740" actId="1076"/>
+          <ac:spMkLst>
+            <pc:docMk/>
+            <pc:sldMk cId="810006115" sldId="290"/>
+            <ac:spMk id="14" creationId="{ACAEE67E-6A54-156A-B70C-4E2032802DE3}"/>
+          </ac:spMkLst>
+        </pc:spChg>
+        <pc:picChg chg="del">
+          <ac:chgData name="Harrison, David" userId="4460236b-8b4e-4afe-9cfa-4abcba17e55c" providerId="ADAL" clId="{B5FBFEB0-C1FE-48AB-A337-12350F9C07AD}" dt="2024-11-09T18:27:08.950" v="6726" actId="478"/>
+          <ac:picMkLst>
+            <pc:docMk/>
+            <pc:sldMk cId="810006115" sldId="290"/>
+            <ac:picMk id="4" creationId="{408AF4AE-7D0B-BD7F-15EE-1F9595D71C55}"/>
+          </ac:picMkLst>
+        </pc:picChg>
+        <pc:picChg chg="add mod">
+          <ac:chgData name="Harrison, David" userId="4460236b-8b4e-4afe-9cfa-4abcba17e55c" providerId="ADAL" clId="{B5FBFEB0-C1FE-48AB-A337-12350F9C07AD}" dt="2024-11-09T18:27:36.335" v="6732" actId="1076"/>
+          <ac:picMkLst>
+            <pc:docMk/>
+            <pc:sldMk cId="810006115" sldId="290"/>
+            <ac:picMk id="5" creationId="{C4B1F3CE-B64F-CD37-8FC3-0A144233B377}"/>
+          </ac:picMkLst>
+        </pc:picChg>
+        <pc:picChg chg="del">
+          <ac:chgData name="Harrison, David" userId="4460236b-8b4e-4afe-9cfa-4abcba17e55c" providerId="ADAL" clId="{B5FBFEB0-C1FE-48AB-A337-12350F9C07AD}" dt="2024-11-09T18:27:09.439" v="6727" actId="478"/>
+          <ac:picMkLst>
+            <pc:docMk/>
+            <pc:sldMk cId="810006115" sldId="290"/>
+            <ac:picMk id="6" creationId="{0094DF82-1D68-AF21-0CD0-6712B18C147A}"/>
+          </ac:picMkLst>
+        </pc:picChg>
+        <pc:picChg chg="add mod">
+          <ac:chgData name="Harrison, David" userId="4460236b-8b4e-4afe-9cfa-4abcba17e55c" providerId="ADAL" clId="{B5FBFEB0-C1FE-48AB-A337-12350F9C07AD}" dt="2024-11-09T18:28:02.950" v="6738" actId="1076"/>
+          <ac:picMkLst>
+            <pc:docMk/>
+            <pc:sldMk cId="810006115" sldId="290"/>
+            <ac:picMk id="9" creationId="{E47EF2FC-E92A-43D1-8EBF-120F036DB22F}"/>
+          </ac:picMkLst>
+        </pc:picChg>
+        <pc:picChg chg="del">
+          <ac:chgData name="Harrison, David" userId="4460236b-8b4e-4afe-9cfa-4abcba17e55c" providerId="ADAL" clId="{B5FBFEB0-C1FE-48AB-A337-12350F9C07AD}" dt="2024-11-09T18:27:09.964" v="6728" actId="478"/>
+          <ac:picMkLst>
+            <pc:docMk/>
+            <pc:sldMk cId="810006115" sldId="290"/>
+            <ac:picMk id="12" creationId="{037AA1A1-713C-BEE9-A032-27522AF2A7EE}"/>
+          </ac:picMkLst>
+        </pc:picChg>
+      </pc:sldChg>
+      <pc:sldChg chg="addSp delSp modSp add mod">
+        <pc:chgData name="Harrison, David" userId="4460236b-8b4e-4afe-9cfa-4abcba17e55c" providerId="ADAL" clId="{B5FBFEB0-C1FE-48AB-A337-12350F9C07AD}" dt="2024-11-09T18:29:04.541" v="6747" actId="14100"/>
+        <pc:sldMkLst>
+          <pc:docMk/>
+          <pc:sldMk cId="1495310856" sldId="291"/>
+        </pc:sldMkLst>
+        <pc:spChg chg="mod">
+          <ac:chgData name="Harrison, David" userId="4460236b-8b4e-4afe-9cfa-4abcba17e55c" providerId="ADAL" clId="{B5FBFEB0-C1FE-48AB-A337-12350F9C07AD}" dt="2024-11-09T18:27:05.097" v="6725" actId="20577"/>
+          <ac:spMkLst>
+            <pc:docMk/>
+            <pc:sldMk cId="1495310856" sldId="291"/>
+            <ac:spMk id="2" creationId="{6AB4B14C-31F6-56EB-A9EC-F5BD3D6A2776}"/>
+          </ac:spMkLst>
+        </pc:spChg>
+        <pc:picChg chg="add mod">
+          <ac:chgData name="Harrison, David" userId="4460236b-8b4e-4afe-9cfa-4abcba17e55c" providerId="ADAL" clId="{B5FBFEB0-C1FE-48AB-A337-12350F9C07AD}" dt="2024-11-09T18:28:45.698" v="6743" actId="1076"/>
+          <ac:picMkLst>
+            <pc:docMk/>
+            <pc:sldMk cId="1495310856" sldId="291"/>
+            <ac:picMk id="4" creationId="{833FD8C3-F747-DB99-DDE6-87B5281B18F6}"/>
+          </ac:picMkLst>
+        </pc:picChg>
+        <pc:picChg chg="del">
+          <ac:chgData name="Harrison, David" userId="4460236b-8b4e-4afe-9cfa-4abcba17e55c" providerId="ADAL" clId="{B5FBFEB0-C1FE-48AB-A337-12350F9C07AD}" dt="2024-11-09T18:27:11.870" v="6729" actId="478"/>
+          <ac:picMkLst>
+            <pc:docMk/>
+            <pc:sldMk cId="1495310856" sldId="291"/>
+            <ac:picMk id="5" creationId="{67771F72-D1E6-933D-D288-E18C271A71C7}"/>
+          </ac:picMkLst>
+        </pc:picChg>
+        <pc:picChg chg="add mod">
+          <ac:chgData name="Harrison, David" userId="4460236b-8b4e-4afe-9cfa-4abcba17e55c" providerId="ADAL" clId="{B5FBFEB0-C1FE-48AB-A337-12350F9C07AD}" dt="2024-11-09T18:29:04.541" v="6747" actId="14100"/>
+          <ac:picMkLst>
+            <pc:docMk/>
+            <pc:sldMk cId="1495310856" sldId="291"/>
+            <ac:picMk id="7" creationId="{2D6715D3-1907-E179-46BA-57829BBC485B}"/>
+          </ac:picMkLst>
+        </pc:picChg>
+        <pc:picChg chg="del">
+          <ac:chgData name="Harrison, David" userId="4460236b-8b4e-4afe-9cfa-4abcba17e55c" providerId="ADAL" clId="{B5FBFEB0-C1FE-48AB-A337-12350F9C07AD}" dt="2024-11-09T18:27:12.567" v="6730" actId="478"/>
+          <ac:picMkLst>
+            <pc:docMk/>
+            <pc:sldMk cId="1495310856" sldId="291"/>
+            <ac:picMk id="9" creationId="{47BEB3E4-2976-4D00-0802-D777BF46E693}"/>
+          </ac:picMkLst>
+        </pc:picChg>
+      </pc:sldChg>
+      <pc:sldChg chg="modSp add mod">
+        <pc:chgData name="Harrison, David" userId="4460236b-8b4e-4afe-9cfa-4abcba17e55c" providerId="ADAL" clId="{B5FBFEB0-C1FE-48AB-A337-12350F9C07AD}" dt="2024-11-09T18:38:06.344" v="7366" actId="20577"/>
+        <pc:sldMkLst>
+          <pc:docMk/>
+          <pc:sldMk cId="2911711012" sldId="292"/>
+        </pc:sldMkLst>
+        <pc:spChg chg="mod">
+          <ac:chgData name="Harrison, David" userId="4460236b-8b4e-4afe-9cfa-4abcba17e55c" providerId="ADAL" clId="{B5FBFEB0-C1FE-48AB-A337-12350F9C07AD}" dt="2024-11-09T18:38:06.344" v="7366" actId="20577"/>
+          <ac:spMkLst>
+            <pc:docMk/>
+            <pc:sldMk cId="2911711012" sldId="292"/>
+            <ac:spMk id="3" creationId="{5D5360FB-CAE7-38A8-12FE-5365C7EE8094}"/>
+          </ac:spMkLst>
+        </pc:spChg>
+      </pc:sldChg>
+      <pc:sldChg chg="add">
+        <pc:chgData name="Harrison, David" userId="4460236b-8b4e-4afe-9cfa-4abcba17e55c" providerId="ADAL" clId="{B5FBFEB0-C1FE-48AB-A337-12350F9C07AD}" dt="2024-11-09T18:42:45.346" v="7744" actId="2890"/>
+        <pc:sldMkLst>
+          <pc:docMk/>
+          <pc:sldMk cId="956607841" sldId="293"/>
+        </pc:sldMkLst>
+      </pc:sldChg>
+      <pc:sldChg chg="delSp modSp add mod">
+        <pc:chgData name="Harrison, David" userId="4460236b-8b4e-4afe-9cfa-4abcba17e55c" providerId="ADAL" clId="{B5FBFEB0-C1FE-48AB-A337-12350F9C07AD}" dt="2024-11-09T19:01:10.396" v="9636" actId="20577"/>
+        <pc:sldMkLst>
+          <pc:docMk/>
+          <pc:sldMk cId="3152103058" sldId="294"/>
+        </pc:sldMkLst>
+        <pc:spChg chg="mod">
+          <ac:chgData name="Harrison, David" userId="4460236b-8b4e-4afe-9cfa-4abcba17e55c" providerId="ADAL" clId="{B5FBFEB0-C1FE-48AB-A337-12350F9C07AD}" dt="2024-11-09T19:01:10.396" v="9636" actId="20577"/>
+          <ac:spMkLst>
+            <pc:docMk/>
+            <pc:sldMk cId="3152103058" sldId="294"/>
+            <ac:spMk id="3" creationId="{5AE34E94-B673-4002-D7A3-6A0D13075967}"/>
+          </ac:spMkLst>
+        </pc:spChg>
+        <pc:picChg chg="del">
+          <ac:chgData name="Harrison, David" userId="4460236b-8b4e-4afe-9cfa-4abcba17e55c" providerId="ADAL" clId="{B5FBFEB0-C1FE-48AB-A337-12350F9C07AD}" dt="2024-11-09T18:53:40.867" v="8613" actId="478"/>
+          <ac:picMkLst>
+            <pc:docMk/>
+            <pc:sldMk cId="3152103058" sldId="294"/>
+            <ac:picMk id="5" creationId="{B68B6DB1-81E7-6469-B1FB-3502C9119A34}"/>
+          </ac:picMkLst>
+        </pc:picChg>
+        <pc:picChg chg="del">
+          <ac:chgData name="Harrison, David" userId="4460236b-8b4e-4afe-9cfa-4abcba17e55c" providerId="ADAL" clId="{B5FBFEB0-C1FE-48AB-A337-12350F9C07AD}" dt="2024-11-09T18:53:40.347" v="8612" actId="478"/>
+          <ac:picMkLst>
+            <pc:docMk/>
+            <pc:sldMk cId="3152103058" sldId="294"/>
+            <ac:picMk id="7" creationId="{2A0551B1-282C-AEE6-932B-A9EFBC2C4E29}"/>
+          </ac:picMkLst>
+        </pc:picChg>
+      </pc:sldChg>
+      <pc:sldChg chg="delSp modSp add mod">
+        <pc:chgData name="Harrison, David" userId="4460236b-8b4e-4afe-9cfa-4abcba17e55c" providerId="ADAL" clId="{B5FBFEB0-C1FE-48AB-A337-12350F9C07AD}" dt="2024-11-09T19:33:55.761" v="10566" actId="20577"/>
+        <pc:sldMkLst>
+          <pc:docMk/>
+          <pc:sldMk cId="4217511243" sldId="295"/>
+        </pc:sldMkLst>
+        <pc:spChg chg="mod">
+          <ac:chgData name="Harrison, David" userId="4460236b-8b4e-4afe-9cfa-4abcba17e55c" providerId="ADAL" clId="{B5FBFEB0-C1FE-48AB-A337-12350F9C07AD}" dt="2024-11-09T19:33:55.761" v="10566" actId="20577"/>
+          <ac:spMkLst>
+            <pc:docMk/>
+            <pc:sldMk cId="4217511243" sldId="295"/>
+            <ac:spMk id="3" creationId="{0CBAD3D8-CBA8-19D6-171C-E3779EE20B46}"/>
+          </ac:spMkLst>
+        </pc:spChg>
+        <pc:spChg chg="del">
+          <ac:chgData name="Harrison, David" userId="4460236b-8b4e-4afe-9cfa-4abcba17e55c" providerId="ADAL" clId="{B5FBFEB0-C1FE-48AB-A337-12350F9C07AD}" dt="2024-11-09T19:31:19.335" v="10364" actId="478"/>
+          <ac:spMkLst>
+            <pc:docMk/>
+            <pc:sldMk cId="4217511243" sldId="295"/>
+            <ac:spMk id="8" creationId="{33BDB11F-F903-D05A-6BD8-71A61E8810F5}"/>
+          </ac:spMkLst>
+        </pc:spChg>
+        <pc:picChg chg="del">
+          <ac:chgData name="Harrison, David" userId="4460236b-8b4e-4afe-9cfa-4abcba17e55c" providerId="ADAL" clId="{B5FBFEB0-C1FE-48AB-A337-12350F9C07AD}" dt="2024-11-09T19:31:17.151" v="10363" actId="478"/>
+          <ac:picMkLst>
+            <pc:docMk/>
+            <pc:sldMk cId="4217511243" sldId="295"/>
+            <ac:picMk id="5" creationId="{CF562242-9D75-530E-B60B-045BC97AD56F}"/>
+          </ac:picMkLst>
+        </pc:picChg>
+        <pc:picChg chg="del">
+          <ac:chgData name="Harrison, David" userId="4460236b-8b4e-4afe-9cfa-4abcba17e55c" providerId="ADAL" clId="{B5FBFEB0-C1FE-48AB-A337-12350F9C07AD}" dt="2024-11-09T19:31:16.335" v="10362" actId="478"/>
+          <ac:picMkLst>
+            <pc:docMk/>
+            <pc:sldMk cId="4217511243" sldId="295"/>
+            <ac:picMk id="7" creationId="{F7286091-445B-761A-BB9F-2C34FE484CBF}"/>
+          </ac:picMkLst>
+        </pc:picChg>
+      </pc:sldChg>
+      <pc:sldChg chg="addSp delSp modSp add mod ord">
+        <pc:chgData name="Harrison, David" userId="4460236b-8b4e-4afe-9cfa-4abcba17e55c" providerId="ADAL" clId="{B5FBFEB0-C1FE-48AB-A337-12350F9C07AD}" dt="2024-11-09T19:38:26.923" v="10846" actId="1076"/>
+        <pc:sldMkLst>
+          <pc:docMk/>
+          <pc:sldMk cId="2184700999" sldId="296"/>
+        </pc:sldMkLst>
+        <pc:spChg chg="mod">
+          <ac:chgData name="Harrison, David" userId="4460236b-8b4e-4afe-9cfa-4abcba17e55c" providerId="ADAL" clId="{B5FBFEB0-C1FE-48AB-A337-12350F9C07AD}" dt="2024-11-09T19:36:55.099" v="10842" actId="20577"/>
+          <ac:spMkLst>
+            <pc:docMk/>
+            <pc:sldMk cId="2184700999" sldId="296"/>
+            <ac:spMk id="3" creationId="{4537107A-5F7D-B782-13EA-28E0819C5BD6}"/>
+          </ac:spMkLst>
+        </pc:spChg>
+        <pc:picChg chg="del">
+          <ac:chgData name="Harrison, David" userId="4460236b-8b4e-4afe-9cfa-4abcba17e55c" providerId="ADAL" clId="{B5FBFEB0-C1FE-48AB-A337-12350F9C07AD}" dt="2024-11-09T19:38:19.208" v="10843" actId="478"/>
+          <ac:picMkLst>
+            <pc:docMk/>
+            <pc:sldMk cId="2184700999" sldId="296"/>
+            <ac:picMk id="5" creationId="{D9C19AD7-1A8E-8D58-C840-0FD1B0609289}"/>
+          </ac:picMkLst>
+        </pc:picChg>
+        <pc:picChg chg="add mod">
+          <ac:chgData name="Harrison, David" userId="4460236b-8b4e-4afe-9cfa-4abcba17e55c" providerId="ADAL" clId="{B5FBFEB0-C1FE-48AB-A337-12350F9C07AD}" dt="2024-11-09T19:36:08.253" v="10624" actId="1076"/>
+          <ac:picMkLst>
+            <pc:docMk/>
+            <pc:sldMk cId="2184700999" sldId="296"/>
+            <ac:picMk id="6" creationId="{7AA95FF1-DA62-C7B9-C8FF-560FCA1D466A}"/>
+          </ac:picMkLst>
+        </pc:picChg>
+        <pc:picChg chg="del">
+          <ac:chgData name="Harrison, David" userId="4460236b-8b4e-4afe-9cfa-4abcba17e55c" providerId="ADAL" clId="{B5FBFEB0-C1FE-48AB-A337-12350F9C07AD}" dt="2024-11-09T19:35:51.046" v="10620" actId="478"/>
+          <ac:picMkLst>
+            <pc:docMk/>
+            <pc:sldMk cId="2184700999" sldId="296"/>
+            <ac:picMk id="7" creationId="{EA064BB3-2B1A-1E1E-FF67-BC7F33CA6D6B}"/>
+          </ac:picMkLst>
+        </pc:picChg>
+        <pc:picChg chg="add mod">
+          <ac:chgData name="Harrison, David" userId="4460236b-8b4e-4afe-9cfa-4abcba17e55c" providerId="ADAL" clId="{B5FBFEB0-C1FE-48AB-A337-12350F9C07AD}" dt="2024-11-09T19:38:26.923" v="10846" actId="1076"/>
+          <ac:picMkLst>
+            <pc:docMk/>
+            <pc:sldMk cId="2184700999" sldId="296"/>
+            <ac:picMk id="10" creationId="{562966C9-A0BF-5D92-8E60-2B5373273C40}"/>
+          </ac:picMkLst>
+        </pc:picChg>
+      </pc:sldChg>
+      <pc:sldChg chg="addSp modSp add mod ord">
+        <pc:chgData name="Harrison, David" userId="4460236b-8b4e-4afe-9cfa-4abcba17e55c" providerId="ADAL" clId="{B5FBFEB0-C1FE-48AB-A337-12350F9C07AD}" dt="2024-11-09T19:42:22.328" v="11195" actId="14100"/>
+        <pc:sldMkLst>
+          <pc:docMk/>
+          <pc:sldMk cId="2988765166" sldId="297"/>
+        </pc:sldMkLst>
+        <pc:spChg chg="mod">
+          <ac:chgData name="Harrison, David" userId="4460236b-8b4e-4afe-9cfa-4abcba17e55c" providerId="ADAL" clId="{B5FBFEB0-C1FE-48AB-A337-12350F9C07AD}" dt="2024-11-09T19:42:09.920" v="11191" actId="20577"/>
+          <ac:spMkLst>
+            <pc:docMk/>
+            <pc:sldMk cId="2988765166" sldId="297"/>
+            <ac:spMk id="3" creationId="{F8874847-E569-F69B-C40D-D8C81D055185}"/>
+          </ac:spMkLst>
+        </pc:spChg>
+        <pc:picChg chg="add mod">
+          <ac:chgData name="Harrison, David" userId="4460236b-8b4e-4afe-9cfa-4abcba17e55c" providerId="ADAL" clId="{B5FBFEB0-C1FE-48AB-A337-12350F9C07AD}" dt="2024-11-09T19:42:22.328" v="11195" actId="14100"/>
+          <ac:picMkLst>
+            <pc:docMk/>
+            <pc:sldMk cId="2988765166" sldId="297"/>
+            <ac:picMk id="5" creationId="{939D6586-774D-56DE-AFBE-110D308ABFA8}"/>
+          </ac:picMkLst>
+        </pc:picChg>
       </pc:sldChg>
     </pc:docChg>
   </pc:docChgLst>
@@ -7063,15 +7564,7 @@
             </a:br>
             <a:r>
               <a:rPr lang="en-ZA" dirty="0"/>
-              <a:t>Effect of CO2 </a:t>
-            </a:r>
-            <a:r>
-              <a:rPr lang="en-ZA" dirty="0" err="1"/>
-              <a:t>Emissionson</a:t>
-            </a:r>
-            <a:r>
-              <a:rPr lang="en-ZA" dirty="0"/>
-              <a:t> on Temperature</a:t>
+              <a:t>Effect of CO2 Emissions on on Temperature</a:t>
             </a:r>
           </a:p>
         </p:txBody>
@@ -7300,134 +7793,6 @@
         <p:cNvPr id="1" name="">
           <a:extLst>
             <a:ext uri="{FF2B5EF4-FFF2-40B4-BE49-F238E27FC236}">
-              <a16:creationId xmlns:a16="http://schemas.microsoft.com/office/drawing/2014/main" id="{A85DBBEB-7809-7035-9A34-5E3CEDA4D692}"/>
-            </a:ext>
-          </a:extLst>
-        </p:cNvPr>
-        <p:cNvGrpSpPr/>
-        <p:nvPr/>
-      </p:nvGrpSpPr>
-      <p:grpSpPr>
-        <a:xfrm>
-          <a:off x="0" y="0"/>
-          <a:ext cx="0" cy="0"/>
-          <a:chOff x="0" y="0"/>
-          <a:chExt cx="0" cy="0"/>
-        </a:xfrm>
-      </p:grpSpPr>
-      <p:sp>
-        <p:nvSpPr>
-          <p:cNvPr id="2" name="Title 1">
-            <a:extLst>
-              <a:ext uri="{FF2B5EF4-FFF2-40B4-BE49-F238E27FC236}">
-                <a16:creationId xmlns:a16="http://schemas.microsoft.com/office/drawing/2014/main" id="{0C4BA710-FD6C-0E3A-29CF-E2E29F861FF7}"/>
-              </a:ext>
-            </a:extLst>
-          </p:cNvPr>
-          <p:cNvSpPr>
-            <a:spLocks noGrp="1"/>
-          </p:cNvSpPr>
-          <p:nvPr>
-            <p:ph type="title"/>
-          </p:nvPr>
-        </p:nvSpPr>
-        <p:spPr>
-          <a:xfrm>
-            <a:off x="913795" y="609600"/>
-            <a:ext cx="3706889" cy="457201"/>
-          </a:xfrm>
-        </p:spPr>
-        <p:txBody>
-          <a:bodyPr/>
-          <a:lstStyle/>
-          <a:p>
-            <a:r>
-              <a:rPr lang="en-ZA" dirty="0"/>
-              <a:t>Total Population 2020</a:t>
-            </a:r>
-          </a:p>
-        </p:txBody>
-      </p:sp>
-      <p:sp>
-        <p:nvSpPr>
-          <p:cNvPr id="4" name="Text Placeholder 3">
-            <a:extLst>
-              <a:ext uri="{FF2B5EF4-FFF2-40B4-BE49-F238E27FC236}">
-                <a16:creationId xmlns:a16="http://schemas.microsoft.com/office/drawing/2014/main" id="{7D41A7F7-9F49-5255-9BE7-B35EC02D416B}"/>
-              </a:ext>
-            </a:extLst>
-          </p:cNvPr>
-          <p:cNvSpPr>
-            <a:spLocks noGrp="1"/>
-          </p:cNvSpPr>
-          <p:nvPr>
-            <p:ph type="body" sz="half" idx="2"/>
-          </p:nvPr>
-        </p:nvSpPr>
-        <p:spPr>
-          <a:xfrm>
-            <a:off x="913795" y="1087954"/>
-            <a:ext cx="3706889" cy="4703246"/>
-          </a:xfrm>
-        </p:spPr>
-        <p:txBody>
-          <a:bodyPr/>
-          <a:lstStyle/>
-          <a:p>
-            <a:pPr marL="285750" indent="-285750" algn="l">
-              <a:buFont typeface="Arial" panose="020B0604020202020204" pitchFamily="34" charset="0"/>
-              <a:buChar char="•"/>
-            </a:pPr>
-            <a:endParaRPr lang="en-ZA" dirty="0"/>
-          </a:p>
-        </p:txBody>
-      </p:sp>
-      <p:sp>
-        <p:nvSpPr>
-          <p:cNvPr id="5" name="Content Placeholder 4">
-            <a:extLst>
-              <a:ext uri="{FF2B5EF4-FFF2-40B4-BE49-F238E27FC236}">
-                <a16:creationId xmlns:a16="http://schemas.microsoft.com/office/drawing/2014/main" id="{9E044B2C-6883-44DE-B6FF-5095DD18918A}"/>
-              </a:ext>
-            </a:extLst>
-          </p:cNvPr>
-          <p:cNvSpPr>
-            <a:spLocks noGrp="1"/>
-          </p:cNvSpPr>
-          <p:nvPr>
-            <p:ph idx="1"/>
-          </p:nvPr>
-        </p:nvSpPr>
-        <p:spPr/>
-        <p:txBody>
-          <a:bodyPr/>
-          <a:lstStyle/>
-          <a:p>
-            <a:endParaRPr lang="en-ZA"/>
-          </a:p>
-        </p:txBody>
-      </p:sp>
-    </p:spTree>
-    <p:extLst>
-      <p:ext uri="{BB962C8B-B14F-4D97-AF65-F5344CB8AC3E}">
-        <p14:creationId xmlns:p14="http://schemas.microsoft.com/office/powerpoint/2010/main" val="82315988"/>
-      </p:ext>
-    </p:extLst>
-  </p:cSld>
-  <p:clrMapOvr>
-    <a:masterClrMapping/>
-  </p:clrMapOvr>
-</p:sld>
-</file>
-
-<file path=ppt/slides/slide12.xml><?xml version="1.0" encoding="utf-8"?>
-<p:sld xmlns:a="http://schemas.openxmlformats.org/drawingml/2006/main" xmlns:r="http://schemas.openxmlformats.org/officeDocument/2006/relationships" xmlns:p="http://schemas.openxmlformats.org/presentationml/2006/main">
-  <p:cSld>
-    <p:spTree>
-      <p:nvGrpSpPr>
-        <p:cNvPr id="1" name="">
-          <a:extLst>
-            <a:ext uri="{FF2B5EF4-FFF2-40B4-BE49-F238E27FC236}">
               <a16:creationId xmlns:a16="http://schemas.microsoft.com/office/drawing/2014/main" id="{F7BD2933-4FDC-B771-52F2-8AC220D74F20}"/>
             </a:ext>
           </a:extLst>
@@ -7575,7 +7940,7 @@
 </p:sld>
 </file>
 
-<file path=ppt/slides/slide13.xml><?xml version="1.0" encoding="utf-8"?>
+<file path=ppt/slides/slide12.xml><?xml version="1.0" encoding="utf-8"?>
 <p:sld xmlns:a="http://schemas.openxmlformats.org/drawingml/2006/main" xmlns:r="http://schemas.openxmlformats.org/officeDocument/2006/relationships" xmlns:p="http://schemas.openxmlformats.org/presentationml/2006/main">
   <p:cSld>
     <p:spTree>
@@ -7759,7 +8124,7 @@
 </p:sld>
 </file>
 
-<file path=ppt/slides/slide14.xml><?xml version="1.0" encoding="utf-8"?>
+<file path=ppt/slides/slide13.xml><?xml version="1.0" encoding="utf-8"?>
 <p:sld xmlns:a="http://schemas.openxmlformats.org/drawingml/2006/main" xmlns:r="http://schemas.openxmlformats.org/officeDocument/2006/relationships" xmlns:p="http://schemas.openxmlformats.org/presentationml/2006/main">
   <p:cSld>
     <p:spTree>
@@ -8335,7 +8700,7 @@
 </p:sld>
 </file>
 
-<file path=ppt/slides/slide15.xml><?xml version="1.0" encoding="utf-8"?>
+<file path=ppt/slides/slide14.xml><?xml version="1.0" encoding="utf-8"?>
 <p:sld xmlns:a="http://schemas.openxmlformats.org/drawingml/2006/main" xmlns:r="http://schemas.openxmlformats.org/officeDocument/2006/relationships" xmlns:p="http://schemas.openxmlformats.org/presentationml/2006/main">
   <p:cSld>
     <p:spTree>
@@ -8418,7 +8783,7 @@
 </p:sld>
 </file>
 
-<file path=ppt/slides/slide16.xml><?xml version="1.0" encoding="utf-8"?>
+<file path=ppt/slides/slide15.xml><?xml version="1.0" encoding="utf-8"?>
 <p:sld xmlns:a="http://schemas.openxmlformats.org/drawingml/2006/main" xmlns:r="http://schemas.openxmlformats.org/officeDocument/2006/relationships" xmlns:p="http://schemas.openxmlformats.org/presentationml/2006/main">
   <p:cSld>
     <p:spTree>
@@ -8589,7 +8954,7 @@
 </p:sld>
 </file>
 
-<file path=ppt/slides/slide17.xml><?xml version="1.0" encoding="utf-8"?>
+<file path=ppt/slides/slide16.xml><?xml version="1.0" encoding="utf-8"?>
 <p:sld xmlns:a="http://schemas.openxmlformats.org/drawingml/2006/main" xmlns:r="http://schemas.openxmlformats.org/officeDocument/2006/relationships" xmlns:p="http://schemas.openxmlformats.org/presentationml/2006/main">
   <p:cSld>
     <p:spTree>
@@ -8798,7 +9163,7 @@
 </p:sld>
 </file>
 
-<file path=ppt/slides/slide18.xml><?xml version="1.0" encoding="utf-8"?>
+<file path=ppt/slides/slide17.xml><?xml version="1.0" encoding="utf-8"?>
 <p:sld xmlns:a="http://schemas.openxmlformats.org/drawingml/2006/main" xmlns:r="http://schemas.openxmlformats.org/officeDocument/2006/relationships" xmlns:p="http://schemas.openxmlformats.org/presentationml/2006/main">
   <p:cSld>
     <p:spTree>
@@ -8969,7 +9334,7 @@
 </p:sld>
 </file>
 
-<file path=ppt/slides/slide19.xml><?xml version="1.0" encoding="utf-8"?>
+<file path=ppt/slides/slide18.xml><?xml version="1.0" encoding="utf-8"?>
 <p:sld xmlns:a="http://schemas.openxmlformats.org/drawingml/2006/main" xmlns:r="http://schemas.openxmlformats.org/officeDocument/2006/relationships" xmlns:p="http://schemas.openxmlformats.org/presentationml/2006/main">
   <p:cSld>
     <p:spTree>
@@ -9027,12 +9392,348 @@
           </a:p>
         </p:txBody>
       </p:sp>
+      <p:sp>
+        <p:nvSpPr>
+          <p:cNvPr id="8" name="TextBox 7">
+            <a:extLst>
+              <a:ext uri="{FF2B5EF4-FFF2-40B4-BE49-F238E27FC236}">
+                <a16:creationId xmlns:a16="http://schemas.microsoft.com/office/drawing/2014/main" id="{761F5F21-E902-E63D-CA6E-1411AF3C2C4F}"/>
+              </a:ext>
+            </a:extLst>
+          </p:cNvPr>
+          <p:cNvSpPr txBox="1"/>
+          <p:nvPr/>
+        </p:nvSpPr>
+        <p:spPr>
+          <a:xfrm>
+            <a:off x="265470" y="926762"/>
+            <a:ext cx="2281084" cy="369332"/>
+          </a:xfrm>
+          <a:prstGeom prst="rect">
+            <a:avLst/>
+          </a:prstGeom>
+          <a:noFill/>
+        </p:spPr>
+        <p:txBody>
+          <a:bodyPr wrap="square" rtlCol="0">
+            <a:spAutoFit/>
+          </a:bodyPr>
+          <a:lstStyle/>
+          <a:p>
+            <a:r>
+              <a:rPr lang="en-ZA" dirty="0"/>
+              <a:t>Skewness:</a:t>
+            </a:r>
+          </a:p>
+        </p:txBody>
+      </p:sp>
+      <p:sp>
+        <p:nvSpPr>
+          <p:cNvPr id="11" name="TextBox 10">
+            <a:extLst>
+              <a:ext uri="{FF2B5EF4-FFF2-40B4-BE49-F238E27FC236}">
+                <a16:creationId xmlns:a16="http://schemas.microsoft.com/office/drawing/2014/main" id="{C0C48573-54F8-DA39-DFB6-CA9A0768C26A}"/>
+              </a:ext>
+            </a:extLst>
+          </p:cNvPr>
+          <p:cNvSpPr txBox="1"/>
+          <p:nvPr/>
+        </p:nvSpPr>
+        <p:spPr>
+          <a:xfrm>
+            <a:off x="3194879" y="995588"/>
+            <a:ext cx="2281084" cy="369332"/>
+          </a:xfrm>
+          <a:prstGeom prst="rect">
+            <a:avLst/>
+          </a:prstGeom>
+          <a:noFill/>
+        </p:spPr>
+        <p:txBody>
+          <a:bodyPr wrap="square" rtlCol="0">
+            <a:spAutoFit/>
+          </a:bodyPr>
+          <a:lstStyle/>
+          <a:p>
+            <a:r>
+              <a:rPr lang="en-ZA" dirty="0"/>
+              <a:t>Kurtosis:</a:t>
+            </a:r>
+          </a:p>
+        </p:txBody>
+      </p:sp>
       <p:pic>
         <p:nvPicPr>
-          <p:cNvPr id="7" name="Picture 6">
+          <p:cNvPr id="4" name="Picture 3">
             <a:extLst>
               <a:ext uri="{FF2B5EF4-FFF2-40B4-BE49-F238E27FC236}">
-                <a16:creationId xmlns:a16="http://schemas.microsoft.com/office/drawing/2014/main" id="{FB3BD2AC-9C5D-689A-A4C9-7FEA6A050190}"/>
+                <a16:creationId xmlns:a16="http://schemas.microsoft.com/office/drawing/2014/main" id="{99DBD4EE-A8D3-DA75-E0AA-37E11A93B3F5}"/>
+              </a:ext>
+            </a:extLst>
+          </p:cNvPr>
+          <p:cNvPicPr>
+            <a:picLocks noChangeAspect="1"/>
+          </p:cNvPicPr>
+          <p:nvPr/>
+        </p:nvPicPr>
+        <p:blipFill>
+          <a:blip r:embed="rId2"/>
+          <a:stretch>
+            <a:fillRect/>
+          </a:stretch>
+        </p:blipFill>
+        <p:spPr>
+          <a:xfrm>
+            <a:off x="265470" y="1396945"/>
+            <a:ext cx="2400508" cy="4534293"/>
+          </a:xfrm>
+          <a:prstGeom prst="rect">
+            <a:avLst/>
+          </a:prstGeom>
+        </p:spPr>
+      </p:pic>
+      <p:pic>
+        <p:nvPicPr>
+          <p:cNvPr id="6" name="Picture 5">
+            <a:extLst>
+              <a:ext uri="{FF2B5EF4-FFF2-40B4-BE49-F238E27FC236}">
+                <a16:creationId xmlns:a16="http://schemas.microsoft.com/office/drawing/2014/main" id="{19F59C53-5506-2F0F-F9D3-05FDF2F4FAE2}"/>
+              </a:ext>
+            </a:extLst>
+          </p:cNvPr>
+          <p:cNvPicPr>
+            <a:picLocks noChangeAspect="1"/>
+          </p:cNvPicPr>
+          <p:nvPr/>
+        </p:nvPicPr>
+        <p:blipFill>
+          <a:blip r:embed="rId3"/>
+          <a:stretch>
+            <a:fillRect/>
+          </a:stretch>
+        </p:blipFill>
+        <p:spPr>
+          <a:xfrm>
+            <a:off x="3194879" y="1396945"/>
+            <a:ext cx="2499577" cy="4572396"/>
+          </a:xfrm>
+          <a:prstGeom prst="rect">
+            <a:avLst/>
+          </a:prstGeom>
+        </p:spPr>
+      </p:pic>
+      <p:pic>
+        <p:nvPicPr>
+          <p:cNvPr id="12" name="Picture 11">
+            <a:extLst>
+              <a:ext uri="{FF2B5EF4-FFF2-40B4-BE49-F238E27FC236}">
+                <a16:creationId xmlns:a16="http://schemas.microsoft.com/office/drawing/2014/main" id="{CB178B15-0563-171F-ABEB-9340BA48E2C0}"/>
+              </a:ext>
+            </a:extLst>
+          </p:cNvPr>
+          <p:cNvPicPr>
+            <a:picLocks noChangeAspect="1"/>
+          </p:cNvPicPr>
+          <p:nvPr/>
+        </p:nvPicPr>
+        <p:blipFill>
+          <a:blip r:embed="rId4"/>
+          <a:stretch>
+            <a:fillRect/>
+          </a:stretch>
+        </p:blipFill>
+        <p:spPr>
+          <a:xfrm>
+            <a:off x="6585760" y="1396945"/>
+            <a:ext cx="5122157" cy="4753897"/>
+          </a:xfrm>
+          <a:prstGeom prst="rect">
+            <a:avLst/>
+          </a:prstGeom>
+        </p:spPr>
+      </p:pic>
+      <p:sp>
+        <p:nvSpPr>
+          <p:cNvPr id="14" name="TextBox 13">
+            <a:extLst>
+              <a:ext uri="{FF2B5EF4-FFF2-40B4-BE49-F238E27FC236}">
+                <a16:creationId xmlns:a16="http://schemas.microsoft.com/office/drawing/2014/main" id="{01E930CD-2752-B4C7-DA7C-5F63C1496779}"/>
+              </a:ext>
+            </a:extLst>
+          </p:cNvPr>
+          <p:cNvSpPr txBox="1"/>
+          <p:nvPr/>
+        </p:nvSpPr>
+        <p:spPr>
+          <a:xfrm>
+            <a:off x="6585760" y="926762"/>
+            <a:ext cx="2281084" cy="369332"/>
+          </a:xfrm>
+          <a:prstGeom prst="rect">
+            <a:avLst/>
+          </a:prstGeom>
+          <a:noFill/>
+        </p:spPr>
+        <p:txBody>
+          <a:bodyPr wrap="square" rtlCol="0">
+            <a:spAutoFit/>
+          </a:bodyPr>
+          <a:lstStyle/>
+          <a:p>
+            <a:r>
+              <a:rPr lang="en-ZA" dirty="0"/>
+              <a:t>Density Plots:</a:t>
+            </a:r>
+          </a:p>
+        </p:txBody>
+      </p:sp>
+    </p:spTree>
+    <p:extLst>
+      <p:ext uri="{BB962C8B-B14F-4D97-AF65-F5344CB8AC3E}">
+        <p14:creationId xmlns:p14="http://schemas.microsoft.com/office/powerpoint/2010/main" val="1517987339"/>
+      </p:ext>
+    </p:extLst>
+  </p:cSld>
+  <p:clrMapOvr>
+    <a:masterClrMapping/>
+  </p:clrMapOvr>
+</p:sld>
+</file>
+
+<file path=ppt/slides/slide19.xml><?xml version="1.0" encoding="utf-8"?>
+<p:sld xmlns:a="http://schemas.openxmlformats.org/drawingml/2006/main" xmlns:r="http://schemas.openxmlformats.org/officeDocument/2006/relationships" xmlns:p="http://schemas.openxmlformats.org/presentationml/2006/main">
+  <p:cSld>
+    <p:spTree>
+      <p:nvGrpSpPr>
+        <p:cNvPr id="1" name="">
+          <a:extLst>
+            <a:ext uri="{FF2B5EF4-FFF2-40B4-BE49-F238E27FC236}">
+              <a16:creationId xmlns:a16="http://schemas.microsoft.com/office/drawing/2014/main" id="{6F2ECCDC-E68E-83FE-0D02-08E6A8DDCA8A}"/>
+            </a:ext>
+          </a:extLst>
+        </p:cNvPr>
+        <p:cNvGrpSpPr/>
+        <p:nvPr/>
+      </p:nvGrpSpPr>
+      <p:grpSpPr>
+        <a:xfrm>
+          <a:off x="0" y="0"/>
+          <a:ext cx="0" cy="0"/>
+          <a:chOff x="0" y="0"/>
+          <a:chExt cx="0" cy="0"/>
+        </a:xfrm>
+      </p:grpSpPr>
+      <p:sp>
+        <p:nvSpPr>
+          <p:cNvPr id="2" name="Title 1">
+            <a:extLst>
+              <a:ext uri="{FF2B5EF4-FFF2-40B4-BE49-F238E27FC236}">
+                <a16:creationId xmlns:a16="http://schemas.microsoft.com/office/drawing/2014/main" id="{D20DBF7D-F966-D9BE-4AEF-DD81877B3414}"/>
+              </a:ext>
+            </a:extLst>
+          </p:cNvPr>
+          <p:cNvSpPr>
+            <a:spLocks noGrp="1"/>
+          </p:cNvSpPr>
+          <p:nvPr>
+            <p:ph type="title"/>
+          </p:nvPr>
+        </p:nvSpPr>
+        <p:spPr>
+          <a:xfrm>
+            <a:off x="913795" y="140978"/>
+            <a:ext cx="10353762" cy="970450"/>
+          </a:xfrm>
+        </p:spPr>
+        <p:txBody>
+          <a:bodyPr>
+            <a:normAutofit/>
+          </a:bodyPr>
+          <a:lstStyle/>
+          <a:p>
+            <a:r>
+              <a:rPr lang="en-ZA" b="1" dirty="0"/>
+              <a:t>Filtered Data (analysis)</a:t>
+            </a:r>
+          </a:p>
+        </p:txBody>
+      </p:sp>
+      <p:sp>
+        <p:nvSpPr>
+          <p:cNvPr id="8" name="TextBox 7">
+            <a:extLst>
+              <a:ext uri="{FF2B5EF4-FFF2-40B4-BE49-F238E27FC236}">
+                <a16:creationId xmlns:a16="http://schemas.microsoft.com/office/drawing/2014/main" id="{B2F206A2-1ED1-B780-0683-209A6886F027}"/>
+              </a:ext>
+            </a:extLst>
+          </p:cNvPr>
+          <p:cNvSpPr txBox="1"/>
+          <p:nvPr/>
+        </p:nvSpPr>
+        <p:spPr>
+          <a:xfrm>
+            <a:off x="265470" y="926762"/>
+            <a:ext cx="2281084" cy="369332"/>
+          </a:xfrm>
+          <a:prstGeom prst="rect">
+            <a:avLst/>
+          </a:prstGeom>
+          <a:noFill/>
+        </p:spPr>
+        <p:txBody>
+          <a:bodyPr wrap="square" rtlCol="0">
+            <a:spAutoFit/>
+          </a:bodyPr>
+          <a:lstStyle/>
+          <a:p>
+            <a:r>
+              <a:rPr lang="en-ZA" dirty="0"/>
+              <a:t>Correlation:</a:t>
+            </a:r>
+          </a:p>
+        </p:txBody>
+      </p:sp>
+      <p:sp>
+        <p:nvSpPr>
+          <p:cNvPr id="11" name="TextBox 10">
+            <a:extLst>
+              <a:ext uri="{FF2B5EF4-FFF2-40B4-BE49-F238E27FC236}">
+                <a16:creationId xmlns:a16="http://schemas.microsoft.com/office/drawing/2014/main" id="{DCAA8494-DC95-8FB0-739E-8F2E62AE0115}"/>
+              </a:ext>
+            </a:extLst>
+          </p:cNvPr>
+          <p:cNvSpPr txBox="1"/>
+          <p:nvPr/>
+        </p:nvSpPr>
+        <p:spPr>
+          <a:xfrm>
+            <a:off x="4733908" y="944663"/>
+            <a:ext cx="2281084" cy="369332"/>
+          </a:xfrm>
+          <a:prstGeom prst="rect">
+            <a:avLst/>
+          </a:prstGeom>
+          <a:noFill/>
+        </p:spPr>
+        <p:txBody>
+          <a:bodyPr wrap="square" rtlCol="0">
+            <a:spAutoFit/>
+          </a:bodyPr>
+          <a:lstStyle/>
+          <a:p>
+            <a:r>
+              <a:rPr lang="en-ZA" dirty="0"/>
+              <a:t>Heatmap:</a:t>
+            </a:r>
+          </a:p>
+        </p:txBody>
+      </p:sp>
+      <p:pic>
+        <p:nvPicPr>
+          <p:cNvPr id="5" name="Picture 4">
+            <a:extLst>
+              <a:ext uri="{FF2B5EF4-FFF2-40B4-BE49-F238E27FC236}">
+                <a16:creationId xmlns:a16="http://schemas.microsoft.com/office/drawing/2014/main" id="{602ADB27-406D-195B-E5A1-464D17A415F9}"/>
               </a:ext>
             </a:extLst>
           </p:cNvPr>
@@ -9050,54 +9751,19 @@
         <p:spPr>
           <a:xfrm>
             <a:off x="265470" y="1364920"/>
-            <a:ext cx="2339543" cy="3833192"/>
+            <a:ext cx="3490262" cy="4389500"/>
           </a:xfrm>
           <a:prstGeom prst="rect">
             <a:avLst/>
           </a:prstGeom>
         </p:spPr>
       </p:pic>
-      <p:sp>
-        <p:nvSpPr>
-          <p:cNvPr id="8" name="TextBox 7">
+      <p:pic>
+        <p:nvPicPr>
+          <p:cNvPr id="9" name="Picture 8">
             <a:extLst>
               <a:ext uri="{FF2B5EF4-FFF2-40B4-BE49-F238E27FC236}">
-                <a16:creationId xmlns:a16="http://schemas.microsoft.com/office/drawing/2014/main" id="{761F5F21-E902-E63D-CA6E-1411AF3C2C4F}"/>
-              </a:ext>
-            </a:extLst>
-          </p:cNvPr>
-          <p:cNvSpPr txBox="1"/>
-          <p:nvPr/>
-        </p:nvSpPr>
-        <p:spPr>
-          <a:xfrm>
-            <a:off x="265470" y="926762"/>
-            <a:ext cx="2281084" cy="369332"/>
-          </a:xfrm>
-          <a:prstGeom prst="rect">
-            <a:avLst/>
-          </a:prstGeom>
-          <a:noFill/>
-        </p:spPr>
-        <p:txBody>
-          <a:bodyPr wrap="square" rtlCol="0">
-            <a:spAutoFit/>
-          </a:bodyPr>
-          <a:lstStyle/>
-          <a:p>
-            <a:r>
-              <a:rPr lang="en-ZA" dirty="0"/>
-              <a:t>Skewness:</a:t>
-            </a:r>
-          </a:p>
-        </p:txBody>
-      </p:sp>
-      <p:pic>
-        <p:nvPicPr>
-          <p:cNvPr id="10" name="Picture 9">
-            <a:extLst>
-              <a:ext uri="{FF2B5EF4-FFF2-40B4-BE49-F238E27FC236}">
-                <a16:creationId xmlns:a16="http://schemas.microsoft.com/office/drawing/2014/main" id="{AF73CCFD-C5F6-3895-9F65-1629936B1156}"/>
+                <a16:creationId xmlns:a16="http://schemas.microsoft.com/office/drawing/2014/main" id="{1075C109-05E3-98B6-F120-CD05E7DB090A}"/>
               </a:ext>
             </a:extLst>
           </p:cNvPr>
@@ -9114,73 +9780,8 @@
         </p:blipFill>
         <p:spPr>
           <a:xfrm>
-            <a:off x="3720651" y="1364920"/>
-            <a:ext cx="2370025" cy="3856054"/>
-          </a:xfrm>
-          <a:prstGeom prst="rect">
-            <a:avLst/>
-          </a:prstGeom>
-        </p:spPr>
-      </p:pic>
-      <p:sp>
-        <p:nvSpPr>
-          <p:cNvPr id="11" name="TextBox 10">
-            <a:extLst>
-              <a:ext uri="{FF2B5EF4-FFF2-40B4-BE49-F238E27FC236}">
-                <a16:creationId xmlns:a16="http://schemas.microsoft.com/office/drawing/2014/main" id="{C0C48573-54F8-DA39-DFB6-CA9A0768C26A}"/>
-              </a:ext>
-            </a:extLst>
-          </p:cNvPr>
-          <p:cNvSpPr txBox="1"/>
-          <p:nvPr/>
-        </p:nvSpPr>
-        <p:spPr>
-          <a:xfrm>
-            <a:off x="3662192" y="995588"/>
-            <a:ext cx="2281084" cy="369332"/>
-          </a:xfrm>
-          <a:prstGeom prst="rect">
-            <a:avLst/>
-          </a:prstGeom>
-          <a:noFill/>
-        </p:spPr>
-        <p:txBody>
-          <a:bodyPr wrap="square" rtlCol="0">
-            <a:spAutoFit/>
-          </a:bodyPr>
-          <a:lstStyle/>
-          <a:p>
-            <a:r>
-              <a:rPr lang="en-ZA" dirty="0"/>
-              <a:t>Kurtosis:</a:t>
-            </a:r>
-          </a:p>
-        </p:txBody>
-      </p:sp>
-      <p:pic>
-        <p:nvPicPr>
-          <p:cNvPr id="13" name="Picture 12">
-            <a:extLst>
-              <a:ext uri="{FF2B5EF4-FFF2-40B4-BE49-F238E27FC236}">
-                <a16:creationId xmlns:a16="http://schemas.microsoft.com/office/drawing/2014/main" id="{FAD4DBEE-E1E2-1116-D041-97154F935B86}"/>
-              </a:ext>
-            </a:extLst>
-          </p:cNvPr>
-          <p:cNvPicPr>
-            <a:picLocks noChangeAspect="1"/>
-          </p:cNvPicPr>
-          <p:nvPr/>
-        </p:nvPicPr>
-        <p:blipFill>
-          <a:blip r:embed="rId4"/>
-          <a:stretch>
-            <a:fillRect/>
-          </a:stretch>
-        </p:blipFill>
-        <p:spPr>
-          <a:xfrm>
-            <a:off x="6391211" y="1364920"/>
-            <a:ext cx="5535319" cy="5137355"/>
+            <a:off x="4814940" y="1364920"/>
+            <a:ext cx="6521654" cy="5203141"/>
           </a:xfrm>
           <a:prstGeom prst="rect">
             <a:avLst/>
@@ -9190,7 +9791,7 @@
     </p:spTree>
     <p:extLst>
       <p:ext uri="{BB962C8B-B14F-4D97-AF65-F5344CB8AC3E}">
-        <p14:creationId xmlns:p14="http://schemas.microsoft.com/office/powerpoint/2010/main" val="1517987339"/>
+        <p14:creationId xmlns:p14="http://schemas.microsoft.com/office/powerpoint/2010/main" val="1779189164"/>
       </p:ext>
     </p:extLst>
   </p:cSld>
@@ -9323,7 +9924,7 @@
         <p:cNvPr id="1" name="">
           <a:extLst>
             <a:ext uri="{FF2B5EF4-FFF2-40B4-BE49-F238E27FC236}">
-              <a16:creationId xmlns:a16="http://schemas.microsoft.com/office/drawing/2014/main" id="{6F2ECCDC-E68E-83FE-0D02-08E6A8DDCA8A}"/>
+              <a16:creationId xmlns:a16="http://schemas.microsoft.com/office/drawing/2014/main" id="{F5584B24-48E8-A930-317C-6FF60AA51700}"/>
             </a:ext>
           </a:extLst>
         </p:cNvPr>
@@ -9343,7 +9944,7 @@
           <p:cNvPr id="2" name="Title 1">
             <a:extLst>
               <a:ext uri="{FF2B5EF4-FFF2-40B4-BE49-F238E27FC236}">
-                <a16:creationId xmlns:a16="http://schemas.microsoft.com/office/drawing/2014/main" id="{D20DBF7D-F966-D9BE-4AEF-DD81877B3414}"/>
+                <a16:creationId xmlns:a16="http://schemas.microsoft.com/office/drawing/2014/main" id="{43DBE0A6-87BD-1C3B-C197-D0CE02EFEB05}"/>
               </a:ext>
             </a:extLst>
           </p:cNvPr>
@@ -9354,12 +9955,7 @@
             <p:ph type="title"/>
           </p:nvPr>
         </p:nvSpPr>
-        <p:spPr>
-          <a:xfrm>
-            <a:off x="913795" y="140978"/>
-            <a:ext cx="10353762" cy="970450"/>
-          </a:xfrm>
-        </p:spPr>
+        <p:spPr/>
         <p:txBody>
           <a:bodyPr>
             <a:normAutofit/>
@@ -9368,145 +9964,110 @@
           <a:p>
             <a:r>
               <a:rPr lang="en-ZA" b="1" dirty="0"/>
-              <a:t>Filtered Data (analysis)</a:t>
-            </a:r>
-          </a:p>
-        </p:txBody>
-      </p:sp>
-      <p:sp>
-        <p:nvSpPr>
-          <p:cNvPr id="8" name="TextBox 7">
+              <a:t>Grouped by Region Data (analysis)</a:t>
+            </a:r>
+          </a:p>
+        </p:txBody>
+      </p:sp>
+      <p:sp>
+        <p:nvSpPr>
+          <p:cNvPr id="4" name="Text Placeholder 3">
             <a:extLst>
               <a:ext uri="{FF2B5EF4-FFF2-40B4-BE49-F238E27FC236}">
-                <a16:creationId xmlns:a16="http://schemas.microsoft.com/office/drawing/2014/main" id="{B2F206A2-1ED1-B780-0683-209A6886F027}"/>
+                <a16:creationId xmlns:a16="http://schemas.microsoft.com/office/drawing/2014/main" id="{A48697BB-85FD-5C51-7793-F0B3FE24FE3E}"/>
               </a:ext>
             </a:extLst>
           </p:cNvPr>
-          <p:cNvSpPr txBox="1"/>
-          <p:nvPr/>
-        </p:nvSpPr>
-        <p:spPr>
-          <a:xfrm>
-            <a:off x="265470" y="926762"/>
-            <a:ext cx="2281084" cy="369332"/>
-          </a:xfrm>
-          <a:prstGeom prst="rect">
-            <a:avLst/>
-          </a:prstGeom>
-          <a:noFill/>
-        </p:spPr>
-        <p:txBody>
-          <a:bodyPr wrap="square" rtlCol="0">
-            <a:spAutoFit/>
+          <p:cNvSpPr>
+            <a:spLocks noGrp="1"/>
+          </p:cNvSpPr>
+          <p:nvPr>
+            <p:ph idx="1"/>
+          </p:nvPr>
+        </p:nvSpPr>
+        <p:spPr/>
+        <p:txBody>
+          <a:bodyPr>
+            <a:normAutofit/>
           </a:bodyPr>
           <a:lstStyle/>
           <a:p>
-            <a:r>
-              <a:rPr lang="en-ZA" dirty="0"/>
-              <a:t>Correlation:</a:t>
-            </a:r>
-          </a:p>
-        </p:txBody>
-      </p:sp>
-      <p:sp>
-        <p:nvSpPr>
-          <p:cNvPr id="11" name="TextBox 10">
-            <a:extLst>
-              <a:ext uri="{FF2B5EF4-FFF2-40B4-BE49-F238E27FC236}">
-                <a16:creationId xmlns:a16="http://schemas.microsoft.com/office/drawing/2014/main" id="{DCAA8494-DC95-8FB0-739E-8F2E62AE0115}"/>
-              </a:ext>
-            </a:extLst>
-          </p:cNvPr>
-          <p:cNvSpPr txBox="1"/>
-          <p:nvPr/>
-        </p:nvSpPr>
-        <p:spPr>
-          <a:xfrm>
-            <a:off x="4733908" y="944663"/>
-            <a:ext cx="2281084" cy="369332"/>
-          </a:xfrm>
-          <a:prstGeom prst="rect">
-            <a:avLst/>
-          </a:prstGeom>
-          <a:noFill/>
-        </p:spPr>
-        <p:txBody>
-          <a:bodyPr wrap="square" rtlCol="0">
-            <a:spAutoFit/>
-          </a:bodyPr>
-          <a:lstStyle/>
-          <a:p>
-            <a:r>
-              <a:rPr lang="en-ZA" dirty="0"/>
-              <a:t>Heatmap:</a:t>
-            </a:r>
-          </a:p>
-        </p:txBody>
-      </p:sp>
-      <p:pic>
-        <p:nvPicPr>
-          <p:cNvPr id="4" name="Picture 3">
-            <a:extLst>
-              <a:ext uri="{FF2B5EF4-FFF2-40B4-BE49-F238E27FC236}">
-                <a16:creationId xmlns:a16="http://schemas.microsoft.com/office/drawing/2014/main" id="{37EBFF8D-8BC2-69C9-78D7-E727BEF76AC5}"/>
-              </a:ext>
-            </a:extLst>
-          </p:cNvPr>
-          <p:cNvPicPr>
-            <a:picLocks noChangeAspect="1"/>
-          </p:cNvPicPr>
-          <p:nvPr/>
-        </p:nvPicPr>
-        <p:blipFill>
-          <a:blip r:embed="rId2"/>
-          <a:stretch>
-            <a:fillRect/>
-          </a:stretch>
-        </p:blipFill>
-        <p:spPr>
-          <a:xfrm>
-            <a:off x="4802734" y="1364920"/>
-            <a:ext cx="6551333" cy="5324168"/>
-          </a:xfrm>
-          <a:prstGeom prst="rect">
-            <a:avLst/>
-          </a:prstGeom>
-        </p:spPr>
-      </p:pic>
-      <p:pic>
-        <p:nvPicPr>
-          <p:cNvPr id="6" name="Picture 5">
-            <a:extLst>
-              <a:ext uri="{FF2B5EF4-FFF2-40B4-BE49-F238E27FC236}">
-                <a16:creationId xmlns:a16="http://schemas.microsoft.com/office/drawing/2014/main" id="{474317D2-1E13-B0F3-74AD-733383BF68E4}"/>
-              </a:ext>
-            </a:extLst>
-          </p:cNvPr>
-          <p:cNvPicPr>
-            <a:picLocks noChangeAspect="1"/>
-          </p:cNvPicPr>
-          <p:nvPr/>
-        </p:nvPicPr>
-        <p:blipFill>
-          <a:blip r:embed="rId3"/>
-          <a:stretch>
-            <a:fillRect/>
-          </a:stretch>
-        </p:blipFill>
-        <p:spPr>
-          <a:xfrm>
-            <a:off x="265470" y="1364920"/>
-            <a:ext cx="3551228" cy="3825572"/>
-          </a:xfrm>
-          <a:prstGeom prst="rect">
-            <a:avLst/>
-          </a:prstGeom>
-        </p:spPr>
-      </p:pic>
+            <a:pPr marL="285750" indent="-285750" algn="l">
+              <a:buFont typeface="Arial" panose="020B0604020202020204" pitchFamily="34" charset="0"/>
+              <a:buChar char="•"/>
+            </a:pPr>
+            <a:r>
+              <a:rPr lang="en-ZA" dirty="0"/>
+              <a:t>680 rows and 31 columns</a:t>
+            </a:r>
+          </a:p>
+          <a:p>
+            <a:pPr marL="285750" indent="-285750" algn="l">
+              <a:buFont typeface="Arial" panose="020B0604020202020204" pitchFamily="34" charset="0"/>
+              <a:buChar char="•"/>
+            </a:pPr>
+            <a:r>
+              <a:rPr lang="en-ZA" dirty="0"/>
+              <a:t>The data is distributed better than before grouping by region</a:t>
+            </a:r>
+          </a:p>
+          <a:p>
+            <a:pPr marL="285750" indent="-285750" algn="l">
+              <a:buFont typeface="Arial" panose="020B0604020202020204" pitchFamily="34" charset="0"/>
+              <a:buChar char="•"/>
+            </a:pPr>
+            <a:r>
+              <a:rPr lang="en-ZA" dirty="0"/>
+              <a:t>The data is still positively skewed, but the values are lower.  Density subplots confirm slightly better distribution.</a:t>
+            </a:r>
+          </a:p>
+          <a:p>
+            <a:pPr marL="285750" indent="-285750" algn="l">
+              <a:buFont typeface="Arial" panose="020B0604020202020204" pitchFamily="34" charset="0"/>
+              <a:buChar char="•"/>
+            </a:pPr>
+            <a:r>
+              <a:rPr lang="en-ZA" dirty="0"/>
+              <a:t>Correlation analysis between the various features and the target variable, Ave Temperature Change, is higher than for the ungrouped data. Other than year the highest correlation is with Food Retail, but at 27% is still quite weak.</a:t>
+            </a:r>
+          </a:p>
+          <a:p>
+            <a:pPr marL="285750" indent="-285750" algn="l">
+              <a:buFont typeface="Arial" panose="020B0604020202020204" pitchFamily="34" charset="0"/>
+              <a:buChar char="•"/>
+            </a:pPr>
+            <a:r>
+              <a:rPr lang="en-ZA" dirty="0"/>
+              <a:t>A heatmap of the correlation matrix produced in python still showed much multi-collinearity between the features.</a:t>
+            </a:r>
+          </a:p>
+          <a:p>
+            <a:pPr marL="285750" indent="-285750" algn="l">
+              <a:buFont typeface="Arial" panose="020B0604020202020204" pitchFamily="34" charset="0"/>
+              <a:buChar char="•"/>
+            </a:pPr>
+            <a:endParaRPr lang="en-ZA" dirty="0"/>
+          </a:p>
+          <a:p>
+            <a:pPr marL="285750" indent="-285750" algn="l">
+              <a:buFont typeface="Arial" panose="020B0604020202020204" pitchFamily="34" charset="0"/>
+              <a:buChar char="•"/>
+            </a:pPr>
+            <a:endParaRPr lang="en-ZA" dirty="0"/>
+          </a:p>
+          <a:p>
+            <a:pPr marL="285750" indent="-285750" algn="l">
+              <a:buFont typeface="Arial" panose="020B0604020202020204" pitchFamily="34" charset="0"/>
+              <a:buChar char="•"/>
+            </a:pPr>
+            <a:endParaRPr lang="en-ZA" dirty="0"/>
+          </a:p>
+        </p:txBody>
+      </p:sp>
     </p:spTree>
     <p:extLst>
       <p:ext uri="{BB962C8B-B14F-4D97-AF65-F5344CB8AC3E}">
-        <p14:creationId xmlns:p14="http://schemas.microsoft.com/office/powerpoint/2010/main" val="1779189164"/>
+        <p14:creationId xmlns:p14="http://schemas.microsoft.com/office/powerpoint/2010/main" val="156004769"/>
       </p:ext>
     </p:extLst>
   </p:cSld>
@@ -9524,7 +10085,7 @@
         <p:cNvPr id="1" name="">
           <a:extLst>
             <a:ext uri="{FF2B5EF4-FFF2-40B4-BE49-F238E27FC236}">
-              <a16:creationId xmlns:a16="http://schemas.microsoft.com/office/drawing/2014/main" id="{F5584B24-48E8-A930-317C-6FF60AA51700}"/>
+              <a16:creationId xmlns:a16="http://schemas.microsoft.com/office/drawing/2014/main" id="{BB3E83C5-C14E-853A-5EE4-53AEB57BB28D}"/>
             </a:ext>
           </a:extLst>
         </p:cNvPr>
@@ -9544,7 +10105,7 @@
           <p:cNvPr id="2" name="Title 1">
             <a:extLst>
               <a:ext uri="{FF2B5EF4-FFF2-40B4-BE49-F238E27FC236}">
-                <a16:creationId xmlns:a16="http://schemas.microsoft.com/office/drawing/2014/main" id="{43DBE0A6-87BD-1C3B-C197-D0CE02EFEB05}"/>
+                <a16:creationId xmlns:a16="http://schemas.microsoft.com/office/drawing/2014/main" id="{CE32DA92-05E9-64DA-DA0F-2E7DAE3677F4}"/>
               </a:ext>
             </a:extLst>
           </p:cNvPr>
@@ -9555,7 +10116,12 @@
             <p:ph type="title"/>
           </p:nvPr>
         </p:nvSpPr>
-        <p:spPr/>
+        <p:spPr>
+          <a:xfrm>
+            <a:off x="913795" y="140978"/>
+            <a:ext cx="10353762" cy="970450"/>
+          </a:xfrm>
+        </p:spPr>
         <p:txBody>
           <a:bodyPr>
             <a:normAutofit/>
@@ -9571,103 +10137,138 @@
       </p:sp>
       <p:sp>
         <p:nvSpPr>
-          <p:cNvPr id="4" name="Text Placeholder 3">
+          <p:cNvPr id="8" name="TextBox 7">
             <a:extLst>
               <a:ext uri="{FF2B5EF4-FFF2-40B4-BE49-F238E27FC236}">
-                <a16:creationId xmlns:a16="http://schemas.microsoft.com/office/drawing/2014/main" id="{A48697BB-85FD-5C51-7793-F0B3FE24FE3E}"/>
+                <a16:creationId xmlns:a16="http://schemas.microsoft.com/office/drawing/2014/main" id="{3190B3E4-5859-1ACD-807B-B9C7174206D1}"/>
               </a:ext>
             </a:extLst>
           </p:cNvPr>
-          <p:cNvSpPr>
-            <a:spLocks noGrp="1"/>
-          </p:cNvSpPr>
-          <p:nvPr>
-            <p:ph idx="1"/>
-          </p:nvPr>
-        </p:nvSpPr>
-        <p:spPr/>
-        <p:txBody>
-          <a:bodyPr>
-            <a:normAutofit/>
+          <p:cNvSpPr txBox="1"/>
+          <p:nvPr/>
+        </p:nvSpPr>
+        <p:spPr>
+          <a:xfrm>
+            <a:off x="265470" y="1111428"/>
+            <a:ext cx="2281084" cy="369332"/>
+          </a:xfrm>
+          <a:prstGeom prst="rect">
+            <a:avLst/>
+          </a:prstGeom>
+          <a:noFill/>
+        </p:spPr>
+        <p:txBody>
+          <a:bodyPr wrap="square" rtlCol="0">
+            <a:spAutoFit/>
           </a:bodyPr>
           <a:lstStyle/>
           <a:p>
-            <a:pPr marL="285750" indent="-285750" algn="l">
-              <a:buFont typeface="Arial" panose="020B0604020202020204" pitchFamily="34" charset="0"/>
-              <a:buChar char="•"/>
-            </a:pPr>
-            <a:r>
-              <a:rPr lang="en-ZA" dirty="0"/>
-              <a:t>680 rows and 31 columns</a:t>
-            </a:r>
-          </a:p>
-          <a:p>
-            <a:pPr marL="285750" indent="-285750" algn="l">
-              <a:buFont typeface="Arial" panose="020B0604020202020204" pitchFamily="34" charset="0"/>
-              <a:buChar char="•"/>
-            </a:pPr>
-            <a:r>
-              <a:rPr lang="en-ZA" dirty="0"/>
-              <a:t>The data is distributed better than before grouping by region</a:t>
-            </a:r>
-          </a:p>
-          <a:p>
-            <a:pPr marL="285750" indent="-285750" algn="l">
-              <a:buFont typeface="Arial" panose="020B0604020202020204" pitchFamily="34" charset="0"/>
-              <a:buChar char="•"/>
-            </a:pPr>
-            <a:r>
-              <a:rPr lang="en-ZA" dirty="0"/>
-              <a:t>The data is still positively skewed, but the values are lower.  Density subplots confirm slightly better distribution.</a:t>
-            </a:r>
-          </a:p>
-          <a:p>
-            <a:pPr marL="285750" indent="-285750" algn="l">
-              <a:buFont typeface="Arial" panose="020B0604020202020204" pitchFamily="34" charset="0"/>
-              <a:buChar char="•"/>
-            </a:pPr>
-            <a:r>
-              <a:rPr lang="en-ZA" dirty="0"/>
-              <a:t>Correlation analysis between the various features and the target variable, Ave Temperature Change, is higher than for the ungrouped data. Other than year the highest correlation is with Food Retail, but at 27% is still quite weak.</a:t>
-            </a:r>
-          </a:p>
-          <a:p>
-            <a:pPr marL="285750" indent="-285750" algn="l">
-              <a:buFont typeface="Arial" panose="020B0604020202020204" pitchFamily="34" charset="0"/>
-              <a:buChar char="•"/>
-            </a:pPr>
-            <a:r>
-              <a:rPr lang="en-ZA" dirty="0"/>
-              <a:t>A heatmap of the correlation matrix produced in python still showed much multi-collinearity between the features.</a:t>
-            </a:r>
-          </a:p>
-          <a:p>
-            <a:pPr marL="285750" indent="-285750" algn="l">
-              <a:buFont typeface="Arial" panose="020B0604020202020204" pitchFamily="34" charset="0"/>
-              <a:buChar char="•"/>
-            </a:pPr>
-            <a:endParaRPr lang="en-ZA" dirty="0"/>
-          </a:p>
-          <a:p>
-            <a:pPr marL="285750" indent="-285750" algn="l">
-              <a:buFont typeface="Arial" panose="020B0604020202020204" pitchFamily="34" charset="0"/>
-              <a:buChar char="•"/>
-            </a:pPr>
-            <a:endParaRPr lang="en-ZA" dirty="0"/>
-          </a:p>
-          <a:p>
-            <a:pPr marL="285750" indent="-285750" algn="l">
-              <a:buFont typeface="Arial" panose="020B0604020202020204" pitchFamily="34" charset="0"/>
-              <a:buChar char="•"/>
-            </a:pPr>
-            <a:endParaRPr lang="en-ZA" dirty="0"/>
-          </a:p>
-        </p:txBody>
-      </p:sp>
+            <a:r>
+              <a:rPr lang="en-ZA" dirty="0"/>
+              <a:t>Skewness:</a:t>
+            </a:r>
+          </a:p>
+        </p:txBody>
+      </p:sp>
+      <p:sp>
+        <p:nvSpPr>
+          <p:cNvPr id="14" name="TextBox 13">
+            <a:extLst>
+              <a:ext uri="{FF2B5EF4-FFF2-40B4-BE49-F238E27FC236}">
+                <a16:creationId xmlns:a16="http://schemas.microsoft.com/office/drawing/2014/main" id="{ACAEE67E-6A54-156A-B70C-4E2032802DE3}"/>
+              </a:ext>
+            </a:extLst>
+          </p:cNvPr>
+          <p:cNvSpPr txBox="1"/>
+          <p:nvPr/>
+        </p:nvSpPr>
+        <p:spPr>
+          <a:xfrm>
+            <a:off x="3711294" y="1148993"/>
+            <a:ext cx="2281084" cy="369332"/>
+          </a:xfrm>
+          <a:prstGeom prst="rect">
+            <a:avLst/>
+          </a:prstGeom>
+          <a:noFill/>
+        </p:spPr>
+        <p:txBody>
+          <a:bodyPr wrap="square" rtlCol="0">
+            <a:spAutoFit/>
+          </a:bodyPr>
+          <a:lstStyle/>
+          <a:p>
+            <a:r>
+              <a:rPr lang="en-ZA" dirty="0"/>
+              <a:t>Density Plots:</a:t>
+            </a:r>
+          </a:p>
+        </p:txBody>
+      </p:sp>
+      <p:pic>
+        <p:nvPicPr>
+          <p:cNvPr id="5" name="Picture 4">
+            <a:extLst>
+              <a:ext uri="{FF2B5EF4-FFF2-40B4-BE49-F238E27FC236}">
+                <a16:creationId xmlns:a16="http://schemas.microsoft.com/office/drawing/2014/main" id="{C4B1F3CE-B64F-CD37-8FC3-0A144233B377}"/>
+              </a:ext>
+            </a:extLst>
+          </p:cNvPr>
+          <p:cNvPicPr>
+            <a:picLocks noChangeAspect="1"/>
+          </p:cNvPicPr>
+          <p:nvPr/>
+        </p:nvPicPr>
+        <p:blipFill>
+          <a:blip r:embed="rId2"/>
+          <a:stretch>
+            <a:fillRect/>
+          </a:stretch>
+        </p:blipFill>
+        <p:spPr>
+          <a:xfrm>
+            <a:off x="265470" y="1673744"/>
+            <a:ext cx="2347163" cy="4572396"/>
+          </a:xfrm>
+          <a:prstGeom prst="rect">
+            <a:avLst/>
+          </a:prstGeom>
+        </p:spPr>
+      </p:pic>
+      <p:pic>
+        <p:nvPicPr>
+          <p:cNvPr id="9" name="Picture 8">
+            <a:extLst>
+              <a:ext uri="{FF2B5EF4-FFF2-40B4-BE49-F238E27FC236}">
+                <a16:creationId xmlns:a16="http://schemas.microsoft.com/office/drawing/2014/main" id="{E47EF2FC-E92A-43D1-8EBF-120F036DB22F}"/>
+              </a:ext>
+            </a:extLst>
+          </p:cNvPr>
+          <p:cNvPicPr>
+            <a:picLocks noChangeAspect="1"/>
+          </p:cNvPicPr>
+          <p:nvPr/>
+        </p:nvPicPr>
+        <p:blipFill>
+          <a:blip r:embed="rId3"/>
+          <a:stretch>
+            <a:fillRect/>
+          </a:stretch>
+        </p:blipFill>
+        <p:spPr>
+          <a:xfrm>
+            <a:off x="3711294" y="1673744"/>
+            <a:ext cx="4769412" cy="4775822"/>
+          </a:xfrm>
+          <a:prstGeom prst="rect">
+            <a:avLst/>
+          </a:prstGeom>
+        </p:spPr>
+      </p:pic>
     </p:spTree>
     <p:extLst>
       <p:ext uri="{BB962C8B-B14F-4D97-AF65-F5344CB8AC3E}">
-        <p14:creationId xmlns:p14="http://schemas.microsoft.com/office/powerpoint/2010/main" val="156004769"/>
+        <p14:creationId xmlns:p14="http://schemas.microsoft.com/office/powerpoint/2010/main" val="810006115"/>
       </p:ext>
     </p:extLst>
   </p:cSld>
@@ -9685,7 +10286,7 @@
         <p:cNvPr id="1" name="">
           <a:extLst>
             <a:ext uri="{FF2B5EF4-FFF2-40B4-BE49-F238E27FC236}">
-              <a16:creationId xmlns:a16="http://schemas.microsoft.com/office/drawing/2014/main" id="{F14E2BC7-A5C9-D6F9-5C32-EED73FD3CC83}"/>
+              <a16:creationId xmlns:a16="http://schemas.microsoft.com/office/drawing/2014/main" id="{28864A1B-0EA3-F31A-7AA0-03278FA429A7}"/>
             </a:ext>
           </a:extLst>
         </p:cNvPr>
@@ -9705,7 +10306,7 @@
           <p:cNvPr id="2" name="Title 1">
             <a:extLst>
               <a:ext uri="{FF2B5EF4-FFF2-40B4-BE49-F238E27FC236}">
-                <a16:creationId xmlns:a16="http://schemas.microsoft.com/office/drawing/2014/main" id="{29B2C195-E463-36CD-06E7-2A46DAD5F2BC}"/>
+                <a16:creationId xmlns:a16="http://schemas.microsoft.com/office/drawing/2014/main" id="{6AB4B14C-31F6-56EB-A9EC-F5BD3D6A2776}"/>
               </a:ext>
             </a:extLst>
           </p:cNvPr>
@@ -9716,7 +10317,12 @@
             <p:ph type="title"/>
           </p:nvPr>
         </p:nvSpPr>
-        <p:spPr/>
+        <p:spPr>
+          <a:xfrm>
+            <a:off x="913795" y="140978"/>
+            <a:ext cx="10353762" cy="970450"/>
+          </a:xfrm>
+        </p:spPr>
         <p:txBody>
           <a:bodyPr>
             <a:normAutofit/>
@@ -9732,103 +10338,138 @@
       </p:sp>
       <p:sp>
         <p:nvSpPr>
-          <p:cNvPr id="4" name="Text Placeholder 3">
+          <p:cNvPr id="8" name="TextBox 7">
             <a:extLst>
               <a:ext uri="{FF2B5EF4-FFF2-40B4-BE49-F238E27FC236}">
-                <a16:creationId xmlns:a16="http://schemas.microsoft.com/office/drawing/2014/main" id="{00254B46-9703-E422-6A74-BE77CDD12337}"/>
+                <a16:creationId xmlns:a16="http://schemas.microsoft.com/office/drawing/2014/main" id="{1A24A55D-3708-4246-02E4-1AAD37583F09}"/>
               </a:ext>
             </a:extLst>
           </p:cNvPr>
-          <p:cNvSpPr>
-            <a:spLocks noGrp="1"/>
-          </p:cNvSpPr>
-          <p:nvPr>
-            <p:ph idx="1"/>
-          </p:nvPr>
-        </p:nvSpPr>
-        <p:spPr/>
-        <p:txBody>
-          <a:bodyPr>
-            <a:normAutofit/>
+          <p:cNvSpPr txBox="1"/>
+          <p:nvPr/>
+        </p:nvSpPr>
+        <p:spPr>
+          <a:xfrm>
+            <a:off x="265470" y="926762"/>
+            <a:ext cx="2281084" cy="369332"/>
+          </a:xfrm>
+          <a:prstGeom prst="rect">
+            <a:avLst/>
+          </a:prstGeom>
+          <a:noFill/>
+        </p:spPr>
+        <p:txBody>
+          <a:bodyPr wrap="square" rtlCol="0">
+            <a:spAutoFit/>
           </a:bodyPr>
           <a:lstStyle/>
           <a:p>
-            <a:pPr marL="285750" indent="-285750" algn="l">
-              <a:buFont typeface="Arial" panose="020B0604020202020204" pitchFamily="34" charset="0"/>
-              <a:buChar char="•"/>
-            </a:pPr>
-            <a:r>
-              <a:rPr lang="en-ZA" dirty="0"/>
-              <a:t>680 rows and 31 columns</a:t>
-            </a:r>
-          </a:p>
-          <a:p>
-            <a:pPr marL="285750" indent="-285750" algn="l">
-              <a:buFont typeface="Arial" panose="020B0604020202020204" pitchFamily="34" charset="0"/>
-              <a:buChar char="•"/>
-            </a:pPr>
-            <a:r>
-              <a:rPr lang="en-ZA" dirty="0"/>
-              <a:t>The data is distributed better than before grouping by region</a:t>
-            </a:r>
-          </a:p>
-          <a:p>
-            <a:pPr marL="285750" indent="-285750" algn="l">
-              <a:buFont typeface="Arial" panose="020B0604020202020204" pitchFamily="34" charset="0"/>
-              <a:buChar char="•"/>
-            </a:pPr>
-            <a:r>
-              <a:rPr lang="en-ZA" dirty="0"/>
-              <a:t>The data is still positively skewed, but the values are lower.  Density subplots confirm slightly better distribution.</a:t>
-            </a:r>
-          </a:p>
-          <a:p>
-            <a:pPr marL="285750" indent="-285750" algn="l">
-              <a:buFont typeface="Arial" panose="020B0604020202020204" pitchFamily="34" charset="0"/>
-              <a:buChar char="•"/>
-            </a:pPr>
-            <a:r>
-              <a:rPr lang="en-ZA" dirty="0"/>
-              <a:t>Correlation analysis between the various features and the target variable, Ave Temperature Change, is higher than for the ungrouped data. Other than year the highest correlation is with Food Retail, but at 27% is still quite weak.</a:t>
-            </a:r>
-          </a:p>
-          <a:p>
-            <a:pPr marL="285750" indent="-285750" algn="l">
-              <a:buFont typeface="Arial" panose="020B0604020202020204" pitchFamily="34" charset="0"/>
-              <a:buChar char="•"/>
-            </a:pPr>
-            <a:r>
-              <a:rPr lang="en-ZA" dirty="0"/>
-              <a:t>A heatmap of the correlation matrix produced in python still showed much multi-collinearity between the features.</a:t>
-            </a:r>
-          </a:p>
-          <a:p>
-            <a:pPr marL="285750" indent="-285750" algn="l">
-              <a:buFont typeface="Arial" panose="020B0604020202020204" pitchFamily="34" charset="0"/>
-              <a:buChar char="•"/>
-            </a:pPr>
-            <a:endParaRPr lang="en-ZA" dirty="0"/>
-          </a:p>
-          <a:p>
-            <a:pPr marL="285750" indent="-285750" algn="l">
-              <a:buFont typeface="Arial" panose="020B0604020202020204" pitchFamily="34" charset="0"/>
-              <a:buChar char="•"/>
-            </a:pPr>
-            <a:endParaRPr lang="en-ZA" dirty="0"/>
-          </a:p>
-          <a:p>
-            <a:pPr marL="285750" indent="-285750" algn="l">
-              <a:buFont typeface="Arial" panose="020B0604020202020204" pitchFamily="34" charset="0"/>
-              <a:buChar char="•"/>
-            </a:pPr>
-            <a:endParaRPr lang="en-ZA" dirty="0"/>
-          </a:p>
-        </p:txBody>
-      </p:sp>
+            <a:r>
+              <a:rPr lang="en-ZA" dirty="0"/>
+              <a:t>Correlation:</a:t>
+            </a:r>
+          </a:p>
+        </p:txBody>
+      </p:sp>
+      <p:sp>
+        <p:nvSpPr>
+          <p:cNvPr id="11" name="TextBox 10">
+            <a:extLst>
+              <a:ext uri="{FF2B5EF4-FFF2-40B4-BE49-F238E27FC236}">
+                <a16:creationId xmlns:a16="http://schemas.microsoft.com/office/drawing/2014/main" id="{346AB614-97DF-5E04-7340-A9931451A2F4}"/>
+              </a:ext>
+            </a:extLst>
+          </p:cNvPr>
+          <p:cNvSpPr txBox="1"/>
+          <p:nvPr/>
+        </p:nvSpPr>
+        <p:spPr>
+          <a:xfrm>
+            <a:off x="4733908" y="944663"/>
+            <a:ext cx="2281084" cy="369332"/>
+          </a:xfrm>
+          <a:prstGeom prst="rect">
+            <a:avLst/>
+          </a:prstGeom>
+          <a:noFill/>
+        </p:spPr>
+        <p:txBody>
+          <a:bodyPr wrap="square" rtlCol="0">
+            <a:spAutoFit/>
+          </a:bodyPr>
+          <a:lstStyle/>
+          <a:p>
+            <a:r>
+              <a:rPr lang="en-ZA" dirty="0"/>
+              <a:t>Heatmap:</a:t>
+            </a:r>
+          </a:p>
+        </p:txBody>
+      </p:sp>
+      <p:pic>
+        <p:nvPicPr>
+          <p:cNvPr id="4" name="Picture 3">
+            <a:extLst>
+              <a:ext uri="{FF2B5EF4-FFF2-40B4-BE49-F238E27FC236}">
+                <a16:creationId xmlns:a16="http://schemas.microsoft.com/office/drawing/2014/main" id="{833FD8C3-F747-DB99-DDE6-87B5281B18F6}"/>
+              </a:ext>
+            </a:extLst>
+          </p:cNvPr>
+          <p:cNvPicPr>
+            <a:picLocks noChangeAspect="1"/>
+          </p:cNvPicPr>
+          <p:nvPr/>
+        </p:nvPicPr>
+        <p:blipFill>
+          <a:blip r:embed="rId2"/>
+          <a:stretch>
+            <a:fillRect/>
+          </a:stretch>
+        </p:blipFill>
+        <p:spPr>
+          <a:xfrm>
+            <a:off x="265470" y="1451544"/>
+            <a:ext cx="3528366" cy="4328535"/>
+          </a:xfrm>
+          <a:prstGeom prst="rect">
+            <a:avLst/>
+          </a:prstGeom>
+        </p:spPr>
+      </p:pic>
+      <p:pic>
+        <p:nvPicPr>
+          <p:cNvPr id="7" name="Picture 6">
+            <a:extLst>
+              <a:ext uri="{FF2B5EF4-FFF2-40B4-BE49-F238E27FC236}">
+                <a16:creationId xmlns:a16="http://schemas.microsoft.com/office/drawing/2014/main" id="{2D6715D3-1907-E179-46BA-57829BBC485B}"/>
+              </a:ext>
+            </a:extLst>
+          </p:cNvPr>
+          <p:cNvPicPr>
+            <a:picLocks noChangeAspect="1"/>
+          </p:cNvPicPr>
+          <p:nvPr/>
+        </p:nvPicPr>
+        <p:blipFill>
+          <a:blip r:embed="rId3"/>
+          <a:stretch>
+            <a:fillRect/>
+          </a:stretch>
+        </p:blipFill>
+        <p:spPr>
+          <a:xfrm>
+            <a:off x="4733908" y="1451544"/>
+            <a:ext cx="6258557" cy="5039032"/>
+          </a:xfrm>
+          <a:prstGeom prst="rect">
+            <a:avLst/>
+          </a:prstGeom>
+        </p:spPr>
+      </p:pic>
     </p:spTree>
     <p:extLst>
       <p:ext uri="{BB962C8B-B14F-4D97-AF65-F5344CB8AC3E}">
-        <p14:creationId xmlns:p14="http://schemas.microsoft.com/office/powerpoint/2010/main" val="326934782"/>
+        <p14:creationId xmlns:p14="http://schemas.microsoft.com/office/powerpoint/2010/main" val="1495310856"/>
       </p:ext>
     </p:extLst>
   </p:cSld>
@@ -9905,12 +10546,28 @@
             <p:ph type="subTitle" idx="1"/>
           </p:nvPr>
         </p:nvSpPr>
-        <p:spPr/>
-        <p:txBody>
-          <a:bodyPr/>
-          <a:lstStyle/>
-          <a:p>
-            <a:endParaRPr lang="en-ZA"/>
+        <p:spPr>
+          <a:xfrm>
+            <a:off x="1370693" y="4325926"/>
+            <a:ext cx="9440034" cy="1049867"/>
+          </a:xfrm>
+        </p:spPr>
+        <p:txBody>
+          <a:bodyPr>
+            <a:normAutofit fontScale="70000" lnSpcReduction="20000"/>
+          </a:bodyPr>
+          <a:lstStyle/>
+          <a:p>
+            <a:pPr algn="l"/>
+            <a:r>
+              <a:rPr lang="en-ZA" sz="2000" dirty="0"/>
+              <a:t>It was decided to drop the year &amp; total emission features from the dataset.  From external analysis we know that emission levels have increased over time and that the Average Temperature Change has been becoming greater with time, however we don't want time to be the predicting factor of change.  We are trying to find the emission sources that are contributing most to Average Temperature change so that we can effect future environmental policy.  Total Emission is the total of all the emission sources and is not going to tell us either which source contribute to temperature change.</a:t>
+            </a:r>
+            <a:endParaRPr lang="en-ZA" dirty="0"/>
+          </a:p>
+          <a:p>
+            <a:pPr algn="l"/>
+            <a:endParaRPr lang="en-ZA" dirty="0"/>
           </a:p>
         </p:txBody>
       </p:sp>
@@ -9989,12 +10646,112 @@
             <p:ph idx="1"/>
           </p:nvPr>
         </p:nvSpPr>
-        <p:spPr/>
-        <p:txBody>
-          <a:bodyPr/>
-          <a:lstStyle/>
-          <a:p>
-            <a:endParaRPr lang="en-ZA"/>
+        <p:spPr>
+          <a:xfrm>
+            <a:off x="913795" y="1580050"/>
+            <a:ext cx="10353762" cy="4938737"/>
+          </a:xfrm>
+        </p:spPr>
+        <p:txBody>
+          <a:bodyPr>
+            <a:normAutofit fontScale="92500" lnSpcReduction="10000"/>
+          </a:bodyPr>
+          <a:lstStyle/>
+          <a:p>
+            <a:r>
+              <a:rPr lang="en-ZA" dirty="0"/>
+              <a:t>Filtered Data:</a:t>
+            </a:r>
+          </a:p>
+          <a:p>
+            <a:pPr lvl="1"/>
+            <a:r>
+              <a:rPr lang="en-ZA" dirty="0"/>
+              <a:t>Trained a multiple regression model with the filtered data, applying no parameters</a:t>
+            </a:r>
+          </a:p>
+          <a:p>
+            <a:pPr lvl="1"/>
+            <a:r>
+              <a:rPr lang="en-ZA" dirty="0"/>
+              <a:t>Results:</a:t>
+            </a:r>
+          </a:p>
+          <a:p>
+            <a:pPr lvl="2"/>
+            <a:r>
+              <a:rPr lang="en-ZA" dirty="0"/>
+              <a:t>R2 score = 0.0254</a:t>
+            </a:r>
+          </a:p>
+          <a:p>
+            <a:pPr lvl="2"/>
+            <a:r>
+              <a:rPr lang="en-ZA" dirty="0"/>
+              <a:t>MSE = 0.299</a:t>
+            </a:r>
+          </a:p>
+          <a:p>
+            <a:pPr lvl="2"/>
+            <a:r>
+              <a:rPr lang="en-ZA" dirty="0"/>
+              <a:t>RMSE = 0.542</a:t>
+            </a:r>
+          </a:p>
+          <a:p>
+            <a:pPr lvl="2"/>
+            <a:r>
+              <a:rPr lang="en-ZA" dirty="0"/>
+              <a:t>MAE = 0.422</a:t>
+            </a:r>
+          </a:p>
+          <a:p>
+            <a:r>
+              <a:rPr lang="en-ZA" dirty="0"/>
+              <a:t>Grouped by Region:</a:t>
+            </a:r>
+          </a:p>
+          <a:p>
+            <a:pPr lvl="1"/>
+            <a:r>
+              <a:rPr lang="en-ZA" dirty="0"/>
+              <a:t>Trained a multiple regression model with the grouped by region data, applying no parameters</a:t>
+            </a:r>
+          </a:p>
+          <a:p>
+            <a:pPr lvl="1"/>
+            <a:r>
+              <a:rPr lang="en-ZA" dirty="0"/>
+              <a:t>Results:</a:t>
+            </a:r>
+          </a:p>
+          <a:p>
+            <a:pPr lvl="2"/>
+            <a:r>
+              <a:rPr lang="en-ZA" dirty="0"/>
+              <a:t>R2 score = 0.110</a:t>
+            </a:r>
+          </a:p>
+          <a:p>
+            <a:pPr lvl="2"/>
+            <a:r>
+              <a:rPr lang="en-ZA" dirty="0"/>
+              <a:t>MSE = 0.181</a:t>
+            </a:r>
+          </a:p>
+          <a:p>
+            <a:pPr lvl="2"/>
+            <a:r>
+              <a:rPr lang="en-ZA" dirty="0"/>
+              <a:t>RMSE = 0.425</a:t>
+            </a:r>
+          </a:p>
+          <a:p>
+            <a:pPr lvl="2"/>
+            <a:r>
+              <a:rPr lang="en-ZA" dirty="0"/>
+              <a:t>MAE = 0.329</a:t>
+            </a:r>
           </a:p>
         </p:txBody>
       </p:sp>
@@ -10012,6 +10769,297 @@
 </file>
 
 <file path=ppt/slides/slide25.xml><?xml version="1.0" encoding="utf-8"?>
+<p:sld xmlns:a="http://schemas.openxmlformats.org/drawingml/2006/main" xmlns:r="http://schemas.openxmlformats.org/officeDocument/2006/relationships" xmlns:p="http://schemas.openxmlformats.org/presentationml/2006/main">
+  <p:cSld>
+    <p:spTree>
+      <p:nvGrpSpPr>
+        <p:cNvPr id="1" name="">
+          <a:extLst>
+            <a:ext uri="{FF2B5EF4-FFF2-40B4-BE49-F238E27FC236}">
+              <a16:creationId xmlns:a16="http://schemas.microsoft.com/office/drawing/2014/main" id="{C324E185-FE4E-C696-EA74-73B4DD69CA78}"/>
+            </a:ext>
+          </a:extLst>
+        </p:cNvPr>
+        <p:cNvGrpSpPr/>
+        <p:nvPr/>
+      </p:nvGrpSpPr>
+      <p:grpSpPr>
+        <a:xfrm>
+          <a:off x="0" y="0"/>
+          <a:ext cx="0" cy="0"/>
+          <a:chOff x="0" y="0"/>
+          <a:chExt cx="0" cy="0"/>
+        </a:xfrm>
+      </p:grpSpPr>
+      <p:sp>
+        <p:nvSpPr>
+          <p:cNvPr id="2" name="Title 1">
+            <a:extLst>
+              <a:ext uri="{FF2B5EF4-FFF2-40B4-BE49-F238E27FC236}">
+                <a16:creationId xmlns:a16="http://schemas.microsoft.com/office/drawing/2014/main" id="{7B3C6EEF-9607-9360-E880-D465B8316879}"/>
+              </a:ext>
+            </a:extLst>
+          </p:cNvPr>
+          <p:cNvSpPr>
+            <a:spLocks noGrp="1"/>
+          </p:cNvSpPr>
+          <p:nvPr>
+            <p:ph type="title"/>
+          </p:nvPr>
+        </p:nvSpPr>
+        <p:spPr/>
+        <p:txBody>
+          <a:bodyPr/>
+          <a:lstStyle/>
+          <a:p>
+            <a:pPr algn="l"/>
+            <a:r>
+              <a:rPr lang="en-ZA" dirty="0"/>
+              <a:t>Multiple Regression</a:t>
+            </a:r>
+          </a:p>
+        </p:txBody>
+      </p:sp>
+      <p:sp>
+        <p:nvSpPr>
+          <p:cNvPr id="3" name="Content Placeholder 2">
+            <a:extLst>
+              <a:ext uri="{FF2B5EF4-FFF2-40B4-BE49-F238E27FC236}">
+                <a16:creationId xmlns:a16="http://schemas.microsoft.com/office/drawing/2014/main" id="{5D5360FB-CAE7-38A8-12FE-5365C7EE8094}"/>
+              </a:ext>
+            </a:extLst>
+          </p:cNvPr>
+          <p:cNvSpPr>
+            <a:spLocks noGrp="1"/>
+          </p:cNvSpPr>
+          <p:nvPr>
+            <p:ph idx="1"/>
+          </p:nvPr>
+        </p:nvSpPr>
+        <p:spPr>
+          <a:xfrm>
+            <a:off x="913795" y="1580050"/>
+            <a:ext cx="10353762" cy="4938737"/>
+          </a:xfrm>
+        </p:spPr>
+        <p:txBody>
+          <a:bodyPr>
+            <a:normAutofit/>
+          </a:bodyPr>
+          <a:lstStyle/>
+          <a:p>
+            <a:r>
+              <a:rPr lang="en-ZA" dirty="0"/>
+              <a:t>The multiple regression models perform badly and are hardly able to explain changes in the target variable with very low r-squared scores</a:t>
+            </a:r>
+          </a:p>
+          <a:p>
+            <a:r>
+              <a:rPr lang="en-ZA" dirty="0"/>
+              <a:t>The root mean square scores mean that predications can be 0.4 to .5 degrees Celsius off</a:t>
+            </a:r>
+          </a:p>
+          <a:p>
+            <a:endParaRPr lang="en-ZA" dirty="0"/>
+          </a:p>
+        </p:txBody>
+      </p:sp>
+    </p:spTree>
+    <p:extLst>
+      <p:ext uri="{BB962C8B-B14F-4D97-AF65-F5344CB8AC3E}">
+        <p14:creationId xmlns:p14="http://schemas.microsoft.com/office/powerpoint/2010/main" val="2911711012"/>
+      </p:ext>
+    </p:extLst>
+  </p:cSld>
+  <p:clrMapOvr>
+    <a:masterClrMapping/>
+  </p:clrMapOvr>
+</p:sld>
+</file>
+
+<file path=ppt/slides/slide26.xml><?xml version="1.0" encoding="utf-8"?>
+<p:sld xmlns:a="http://schemas.openxmlformats.org/drawingml/2006/main" xmlns:r="http://schemas.openxmlformats.org/officeDocument/2006/relationships" xmlns:p="http://schemas.openxmlformats.org/presentationml/2006/main">
+  <p:cSld>
+    <p:spTree>
+      <p:nvGrpSpPr>
+        <p:cNvPr id="1" name="">
+          <a:extLst>
+            <a:ext uri="{FF2B5EF4-FFF2-40B4-BE49-F238E27FC236}">
+              <a16:creationId xmlns:a16="http://schemas.microsoft.com/office/drawing/2014/main" id="{70527701-FDD0-D9C0-3741-8F3CE4B31E7F}"/>
+            </a:ext>
+          </a:extLst>
+        </p:cNvPr>
+        <p:cNvGrpSpPr/>
+        <p:nvPr/>
+      </p:nvGrpSpPr>
+      <p:grpSpPr>
+        <a:xfrm>
+          <a:off x="0" y="0"/>
+          <a:ext cx="0" cy="0"/>
+          <a:chOff x="0" y="0"/>
+          <a:chExt cx="0" cy="0"/>
+        </a:xfrm>
+      </p:grpSpPr>
+      <p:sp>
+        <p:nvSpPr>
+          <p:cNvPr id="2" name="Title 1">
+            <a:extLst>
+              <a:ext uri="{FF2B5EF4-FFF2-40B4-BE49-F238E27FC236}">
+                <a16:creationId xmlns:a16="http://schemas.microsoft.com/office/drawing/2014/main" id="{549C574B-609A-6505-6F24-4847B490E3EB}"/>
+              </a:ext>
+            </a:extLst>
+          </p:cNvPr>
+          <p:cNvSpPr>
+            <a:spLocks noGrp="1"/>
+          </p:cNvSpPr>
+          <p:nvPr>
+            <p:ph type="title"/>
+          </p:nvPr>
+        </p:nvSpPr>
+        <p:spPr/>
+        <p:txBody>
+          <a:bodyPr/>
+          <a:lstStyle/>
+          <a:p>
+            <a:pPr algn="l"/>
+            <a:r>
+              <a:rPr lang="en-ZA" dirty="0"/>
+              <a:t>Lasso</a:t>
+            </a:r>
+          </a:p>
+        </p:txBody>
+      </p:sp>
+      <p:sp>
+        <p:nvSpPr>
+          <p:cNvPr id="3" name="Content Placeholder 2">
+            <a:extLst>
+              <a:ext uri="{FF2B5EF4-FFF2-40B4-BE49-F238E27FC236}">
+                <a16:creationId xmlns:a16="http://schemas.microsoft.com/office/drawing/2014/main" id="{2410FEA2-5C17-95AA-DB61-44DA6C7F866E}"/>
+              </a:ext>
+            </a:extLst>
+          </p:cNvPr>
+          <p:cNvSpPr>
+            <a:spLocks noGrp="1"/>
+          </p:cNvSpPr>
+          <p:nvPr>
+            <p:ph idx="1"/>
+          </p:nvPr>
+        </p:nvSpPr>
+        <p:spPr>
+          <a:xfrm>
+            <a:off x="913795" y="1732449"/>
+            <a:ext cx="10353762" cy="4747009"/>
+          </a:xfrm>
+        </p:spPr>
+        <p:txBody>
+          <a:bodyPr>
+            <a:normAutofit fontScale="92500" lnSpcReduction="10000"/>
+          </a:bodyPr>
+          <a:lstStyle/>
+          <a:p>
+            <a:r>
+              <a:rPr lang="en-ZA" dirty="0"/>
+              <a:t>We first performed a lasso with cross validation on the filtered data set in order to get the optimal alpha value, which is 0.0006.  We applied this alpha value as a parameter for the 2 lasso models</a:t>
+            </a:r>
+          </a:p>
+          <a:p>
+            <a:r>
+              <a:rPr lang="en-ZA" dirty="0"/>
+              <a:t>Filtered Data:</a:t>
+            </a:r>
+          </a:p>
+          <a:p>
+            <a:pPr lvl="1"/>
+            <a:r>
+              <a:rPr lang="en-ZA" dirty="0"/>
+              <a:t>Results:  (the model used 21 features)</a:t>
+            </a:r>
+          </a:p>
+          <a:p>
+            <a:pPr lvl="2"/>
+            <a:r>
+              <a:rPr lang="en-ZA" dirty="0"/>
+              <a:t>R2 score = 0.025</a:t>
+            </a:r>
+          </a:p>
+          <a:p>
+            <a:pPr lvl="2"/>
+            <a:r>
+              <a:rPr lang="en-ZA" dirty="0"/>
+              <a:t>MSE = 0.294</a:t>
+            </a:r>
+          </a:p>
+          <a:p>
+            <a:pPr lvl="2"/>
+            <a:r>
+              <a:rPr lang="en-ZA" dirty="0"/>
+              <a:t>RMSE = 0.543</a:t>
+            </a:r>
+          </a:p>
+          <a:p>
+            <a:pPr lvl="2"/>
+            <a:r>
+              <a:rPr lang="en-ZA" dirty="0"/>
+              <a:t>MAE = 0.422</a:t>
+            </a:r>
+          </a:p>
+          <a:p>
+            <a:r>
+              <a:rPr lang="en-ZA" dirty="0"/>
+              <a:t>Grouped by Region:</a:t>
+            </a:r>
+          </a:p>
+          <a:p>
+            <a:pPr lvl="1"/>
+            <a:r>
+              <a:rPr lang="en-ZA" dirty="0"/>
+              <a:t>Results:  (the model used 26 features0</a:t>
+            </a:r>
+          </a:p>
+          <a:p>
+            <a:pPr lvl="2"/>
+            <a:r>
+              <a:rPr lang="en-ZA" dirty="0"/>
+              <a:t>R2 score = 0.104</a:t>
+            </a:r>
+          </a:p>
+          <a:p>
+            <a:pPr lvl="2"/>
+            <a:r>
+              <a:rPr lang="en-ZA" dirty="0"/>
+              <a:t>MSE = 0.182</a:t>
+            </a:r>
+          </a:p>
+          <a:p>
+            <a:pPr lvl="2"/>
+            <a:r>
+              <a:rPr lang="en-ZA" dirty="0"/>
+              <a:t>RMSE = 0.427</a:t>
+            </a:r>
+          </a:p>
+          <a:p>
+            <a:pPr lvl="2"/>
+            <a:r>
+              <a:rPr lang="en-ZA" dirty="0"/>
+              <a:t>MAE = 0.336</a:t>
+            </a:r>
+          </a:p>
+        </p:txBody>
+      </p:sp>
+    </p:spTree>
+    <p:extLst>
+      <p:ext uri="{BB962C8B-B14F-4D97-AF65-F5344CB8AC3E}">
+        <p14:creationId xmlns:p14="http://schemas.microsoft.com/office/powerpoint/2010/main" val="956607841"/>
+      </p:ext>
+    </p:extLst>
+  </p:cSld>
+  <p:clrMapOvr>
+    <a:masterClrMapping/>
+  </p:clrMapOvr>
+</p:sld>
+</file>
+
+<file path=ppt/slides/slide27.xml><?xml version="1.0" encoding="utf-8"?>
 <p:sld xmlns:a="http://schemas.openxmlformats.org/drawingml/2006/main" xmlns:r="http://schemas.openxmlformats.org/officeDocument/2006/relationships" xmlns:p="http://schemas.openxmlformats.org/presentationml/2006/main">
   <p:cSld>
     <p:spTree>
@@ -10079,12 +11127,22 @@
             <p:ph idx="1"/>
           </p:nvPr>
         </p:nvSpPr>
-        <p:spPr/>
-        <p:txBody>
-          <a:bodyPr/>
-          <a:lstStyle/>
-          <a:p>
-            <a:endParaRPr lang="en-ZA"/>
+        <p:spPr>
+          <a:xfrm>
+            <a:off x="913795" y="1732449"/>
+            <a:ext cx="10353762" cy="4747009"/>
+          </a:xfrm>
+        </p:spPr>
+        <p:txBody>
+          <a:bodyPr>
+            <a:normAutofit/>
+          </a:bodyPr>
+          <a:lstStyle/>
+          <a:p>
+            <a:r>
+              <a:rPr lang="en-ZA" dirty="0"/>
+              <a:t>Both models did not really perform any better than their counterparts when using the multiple linear regression method, in fact slightly worse</a:t>
+            </a:r>
           </a:p>
         </p:txBody>
       </p:sp>
@@ -10101,7 +11159,7 @@
 </p:sld>
 </file>
 
-<file path=ppt/slides/slide26.xml><?xml version="1.0" encoding="utf-8"?>
+<file path=ppt/slides/slide28.xml><?xml version="1.0" encoding="utf-8"?>
 <p:sld xmlns:a="http://schemas.openxmlformats.org/drawingml/2006/main" xmlns:r="http://schemas.openxmlformats.org/officeDocument/2006/relationships" xmlns:p="http://schemas.openxmlformats.org/presentationml/2006/main">
   <p:cSld>
     <p:spTree>
@@ -10169,199 +11227,177 @@
             <p:ph idx="1"/>
           </p:nvPr>
         </p:nvSpPr>
-        <p:spPr/>
-        <p:txBody>
-          <a:bodyPr/>
-          <a:lstStyle/>
-          <a:p>
-            <a:endParaRPr lang="en-ZA"/>
-          </a:p>
-        </p:txBody>
-      </p:sp>
+        <p:spPr>
+          <a:xfrm>
+            <a:off x="913795" y="1494504"/>
+            <a:ext cx="10353762" cy="4925962"/>
+          </a:xfrm>
+        </p:spPr>
+        <p:txBody>
+          <a:bodyPr>
+            <a:normAutofit fontScale="92500" lnSpcReduction="10000"/>
+          </a:bodyPr>
+          <a:lstStyle/>
+          <a:p>
+            <a:r>
+              <a:rPr lang="en-ZA" dirty="0"/>
+              <a:t>Because of the high multi collinearity in the data is was decided to set the splitter parameter to random, and the minimum samples per leaf to 5</a:t>
+            </a:r>
+          </a:p>
+          <a:p>
+            <a:r>
+              <a:rPr lang="en-ZA" dirty="0"/>
+              <a:t>Filtered Data:</a:t>
+            </a:r>
+          </a:p>
+          <a:p>
+            <a:pPr lvl="1"/>
+            <a:r>
+              <a:rPr lang="en-ZA" dirty="0"/>
+              <a:t>Results:						Top 10 features: </a:t>
+            </a:r>
+          </a:p>
+          <a:p>
+            <a:pPr lvl="2"/>
+            <a:r>
+              <a:rPr lang="en-ZA" dirty="0"/>
+              <a:t>R2 score = 0.322</a:t>
+            </a:r>
+          </a:p>
+          <a:p>
+            <a:pPr lvl="2"/>
+            <a:r>
+              <a:rPr lang="en-ZA" dirty="0"/>
+              <a:t>MSE = 0.205</a:t>
+            </a:r>
+          </a:p>
+          <a:p>
+            <a:pPr lvl="2"/>
+            <a:r>
+              <a:rPr lang="en-ZA" dirty="0"/>
+              <a:t>RMSE = 0.452</a:t>
+            </a:r>
+          </a:p>
+          <a:p>
+            <a:pPr lvl="2"/>
+            <a:r>
+              <a:rPr lang="en-ZA" dirty="0"/>
+              <a:t>MAE = 0.336</a:t>
+            </a:r>
+          </a:p>
+          <a:p>
+            <a:r>
+              <a:rPr lang="en-ZA" dirty="0"/>
+              <a:t>Grouped by Region:</a:t>
+            </a:r>
+          </a:p>
+          <a:p>
+            <a:pPr lvl="1"/>
+            <a:r>
+              <a:rPr lang="en-ZA" dirty="0"/>
+              <a:t>Results:  						Top 10 features:  </a:t>
+            </a:r>
+          </a:p>
+          <a:p>
+            <a:pPr lvl="2"/>
+            <a:r>
+              <a:rPr lang="en-ZA" dirty="0"/>
+              <a:t>R2 score = 0.323</a:t>
+            </a:r>
+          </a:p>
+          <a:p>
+            <a:pPr lvl="2"/>
+            <a:r>
+              <a:rPr lang="en-ZA" dirty="0"/>
+              <a:t>MSE = 0.137</a:t>
+            </a:r>
+          </a:p>
+          <a:p>
+            <a:pPr lvl="2"/>
+            <a:r>
+              <a:rPr lang="en-ZA" dirty="0"/>
+              <a:t>RMSE = 0.370</a:t>
+            </a:r>
+          </a:p>
+          <a:p>
+            <a:pPr lvl="2"/>
+            <a:r>
+              <a:rPr lang="en-ZA" dirty="0"/>
+              <a:t>MAE = 0.281</a:t>
+            </a:r>
+          </a:p>
+          <a:p>
+            <a:endParaRPr lang="en-ZA" dirty="0"/>
+          </a:p>
+          <a:p>
+            <a:endParaRPr lang="en-ZA" dirty="0"/>
+          </a:p>
+        </p:txBody>
+      </p:sp>
+      <p:pic>
+        <p:nvPicPr>
+          <p:cNvPr id="5" name="Picture 4">
+            <a:extLst>
+              <a:ext uri="{FF2B5EF4-FFF2-40B4-BE49-F238E27FC236}">
+                <a16:creationId xmlns:a16="http://schemas.microsoft.com/office/drawing/2014/main" id="{3BE0098D-C6C8-2349-2DC4-9E22FDC4086E}"/>
+              </a:ext>
+            </a:extLst>
+          </p:cNvPr>
+          <p:cNvPicPr>
+            <a:picLocks noChangeAspect="1"/>
+          </p:cNvPicPr>
+          <p:nvPr/>
+        </p:nvPicPr>
+        <p:blipFill>
+          <a:blip r:embed="rId2"/>
+          <a:stretch>
+            <a:fillRect/>
+          </a:stretch>
+        </p:blipFill>
+        <p:spPr>
+          <a:xfrm>
+            <a:off x="6853963" y="2629370"/>
+            <a:ext cx="2377645" cy="1612068"/>
+          </a:xfrm>
+          <a:prstGeom prst="rect">
+            <a:avLst/>
+          </a:prstGeom>
+        </p:spPr>
+      </p:pic>
+      <p:pic>
+        <p:nvPicPr>
+          <p:cNvPr id="7" name="Picture 6">
+            <a:extLst>
+              <a:ext uri="{FF2B5EF4-FFF2-40B4-BE49-F238E27FC236}">
+                <a16:creationId xmlns:a16="http://schemas.microsoft.com/office/drawing/2014/main" id="{B275159F-A98B-7D4B-4143-6FBFB56D8A85}"/>
+              </a:ext>
+            </a:extLst>
+          </p:cNvPr>
+          <p:cNvPicPr>
+            <a:picLocks noChangeAspect="1"/>
+          </p:cNvPicPr>
+          <p:nvPr/>
+        </p:nvPicPr>
+        <p:blipFill>
+          <a:blip r:embed="rId3"/>
+          <a:stretch>
+            <a:fillRect/>
+          </a:stretch>
+        </p:blipFill>
+        <p:spPr>
+          <a:xfrm>
+            <a:off x="6853964" y="4728679"/>
+            <a:ext cx="2377645" cy="1691787"/>
+          </a:xfrm>
+          <a:prstGeom prst="rect">
+            <a:avLst/>
+          </a:prstGeom>
+        </p:spPr>
+      </p:pic>
     </p:spTree>
     <p:extLst>
       <p:ext uri="{BB962C8B-B14F-4D97-AF65-F5344CB8AC3E}">
         <p14:creationId xmlns:p14="http://schemas.microsoft.com/office/powerpoint/2010/main" val="488845266"/>
-      </p:ext>
-    </p:extLst>
-  </p:cSld>
-  <p:clrMapOvr>
-    <a:masterClrMapping/>
-  </p:clrMapOvr>
-</p:sld>
-</file>
-
-<file path=ppt/slides/slide27.xml><?xml version="1.0" encoding="utf-8"?>
-<p:sld xmlns:a="http://schemas.openxmlformats.org/drawingml/2006/main" xmlns:r="http://schemas.openxmlformats.org/officeDocument/2006/relationships" xmlns:p="http://schemas.openxmlformats.org/presentationml/2006/main">
-  <p:cSld>
-    <p:spTree>
-      <p:nvGrpSpPr>
-        <p:cNvPr id="1" name="">
-          <a:extLst>
-            <a:ext uri="{FF2B5EF4-FFF2-40B4-BE49-F238E27FC236}">
-              <a16:creationId xmlns:a16="http://schemas.microsoft.com/office/drawing/2014/main" id="{CE8F55FC-C83F-1EC7-4493-DF8040BC34A1}"/>
-            </a:ext>
-          </a:extLst>
-        </p:cNvPr>
-        <p:cNvGrpSpPr/>
-        <p:nvPr/>
-      </p:nvGrpSpPr>
-      <p:grpSpPr>
-        <a:xfrm>
-          <a:off x="0" y="0"/>
-          <a:ext cx="0" cy="0"/>
-          <a:chOff x="0" y="0"/>
-          <a:chExt cx="0" cy="0"/>
-        </a:xfrm>
-      </p:grpSpPr>
-      <p:sp>
-        <p:nvSpPr>
-          <p:cNvPr id="2" name="Title 1">
-            <a:extLst>
-              <a:ext uri="{FF2B5EF4-FFF2-40B4-BE49-F238E27FC236}">
-                <a16:creationId xmlns:a16="http://schemas.microsoft.com/office/drawing/2014/main" id="{917D2F8C-1E96-640C-F00D-9D227463DEE4}"/>
-              </a:ext>
-            </a:extLst>
-          </p:cNvPr>
-          <p:cNvSpPr>
-            <a:spLocks noGrp="1"/>
-          </p:cNvSpPr>
-          <p:nvPr>
-            <p:ph type="title"/>
-          </p:nvPr>
-        </p:nvSpPr>
-        <p:spPr/>
-        <p:txBody>
-          <a:bodyPr/>
-          <a:lstStyle/>
-          <a:p>
-            <a:pPr algn="l"/>
-            <a:r>
-              <a:rPr lang="en-ZA" dirty="0"/>
-              <a:t>Random Forests</a:t>
-            </a:r>
-          </a:p>
-        </p:txBody>
-      </p:sp>
-      <p:sp>
-        <p:nvSpPr>
-          <p:cNvPr id="3" name="Content Placeholder 2">
-            <a:extLst>
-              <a:ext uri="{FF2B5EF4-FFF2-40B4-BE49-F238E27FC236}">
-                <a16:creationId xmlns:a16="http://schemas.microsoft.com/office/drawing/2014/main" id="{03ACF577-8F49-05E9-2180-102D7213E627}"/>
-              </a:ext>
-            </a:extLst>
-          </p:cNvPr>
-          <p:cNvSpPr>
-            <a:spLocks noGrp="1"/>
-          </p:cNvSpPr>
-          <p:nvPr>
-            <p:ph idx="1"/>
-          </p:nvPr>
-        </p:nvSpPr>
-        <p:spPr/>
-        <p:txBody>
-          <a:bodyPr/>
-          <a:lstStyle/>
-          <a:p>
-            <a:endParaRPr lang="en-ZA"/>
-          </a:p>
-        </p:txBody>
-      </p:sp>
-    </p:spTree>
-    <p:extLst>
-      <p:ext uri="{BB962C8B-B14F-4D97-AF65-F5344CB8AC3E}">
-        <p14:creationId xmlns:p14="http://schemas.microsoft.com/office/powerpoint/2010/main" val="2565305964"/>
-      </p:ext>
-    </p:extLst>
-  </p:cSld>
-  <p:clrMapOvr>
-    <a:masterClrMapping/>
-  </p:clrMapOvr>
-</p:sld>
-</file>
-
-<file path=ppt/slides/slide28.xml><?xml version="1.0" encoding="utf-8"?>
-<p:sld xmlns:a="http://schemas.openxmlformats.org/drawingml/2006/main" xmlns:r="http://schemas.openxmlformats.org/officeDocument/2006/relationships" xmlns:p="http://schemas.openxmlformats.org/presentationml/2006/main">
-  <p:cSld>
-    <p:spTree>
-      <p:nvGrpSpPr>
-        <p:cNvPr id="1" name="">
-          <a:extLst>
-            <a:ext uri="{FF2B5EF4-FFF2-40B4-BE49-F238E27FC236}">
-              <a16:creationId xmlns:a16="http://schemas.microsoft.com/office/drawing/2014/main" id="{52588B23-000B-A248-5344-19E6BB4F2B2D}"/>
-            </a:ext>
-          </a:extLst>
-        </p:cNvPr>
-        <p:cNvGrpSpPr/>
-        <p:nvPr/>
-      </p:nvGrpSpPr>
-      <p:grpSpPr>
-        <a:xfrm>
-          <a:off x="0" y="0"/>
-          <a:ext cx="0" cy="0"/>
-          <a:chOff x="0" y="0"/>
-          <a:chExt cx="0" cy="0"/>
-        </a:xfrm>
-      </p:grpSpPr>
-      <p:sp>
-        <p:nvSpPr>
-          <p:cNvPr id="2" name="Title 1">
-            <a:extLst>
-              <a:ext uri="{FF2B5EF4-FFF2-40B4-BE49-F238E27FC236}">
-                <a16:creationId xmlns:a16="http://schemas.microsoft.com/office/drawing/2014/main" id="{73723C3E-0E0A-0361-6FE9-42D481D30D95}"/>
-              </a:ext>
-            </a:extLst>
-          </p:cNvPr>
-          <p:cNvSpPr>
-            <a:spLocks noGrp="1"/>
-          </p:cNvSpPr>
-          <p:nvPr>
-            <p:ph type="title"/>
-          </p:nvPr>
-        </p:nvSpPr>
-        <p:spPr/>
-        <p:txBody>
-          <a:bodyPr/>
-          <a:lstStyle/>
-          <a:p>
-            <a:pPr algn="l"/>
-            <a:r>
-              <a:rPr lang="en-ZA" dirty="0"/>
-              <a:t>Model Performance compared</a:t>
-            </a:r>
-          </a:p>
-        </p:txBody>
-      </p:sp>
-      <p:sp>
-        <p:nvSpPr>
-          <p:cNvPr id="3" name="Content Placeholder 2">
-            <a:extLst>
-              <a:ext uri="{FF2B5EF4-FFF2-40B4-BE49-F238E27FC236}">
-                <a16:creationId xmlns:a16="http://schemas.microsoft.com/office/drawing/2014/main" id="{58114DA2-6E6D-36FF-4724-582E74DE75D2}"/>
-              </a:ext>
-            </a:extLst>
-          </p:cNvPr>
-          <p:cNvSpPr>
-            <a:spLocks noGrp="1"/>
-          </p:cNvSpPr>
-          <p:nvPr>
-            <p:ph idx="1"/>
-          </p:nvPr>
-        </p:nvSpPr>
-        <p:spPr/>
-        <p:txBody>
-          <a:bodyPr/>
-          <a:lstStyle/>
-          <a:p>
-            <a:endParaRPr lang="en-ZA"/>
-          </a:p>
-        </p:txBody>
-      </p:sp>
-    </p:spTree>
-    <p:extLst>
-      <p:ext uri="{BB962C8B-B14F-4D97-AF65-F5344CB8AC3E}">
-        <p14:creationId xmlns:p14="http://schemas.microsoft.com/office/powerpoint/2010/main" val="2694861017"/>
       </p:ext>
     </p:extLst>
   </p:cSld>
@@ -10379,7 +11415,7 @@
         <p:cNvPr id="1" name="">
           <a:extLst>
             <a:ext uri="{FF2B5EF4-FFF2-40B4-BE49-F238E27FC236}">
-              <a16:creationId xmlns:a16="http://schemas.microsoft.com/office/drawing/2014/main" id="{335EFEAB-2D1D-4600-7A21-65C0AD6AAA4B}"/>
+              <a16:creationId xmlns:a16="http://schemas.microsoft.com/office/drawing/2014/main" id="{0D23CDF3-60DA-09DC-620D-EE34FF48159C}"/>
             </a:ext>
           </a:extLst>
         </p:cNvPr>
@@ -10399,7 +11435,7 @@
           <p:cNvPr id="2" name="Title 1">
             <a:extLst>
               <a:ext uri="{FF2B5EF4-FFF2-40B4-BE49-F238E27FC236}">
-                <a16:creationId xmlns:a16="http://schemas.microsoft.com/office/drawing/2014/main" id="{DCC9AE9A-46F1-06E3-EC9F-95579BE04A9B}"/>
+                <a16:creationId xmlns:a16="http://schemas.microsoft.com/office/drawing/2014/main" id="{E4FCAC8B-45D0-E8F0-3216-AE59863818B6}"/>
               </a:ext>
             </a:extLst>
           </p:cNvPr>
@@ -10418,7 +11454,7 @@
             <a:pPr algn="l"/>
             <a:r>
               <a:rPr lang="en-ZA" dirty="0"/>
-              <a:t>Comparisons of the Models</a:t>
+              <a:t>Decision Trees</a:t>
             </a:r>
           </a:p>
         </p:txBody>
@@ -10428,7 +11464,7 @@
           <p:cNvPr id="3" name="Content Placeholder 2">
             <a:extLst>
               <a:ext uri="{FF2B5EF4-FFF2-40B4-BE49-F238E27FC236}">
-                <a16:creationId xmlns:a16="http://schemas.microsoft.com/office/drawing/2014/main" id="{0E1BD014-6E65-1D6A-68AD-C99B4D8085F8}"/>
+                <a16:creationId xmlns:a16="http://schemas.microsoft.com/office/drawing/2014/main" id="{5AE34E94-B673-4002-D7A3-6A0D13075967}"/>
               </a:ext>
             </a:extLst>
           </p:cNvPr>
@@ -10439,19 +11475,68 @@
             <p:ph idx="1"/>
           </p:nvPr>
         </p:nvSpPr>
-        <p:spPr/>
-        <p:txBody>
-          <a:bodyPr/>
-          <a:lstStyle/>
-          <a:p>
-            <a:endParaRPr lang="en-ZA"/>
+        <p:spPr>
+          <a:xfrm>
+            <a:off x="913795" y="1494504"/>
+            <a:ext cx="10353762" cy="4925962"/>
+          </a:xfrm>
+        </p:spPr>
+        <p:txBody>
+          <a:bodyPr>
+            <a:normAutofit/>
+          </a:bodyPr>
+          <a:lstStyle/>
+          <a:p>
+            <a:r>
+              <a:rPr lang="en-ZA" dirty="0"/>
+              <a:t>Both decision tree models performed better than the multiple linear regression and lasso models</a:t>
+            </a:r>
+          </a:p>
+          <a:p>
+            <a:r>
+              <a:rPr lang="en-ZA" dirty="0"/>
+              <a:t>R-squared scores jumped to 0.32, meaning that 32% of the variance in the temperature change can be explained by changes in the emission sources</a:t>
+            </a:r>
+          </a:p>
+          <a:p>
+            <a:r>
+              <a:rPr lang="en-ZA" dirty="0"/>
+              <a:t>Root mean squared error also improved to 0.33 and 0.28, with the decision tree model based on the regional data outperforming the filtered data</a:t>
+            </a:r>
+          </a:p>
+          <a:p>
+            <a:r>
+              <a:rPr lang="en-ZA" dirty="0"/>
+              <a:t>In the top 5 features both shared food consumption as a notable predictor</a:t>
+            </a:r>
+          </a:p>
+          <a:p>
+            <a:r>
+              <a:rPr lang="en-ZA" dirty="0"/>
+              <a:t>The decision tree based on filtered data had predictors mainly concentrated around the industrial side and end product of the agri-food sector:  food retail, consumption &amp; transport, together with Industrial Processes and Products</a:t>
+            </a:r>
+          </a:p>
+          <a:p>
+            <a:r>
+              <a:rPr lang="en-ZA" dirty="0"/>
+              <a:t>The decision tree based on regional data however mainly concentrated on source issues like Forestland, crop residues, manure management and food consumption</a:t>
+            </a:r>
+          </a:p>
+          <a:p>
+            <a:endParaRPr lang="en-ZA" dirty="0"/>
+          </a:p>
+          <a:p>
+            <a:endParaRPr lang="en-ZA" dirty="0"/>
+          </a:p>
+          <a:p>
+            <a:endParaRPr lang="en-ZA" dirty="0"/>
           </a:p>
         </p:txBody>
       </p:sp>
     </p:spTree>
     <p:extLst>
       <p:ext uri="{BB962C8B-B14F-4D97-AF65-F5344CB8AC3E}">
-        <p14:creationId xmlns:p14="http://schemas.microsoft.com/office/powerpoint/2010/main" val="1990369775"/>
+        <p14:creationId xmlns:p14="http://schemas.microsoft.com/office/powerpoint/2010/main" val="3152103058"/>
       </p:ext>
     </p:extLst>
   </p:cSld>
@@ -10630,6 +11715,360 @@
         <p:cNvPr id="1" name="">
           <a:extLst>
             <a:ext uri="{FF2B5EF4-FFF2-40B4-BE49-F238E27FC236}">
+              <a16:creationId xmlns:a16="http://schemas.microsoft.com/office/drawing/2014/main" id="{CE8F55FC-C83F-1EC7-4493-DF8040BC34A1}"/>
+            </a:ext>
+          </a:extLst>
+        </p:cNvPr>
+        <p:cNvGrpSpPr/>
+        <p:nvPr/>
+      </p:nvGrpSpPr>
+      <p:grpSpPr>
+        <a:xfrm>
+          <a:off x="0" y="0"/>
+          <a:ext cx="0" cy="0"/>
+          <a:chOff x="0" y="0"/>
+          <a:chExt cx="0" cy="0"/>
+        </a:xfrm>
+      </p:grpSpPr>
+      <p:sp>
+        <p:nvSpPr>
+          <p:cNvPr id="2" name="Title 1">
+            <a:extLst>
+              <a:ext uri="{FF2B5EF4-FFF2-40B4-BE49-F238E27FC236}">
+                <a16:creationId xmlns:a16="http://schemas.microsoft.com/office/drawing/2014/main" id="{917D2F8C-1E96-640C-F00D-9D227463DEE4}"/>
+              </a:ext>
+            </a:extLst>
+          </p:cNvPr>
+          <p:cNvSpPr>
+            <a:spLocks noGrp="1"/>
+          </p:cNvSpPr>
+          <p:nvPr>
+            <p:ph type="title"/>
+          </p:nvPr>
+        </p:nvSpPr>
+        <p:spPr/>
+        <p:txBody>
+          <a:bodyPr/>
+          <a:lstStyle/>
+          <a:p>
+            <a:pPr algn="l"/>
+            <a:r>
+              <a:rPr lang="en-ZA" dirty="0"/>
+              <a:t>Random Forests</a:t>
+            </a:r>
+          </a:p>
+        </p:txBody>
+      </p:sp>
+      <p:sp>
+        <p:nvSpPr>
+          <p:cNvPr id="4" name="Content Placeholder 2">
+            <a:extLst>
+              <a:ext uri="{FF2B5EF4-FFF2-40B4-BE49-F238E27FC236}">
+                <a16:creationId xmlns:a16="http://schemas.microsoft.com/office/drawing/2014/main" id="{259355B9-24D8-74D4-C72F-DC9C41E8D072}"/>
+              </a:ext>
+            </a:extLst>
+          </p:cNvPr>
+          <p:cNvSpPr>
+            <a:spLocks noGrp="1"/>
+          </p:cNvSpPr>
+          <p:nvPr>
+            <p:ph idx="1"/>
+          </p:nvPr>
+        </p:nvSpPr>
+        <p:spPr>
+          <a:xfrm>
+            <a:off x="913795" y="1494504"/>
+            <a:ext cx="10353762" cy="4925962"/>
+          </a:xfrm>
+        </p:spPr>
+        <p:txBody>
+          <a:bodyPr>
+            <a:normAutofit fontScale="92500" lnSpcReduction="10000"/>
+          </a:bodyPr>
+          <a:lstStyle/>
+          <a:p>
+            <a:r>
+              <a:rPr lang="en-ZA" dirty="0"/>
+              <a:t>Because of the high multi collinearity in the data is was decided to set bootstrapping to true and the minimum samples per leaf to 5</a:t>
+            </a:r>
+          </a:p>
+          <a:p>
+            <a:r>
+              <a:rPr lang="en-ZA" dirty="0"/>
+              <a:t>Filtered Data:</a:t>
+            </a:r>
+          </a:p>
+          <a:p>
+            <a:pPr lvl="1"/>
+            <a:r>
+              <a:rPr lang="en-ZA" dirty="0"/>
+              <a:t>Results:						Top 10 features: </a:t>
+            </a:r>
+          </a:p>
+          <a:p>
+            <a:pPr lvl="2"/>
+            <a:r>
+              <a:rPr lang="en-ZA" dirty="0"/>
+              <a:t>R2 score = 0.483</a:t>
+            </a:r>
+          </a:p>
+          <a:p>
+            <a:pPr lvl="2"/>
+            <a:r>
+              <a:rPr lang="en-ZA" dirty="0"/>
+              <a:t>MSE = 0.156</a:t>
+            </a:r>
+          </a:p>
+          <a:p>
+            <a:pPr lvl="2"/>
+            <a:r>
+              <a:rPr lang="en-ZA" dirty="0"/>
+              <a:t>RMSE = 0.395</a:t>
+            </a:r>
+          </a:p>
+          <a:p>
+            <a:pPr lvl="2"/>
+            <a:r>
+              <a:rPr lang="en-ZA" dirty="0"/>
+              <a:t>MAE = 0.292</a:t>
+            </a:r>
+          </a:p>
+          <a:p>
+            <a:r>
+              <a:rPr lang="en-ZA" dirty="0"/>
+              <a:t>Grouped by Region:</a:t>
+            </a:r>
+          </a:p>
+          <a:p>
+            <a:pPr lvl="1"/>
+            <a:r>
+              <a:rPr lang="en-ZA" dirty="0"/>
+              <a:t>Results:  						Top 10 features:  </a:t>
+            </a:r>
+          </a:p>
+          <a:p>
+            <a:pPr lvl="2"/>
+            <a:r>
+              <a:rPr lang="en-ZA" dirty="0"/>
+              <a:t>R2 score = 0.377</a:t>
+            </a:r>
+          </a:p>
+          <a:p>
+            <a:pPr lvl="2"/>
+            <a:r>
+              <a:rPr lang="en-ZA" dirty="0"/>
+              <a:t>MSE = 0.126</a:t>
+            </a:r>
+          </a:p>
+          <a:p>
+            <a:pPr lvl="2"/>
+            <a:r>
+              <a:rPr lang="en-ZA" dirty="0"/>
+              <a:t>RMSE = 0.356</a:t>
+            </a:r>
+          </a:p>
+          <a:p>
+            <a:pPr lvl="2"/>
+            <a:r>
+              <a:rPr lang="en-ZA" dirty="0"/>
+              <a:t>MAE = 0.267</a:t>
+            </a:r>
+          </a:p>
+          <a:p>
+            <a:endParaRPr lang="en-ZA" dirty="0"/>
+          </a:p>
+          <a:p>
+            <a:endParaRPr lang="en-ZA" dirty="0"/>
+          </a:p>
+        </p:txBody>
+      </p:sp>
+    </p:spTree>
+    <p:extLst>
+      <p:ext uri="{BB962C8B-B14F-4D97-AF65-F5344CB8AC3E}">
+        <p14:creationId xmlns:p14="http://schemas.microsoft.com/office/powerpoint/2010/main" val="2565305964"/>
+      </p:ext>
+    </p:extLst>
+  </p:cSld>
+  <p:clrMapOvr>
+    <a:masterClrMapping/>
+  </p:clrMapOvr>
+</p:sld>
+</file>
+
+<file path=ppt/slides/slide31.xml><?xml version="1.0" encoding="utf-8"?>
+<p:sld xmlns:a="http://schemas.openxmlformats.org/drawingml/2006/main" xmlns:r="http://schemas.openxmlformats.org/officeDocument/2006/relationships" xmlns:p="http://schemas.openxmlformats.org/presentationml/2006/main">
+  <p:cSld>
+    <p:spTree>
+      <p:nvGrpSpPr>
+        <p:cNvPr id="1" name="">
+          <a:extLst>
+            <a:ext uri="{FF2B5EF4-FFF2-40B4-BE49-F238E27FC236}">
+              <a16:creationId xmlns:a16="http://schemas.microsoft.com/office/drawing/2014/main" id="{52588B23-000B-A248-5344-19E6BB4F2B2D}"/>
+            </a:ext>
+          </a:extLst>
+        </p:cNvPr>
+        <p:cNvGrpSpPr/>
+        <p:nvPr/>
+      </p:nvGrpSpPr>
+      <p:grpSpPr>
+        <a:xfrm>
+          <a:off x="0" y="0"/>
+          <a:ext cx="0" cy="0"/>
+          <a:chOff x="0" y="0"/>
+          <a:chExt cx="0" cy="0"/>
+        </a:xfrm>
+      </p:grpSpPr>
+      <p:sp>
+        <p:nvSpPr>
+          <p:cNvPr id="2" name="Title 1">
+            <a:extLst>
+              <a:ext uri="{FF2B5EF4-FFF2-40B4-BE49-F238E27FC236}">
+                <a16:creationId xmlns:a16="http://schemas.microsoft.com/office/drawing/2014/main" id="{73723C3E-0E0A-0361-6FE9-42D481D30D95}"/>
+              </a:ext>
+            </a:extLst>
+          </p:cNvPr>
+          <p:cNvSpPr>
+            <a:spLocks noGrp="1"/>
+          </p:cNvSpPr>
+          <p:nvPr>
+            <p:ph type="title"/>
+          </p:nvPr>
+        </p:nvSpPr>
+        <p:spPr/>
+        <p:txBody>
+          <a:bodyPr/>
+          <a:lstStyle/>
+          <a:p>
+            <a:pPr algn="l"/>
+            <a:r>
+              <a:rPr lang="en-ZA" dirty="0"/>
+              <a:t>Model Performance compared</a:t>
+            </a:r>
+          </a:p>
+        </p:txBody>
+      </p:sp>
+      <p:pic>
+        <p:nvPicPr>
+          <p:cNvPr id="10" name="Content Placeholder 9">
+            <a:extLst>
+              <a:ext uri="{FF2B5EF4-FFF2-40B4-BE49-F238E27FC236}">
+                <a16:creationId xmlns:a16="http://schemas.microsoft.com/office/drawing/2014/main" id="{29BBE373-26F3-7170-061F-531685F11D08}"/>
+              </a:ext>
+            </a:extLst>
+          </p:cNvPr>
+          <p:cNvPicPr>
+            <a:picLocks noGrp="1" noChangeAspect="1"/>
+          </p:cNvPicPr>
+          <p:nvPr>
+            <p:ph idx="1"/>
+          </p:nvPr>
+        </p:nvPicPr>
+        <p:blipFill>
+          <a:blip r:embed="rId2"/>
+          <a:stretch>
+            <a:fillRect/>
+          </a:stretch>
+        </p:blipFill>
+        <p:spPr>
+          <a:xfrm>
+            <a:off x="913795" y="1701478"/>
+            <a:ext cx="6530340" cy="1386840"/>
+          </a:xfrm>
+          <a:prstGeom prst="rect">
+            <a:avLst/>
+          </a:prstGeom>
+        </p:spPr>
+      </p:pic>
+      <p:sp>
+        <p:nvSpPr>
+          <p:cNvPr id="11" name="TextBox 10">
+            <a:extLst>
+              <a:ext uri="{FF2B5EF4-FFF2-40B4-BE49-F238E27FC236}">
+                <a16:creationId xmlns:a16="http://schemas.microsoft.com/office/drawing/2014/main" id="{81D92F7E-E5A4-044A-072D-DC017149B889}"/>
+              </a:ext>
+            </a:extLst>
+          </p:cNvPr>
+          <p:cNvSpPr txBox="1"/>
+          <p:nvPr/>
+        </p:nvSpPr>
+        <p:spPr>
+          <a:xfrm>
+            <a:off x="913795" y="3429000"/>
+            <a:ext cx="10364410" cy="1200329"/>
+          </a:xfrm>
+          <a:prstGeom prst="rect">
+            <a:avLst/>
+          </a:prstGeom>
+          <a:noFill/>
+        </p:spPr>
+        <p:txBody>
+          <a:bodyPr wrap="square" rtlCol="0">
+            <a:spAutoFit/>
+          </a:bodyPr>
+          <a:lstStyle/>
+          <a:p>
+            <a:pPr marL="285750" indent="-285750">
+              <a:buFont typeface="Arial" panose="020B0604020202020204" pitchFamily="34" charset="0"/>
+              <a:buChar char="•"/>
+            </a:pPr>
+            <a:r>
+              <a:rPr lang="en-ZA" dirty="0"/>
+              <a:t>The grouped by region models consistently performed better than their filtered data counterparts.</a:t>
+            </a:r>
+          </a:p>
+          <a:p>
+            <a:pPr marL="285750" indent="-285750">
+              <a:buFont typeface="Arial" panose="020B0604020202020204" pitchFamily="34" charset="0"/>
+              <a:buChar char="•"/>
+            </a:pPr>
+            <a:r>
+              <a:rPr lang="en-ZA" dirty="0"/>
+              <a:t>Performance improved significantly on using decision trees</a:t>
+            </a:r>
+          </a:p>
+          <a:p>
+            <a:pPr marL="285750" indent="-285750">
+              <a:buFont typeface="Arial" panose="020B0604020202020204" pitchFamily="34" charset="0"/>
+              <a:buChar char="•"/>
+            </a:pPr>
+            <a:r>
+              <a:rPr lang="en-ZA" dirty="0"/>
+              <a:t>Random forests outperformed all models</a:t>
+            </a:r>
+          </a:p>
+          <a:p>
+            <a:pPr marL="285750" indent="-285750">
+              <a:buFont typeface="Arial" panose="020B0604020202020204" pitchFamily="34" charset="0"/>
+              <a:buChar char="•"/>
+            </a:pPr>
+            <a:r>
+              <a:rPr lang="en-ZA" dirty="0"/>
+              <a:t>The best performing model being the grouped by region random forest</a:t>
+            </a:r>
+          </a:p>
+        </p:txBody>
+      </p:sp>
+    </p:spTree>
+    <p:extLst>
+      <p:ext uri="{BB962C8B-B14F-4D97-AF65-F5344CB8AC3E}">
+        <p14:creationId xmlns:p14="http://schemas.microsoft.com/office/powerpoint/2010/main" val="2694861017"/>
+      </p:ext>
+    </p:extLst>
+  </p:cSld>
+  <p:clrMapOvr>
+    <a:masterClrMapping/>
+  </p:clrMapOvr>
+</p:sld>
+</file>
+
+<file path=ppt/slides/slide32.xml><?xml version="1.0" encoding="utf-8"?>
+<p:sld xmlns:a="http://schemas.openxmlformats.org/drawingml/2006/main" xmlns:r="http://schemas.openxmlformats.org/officeDocument/2006/relationships" xmlns:p="http://schemas.openxmlformats.org/presentationml/2006/main">
+  <p:cSld>
+    <p:spTree>
+      <p:nvGrpSpPr>
+        <p:cNvPr id="1" name="">
+          <a:extLst>
+            <a:ext uri="{FF2B5EF4-FFF2-40B4-BE49-F238E27FC236}">
               <a16:creationId xmlns:a16="http://schemas.microsoft.com/office/drawing/2014/main" id="{43296224-1118-0277-18E5-45344662AE66}"/>
             </a:ext>
           </a:extLst>
@@ -10661,17 +12100,21 @@
             <p:ph type="title"/>
           </p:nvPr>
         </p:nvSpPr>
-        <p:spPr/>
+        <p:spPr>
+          <a:xfrm>
+            <a:off x="913795" y="581575"/>
+            <a:ext cx="10353762" cy="970450"/>
+          </a:xfrm>
+        </p:spPr>
         <p:txBody>
           <a:bodyPr/>
           <a:lstStyle/>
           <a:p>
             <a:pPr algn="l"/>
             <a:r>
-              <a:rPr lang="en-ZA"/>
-              <a:t>Most Appropriate Model to Use</a:t>
-            </a:r>
-            <a:endParaRPr lang="en-ZA" dirty="0"/>
+              <a:rPr lang="en-ZA" dirty="0"/>
+              <a:t>Evaluation of the 2 random forest models</a:t>
+            </a:r>
           </a:p>
         </p:txBody>
       </p:sp>
@@ -10696,7 +12139,126 @@
           <a:bodyPr/>
           <a:lstStyle/>
           <a:p>
-            <a:endParaRPr lang="en-ZA"/>
+            <a:r>
+              <a:rPr lang="en-ZA" dirty="0"/>
+              <a:t>Random forest on filtered data:</a:t>
+            </a:r>
+          </a:p>
+          <a:p>
+            <a:pPr lvl="1"/>
+            <a:r>
+              <a:rPr lang="en-ZA" dirty="0"/>
+              <a:t>The most important features are food retail and manure pasture</a:t>
+            </a:r>
+          </a:p>
+          <a:p>
+            <a:pPr lvl="8"/>
+            <a:endParaRPr lang="en-ZA" dirty="0"/>
+          </a:p>
+          <a:p>
+            <a:pPr lvl="8"/>
+            <a:endParaRPr lang="en-ZA" dirty="0"/>
+          </a:p>
+          <a:p>
+            <a:pPr marL="450000" lvl="1" indent="0">
+              <a:buNone/>
+            </a:pPr>
+            <a:endParaRPr lang="en-ZA" dirty="0"/>
+          </a:p>
+        </p:txBody>
+      </p:sp>
+      <p:pic>
+        <p:nvPicPr>
+          <p:cNvPr id="5" name="Picture 4">
+            <a:extLst>
+              <a:ext uri="{FF2B5EF4-FFF2-40B4-BE49-F238E27FC236}">
+                <a16:creationId xmlns:a16="http://schemas.microsoft.com/office/drawing/2014/main" id="{B477FB43-A21F-1409-677E-4B8A8E7B2A48}"/>
+              </a:ext>
+            </a:extLst>
+          </p:cNvPr>
+          <p:cNvPicPr>
+            <a:picLocks noChangeAspect="1"/>
+          </p:cNvPicPr>
+          <p:nvPr/>
+        </p:nvPicPr>
+        <p:blipFill>
+          <a:blip r:embed="rId2"/>
+          <a:stretch>
+            <a:fillRect/>
+          </a:stretch>
+        </p:blipFill>
+        <p:spPr>
+          <a:xfrm>
+            <a:off x="8836153" y="3255091"/>
+            <a:ext cx="2625317" cy="2688508"/>
+          </a:xfrm>
+          <a:prstGeom prst="rect">
+            <a:avLst/>
+          </a:prstGeom>
+        </p:spPr>
+      </p:pic>
+      <p:pic>
+        <p:nvPicPr>
+          <p:cNvPr id="7" name="Picture 6">
+            <a:extLst>
+              <a:ext uri="{FF2B5EF4-FFF2-40B4-BE49-F238E27FC236}">
+                <a16:creationId xmlns:a16="http://schemas.microsoft.com/office/drawing/2014/main" id="{757B629E-6816-02AE-8937-01B29459FF79}"/>
+              </a:ext>
+            </a:extLst>
+          </p:cNvPr>
+          <p:cNvPicPr>
+            <a:picLocks noChangeAspect="1"/>
+          </p:cNvPicPr>
+          <p:nvPr/>
+        </p:nvPicPr>
+        <p:blipFill>
+          <a:blip r:embed="rId3"/>
+          <a:stretch>
+            <a:fillRect/>
+          </a:stretch>
+        </p:blipFill>
+        <p:spPr>
+          <a:xfrm>
+            <a:off x="1301622" y="2619989"/>
+            <a:ext cx="6276282" cy="3497519"/>
+          </a:xfrm>
+          <a:prstGeom prst="rect">
+            <a:avLst/>
+          </a:prstGeom>
+        </p:spPr>
+      </p:pic>
+      <p:sp>
+        <p:nvSpPr>
+          <p:cNvPr id="8" name="TextBox 7">
+            <a:extLst>
+              <a:ext uri="{FF2B5EF4-FFF2-40B4-BE49-F238E27FC236}">
+                <a16:creationId xmlns:a16="http://schemas.microsoft.com/office/drawing/2014/main" id="{B6D5F4AE-344A-5350-D6CD-63BD8007DD03}"/>
+              </a:ext>
+            </a:extLst>
+          </p:cNvPr>
+          <p:cNvSpPr txBox="1"/>
+          <p:nvPr/>
+        </p:nvSpPr>
+        <p:spPr>
+          <a:xfrm>
+            <a:off x="8790039" y="2733360"/>
+            <a:ext cx="2865345" cy="369332"/>
+          </a:xfrm>
+          <a:prstGeom prst="rect">
+            <a:avLst/>
+          </a:prstGeom>
+          <a:noFill/>
+        </p:spPr>
+        <p:txBody>
+          <a:bodyPr wrap="square" rtlCol="0">
+            <a:spAutoFit/>
+          </a:bodyPr>
+          <a:lstStyle/>
+          <a:p>
+            <a:r>
+              <a:rPr lang="en-ZA" dirty="0"/>
+              <a:t>Actual vs predicted values</a:t>
+            </a:r>
           </a:p>
         </p:txBody>
       </p:sp>
@@ -10713,7 +12275,516 @@
 </p:sld>
 </file>
 
-<file path=ppt/slides/slide31.xml><?xml version="1.0" encoding="utf-8"?>
+<file path=ppt/slides/slide33.xml><?xml version="1.0" encoding="utf-8"?>
+<p:sld xmlns:a="http://schemas.openxmlformats.org/drawingml/2006/main" xmlns:r="http://schemas.openxmlformats.org/officeDocument/2006/relationships" xmlns:p="http://schemas.openxmlformats.org/presentationml/2006/main">
+  <p:cSld>
+    <p:spTree>
+      <p:nvGrpSpPr>
+        <p:cNvPr id="1" name="">
+          <a:extLst>
+            <a:ext uri="{FF2B5EF4-FFF2-40B4-BE49-F238E27FC236}">
+              <a16:creationId xmlns:a16="http://schemas.microsoft.com/office/drawing/2014/main" id="{E68472B0-C3AD-AEB7-A8C3-064924C94373}"/>
+            </a:ext>
+          </a:extLst>
+        </p:cNvPr>
+        <p:cNvGrpSpPr/>
+        <p:nvPr/>
+      </p:nvGrpSpPr>
+      <p:grpSpPr>
+        <a:xfrm>
+          <a:off x="0" y="0"/>
+          <a:ext cx="0" cy="0"/>
+          <a:chOff x="0" y="0"/>
+          <a:chExt cx="0" cy="0"/>
+        </a:xfrm>
+      </p:grpSpPr>
+      <p:sp>
+        <p:nvSpPr>
+          <p:cNvPr id="2" name="Title 1">
+            <a:extLst>
+              <a:ext uri="{FF2B5EF4-FFF2-40B4-BE49-F238E27FC236}">
+                <a16:creationId xmlns:a16="http://schemas.microsoft.com/office/drawing/2014/main" id="{51A62D6B-360F-8158-F0DD-5BE6F49BD969}"/>
+              </a:ext>
+            </a:extLst>
+          </p:cNvPr>
+          <p:cNvSpPr>
+            <a:spLocks noGrp="1"/>
+          </p:cNvSpPr>
+          <p:nvPr>
+            <p:ph type="title"/>
+          </p:nvPr>
+        </p:nvSpPr>
+        <p:spPr>
+          <a:xfrm>
+            <a:off x="913795" y="581575"/>
+            <a:ext cx="10353762" cy="970450"/>
+          </a:xfrm>
+        </p:spPr>
+        <p:txBody>
+          <a:bodyPr/>
+          <a:lstStyle/>
+          <a:p>
+            <a:pPr algn="l"/>
+            <a:r>
+              <a:rPr lang="en-ZA" dirty="0"/>
+              <a:t>Evaluation of the 2 random forest models</a:t>
+            </a:r>
+          </a:p>
+        </p:txBody>
+      </p:sp>
+      <p:sp>
+        <p:nvSpPr>
+          <p:cNvPr id="3" name="Content Placeholder 2">
+            <a:extLst>
+              <a:ext uri="{FF2B5EF4-FFF2-40B4-BE49-F238E27FC236}">
+                <a16:creationId xmlns:a16="http://schemas.microsoft.com/office/drawing/2014/main" id="{0CBAD3D8-CBA8-19D6-171C-E3779EE20B46}"/>
+              </a:ext>
+            </a:extLst>
+          </p:cNvPr>
+          <p:cNvSpPr>
+            <a:spLocks noGrp="1"/>
+          </p:cNvSpPr>
+          <p:nvPr>
+            <p:ph idx="1"/>
+          </p:nvPr>
+        </p:nvSpPr>
+        <p:spPr/>
+        <p:txBody>
+          <a:bodyPr/>
+          <a:lstStyle/>
+          <a:p>
+            <a:r>
+              <a:rPr lang="en-ZA" dirty="0"/>
+              <a:t>Random forest on filtered data:</a:t>
+            </a:r>
+          </a:p>
+          <a:p>
+            <a:pPr lvl="1"/>
+            <a:r>
+              <a:rPr lang="en-ZA" dirty="0"/>
+              <a:t>We ran a cross validation exercise against this model and it performed poorly</a:t>
+            </a:r>
+          </a:p>
+          <a:p>
+            <a:pPr lvl="1"/>
+            <a:r>
+              <a:rPr lang="en-ZA" dirty="0"/>
+              <a:t>Mean MSE was 0.285 compared to 0.16 on the training model</a:t>
+            </a:r>
+          </a:p>
+          <a:p>
+            <a:pPr lvl="8"/>
+            <a:endParaRPr lang="en-ZA" dirty="0"/>
+          </a:p>
+          <a:p>
+            <a:pPr lvl="8"/>
+            <a:endParaRPr lang="en-ZA" dirty="0"/>
+          </a:p>
+          <a:p>
+            <a:pPr marL="450000" lvl="1" indent="0">
+              <a:buNone/>
+            </a:pPr>
+            <a:endParaRPr lang="en-ZA" dirty="0"/>
+          </a:p>
+        </p:txBody>
+      </p:sp>
+    </p:spTree>
+    <p:extLst>
+      <p:ext uri="{BB962C8B-B14F-4D97-AF65-F5344CB8AC3E}">
+        <p14:creationId xmlns:p14="http://schemas.microsoft.com/office/powerpoint/2010/main" val="4217511243"/>
+      </p:ext>
+    </p:extLst>
+  </p:cSld>
+  <p:clrMapOvr>
+    <a:masterClrMapping/>
+  </p:clrMapOvr>
+</p:sld>
+</file>
+
+<file path=ppt/slides/slide34.xml><?xml version="1.0" encoding="utf-8"?>
+<p:sld xmlns:a="http://schemas.openxmlformats.org/drawingml/2006/main" xmlns:r="http://schemas.openxmlformats.org/officeDocument/2006/relationships" xmlns:p="http://schemas.openxmlformats.org/presentationml/2006/main">
+  <p:cSld>
+    <p:spTree>
+      <p:nvGrpSpPr>
+        <p:cNvPr id="1" name="">
+          <a:extLst>
+            <a:ext uri="{FF2B5EF4-FFF2-40B4-BE49-F238E27FC236}">
+              <a16:creationId xmlns:a16="http://schemas.microsoft.com/office/drawing/2014/main" id="{3A5E79D1-E8A8-E447-AD6D-ADB5FDA7813E}"/>
+            </a:ext>
+          </a:extLst>
+        </p:cNvPr>
+        <p:cNvGrpSpPr/>
+        <p:nvPr/>
+      </p:nvGrpSpPr>
+      <p:grpSpPr>
+        <a:xfrm>
+          <a:off x="0" y="0"/>
+          <a:ext cx="0" cy="0"/>
+          <a:chOff x="0" y="0"/>
+          <a:chExt cx="0" cy="0"/>
+        </a:xfrm>
+      </p:grpSpPr>
+      <p:sp>
+        <p:nvSpPr>
+          <p:cNvPr id="2" name="Title 1">
+            <a:extLst>
+              <a:ext uri="{FF2B5EF4-FFF2-40B4-BE49-F238E27FC236}">
+                <a16:creationId xmlns:a16="http://schemas.microsoft.com/office/drawing/2014/main" id="{55841E82-7E89-A47B-A09F-BE57BE218849}"/>
+              </a:ext>
+            </a:extLst>
+          </p:cNvPr>
+          <p:cNvSpPr>
+            <a:spLocks noGrp="1"/>
+          </p:cNvSpPr>
+          <p:nvPr>
+            <p:ph type="title"/>
+          </p:nvPr>
+        </p:nvSpPr>
+        <p:spPr>
+          <a:xfrm>
+            <a:off x="913795" y="581575"/>
+            <a:ext cx="10353762" cy="970450"/>
+          </a:xfrm>
+        </p:spPr>
+        <p:txBody>
+          <a:bodyPr/>
+          <a:lstStyle/>
+          <a:p>
+            <a:pPr algn="l"/>
+            <a:r>
+              <a:rPr lang="en-ZA" dirty="0"/>
+              <a:t>Evaluation of the 2 random forest models</a:t>
+            </a:r>
+          </a:p>
+        </p:txBody>
+      </p:sp>
+      <p:sp>
+        <p:nvSpPr>
+          <p:cNvPr id="3" name="Content Placeholder 2">
+            <a:extLst>
+              <a:ext uri="{FF2B5EF4-FFF2-40B4-BE49-F238E27FC236}">
+                <a16:creationId xmlns:a16="http://schemas.microsoft.com/office/drawing/2014/main" id="{4537107A-5F7D-B782-13EA-28E0819C5BD6}"/>
+              </a:ext>
+            </a:extLst>
+          </p:cNvPr>
+          <p:cNvSpPr>
+            <a:spLocks noGrp="1"/>
+          </p:cNvSpPr>
+          <p:nvPr>
+            <p:ph idx="1"/>
+          </p:nvPr>
+        </p:nvSpPr>
+        <p:spPr/>
+        <p:txBody>
+          <a:bodyPr/>
+          <a:lstStyle/>
+          <a:p>
+            <a:r>
+              <a:rPr lang="en-ZA" dirty="0"/>
+              <a:t>Random forest on grouped regional data:</a:t>
+            </a:r>
+          </a:p>
+          <a:p>
+            <a:pPr lvl="1"/>
+            <a:r>
+              <a:rPr lang="en-ZA" dirty="0"/>
+              <a:t>Food retail takes on even more importance than before, still followed by manure for pastures</a:t>
+            </a:r>
+          </a:p>
+          <a:p>
+            <a:pPr lvl="8"/>
+            <a:endParaRPr lang="en-ZA" dirty="0"/>
+          </a:p>
+          <a:p>
+            <a:pPr lvl="8"/>
+            <a:endParaRPr lang="en-ZA" dirty="0"/>
+          </a:p>
+          <a:p>
+            <a:pPr marL="450000" lvl="1" indent="0">
+              <a:buNone/>
+            </a:pPr>
+            <a:endParaRPr lang="en-ZA" dirty="0"/>
+          </a:p>
+        </p:txBody>
+      </p:sp>
+      <p:sp>
+        <p:nvSpPr>
+          <p:cNvPr id="8" name="TextBox 7">
+            <a:extLst>
+              <a:ext uri="{FF2B5EF4-FFF2-40B4-BE49-F238E27FC236}">
+                <a16:creationId xmlns:a16="http://schemas.microsoft.com/office/drawing/2014/main" id="{6262822F-2104-4755-B04A-76D213A9B344}"/>
+              </a:ext>
+            </a:extLst>
+          </p:cNvPr>
+          <p:cNvSpPr txBox="1"/>
+          <p:nvPr/>
+        </p:nvSpPr>
+        <p:spPr>
+          <a:xfrm>
+            <a:off x="8790039" y="2733360"/>
+            <a:ext cx="2865345" cy="369332"/>
+          </a:xfrm>
+          <a:prstGeom prst="rect">
+            <a:avLst/>
+          </a:prstGeom>
+          <a:noFill/>
+        </p:spPr>
+        <p:txBody>
+          <a:bodyPr wrap="square" rtlCol="0">
+            <a:spAutoFit/>
+          </a:bodyPr>
+          <a:lstStyle/>
+          <a:p>
+            <a:r>
+              <a:rPr lang="en-ZA" dirty="0"/>
+              <a:t>Actual vs predicted values</a:t>
+            </a:r>
+          </a:p>
+        </p:txBody>
+      </p:sp>
+      <p:pic>
+        <p:nvPicPr>
+          <p:cNvPr id="6" name="Picture 5">
+            <a:extLst>
+              <a:ext uri="{FF2B5EF4-FFF2-40B4-BE49-F238E27FC236}">
+                <a16:creationId xmlns:a16="http://schemas.microsoft.com/office/drawing/2014/main" id="{7AA95FF1-DA62-C7B9-C8FF-560FCA1D466A}"/>
+              </a:ext>
+            </a:extLst>
+          </p:cNvPr>
+          <p:cNvPicPr>
+            <a:picLocks noChangeAspect="1"/>
+          </p:cNvPicPr>
+          <p:nvPr/>
+        </p:nvPicPr>
+        <p:blipFill>
+          <a:blip r:embed="rId2"/>
+          <a:stretch>
+            <a:fillRect/>
+          </a:stretch>
+        </p:blipFill>
+        <p:spPr>
+          <a:xfrm>
+            <a:off x="1042430" y="2733360"/>
+            <a:ext cx="6260383" cy="3488659"/>
+          </a:xfrm>
+          <a:prstGeom prst="rect">
+            <a:avLst/>
+          </a:prstGeom>
+        </p:spPr>
+      </p:pic>
+      <p:pic>
+        <p:nvPicPr>
+          <p:cNvPr id="10" name="Picture 9">
+            <a:extLst>
+              <a:ext uri="{FF2B5EF4-FFF2-40B4-BE49-F238E27FC236}">
+                <a16:creationId xmlns:a16="http://schemas.microsoft.com/office/drawing/2014/main" id="{562966C9-A0BF-5D92-8E60-2B5373273C40}"/>
+              </a:ext>
+            </a:extLst>
+          </p:cNvPr>
+          <p:cNvPicPr>
+            <a:picLocks noChangeAspect="1"/>
+          </p:cNvPicPr>
+          <p:nvPr/>
+        </p:nvPicPr>
+        <p:blipFill>
+          <a:blip r:embed="rId3"/>
+          <a:stretch>
+            <a:fillRect/>
+          </a:stretch>
+        </p:blipFill>
+        <p:spPr>
+          <a:xfrm>
+            <a:off x="8696791" y="3171511"/>
+            <a:ext cx="3051839" cy="3104914"/>
+          </a:xfrm>
+          <a:prstGeom prst="rect">
+            <a:avLst/>
+          </a:prstGeom>
+        </p:spPr>
+      </p:pic>
+    </p:spTree>
+    <p:extLst>
+      <p:ext uri="{BB962C8B-B14F-4D97-AF65-F5344CB8AC3E}">
+        <p14:creationId xmlns:p14="http://schemas.microsoft.com/office/powerpoint/2010/main" val="2184700999"/>
+      </p:ext>
+    </p:extLst>
+  </p:cSld>
+  <p:clrMapOvr>
+    <a:masterClrMapping/>
+  </p:clrMapOvr>
+</p:sld>
+</file>
+
+<file path=ppt/slides/slide35.xml><?xml version="1.0" encoding="utf-8"?>
+<p:sld xmlns:a="http://schemas.openxmlformats.org/drawingml/2006/main" xmlns:r="http://schemas.openxmlformats.org/officeDocument/2006/relationships" xmlns:p="http://schemas.openxmlformats.org/presentationml/2006/main">
+  <p:cSld>
+    <p:spTree>
+      <p:nvGrpSpPr>
+        <p:cNvPr id="1" name="">
+          <a:extLst>
+            <a:ext uri="{FF2B5EF4-FFF2-40B4-BE49-F238E27FC236}">
+              <a16:creationId xmlns:a16="http://schemas.microsoft.com/office/drawing/2014/main" id="{660CD447-7CEB-5DD8-F6F8-876DC36F42E2}"/>
+            </a:ext>
+          </a:extLst>
+        </p:cNvPr>
+        <p:cNvGrpSpPr/>
+        <p:nvPr/>
+      </p:nvGrpSpPr>
+      <p:grpSpPr>
+        <a:xfrm>
+          <a:off x="0" y="0"/>
+          <a:ext cx="0" cy="0"/>
+          <a:chOff x="0" y="0"/>
+          <a:chExt cx="0" cy="0"/>
+        </a:xfrm>
+      </p:grpSpPr>
+      <p:sp>
+        <p:nvSpPr>
+          <p:cNvPr id="2" name="Title 1">
+            <a:extLst>
+              <a:ext uri="{FF2B5EF4-FFF2-40B4-BE49-F238E27FC236}">
+                <a16:creationId xmlns:a16="http://schemas.microsoft.com/office/drawing/2014/main" id="{0E38874C-D5F5-C9EF-99AE-074426D491AE}"/>
+              </a:ext>
+            </a:extLst>
+          </p:cNvPr>
+          <p:cNvSpPr>
+            <a:spLocks noGrp="1"/>
+          </p:cNvSpPr>
+          <p:nvPr>
+            <p:ph type="title"/>
+          </p:nvPr>
+        </p:nvSpPr>
+        <p:spPr>
+          <a:xfrm>
+            <a:off x="913795" y="581575"/>
+            <a:ext cx="10353762" cy="970450"/>
+          </a:xfrm>
+        </p:spPr>
+        <p:txBody>
+          <a:bodyPr/>
+          <a:lstStyle/>
+          <a:p>
+            <a:pPr algn="l"/>
+            <a:r>
+              <a:rPr lang="en-ZA" dirty="0"/>
+              <a:t>Evaluation of the 2 random forest models</a:t>
+            </a:r>
+          </a:p>
+        </p:txBody>
+      </p:sp>
+      <p:sp>
+        <p:nvSpPr>
+          <p:cNvPr id="3" name="Content Placeholder 2">
+            <a:extLst>
+              <a:ext uri="{FF2B5EF4-FFF2-40B4-BE49-F238E27FC236}">
+                <a16:creationId xmlns:a16="http://schemas.microsoft.com/office/drawing/2014/main" id="{F8874847-E569-F69B-C40D-D8C81D055185}"/>
+              </a:ext>
+            </a:extLst>
+          </p:cNvPr>
+          <p:cNvSpPr>
+            <a:spLocks noGrp="1"/>
+          </p:cNvSpPr>
+          <p:nvPr>
+            <p:ph idx="1"/>
+          </p:nvPr>
+        </p:nvSpPr>
+        <p:spPr/>
+        <p:txBody>
+          <a:bodyPr/>
+          <a:lstStyle/>
+          <a:p>
+            <a:r>
+              <a:rPr lang="en-ZA" dirty="0"/>
+              <a:t>Random forest on grouped by region data:</a:t>
+            </a:r>
+          </a:p>
+          <a:p>
+            <a:pPr lvl="1"/>
+            <a:r>
+              <a:rPr lang="en-ZA" dirty="0"/>
+              <a:t>We ran a cross validation exercise against this model and it performed well</a:t>
+            </a:r>
+          </a:p>
+          <a:p>
+            <a:pPr lvl="1"/>
+            <a:r>
+              <a:rPr lang="en-ZA" dirty="0"/>
+              <a:t>Mean MSE was 0.135 compared to 0.126 on the training model – the results on unseen data are consistent with the training data</a:t>
+            </a:r>
+          </a:p>
+          <a:p>
+            <a:pPr lvl="1"/>
+            <a:r>
+              <a:rPr lang="en-ZA" dirty="0"/>
+              <a:t>The standard deviation of the mean MSE is 0.052 suggesting that the model performs consistently</a:t>
+            </a:r>
+          </a:p>
+          <a:p>
+            <a:r>
+              <a:rPr lang="en-ZA" dirty="0"/>
+              <a:t>Box and whisker of the MSE cross validation:</a:t>
+            </a:r>
+          </a:p>
+          <a:p>
+            <a:pPr lvl="8"/>
+            <a:endParaRPr lang="en-ZA" dirty="0"/>
+          </a:p>
+          <a:p>
+            <a:pPr lvl="8"/>
+            <a:endParaRPr lang="en-ZA" dirty="0"/>
+          </a:p>
+          <a:p>
+            <a:pPr marL="450000" lvl="1" indent="0">
+              <a:buNone/>
+            </a:pPr>
+            <a:endParaRPr lang="en-ZA" dirty="0"/>
+          </a:p>
+        </p:txBody>
+      </p:sp>
+      <p:pic>
+        <p:nvPicPr>
+          <p:cNvPr id="5" name="Picture 4">
+            <a:extLst>
+              <a:ext uri="{FF2B5EF4-FFF2-40B4-BE49-F238E27FC236}">
+                <a16:creationId xmlns:a16="http://schemas.microsoft.com/office/drawing/2014/main" id="{939D6586-774D-56DE-AFBE-110D308ABFA8}"/>
+              </a:ext>
+            </a:extLst>
+          </p:cNvPr>
+          <p:cNvPicPr>
+            <a:picLocks noChangeAspect="1"/>
+          </p:cNvPicPr>
+          <p:nvPr/>
+        </p:nvPicPr>
+        <p:blipFill>
+          <a:blip r:embed="rId2"/>
+          <a:stretch>
+            <a:fillRect/>
+          </a:stretch>
+        </p:blipFill>
+        <p:spPr>
+          <a:xfrm>
+            <a:off x="6430297" y="3694539"/>
+            <a:ext cx="3982064" cy="2993461"/>
+          </a:xfrm>
+          <a:prstGeom prst="rect">
+            <a:avLst/>
+          </a:prstGeom>
+        </p:spPr>
+      </p:pic>
+    </p:spTree>
+    <p:extLst>
+      <p:ext uri="{BB962C8B-B14F-4D97-AF65-F5344CB8AC3E}">
+        <p14:creationId xmlns:p14="http://schemas.microsoft.com/office/powerpoint/2010/main" val="2988765166"/>
+      </p:ext>
+    </p:extLst>
+  </p:cSld>
+  <p:clrMapOvr>
+    <a:masterClrMapping/>
+  </p:clrMapOvr>
+</p:sld>
+</file>
+
+<file path=ppt/slides/slide36.xml><?xml version="1.0" encoding="utf-8"?>
 <p:sld xmlns:a="http://schemas.openxmlformats.org/drawingml/2006/main" xmlns:r="http://schemas.openxmlformats.org/officeDocument/2006/relationships" xmlns:p="http://schemas.openxmlformats.org/presentationml/2006/main">
   <p:cSld>
     <p:spTree>
@@ -10751,7 +12822,10 @@
           <a:bodyPr/>
           <a:lstStyle/>
           <a:p>
-            <a:endParaRPr lang="en-ZA"/>
+            <a:r>
+              <a:rPr lang="en-ZA" dirty="0"/>
+              <a:t>Conclusion</a:t>
+            </a:r>
           </a:p>
         </p:txBody>
       </p:sp>
